--- a/doc/Präsentation.pptx
+++ b/doc/Präsentation.pptx
@@ -4,11 +4,22 @@
   <p:sldMasterIdLst>
     <p:sldMasterId id="2147483792" r:id="rId1"/>
   </p:sldMasterIdLst>
+  <p:notesMasterIdLst>
+    <p:notesMasterId r:id="rId14"/>
+  </p:notesMasterIdLst>
   <p:sldIdLst>
     <p:sldId id="256" r:id="rId2"/>
     <p:sldId id="258" r:id="rId3"/>
     <p:sldId id="260" r:id="rId4"/>
     <p:sldId id="261" r:id="rId5"/>
+    <p:sldId id="262" r:id="rId6"/>
+    <p:sldId id="263" r:id="rId7"/>
+    <p:sldId id="264" r:id="rId8"/>
+    <p:sldId id="266" r:id="rId9"/>
+    <p:sldId id="267" r:id="rId10"/>
+    <p:sldId id="268" r:id="rId11"/>
+    <p:sldId id="269" r:id="rId12"/>
+    <p:sldId id="270" r:id="rId13"/>
   </p:sldIdLst>
   <p:sldSz cx="9144000" cy="6858000" type="screen4x3"/>
   <p:notesSz cx="6858000" cy="9144000"/>
@@ -110,6 +121,524 @@
 </p:presentation>
 </file>
 
+<file path=ppt/notesMasters/notesMaster1.xml><?xml version="1.0" encoding="utf-8"?>
+<p:notesMaster xmlns:a="http://schemas.openxmlformats.org/drawingml/2006/main" xmlns:r="http://schemas.openxmlformats.org/officeDocument/2006/relationships" xmlns:p="http://schemas.openxmlformats.org/presentationml/2006/main">
+  <p:cSld>
+    <p:bg>
+      <p:bgRef idx="1001">
+        <a:schemeClr val="bg1"/>
+      </p:bgRef>
+    </p:bg>
+    <p:spTree>
+      <p:nvGrpSpPr>
+        <p:cNvPr id="1" name=""/>
+        <p:cNvGrpSpPr/>
+        <p:nvPr/>
+      </p:nvGrpSpPr>
+      <p:grpSpPr>
+        <a:xfrm>
+          <a:off x="0" y="0"/>
+          <a:ext cx="0" cy="0"/>
+          <a:chOff x="0" y="0"/>
+          <a:chExt cx="0" cy="0"/>
+        </a:xfrm>
+      </p:grpSpPr>
+      <p:sp>
+        <p:nvSpPr>
+          <p:cNvPr id="2" name="Kopfzeilenplatzhalter 1"/>
+          <p:cNvSpPr>
+            <a:spLocks noGrp="1"/>
+          </p:cNvSpPr>
+          <p:nvPr>
+            <p:ph type="hdr" sz="quarter"/>
+          </p:nvPr>
+        </p:nvSpPr>
+        <p:spPr>
+          <a:xfrm>
+            <a:off x="0" y="0"/>
+            <a:ext cx="2971800" cy="457200"/>
+          </a:xfrm>
+          <a:prstGeom prst="rect">
+            <a:avLst/>
+          </a:prstGeom>
+        </p:spPr>
+        <p:txBody>
+          <a:bodyPr vert="horz" lIns="91440" tIns="45720" rIns="91440" bIns="45720" rtlCol="0"/>
+          <a:lstStyle>
+            <a:lvl1pPr algn="l">
+              <a:defRPr sz="1200"/>
+            </a:lvl1pPr>
+          </a:lstStyle>
+          <a:p>
+            <a:endParaRPr lang="de-CH"/>
+          </a:p>
+        </p:txBody>
+      </p:sp>
+      <p:sp>
+        <p:nvSpPr>
+          <p:cNvPr id="3" name="Datumsplatzhalter 2"/>
+          <p:cNvSpPr>
+            <a:spLocks noGrp="1"/>
+          </p:cNvSpPr>
+          <p:nvPr>
+            <p:ph type="dt" idx="1"/>
+          </p:nvPr>
+        </p:nvSpPr>
+        <p:spPr>
+          <a:xfrm>
+            <a:off x="3884613" y="0"/>
+            <a:ext cx="2971800" cy="457200"/>
+          </a:xfrm>
+          <a:prstGeom prst="rect">
+            <a:avLst/>
+          </a:prstGeom>
+        </p:spPr>
+        <p:txBody>
+          <a:bodyPr vert="horz" lIns="91440" tIns="45720" rIns="91440" bIns="45720" rtlCol="0"/>
+          <a:lstStyle>
+            <a:lvl1pPr algn="r">
+              <a:defRPr sz="1200"/>
+            </a:lvl1pPr>
+          </a:lstStyle>
+          <a:p>
+            <a:fld id="{BD524EE9-0F98-4D3D-A16D-137530EB131C}" type="datetimeFigureOut">
+              <a:rPr lang="de-CH" smtClean="0"/>
+              <a:t>05.01.2015</a:t>
+            </a:fld>
+            <a:endParaRPr lang="de-CH"/>
+          </a:p>
+        </p:txBody>
+      </p:sp>
+      <p:sp>
+        <p:nvSpPr>
+          <p:cNvPr id="4" name="Folienbildplatzhalter 3"/>
+          <p:cNvSpPr>
+            <a:spLocks noGrp="1" noRot="1" noChangeAspect="1"/>
+          </p:cNvSpPr>
+          <p:nvPr>
+            <p:ph type="sldImg" idx="2"/>
+          </p:nvPr>
+        </p:nvSpPr>
+        <p:spPr>
+          <a:xfrm>
+            <a:off x="1143000" y="685800"/>
+            <a:ext cx="4572000" cy="3429000"/>
+          </a:xfrm>
+          <a:prstGeom prst="rect">
+            <a:avLst/>
+          </a:prstGeom>
+          <a:noFill/>
+          <a:ln w="12700">
+            <a:solidFill>
+              <a:prstClr val="black"/>
+            </a:solidFill>
+          </a:ln>
+        </p:spPr>
+        <p:txBody>
+          <a:bodyPr vert="horz" lIns="91440" tIns="45720" rIns="91440" bIns="45720" rtlCol="0" anchor="ctr"/>
+          <a:lstStyle/>
+          <a:p>
+            <a:endParaRPr lang="de-CH"/>
+          </a:p>
+        </p:txBody>
+      </p:sp>
+      <p:sp>
+        <p:nvSpPr>
+          <p:cNvPr id="5" name="Notizenplatzhalter 4"/>
+          <p:cNvSpPr>
+            <a:spLocks noGrp="1"/>
+          </p:cNvSpPr>
+          <p:nvPr>
+            <p:ph type="body" sz="quarter" idx="3"/>
+          </p:nvPr>
+        </p:nvSpPr>
+        <p:spPr>
+          <a:xfrm>
+            <a:off x="685800" y="4343400"/>
+            <a:ext cx="5486400" cy="4114800"/>
+          </a:xfrm>
+          <a:prstGeom prst="rect">
+            <a:avLst/>
+          </a:prstGeom>
+        </p:spPr>
+        <p:txBody>
+          <a:bodyPr vert="horz" lIns="91440" tIns="45720" rIns="91440" bIns="45720" rtlCol="0"/>
+          <a:lstStyle/>
+          <a:p>
+            <a:pPr lvl="0"/>
+            <a:r>
+              <a:rPr lang="de-DE" smtClean="0"/>
+              <a:t>Textmasterformat bearbeiten</a:t>
+            </a:r>
+          </a:p>
+          <a:p>
+            <a:pPr lvl="1"/>
+            <a:r>
+              <a:rPr lang="de-DE" smtClean="0"/>
+              <a:t>Zweite Ebene</a:t>
+            </a:r>
+          </a:p>
+          <a:p>
+            <a:pPr lvl="2"/>
+            <a:r>
+              <a:rPr lang="de-DE" smtClean="0"/>
+              <a:t>Dritte Ebene</a:t>
+            </a:r>
+          </a:p>
+          <a:p>
+            <a:pPr lvl="3"/>
+            <a:r>
+              <a:rPr lang="de-DE" smtClean="0"/>
+              <a:t>Vierte Ebene</a:t>
+            </a:r>
+          </a:p>
+          <a:p>
+            <a:pPr lvl="4"/>
+            <a:r>
+              <a:rPr lang="de-DE" smtClean="0"/>
+              <a:t>Fünfte Ebene</a:t>
+            </a:r>
+            <a:endParaRPr lang="de-CH"/>
+          </a:p>
+        </p:txBody>
+      </p:sp>
+      <p:sp>
+        <p:nvSpPr>
+          <p:cNvPr id="6" name="Fußzeilenplatzhalter 5"/>
+          <p:cNvSpPr>
+            <a:spLocks noGrp="1"/>
+          </p:cNvSpPr>
+          <p:nvPr>
+            <p:ph type="ftr" sz="quarter" idx="4"/>
+          </p:nvPr>
+        </p:nvSpPr>
+        <p:spPr>
+          <a:xfrm>
+            <a:off x="0" y="8685213"/>
+            <a:ext cx="2971800" cy="457200"/>
+          </a:xfrm>
+          <a:prstGeom prst="rect">
+            <a:avLst/>
+          </a:prstGeom>
+        </p:spPr>
+        <p:txBody>
+          <a:bodyPr vert="horz" lIns="91440" tIns="45720" rIns="91440" bIns="45720" rtlCol="0" anchor="b"/>
+          <a:lstStyle>
+            <a:lvl1pPr algn="l">
+              <a:defRPr sz="1200"/>
+            </a:lvl1pPr>
+          </a:lstStyle>
+          <a:p>
+            <a:endParaRPr lang="de-CH"/>
+          </a:p>
+        </p:txBody>
+      </p:sp>
+      <p:sp>
+        <p:nvSpPr>
+          <p:cNvPr id="7" name="Foliennummernplatzhalter 6"/>
+          <p:cNvSpPr>
+            <a:spLocks noGrp="1"/>
+          </p:cNvSpPr>
+          <p:nvPr>
+            <p:ph type="sldNum" sz="quarter" idx="5"/>
+          </p:nvPr>
+        </p:nvSpPr>
+        <p:spPr>
+          <a:xfrm>
+            <a:off x="3884613" y="8685213"/>
+            <a:ext cx="2971800" cy="457200"/>
+          </a:xfrm>
+          <a:prstGeom prst="rect">
+            <a:avLst/>
+          </a:prstGeom>
+        </p:spPr>
+        <p:txBody>
+          <a:bodyPr vert="horz" lIns="91440" tIns="45720" rIns="91440" bIns="45720" rtlCol="0" anchor="b"/>
+          <a:lstStyle>
+            <a:lvl1pPr algn="r">
+              <a:defRPr sz="1200"/>
+            </a:lvl1pPr>
+          </a:lstStyle>
+          <a:p>
+            <a:fld id="{5A1C3CBA-C147-468E-B3D9-EB2B31A74A73}" type="slidenum">
+              <a:rPr lang="de-CH" smtClean="0"/>
+              <a:t>‹Nr.›</a:t>
+            </a:fld>
+            <a:endParaRPr lang="de-CH"/>
+          </a:p>
+        </p:txBody>
+      </p:sp>
+    </p:spTree>
+    <p:extLst>
+      <p:ext uri="{BB962C8B-B14F-4D97-AF65-F5344CB8AC3E}">
+        <p14:creationId xmlns:p14="http://schemas.microsoft.com/office/powerpoint/2010/main" val="3100961256"/>
+      </p:ext>
+    </p:extLst>
+  </p:cSld>
+  <p:clrMap bg1="lt1" tx1="dk1" bg2="lt2" tx2="dk2" accent1="accent1" accent2="accent2" accent3="accent3" accent4="accent4" accent5="accent5" accent6="accent6" hlink="hlink" folHlink="folHlink"/>
+  <p:notesStyle>
+    <a:lvl1pPr marL="0" algn="l" defTabSz="914400" rtl="0" eaLnBrk="1" latinLnBrk="0" hangingPunct="1">
+      <a:defRPr sz="1200" kern="1200">
+        <a:solidFill>
+          <a:schemeClr val="tx1"/>
+        </a:solidFill>
+        <a:latin typeface="+mn-lt"/>
+        <a:ea typeface="+mn-ea"/>
+        <a:cs typeface="+mn-cs"/>
+      </a:defRPr>
+    </a:lvl1pPr>
+    <a:lvl2pPr marL="457200" algn="l" defTabSz="914400" rtl="0" eaLnBrk="1" latinLnBrk="0" hangingPunct="1">
+      <a:defRPr sz="1200" kern="1200">
+        <a:solidFill>
+          <a:schemeClr val="tx1"/>
+        </a:solidFill>
+        <a:latin typeface="+mn-lt"/>
+        <a:ea typeface="+mn-ea"/>
+        <a:cs typeface="+mn-cs"/>
+      </a:defRPr>
+    </a:lvl2pPr>
+    <a:lvl3pPr marL="914400" algn="l" defTabSz="914400" rtl="0" eaLnBrk="1" latinLnBrk="0" hangingPunct="1">
+      <a:defRPr sz="1200" kern="1200">
+        <a:solidFill>
+          <a:schemeClr val="tx1"/>
+        </a:solidFill>
+        <a:latin typeface="+mn-lt"/>
+        <a:ea typeface="+mn-ea"/>
+        <a:cs typeface="+mn-cs"/>
+      </a:defRPr>
+    </a:lvl3pPr>
+    <a:lvl4pPr marL="1371600" algn="l" defTabSz="914400" rtl="0" eaLnBrk="1" latinLnBrk="0" hangingPunct="1">
+      <a:defRPr sz="1200" kern="1200">
+        <a:solidFill>
+          <a:schemeClr val="tx1"/>
+        </a:solidFill>
+        <a:latin typeface="+mn-lt"/>
+        <a:ea typeface="+mn-ea"/>
+        <a:cs typeface="+mn-cs"/>
+      </a:defRPr>
+    </a:lvl4pPr>
+    <a:lvl5pPr marL="1828800" algn="l" defTabSz="914400" rtl="0" eaLnBrk="1" latinLnBrk="0" hangingPunct="1">
+      <a:defRPr sz="1200" kern="1200">
+        <a:solidFill>
+          <a:schemeClr val="tx1"/>
+        </a:solidFill>
+        <a:latin typeface="+mn-lt"/>
+        <a:ea typeface="+mn-ea"/>
+        <a:cs typeface="+mn-cs"/>
+      </a:defRPr>
+    </a:lvl5pPr>
+    <a:lvl6pPr marL="2286000" algn="l" defTabSz="914400" rtl="0" eaLnBrk="1" latinLnBrk="0" hangingPunct="1">
+      <a:defRPr sz="1200" kern="1200">
+        <a:solidFill>
+          <a:schemeClr val="tx1"/>
+        </a:solidFill>
+        <a:latin typeface="+mn-lt"/>
+        <a:ea typeface="+mn-ea"/>
+        <a:cs typeface="+mn-cs"/>
+      </a:defRPr>
+    </a:lvl6pPr>
+    <a:lvl7pPr marL="2743200" algn="l" defTabSz="914400" rtl="0" eaLnBrk="1" latinLnBrk="0" hangingPunct="1">
+      <a:defRPr sz="1200" kern="1200">
+        <a:solidFill>
+          <a:schemeClr val="tx1"/>
+        </a:solidFill>
+        <a:latin typeface="+mn-lt"/>
+        <a:ea typeface="+mn-ea"/>
+        <a:cs typeface="+mn-cs"/>
+      </a:defRPr>
+    </a:lvl7pPr>
+    <a:lvl8pPr marL="3200400" algn="l" defTabSz="914400" rtl="0" eaLnBrk="1" latinLnBrk="0" hangingPunct="1">
+      <a:defRPr sz="1200" kern="1200">
+        <a:solidFill>
+          <a:schemeClr val="tx1"/>
+        </a:solidFill>
+        <a:latin typeface="+mn-lt"/>
+        <a:ea typeface="+mn-ea"/>
+        <a:cs typeface="+mn-cs"/>
+      </a:defRPr>
+    </a:lvl8pPr>
+    <a:lvl9pPr marL="3657600" algn="l" defTabSz="914400" rtl="0" eaLnBrk="1" latinLnBrk="0" hangingPunct="1">
+      <a:defRPr sz="1200" kern="1200">
+        <a:solidFill>
+          <a:schemeClr val="tx1"/>
+        </a:solidFill>
+        <a:latin typeface="+mn-lt"/>
+        <a:ea typeface="+mn-ea"/>
+        <a:cs typeface="+mn-cs"/>
+      </a:defRPr>
+    </a:lvl9pPr>
+  </p:notesStyle>
+</p:notesMaster>
+</file>
+
+<file path=ppt/notesSlides/notesSlide1.xml><?xml version="1.0" encoding="utf-8"?>
+<p:notes xmlns:a="http://schemas.openxmlformats.org/drawingml/2006/main" xmlns:r="http://schemas.openxmlformats.org/officeDocument/2006/relationships" xmlns:p="http://schemas.openxmlformats.org/presentationml/2006/main">
+  <p:cSld>
+    <p:spTree>
+      <p:nvGrpSpPr>
+        <p:cNvPr id="1" name=""/>
+        <p:cNvGrpSpPr/>
+        <p:nvPr/>
+      </p:nvGrpSpPr>
+      <p:grpSpPr>
+        <a:xfrm>
+          <a:off x="0" y="0"/>
+          <a:ext cx="0" cy="0"/>
+          <a:chOff x="0" y="0"/>
+          <a:chExt cx="0" cy="0"/>
+        </a:xfrm>
+      </p:grpSpPr>
+      <p:sp>
+        <p:nvSpPr>
+          <p:cNvPr id="2" name="Folienbildplatzhalter 1"/>
+          <p:cNvSpPr>
+            <a:spLocks noGrp="1" noRot="1" noChangeAspect="1"/>
+          </p:cNvSpPr>
+          <p:nvPr>
+            <p:ph type="sldImg"/>
+          </p:nvPr>
+        </p:nvSpPr>
+        <p:spPr/>
+      </p:sp>
+      <p:sp>
+        <p:nvSpPr>
+          <p:cNvPr id="3" name="Notizenplatzhalter 2"/>
+          <p:cNvSpPr>
+            <a:spLocks noGrp="1"/>
+          </p:cNvSpPr>
+          <p:nvPr>
+            <p:ph type="body" idx="1"/>
+          </p:nvPr>
+        </p:nvSpPr>
+        <p:spPr/>
+        <p:txBody>
+          <a:bodyPr/>
+          <a:lstStyle/>
+          <a:p>
+            <a:endParaRPr lang="de-CH" dirty="0"/>
+          </a:p>
+        </p:txBody>
+      </p:sp>
+      <p:sp>
+        <p:nvSpPr>
+          <p:cNvPr id="4" name="Foliennummernplatzhalter 3"/>
+          <p:cNvSpPr>
+            <a:spLocks noGrp="1"/>
+          </p:cNvSpPr>
+          <p:nvPr>
+            <p:ph type="sldNum" sz="quarter" idx="10"/>
+          </p:nvPr>
+        </p:nvSpPr>
+        <p:spPr/>
+        <p:txBody>
+          <a:bodyPr/>
+          <a:lstStyle/>
+          <a:p>
+            <a:fld id="{5A1C3CBA-C147-468E-B3D9-EB2B31A74A73}" type="slidenum">
+              <a:rPr lang="de-CH" smtClean="0"/>
+              <a:t>1</a:t>
+            </a:fld>
+            <a:endParaRPr lang="de-CH"/>
+          </a:p>
+        </p:txBody>
+      </p:sp>
+    </p:spTree>
+    <p:extLst>
+      <p:ext uri="{BB962C8B-B14F-4D97-AF65-F5344CB8AC3E}">
+        <p14:creationId xmlns:p14="http://schemas.microsoft.com/office/powerpoint/2010/main" val="3445233670"/>
+      </p:ext>
+    </p:extLst>
+  </p:cSld>
+  <p:clrMapOvr>
+    <a:masterClrMapping/>
+  </p:clrMapOvr>
+</p:notes>
+</file>
+
+<file path=ppt/notesSlides/notesSlide2.xml><?xml version="1.0" encoding="utf-8"?>
+<p:notes xmlns:a="http://schemas.openxmlformats.org/drawingml/2006/main" xmlns:r="http://schemas.openxmlformats.org/officeDocument/2006/relationships" xmlns:p="http://schemas.openxmlformats.org/presentationml/2006/main">
+  <p:cSld>
+    <p:spTree>
+      <p:nvGrpSpPr>
+        <p:cNvPr id="1" name=""/>
+        <p:cNvGrpSpPr/>
+        <p:nvPr/>
+      </p:nvGrpSpPr>
+      <p:grpSpPr>
+        <a:xfrm>
+          <a:off x="0" y="0"/>
+          <a:ext cx="0" cy="0"/>
+          <a:chOff x="0" y="0"/>
+          <a:chExt cx="0" cy="0"/>
+        </a:xfrm>
+      </p:grpSpPr>
+      <p:sp>
+        <p:nvSpPr>
+          <p:cNvPr id="2" name="Folienbildplatzhalter 1"/>
+          <p:cNvSpPr>
+            <a:spLocks noGrp="1" noRot="1" noChangeAspect="1"/>
+          </p:cNvSpPr>
+          <p:nvPr>
+            <p:ph type="sldImg"/>
+          </p:nvPr>
+        </p:nvSpPr>
+        <p:spPr/>
+      </p:sp>
+      <p:sp>
+        <p:nvSpPr>
+          <p:cNvPr id="3" name="Notizenplatzhalter 2"/>
+          <p:cNvSpPr>
+            <a:spLocks noGrp="1"/>
+          </p:cNvSpPr>
+          <p:nvPr>
+            <p:ph type="body" idx="1"/>
+          </p:nvPr>
+        </p:nvSpPr>
+        <p:spPr/>
+        <p:txBody>
+          <a:bodyPr/>
+          <a:lstStyle/>
+          <a:p>
+            <a:endParaRPr lang="de-CH" dirty="0"/>
+          </a:p>
+        </p:txBody>
+      </p:sp>
+      <p:sp>
+        <p:nvSpPr>
+          <p:cNvPr id="4" name="Foliennummernplatzhalter 3"/>
+          <p:cNvSpPr>
+            <a:spLocks noGrp="1"/>
+          </p:cNvSpPr>
+          <p:nvPr>
+            <p:ph type="sldNum" sz="quarter" idx="10"/>
+          </p:nvPr>
+        </p:nvSpPr>
+        <p:spPr/>
+        <p:txBody>
+          <a:bodyPr/>
+          <a:lstStyle/>
+          <a:p>
+            <a:fld id="{5A1C3CBA-C147-468E-B3D9-EB2B31A74A73}" type="slidenum">
+              <a:rPr lang="de-CH" smtClean="0"/>
+              <a:t>3</a:t>
+            </a:fld>
+            <a:endParaRPr lang="de-CH"/>
+          </a:p>
+        </p:txBody>
+      </p:sp>
+    </p:spTree>
+    <p:extLst>
+      <p:ext uri="{BB962C8B-B14F-4D97-AF65-F5344CB8AC3E}">
+        <p14:creationId xmlns:p14="http://schemas.microsoft.com/office/powerpoint/2010/main" val="1046251014"/>
+      </p:ext>
+    </p:extLst>
+  </p:cSld>
+  <p:clrMapOvr>
+    <a:masterClrMapping/>
+  </p:clrMapOvr>
+</p:notes>
+</file>
+
 <file path=ppt/slideLayouts/slideLayout1.xml><?xml version="1.0" encoding="utf-8"?>
 <p:sldLayout xmlns:a="http://schemas.openxmlformats.org/drawingml/2006/main" xmlns:r="http://schemas.openxmlformats.org/officeDocument/2006/relationships" xmlns:p="http://schemas.openxmlformats.org/presentationml/2006/main" type="title" preserve="1">
   <p:cSld name="Titelfolie">
@@ -304,7 +833,7 @@
           <a:p>
             <a:fld id="{3C171AA7-1DF9-4018-97D4-AC9B5E4873AF}" type="datetimeFigureOut">
               <a:rPr lang="de-CH" smtClean="0"/>
-              <a:t>04.01.2015</a:t>
+              <a:t>05.01.2015</a:t>
             </a:fld>
             <a:endParaRPr lang="de-CH"/>
           </a:p>
@@ -469,7 +998,7 @@
           <a:p>
             <a:fld id="{3C171AA7-1DF9-4018-97D4-AC9B5E4873AF}" type="datetimeFigureOut">
               <a:rPr lang="de-CH" smtClean="0"/>
-              <a:t>04.01.2015</a:t>
+              <a:t>05.01.2015</a:t>
             </a:fld>
             <a:endParaRPr lang="de-CH"/>
           </a:p>
@@ -644,7 +1173,7 @@
           <a:p>
             <a:fld id="{3C171AA7-1DF9-4018-97D4-AC9B5E4873AF}" type="datetimeFigureOut">
               <a:rPr lang="de-CH" smtClean="0"/>
-              <a:t>04.01.2015</a:t>
+              <a:t>05.01.2015</a:t>
             </a:fld>
             <a:endParaRPr lang="de-CH"/>
           </a:p>
@@ -809,7 +1338,7 @@
           <a:p>
             <a:fld id="{3C171AA7-1DF9-4018-97D4-AC9B5E4873AF}" type="datetimeFigureOut">
               <a:rPr lang="de-CH" smtClean="0"/>
-              <a:t>04.01.2015</a:t>
+              <a:t>05.01.2015</a:t>
             </a:fld>
             <a:endParaRPr lang="de-CH"/>
           </a:p>
@@ -1050,7 +1579,7 @@
           <a:p>
             <a:fld id="{3C171AA7-1DF9-4018-97D4-AC9B5E4873AF}" type="datetimeFigureOut">
               <a:rPr lang="de-CH" smtClean="0"/>
-              <a:t>04.01.2015</a:t>
+              <a:t>05.01.2015</a:t>
             </a:fld>
             <a:endParaRPr lang="de-CH"/>
           </a:p>
@@ -1333,7 +1862,7 @@
           <a:p>
             <a:fld id="{3C171AA7-1DF9-4018-97D4-AC9B5E4873AF}" type="datetimeFigureOut">
               <a:rPr lang="de-CH" smtClean="0"/>
-              <a:t>04.01.2015</a:t>
+              <a:t>05.01.2015</a:t>
             </a:fld>
             <a:endParaRPr lang="de-CH"/>
           </a:p>
@@ -1762,7 +2291,7 @@
           <a:p>
             <a:fld id="{3C171AA7-1DF9-4018-97D4-AC9B5E4873AF}" type="datetimeFigureOut">
               <a:rPr lang="de-CH" smtClean="0"/>
-              <a:t>04.01.2015</a:t>
+              <a:t>05.01.2015</a:t>
             </a:fld>
             <a:endParaRPr lang="de-CH"/>
           </a:p>
@@ -1875,7 +2404,7 @@
           <a:p>
             <a:fld id="{3C171AA7-1DF9-4018-97D4-AC9B5E4873AF}" type="datetimeFigureOut">
               <a:rPr lang="de-CH" smtClean="0"/>
-              <a:t>04.01.2015</a:t>
+              <a:t>05.01.2015</a:t>
             </a:fld>
             <a:endParaRPr lang="de-CH"/>
           </a:p>
@@ -1965,7 +2494,7 @@
           <a:p>
             <a:fld id="{3C171AA7-1DF9-4018-97D4-AC9B5E4873AF}" type="datetimeFigureOut">
               <a:rPr lang="de-CH" smtClean="0"/>
-              <a:t>04.01.2015</a:t>
+              <a:t>05.01.2015</a:t>
             </a:fld>
             <a:endParaRPr lang="de-CH"/>
           </a:p>
@@ -2154,7 +2683,7 @@
           <a:p>
             <a:fld id="{3C171AA7-1DF9-4018-97D4-AC9B5E4873AF}" type="datetimeFigureOut">
               <a:rPr lang="de-CH" smtClean="0"/>
-              <a:t>04.01.2015</a:t>
+              <a:t>05.01.2015</a:t>
             </a:fld>
             <a:endParaRPr lang="de-CH"/>
           </a:p>
@@ -2472,7 +3001,7 @@
           <a:p>
             <a:fld id="{3C171AA7-1DF9-4018-97D4-AC9B5E4873AF}" type="datetimeFigureOut">
               <a:rPr lang="de-CH" smtClean="0"/>
-              <a:t>04.01.2015</a:t>
+              <a:t>05.01.2015</a:t>
             </a:fld>
             <a:endParaRPr lang="de-CH"/>
           </a:p>
@@ -2851,7 +3380,7 @@
           <a:p>
             <a:fld id="{3C171AA7-1DF9-4018-97D4-AC9B5E4873AF}" type="datetimeFigureOut">
               <a:rPr lang="de-CH" smtClean="0"/>
-              <a:t>04.01.2015</a:t>
+              <a:t>05.01.2015</a:t>
             </a:fld>
             <a:endParaRPr lang="de-CH"/>
           </a:p>
@@ -3258,6 +3787,289 @@
 </p:sld>
 </file>
 
+<file path=ppt/slides/slide10.xml><?xml version="1.0" encoding="utf-8"?>
+<p:sld xmlns:a="http://schemas.openxmlformats.org/drawingml/2006/main" xmlns:r="http://schemas.openxmlformats.org/officeDocument/2006/relationships" xmlns:p="http://schemas.openxmlformats.org/presentationml/2006/main">
+  <p:cSld>
+    <p:spTree>
+      <p:nvGrpSpPr>
+        <p:cNvPr id="1" name=""/>
+        <p:cNvGrpSpPr/>
+        <p:nvPr/>
+      </p:nvGrpSpPr>
+      <p:grpSpPr>
+        <a:xfrm>
+          <a:off x="0" y="0"/>
+          <a:ext cx="0" cy="0"/>
+          <a:chOff x="0" y="0"/>
+          <a:chExt cx="0" cy="0"/>
+        </a:xfrm>
+      </p:grpSpPr>
+      <p:sp>
+        <p:nvSpPr>
+          <p:cNvPr id="2" name="Titel 1"/>
+          <p:cNvSpPr>
+            <a:spLocks noGrp="1"/>
+          </p:cNvSpPr>
+          <p:nvPr>
+            <p:ph type="title"/>
+          </p:nvPr>
+        </p:nvSpPr>
+        <p:spPr/>
+        <p:txBody>
+          <a:bodyPr/>
+          <a:lstStyle/>
+          <a:p>
+            <a:r>
+              <a:rPr lang="de-CH" dirty="0" smtClean="0"/>
+              <a:t>Team	</a:t>
+            </a:r>
+            <a:endParaRPr lang="de-CH" dirty="0"/>
+          </a:p>
+        </p:txBody>
+      </p:sp>
+      <p:sp>
+        <p:nvSpPr>
+          <p:cNvPr id="3" name="Inhaltsplatzhalter 2"/>
+          <p:cNvSpPr>
+            <a:spLocks noGrp="1"/>
+          </p:cNvSpPr>
+          <p:nvPr>
+            <p:ph idx="1"/>
+          </p:nvPr>
+        </p:nvSpPr>
+        <p:spPr/>
+        <p:txBody>
+          <a:bodyPr/>
+          <a:lstStyle/>
+          <a:p>
+            <a:r>
+              <a:rPr lang="de-CH" dirty="0" smtClean="0"/>
+              <a:t>Gut geklappt</a:t>
+            </a:r>
+            <a:endParaRPr lang="de-CH" dirty="0"/>
+          </a:p>
+        </p:txBody>
+      </p:sp>
+    </p:spTree>
+    <p:extLst>
+      <p:ext uri="{BB962C8B-B14F-4D97-AF65-F5344CB8AC3E}">
+        <p14:creationId xmlns:p14="http://schemas.microsoft.com/office/powerpoint/2010/main" val="3651541254"/>
+      </p:ext>
+    </p:extLst>
+  </p:cSld>
+  <p:clrMapOvr>
+    <a:masterClrMapping/>
+  </p:clrMapOvr>
+</p:sld>
+</file>
+
+<file path=ppt/slides/slide11.xml><?xml version="1.0" encoding="utf-8"?>
+<p:sld xmlns:a="http://schemas.openxmlformats.org/drawingml/2006/main" xmlns:r="http://schemas.openxmlformats.org/officeDocument/2006/relationships" xmlns:p="http://schemas.openxmlformats.org/presentationml/2006/main">
+  <p:cSld>
+    <p:spTree>
+      <p:nvGrpSpPr>
+        <p:cNvPr id="1" name=""/>
+        <p:cNvGrpSpPr/>
+        <p:nvPr/>
+      </p:nvGrpSpPr>
+      <p:grpSpPr>
+        <a:xfrm>
+          <a:off x="0" y="0"/>
+          <a:ext cx="0" cy="0"/>
+          <a:chOff x="0" y="0"/>
+          <a:chExt cx="0" cy="0"/>
+        </a:xfrm>
+      </p:grpSpPr>
+      <p:sp>
+        <p:nvSpPr>
+          <p:cNvPr id="2" name="Titel 1"/>
+          <p:cNvSpPr>
+            <a:spLocks noGrp="1"/>
+          </p:cNvSpPr>
+          <p:nvPr>
+            <p:ph type="title"/>
+          </p:nvPr>
+        </p:nvSpPr>
+        <p:spPr/>
+        <p:txBody>
+          <a:bodyPr/>
+          <a:lstStyle/>
+          <a:p>
+            <a:r>
+              <a:rPr lang="de-CH" dirty="0" err="1" smtClean="0"/>
+              <a:t>Lessons</a:t>
+            </a:r>
+            <a:r>
+              <a:rPr lang="de-CH" dirty="0" smtClean="0"/>
+              <a:t> </a:t>
+            </a:r>
+            <a:r>
+              <a:rPr lang="de-CH" dirty="0" err="1"/>
+              <a:t>learnt</a:t>
+            </a:r>
+            <a:endParaRPr lang="de-CH" dirty="0"/>
+          </a:p>
+        </p:txBody>
+      </p:sp>
+      <p:sp>
+        <p:nvSpPr>
+          <p:cNvPr id="3" name="Inhaltsplatzhalter 2"/>
+          <p:cNvSpPr>
+            <a:spLocks noGrp="1"/>
+          </p:cNvSpPr>
+          <p:nvPr>
+            <p:ph idx="1"/>
+          </p:nvPr>
+        </p:nvSpPr>
+        <p:spPr/>
+        <p:txBody>
+          <a:bodyPr/>
+          <a:lstStyle/>
+          <a:p>
+            <a:r>
+              <a:rPr lang="de-CH" dirty="0" smtClean="0"/>
+              <a:t>+</a:t>
+            </a:r>
+          </a:p>
+          <a:p>
+            <a:r>
+              <a:rPr lang="de-CH" dirty="0" smtClean="0"/>
+              <a:t>Allgemeine Grundkenntnisse Web</a:t>
+            </a:r>
+          </a:p>
+          <a:p>
+            <a:endParaRPr lang="de-CH" dirty="0" smtClean="0"/>
+          </a:p>
+          <a:p>
+            <a:endParaRPr lang="de-CH" dirty="0"/>
+          </a:p>
+          <a:p>
+            <a:endParaRPr lang="de-CH" dirty="0" smtClean="0"/>
+          </a:p>
+          <a:p>
+            <a:r>
+              <a:rPr lang="de-CH" dirty="0" smtClean="0"/>
+              <a:t>-</a:t>
+            </a:r>
+            <a:endParaRPr lang="de-CH" dirty="0"/>
+          </a:p>
+          <a:p>
+            <a:r>
+              <a:rPr lang="de-CH" dirty="0" err="1" smtClean="0"/>
+              <a:t>Javascript</a:t>
+            </a:r>
+            <a:r>
+              <a:rPr lang="de-CH" dirty="0" smtClean="0"/>
+              <a:t> OO </a:t>
+            </a:r>
+            <a:r>
+              <a:rPr lang="de-CH" dirty="0" err="1" smtClean="0"/>
+              <a:t>isch</a:t>
+            </a:r>
+            <a:r>
+              <a:rPr lang="de-CH" dirty="0" smtClean="0"/>
+              <a:t> </a:t>
+            </a:r>
+            <a:r>
+              <a:rPr lang="de-CH" dirty="0" err="1" smtClean="0"/>
+              <a:t>crap</a:t>
+            </a:r>
+            <a:endParaRPr lang="de-CH" dirty="0" smtClean="0"/>
+          </a:p>
+          <a:p>
+            <a:r>
+              <a:rPr lang="de-CH" dirty="0" smtClean="0"/>
+              <a:t>CSS-Framework verwenden</a:t>
+            </a:r>
+            <a:endParaRPr lang="de-CH" dirty="0"/>
+          </a:p>
+        </p:txBody>
+      </p:sp>
+    </p:spTree>
+    <p:extLst>
+      <p:ext uri="{BB962C8B-B14F-4D97-AF65-F5344CB8AC3E}">
+        <p14:creationId xmlns:p14="http://schemas.microsoft.com/office/powerpoint/2010/main" val="2687882296"/>
+      </p:ext>
+    </p:extLst>
+  </p:cSld>
+  <p:clrMapOvr>
+    <a:masterClrMapping/>
+  </p:clrMapOvr>
+</p:sld>
+</file>
+
+<file path=ppt/slides/slide12.xml><?xml version="1.0" encoding="utf-8"?>
+<p:sld xmlns:a="http://schemas.openxmlformats.org/drawingml/2006/main" xmlns:r="http://schemas.openxmlformats.org/officeDocument/2006/relationships" xmlns:p="http://schemas.openxmlformats.org/presentationml/2006/main">
+  <p:cSld>
+    <p:spTree>
+      <p:nvGrpSpPr>
+        <p:cNvPr id="1" name=""/>
+        <p:cNvGrpSpPr/>
+        <p:nvPr/>
+      </p:nvGrpSpPr>
+      <p:grpSpPr>
+        <a:xfrm>
+          <a:off x="0" y="0"/>
+          <a:ext cx="0" cy="0"/>
+          <a:chOff x="0" y="0"/>
+          <a:chExt cx="0" cy="0"/>
+        </a:xfrm>
+      </p:grpSpPr>
+      <p:sp>
+        <p:nvSpPr>
+          <p:cNvPr id="2" name="Titel 1"/>
+          <p:cNvSpPr>
+            <a:spLocks noGrp="1"/>
+          </p:cNvSpPr>
+          <p:nvPr>
+            <p:ph type="title"/>
+          </p:nvPr>
+        </p:nvSpPr>
+        <p:spPr/>
+        <p:txBody>
+          <a:bodyPr/>
+          <a:lstStyle/>
+          <a:p>
+            <a:r>
+              <a:rPr lang="de-CH" dirty="0" smtClean="0"/>
+              <a:t>Fragen?</a:t>
+            </a:r>
+            <a:endParaRPr lang="de-CH" dirty="0"/>
+          </a:p>
+        </p:txBody>
+      </p:sp>
+      <p:sp>
+        <p:nvSpPr>
+          <p:cNvPr id="3" name="Inhaltsplatzhalter 2"/>
+          <p:cNvSpPr>
+            <a:spLocks noGrp="1"/>
+          </p:cNvSpPr>
+          <p:nvPr>
+            <p:ph idx="1"/>
+          </p:nvPr>
+        </p:nvSpPr>
+        <p:spPr/>
+        <p:txBody>
+          <a:bodyPr/>
+          <a:lstStyle/>
+          <a:p>
+            <a:endParaRPr lang="de-CH"/>
+          </a:p>
+        </p:txBody>
+      </p:sp>
+    </p:spTree>
+    <p:extLst>
+      <p:ext uri="{BB962C8B-B14F-4D97-AF65-F5344CB8AC3E}">
+        <p14:creationId xmlns:p14="http://schemas.microsoft.com/office/powerpoint/2010/main" val="1253361607"/>
+      </p:ext>
+    </p:extLst>
+  </p:cSld>
+  <p:clrMapOvr>
+    <a:masterClrMapping/>
+  </p:clrMapOvr>
+</p:sld>
+</file>
+
 <file path=ppt/slides/slide2.xml><?xml version="1.0" encoding="utf-8"?>
 <p:sld xmlns:a="http://schemas.openxmlformats.org/drawingml/2006/main" xmlns:r="http://schemas.openxmlformats.org/officeDocument/2006/relationships" xmlns:p="http://schemas.openxmlformats.org/presentationml/2006/main">
   <p:cSld>
@@ -3323,7 +4135,6 @@
               <a:rPr lang="de-CH" dirty="0" smtClean="0"/>
               <a:t>Verwendete Technologien</a:t>
             </a:r>
-            <a:endParaRPr lang="de-CH" dirty="0" smtClean="0"/>
           </a:p>
           <a:p>
             <a:r>
@@ -3424,13 +4235,13 @@
           <a:p>
             <a:r>
               <a:rPr lang="de-CH" dirty="0">
-                <a:hlinkClick r:id="rId2"/>
+                <a:hlinkClick r:id="rId3"/>
               </a:rPr>
               <a:t>http://</a:t>
             </a:r>
             <a:r>
               <a:rPr lang="de-CH" dirty="0" smtClean="0">
-                <a:hlinkClick r:id="rId2"/>
+                <a:hlinkClick r:id="rId3"/>
               </a:rPr>
               <a:t>localhost/webshop/ch.bfh.bti7054.w2014.p.beerwebshop/index.php</a:t>
             </a:r>
@@ -3511,10 +4322,32 @@
           <a:p>
             <a:r>
               <a:rPr lang="de-CH" dirty="0" smtClean="0"/>
-              <a:t>PayPal API</a:t>
-            </a:r>
-          </a:p>
-          <a:p>
+              <a:t>XAMPP/PHP/JavaScript/</a:t>
+            </a:r>
+            <a:r>
+              <a:rPr lang="de-CH" dirty="0" err="1" smtClean="0"/>
+              <a:t>Mysql</a:t>
+            </a:r>
+            <a:r>
+              <a:rPr lang="de-CH" dirty="0" smtClean="0"/>
+              <a:t>/HTML/AJAX</a:t>
+            </a:r>
+          </a:p>
+          <a:p>
+            <a:endParaRPr lang="de-CH" dirty="0"/>
+          </a:p>
+          <a:p>
+            <a:r>
+              <a:rPr lang="de-CH" dirty="0" smtClean="0"/>
+              <a:t>PayPal </a:t>
+            </a:r>
+            <a:r>
+              <a:rPr lang="de-CH" dirty="0" smtClean="0"/>
+              <a:t>API</a:t>
+            </a:r>
+          </a:p>
+          <a:p>
+            <a:pPr lvl="1"/>
             <a:r>
               <a:rPr lang="de-CH" dirty="0">
                 <a:hlinkClick r:id="rId2"/>
@@ -3532,12 +4365,477 @@
           <a:p>
             <a:endParaRPr lang="de-CH" dirty="0"/>
           </a:p>
+          <a:p>
+            <a:r>
+              <a:rPr lang="de-CH" dirty="0" smtClean="0"/>
+              <a:t>Webservice </a:t>
+            </a:r>
+            <a:endParaRPr lang="de-CH" dirty="0" smtClean="0"/>
+          </a:p>
+          <a:p>
+            <a:endParaRPr lang="de-CH" dirty="0"/>
+          </a:p>
         </p:txBody>
       </p:sp>
     </p:spTree>
     <p:extLst>
       <p:ext uri="{BB962C8B-B14F-4D97-AF65-F5344CB8AC3E}">
         <p14:creationId xmlns:p14="http://schemas.microsoft.com/office/powerpoint/2010/main" val="797440309"/>
+      </p:ext>
+    </p:extLst>
+  </p:cSld>
+  <p:clrMapOvr>
+    <a:masterClrMapping/>
+  </p:clrMapOvr>
+</p:sld>
+</file>
+
+<file path=ppt/slides/slide5.xml><?xml version="1.0" encoding="utf-8"?>
+<p:sld xmlns:a="http://schemas.openxmlformats.org/drawingml/2006/main" xmlns:r="http://schemas.openxmlformats.org/officeDocument/2006/relationships" xmlns:p="http://schemas.openxmlformats.org/presentationml/2006/main">
+  <p:cSld>
+    <p:spTree>
+      <p:nvGrpSpPr>
+        <p:cNvPr id="1" name=""/>
+        <p:cNvGrpSpPr/>
+        <p:nvPr/>
+      </p:nvGrpSpPr>
+      <p:grpSpPr>
+        <a:xfrm>
+          <a:off x="0" y="0"/>
+          <a:ext cx="0" cy="0"/>
+          <a:chOff x="0" y="0"/>
+          <a:chExt cx="0" cy="0"/>
+        </a:xfrm>
+      </p:grpSpPr>
+      <p:sp>
+        <p:nvSpPr>
+          <p:cNvPr id="2" name="Titel 1"/>
+          <p:cNvSpPr>
+            <a:spLocks noGrp="1"/>
+          </p:cNvSpPr>
+          <p:nvPr>
+            <p:ph type="title"/>
+          </p:nvPr>
+        </p:nvSpPr>
+        <p:spPr/>
+        <p:txBody>
+          <a:bodyPr/>
+          <a:lstStyle/>
+          <a:p>
+            <a:r>
+              <a:rPr lang="en-US" dirty="0"/>
+              <a:t>Task 2.2: Main HTML Page</a:t>
+            </a:r>
+            <a:endParaRPr lang="de-CH" dirty="0"/>
+          </a:p>
+        </p:txBody>
+      </p:sp>
+      <p:pic>
+        <p:nvPicPr>
+          <p:cNvPr id="1026" name="Picture 2"/>
+          <p:cNvPicPr>
+            <a:picLocks noGrp="1" noChangeAspect="1" noChangeArrowheads="1"/>
+          </p:cNvPicPr>
+          <p:nvPr>
+            <p:ph idx="1"/>
+          </p:nvPr>
+        </p:nvPicPr>
+        <p:blipFill>
+          <a:blip r:embed="rId2">
+            <a:extLst>
+              <a:ext uri="{28A0092B-C50C-407E-A947-70E740481C1C}">
+                <a14:useLocalDpi xmlns:a14="http://schemas.microsoft.com/office/drawing/2010/main" val="0"/>
+              </a:ext>
+            </a:extLst>
+          </a:blip>
+          <a:srcRect/>
+          <a:stretch>
+            <a:fillRect/>
+          </a:stretch>
+        </p:blipFill>
+        <p:spPr bwMode="auto">
+          <a:xfrm>
+            <a:off x="938162" y="1600200"/>
+            <a:ext cx="6658075" cy="4800600"/>
+          </a:xfrm>
+          <a:prstGeom prst="rect">
+            <a:avLst/>
+          </a:prstGeom>
+          <a:noFill/>
+          <a:ln>
+            <a:noFill/>
+          </a:ln>
+          <a:extLst>
+            <a:ext uri="{909E8E84-426E-40DD-AFC4-6F175D3DCCD1}">
+              <a14:hiddenFill xmlns:a14="http://schemas.microsoft.com/office/drawing/2010/main">
+                <a:solidFill>
+                  <a:schemeClr val="accent1"/>
+                </a:solidFill>
+              </a14:hiddenFill>
+            </a:ext>
+            <a:ext uri="{91240B29-F687-4F45-9708-019B960494DF}">
+              <a14:hiddenLine xmlns:a14="http://schemas.microsoft.com/office/drawing/2010/main" w="9525">
+                <a:solidFill>
+                  <a:schemeClr val="tx1"/>
+                </a:solidFill>
+                <a:miter lim="800000"/>
+                <a:headEnd/>
+                <a:tailEnd/>
+              </a14:hiddenLine>
+            </a:ext>
+          </a:extLst>
+        </p:spPr>
+      </p:pic>
+    </p:spTree>
+    <p:extLst>
+      <p:ext uri="{BB962C8B-B14F-4D97-AF65-F5344CB8AC3E}">
+        <p14:creationId xmlns:p14="http://schemas.microsoft.com/office/powerpoint/2010/main" val="2790683937"/>
+      </p:ext>
+    </p:extLst>
+  </p:cSld>
+  <p:clrMapOvr>
+    <a:masterClrMapping/>
+  </p:clrMapOvr>
+</p:sld>
+</file>
+
+<file path=ppt/slides/slide6.xml><?xml version="1.0" encoding="utf-8"?>
+<p:sld xmlns:a="http://schemas.openxmlformats.org/drawingml/2006/main" xmlns:r="http://schemas.openxmlformats.org/officeDocument/2006/relationships" xmlns:p="http://schemas.openxmlformats.org/presentationml/2006/main">
+  <p:cSld>
+    <p:spTree>
+      <p:nvGrpSpPr>
+        <p:cNvPr id="1" name=""/>
+        <p:cNvGrpSpPr/>
+        <p:nvPr/>
+      </p:nvGrpSpPr>
+      <p:grpSpPr>
+        <a:xfrm>
+          <a:off x="0" y="0"/>
+          <a:ext cx="0" cy="0"/>
+          <a:chOff x="0" y="0"/>
+          <a:chExt cx="0" cy="0"/>
+        </a:xfrm>
+      </p:grpSpPr>
+      <p:sp>
+        <p:nvSpPr>
+          <p:cNvPr id="2" name="Titel 1"/>
+          <p:cNvSpPr>
+            <a:spLocks noGrp="1"/>
+          </p:cNvSpPr>
+          <p:nvPr>
+            <p:ph type="title"/>
+          </p:nvPr>
+        </p:nvSpPr>
+        <p:spPr/>
+        <p:txBody>
+          <a:bodyPr/>
+          <a:lstStyle/>
+          <a:p>
+            <a:r>
+              <a:rPr lang="de-CH" dirty="0"/>
+              <a:t>Task 5.3:  Multiple </a:t>
+            </a:r>
+            <a:r>
+              <a:rPr lang="de-CH" dirty="0" err="1"/>
+              <a:t>Languages</a:t>
+            </a:r>
+            <a:r>
+              <a:rPr lang="de-CH" dirty="0"/>
+              <a:t> </a:t>
+            </a:r>
+          </a:p>
+        </p:txBody>
+      </p:sp>
+      <p:sp>
+        <p:nvSpPr>
+          <p:cNvPr id="3" name="Inhaltsplatzhalter 2"/>
+          <p:cNvSpPr>
+            <a:spLocks noGrp="1"/>
+          </p:cNvSpPr>
+          <p:nvPr>
+            <p:ph idx="1"/>
+          </p:nvPr>
+        </p:nvSpPr>
+        <p:spPr/>
+        <p:txBody>
+          <a:bodyPr/>
+          <a:lstStyle/>
+          <a:p>
+            <a:r>
+              <a:rPr lang="de-CH" dirty="0" smtClean="0"/>
+              <a:t>EN und DE </a:t>
+            </a:r>
+            <a:r>
+              <a:rPr lang="de-CH" dirty="0" err="1" smtClean="0"/>
+              <a:t>language</a:t>
+            </a:r>
+            <a:r>
+              <a:rPr lang="de-CH" dirty="0" smtClean="0"/>
+              <a:t> </a:t>
+            </a:r>
+            <a:r>
+              <a:rPr lang="de-CH" dirty="0" err="1" smtClean="0"/>
+              <a:t>files</a:t>
+            </a:r>
+            <a:endParaRPr lang="de-CH" dirty="0" smtClean="0"/>
+          </a:p>
+          <a:p>
+            <a:r>
+              <a:rPr lang="de-CH" dirty="0" smtClean="0"/>
+              <a:t>Globales Array mit Strings</a:t>
+            </a:r>
+          </a:p>
+          <a:p>
+            <a:endParaRPr lang="de-CH" dirty="0"/>
+          </a:p>
+          <a:p>
+            <a:r>
+              <a:rPr lang="de-CH" dirty="0" smtClean="0"/>
+              <a:t>Default EN</a:t>
+            </a:r>
+          </a:p>
+          <a:p>
+            <a:r>
+              <a:rPr lang="de-CH" dirty="0" smtClean="0"/>
+              <a:t>Gewählte Sprache </a:t>
+            </a:r>
+            <a:r>
+              <a:rPr lang="de-CH" smtClean="0"/>
+              <a:t>des User</a:t>
+            </a:r>
+          </a:p>
+          <a:p>
+            <a:pPr lvl="1"/>
+            <a:r>
+              <a:rPr lang="de-CH" dirty="0" smtClean="0"/>
+              <a:t>Cookie gültig für 1 Tag</a:t>
+            </a:r>
+            <a:endParaRPr lang="de-CH" dirty="0"/>
+          </a:p>
+        </p:txBody>
+      </p:sp>
+    </p:spTree>
+    <p:extLst>
+      <p:ext uri="{BB962C8B-B14F-4D97-AF65-F5344CB8AC3E}">
+        <p14:creationId xmlns:p14="http://schemas.microsoft.com/office/powerpoint/2010/main" val="524462429"/>
+      </p:ext>
+    </p:extLst>
+  </p:cSld>
+  <p:clrMapOvr>
+    <a:masterClrMapping/>
+  </p:clrMapOvr>
+</p:sld>
+</file>
+
+<file path=ppt/slides/slide7.xml><?xml version="1.0" encoding="utf-8"?>
+<p:sld xmlns:a="http://schemas.openxmlformats.org/drawingml/2006/main" xmlns:r="http://schemas.openxmlformats.org/officeDocument/2006/relationships" xmlns:p="http://schemas.openxmlformats.org/presentationml/2006/main">
+  <p:cSld>
+    <p:spTree>
+      <p:nvGrpSpPr>
+        <p:cNvPr id="1" name=""/>
+        <p:cNvGrpSpPr/>
+        <p:nvPr/>
+      </p:nvGrpSpPr>
+      <p:grpSpPr>
+        <a:xfrm>
+          <a:off x="0" y="0"/>
+          <a:ext cx="0" cy="0"/>
+          <a:chOff x="0" y="0"/>
+          <a:chExt cx="0" cy="0"/>
+        </a:xfrm>
+      </p:grpSpPr>
+      <p:sp>
+        <p:nvSpPr>
+          <p:cNvPr id="2" name="Titel 1"/>
+          <p:cNvSpPr>
+            <a:spLocks noGrp="1"/>
+          </p:cNvSpPr>
+          <p:nvPr>
+            <p:ph type="title"/>
+          </p:nvPr>
+        </p:nvSpPr>
+        <p:spPr/>
+        <p:txBody>
+          <a:bodyPr/>
+          <a:lstStyle/>
+          <a:p>
+            <a:r>
+              <a:rPr lang="de-CH" dirty="0"/>
+              <a:t>Task 7.2: Form Validation</a:t>
+            </a:r>
+          </a:p>
+        </p:txBody>
+      </p:sp>
+      <p:sp>
+        <p:nvSpPr>
+          <p:cNvPr id="3" name="Inhaltsplatzhalter 2"/>
+          <p:cNvSpPr>
+            <a:spLocks noGrp="1"/>
+          </p:cNvSpPr>
+          <p:nvPr>
+            <p:ph idx="1"/>
+          </p:nvPr>
+        </p:nvSpPr>
+        <p:spPr/>
+        <p:txBody>
+          <a:bodyPr/>
+          <a:lstStyle/>
+          <a:p>
+            <a:endParaRPr lang="de-CH"/>
+          </a:p>
+        </p:txBody>
+      </p:sp>
+    </p:spTree>
+    <p:extLst>
+      <p:ext uri="{BB962C8B-B14F-4D97-AF65-F5344CB8AC3E}">
+        <p14:creationId xmlns:p14="http://schemas.microsoft.com/office/powerpoint/2010/main" val="2405985397"/>
+      </p:ext>
+    </p:extLst>
+  </p:cSld>
+  <p:clrMapOvr>
+    <a:masterClrMapping/>
+  </p:clrMapOvr>
+</p:sld>
+</file>
+
+<file path=ppt/slides/slide8.xml><?xml version="1.0" encoding="utf-8"?>
+<p:sld xmlns:a="http://schemas.openxmlformats.org/drawingml/2006/main" xmlns:r="http://schemas.openxmlformats.org/officeDocument/2006/relationships" xmlns:p="http://schemas.openxmlformats.org/presentationml/2006/main">
+  <p:cSld>
+    <p:spTree>
+      <p:nvGrpSpPr>
+        <p:cNvPr id="1" name=""/>
+        <p:cNvGrpSpPr/>
+        <p:nvPr/>
+      </p:nvGrpSpPr>
+      <p:grpSpPr>
+        <a:xfrm>
+          <a:off x="0" y="0"/>
+          <a:ext cx="0" cy="0"/>
+          <a:chOff x="0" y="0"/>
+          <a:chExt cx="0" cy="0"/>
+        </a:xfrm>
+      </p:grpSpPr>
+      <p:sp>
+        <p:nvSpPr>
+          <p:cNvPr id="2" name="Titel 1"/>
+          <p:cNvSpPr>
+            <a:spLocks noGrp="1"/>
+          </p:cNvSpPr>
+          <p:nvPr>
+            <p:ph type="title"/>
+          </p:nvPr>
+        </p:nvSpPr>
+        <p:spPr/>
+        <p:txBody>
+          <a:bodyPr/>
+          <a:lstStyle/>
+          <a:p>
+            <a:r>
+              <a:rPr lang="de-CH" dirty="0"/>
+              <a:t>Task 8.1: Cookies</a:t>
+            </a:r>
+          </a:p>
+        </p:txBody>
+      </p:sp>
+      <p:sp>
+        <p:nvSpPr>
+          <p:cNvPr id="3" name="Inhaltsplatzhalter 2"/>
+          <p:cNvSpPr>
+            <a:spLocks noGrp="1"/>
+          </p:cNvSpPr>
+          <p:nvPr>
+            <p:ph idx="1"/>
+          </p:nvPr>
+        </p:nvSpPr>
+        <p:spPr/>
+        <p:txBody>
+          <a:bodyPr/>
+          <a:lstStyle/>
+          <a:p>
+            <a:endParaRPr lang="de-CH"/>
+          </a:p>
+        </p:txBody>
+      </p:sp>
+    </p:spTree>
+    <p:extLst>
+      <p:ext uri="{BB962C8B-B14F-4D97-AF65-F5344CB8AC3E}">
+        <p14:creationId xmlns:p14="http://schemas.microsoft.com/office/powerpoint/2010/main" val="2131794967"/>
+      </p:ext>
+    </p:extLst>
+  </p:cSld>
+  <p:clrMapOvr>
+    <a:masterClrMapping/>
+  </p:clrMapOvr>
+</p:sld>
+</file>
+
+<file path=ppt/slides/slide9.xml><?xml version="1.0" encoding="utf-8"?>
+<p:sld xmlns:a="http://schemas.openxmlformats.org/drawingml/2006/main" xmlns:r="http://schemas.openxmlformats.org/officeDocument/2006/relationships" xmlns:p="http://schemas.openxmlformats.org/presentationml/2006/main">
+  <p:cSld>
+    <p:spTree>
+      <p:nvGrpSpPr>
+        <p:cNvPr id="1" name=""/>
+        <p:cNvGrpSpPr/>
+        <p:nvPr/>
+      </p:nvGrpSpPr>
+      <p:grpSpPr>
+        <a:xfrm>
+          <a:off x="0" y="0"/>
+          <a:ext cx="0" cy="0"/>
+          <a:chOff x="0" y="0"/>
+          <a:chExt cx="0" cy="0"/>
+        </a:xfrm>
+      </p:grpSpPr>
+      <p:sp>
+        <p:nvSpPr>
+          <p:cNvPr id="2" name="Titel 1"/>
+          <p:cNvSpPr>
+            <a:spLocks noGrp="1"/>
+          </p:cNvSpPr>
+          <p:nvPr>
+            <p:ph type="title"/>
+          </p:nvPr>
+        </p:nvSpPr>
+        <p:spPr/>
+        <p:txBody>
+          <a:bodyPr/>
+          <a:lstStyle/>
+          <a:p>
+            <a:r>
+              <a:rPr lang="de-CH" dirty="0"/>
+              <a:t>Task 12.1: AJAX </a:t>
+            </a:r>
+            <a:r>
+              <a:rPr lang="de-CH" dirty="0" smtClean="0"/>
+              <a:t> </a:t>
+            </a:r>
+            <a:endParaRPr lang="de-CH" dirty="0"/>
+          </a:p>
+        </p:txBody>
+      </p:sp>
+      <p:sp>
+        <p:nvSpPr>
+          <p:cNvPr id="3" name="Inhaltsplatzhalter 2"/>
+          <p:cNvSpPr>
+            <a:spLocks noGrp="1"/>
+          </p:cNvSpPr>
+          <p:nvPr>
+            <p:ph idx="1"/>
+          </p:nvPr>
+        </p:nvSpPr>
+        <p:spPr/>
+        <p:txBody>
+          <a:bodyPr/>
+          <a:lstStyle/>
+          <a:p>
+            <a:endParaRPr lang="de-CH"/>
+          </a:p>
+        </p:txBody>
+      </p:sp>
+    </p:spTree>
+    <p:extLst>
+      <p:ext uri="{BB962C8B-B14F-4D97-AF65-F5344CB8AC3E}">
+        <p14:creationId xmlns:p14="http://schemas.microsoft.com/office/powerpoint/2010/main" val="665064297"/>
       </p:ext>
     </p:extLst>
   </p:cSld>
@@ -3778,4 +5076,289 @@
   <a:objectDefaults/>
   <a:extraClrSchemeLst/>
 </a:theme>
+</file>
+
+<file path=ppt/theme/theme2.xml><?xml version="1.0" encoding="utf-8"?>
+<a:theme xmlns:a="http://schemas.openxmlformats.org/drawingml/2006/main" name="Larissa">
+  <a:themeElements>
+    <a:clrScheme name="Larissa">
+      <a:dk1>
+        <a:sysClr val="windowText" lastClr="000000"/>
+      </a:dk1>
+      <a:lt1>
+        <a:sysClr val="window" lastClr="FFFFFF"/>
+      </a:lt1>
+      <a:dk2>
+        <a:srgbClr val="1F497D"/>
+      </a:dk2>
+      <a:lt2>
+        <a:srgbClr val="EEECE1"/>
+      </a:lt2>
+      <a:accent1>
+        <a:srgbClr val="4F81BD"/>
+      </a:accent1>
+      <a:accent2>
+        <a:srgbClr val="C0504D"/>
+      </a:accent2>
+      <a:accent3>
+        <a:srgbClr val="9BBB59"/>
+      </a:accent3>
+      <a:accent4>
+        <a:srgbClr val="8064A2"/>
+      </a:accent4>
+      <a:accent5>
+        <a:srgbClr val="4BACC6"/>
+      </a:accent5>
+      <a:accent6>
+        <a:srgbClr val="F79646"/>
+      </a:accent6>
+      <a:hlink>
+        <a:srgbClr val="0000FF"/>
+      </a:hlink>
+      <a:folHlink>
+        <a:srgbClr val="800080"/>
+      </a:folHlink>
+    </a:clrScheme>
+    <a:fontScheme name="Larissa">
+      <a:majorFont>
+        <a:latin typeface="Calibri"/>
+        <a:ea typeface=""/>
+        <a:cs typeface=""/>
+        <a:font script="Jpan" typeface="ＭＳ Ｐゴシック"/>
+        <a:font script="Hang" typeface="맑은 고딕"/>
+        <a:font script="Hans" typeface="宋体"/>
+        <a:font script="Hant" typeface="新細明體"/>
+        <a:font script="Arab" typeface="Times New Roman"/>
+        <a:font script="Hebr" typeface="Times New Roman"/>
+        <a:font script="Thai" typeface="Angsana New"/>
+        <a:font script="Ethi" typeface="Nyala"/>
+        <a:font script="Beng" typeface="Vrinda"/>
+        <a:font script="Gujr" typeface="Shruti"/>
+        <a:font script="Khmr" typeface="MoolBoran"/>
+        <a:font script="Knda" typeface="Tunga"/>
+        <a:font script="Guru" typeface="Raavi"/>
+        <a:font script="Cans" typeface="Euphemia"/>
+        <a:font script="Cher" typeface="Plantagenet Cherokee"/>
+        <a:font script="Yiii" typeface="Microsoft Yi Baiti"/>
+        <a:font script="Tibt" typeface="Microsoft Himalaya"/>
+        <a:font script="Thaa" typeface="MV Boli"/>
+        <a:font script="Deva" typeface="Mangal"/>
+        <a:font script="Telu" typeface="Gautami"/>
+        <a:font script="Taml" typeface="Latha"/>
+        <a:font script="Syrc" typeface="Estrangelo Edessa"/>
+        <a:font script="Orya" typeface="Kalinga"/>
+        <a:font script="Mlym" typeface="Kartika"/>
+        <a:font script="Laoo" typeface="DokChampa"/>
+        <a:font script="Sinh" typeface="Iskoola Pota"/>
+        <a:font script="Mong" typeface="Mongolian Baiti"/>
+        <a:font script="Viet" typeface="Times New Roman"/>
+        <a:font script="Uigh" typeface="Microsoft Uighur"/>
+        <a:font script="Geor" typeface="Sylfaen"/>
+      </a:majorFont>
+      <a:minorFont>
+        <a:latin typeface="Calibri"/>
+        <a:ea typeface=""/>
+        <a:cs typeface=""/>
+        <a:font script="Jpan" typeface="ＭＳ Ｐゴシック"/>
+        <a:font script="Hang" typeface="맑은 고딕"/>
+        <a:font script="Hans" typeface="宋体"/>
+        <a:font script="Hant" typeface="新細明體"/>
+        <a:font script="Arab" typeface="Arial"/>
+        <a:font script="Hebr" typeface="Arial"/>
+        <a:font script="Thai" typeface="Cordia New"/>
+        <a:font script="Ethi" typeface="Nyala"/>
+        <a:font script="Beng" typeface="Vrinda"/>
+        <a:font script="Gujr" typeface="Shruti"/>
+        <a:font script="Khmr" typeface="DaunPenh"/>
+        <a:font script="Knda" typeface="Tunga"/>
+        <a:font script="Guru" typeface="Raavi"/>
+        <a:font script="Cans" typeface="Euphemia"/>
+        <a:font script="Cher" typeface="Plantagenet Cherokee"/>
+        <a:font script="Yiii" typeface="Microsoft Yi Baiti"/>
+        <a:font script="Tibt" typeface="Microsoft Himalaya"/>
+        <a:font script="Thaa" typeface="MV Boli"/>
+        <a:font script="Deva" typeface="Mangal"/>
+        <a:font script="Telu" typeface="Gautami"/>
+        <a:font script="Taml" typeface="Latha"/>
+        <a:font script="Syrc" typeface="Estrangelo Edessa"/>
+        <a:font script="Orya" typeface="Kalinga"/>
+        <a:font script="Mlym" typeface="Kartika"/>
+        <a:font script="Laoo" typeface="DokChampa"/>
+        <a:font script="Sinh" typeface="Iskoola Pota"/>
+        <a:font script="Mong" typeface="Mongolian Baiti"/>
+        <a:font script="Viet" typeface="Arial"/>
+        <a:font script="Uigh" typeface="Microsoft Uighur"/>
+        <a:font script="Geor" typeface="Sylfaen"/>
+      </a:minorFont>
+    </a:fontScheme>
+    <a:fmtScheme name="Larissa">
+      <a:fillStyleLst>
+        <a:solidFill>
+          <a:schemeClr val="phClr"/>
+        </a:solidFill>
+        <a:gradFill rotWithShape="1">
+          <a:gsLst>
+            <a:gs pos="0">
+              <a:schemeClr val="phClr">
+                <a:tint val="50000"/>
+                <a:satMod val="300000"/>
+              </a:schemeClr>
+            </a:gs>
+            <a:gs pos="35000">
+              <a:schemeClr val="phClr">
+                <a:tint val="37000"/>
+                <a:satMod val="300000"/>
+              </a:schemeClr>
+            </a:gs>
+            <a:gs pos="100000">
+              <a:schemeClr val="phClr">
+                <a:tint val="15000"/>
+                <a:satMod val="350000"/>
+              </a:schemeClr>
+            </a:gs>
+          </a:gsLst>
+          <a:lin ang="16200000" scaled="1"/>
+        </a:gradFill>
+        <a:gradFill rotWithShape="1">
+          <a:gsLst>
+            <a:gs pos="0">
+              <a:schemeClr val="phClr">
+                <a:shade val="51000"/>
+                <a:satMod val="130000"/>
+              </a:schemeClr>
+            </a:gs>
+            <a:gs pos="80000">
+              <a:schemeClr val="phClr">
+                <a:shade val="93000"/>
+                <a:satMod val="130000"/>
+              </a:schemeClr>
+            </a:gs>
+            <a:gs pos="100000">
+              <a:schemeClr val="phClr">
+                <a:shade val="94000"/>
+                <a:satMod val="135000"/>
+              </a:schemeClr>
+            </a:gs>
+          </a:gsLst>
+          <a:lin ang="16200000" scaled="0"/>
+        </a:gradFill>
+      </a:fillStyleLst>
+      <a:lnStyleLst>
+        <a:ln w="9525" cap="flat" cmpd="sng" algn="ctr">
+          <a:solidFill>
+            <a:schemeClr val="phClr">
+              <a:shade val="95000"/>
+              <a:satMod val="105000"/>
+            </a:schemeClr>
+          </a:solidFill>
+          <a:prstDash val="solid"/>
+        </a:ln>
+        <a:ln w="25400" cap="flat" cmpd="sng" algn="ctr">
+          <a:solidFill>
+            <a:schemeClr val="phClr"/>
+          </a:solidFill>
+          <a:prstDash val="solid"/>
+        </a:ln>
+        <a:ln w="38100" cap="flat" cmpd="sng" algn="ctr">
+          <a:solidFill>
+            <a:schemeClr val="phClr"/>
+          </a:solidFill>
+          <a:prstDash val="solid"/>
+        </a:ln>
+      </a:lnStyleLst>
+      <a:effectStyleLst>
+        <a:effectStyle>
+          <a:effectLst>
+            <a:outerShdw blurRad="40000" dist="20000" dir="5400000" rotWithShape="0">
+              <a:srgbClr val="000000">
+                <a:alpha val="38000"/>
+              </a:srgbClr>
+            </a:outerShdw>
+          </a:effectLst>
+        </a:effectStyle>
+        <a:effectStyle>
+          <a:effectLst>
+            <a:outerShdw blurRad="40000" dist="23000" dir="5400000" rotWithShape="0">
+              <a:srgbClr val="000000">
+                <a:alpha val="35000"/>
+              </a:srgbClr>
+            </a:outerShdw>
+          </a:effectLst>
+        </a:effectStyle>
+        <a:effectStyle>
+          <a:effectLst>
+            <a:outerShdw blurRad="40000" dist="23000" dir="5400000" rotWithShape="0">
+              <a:srgbClr val="000000">
+                <a:alpha val="35000"/>
+              </a:srgbClr>
+            </a:outerShdw>
+          </a:effectLst>
+          <a:scene3d>
+            <a:camera prst="orthographicFront">
+              <a:rot lat="0" lon="0" rev="0"/>
+            </a:camera>
+            <a:lightRig rig="threePt" dir="t">
+              <a:rot lat="0" lon="0" rev="1200000"/>
+            </a:lightRig>
+          </a:scene3d>
+          <a:sp3d>
+            <a:bevelT w="63500" h="25400"/>
+          </a:sp3d>
+        </a:effectStyle>
+      </a:effectStyleLst>
+      <a:bgFillStyleLst>
+        <a:solidFill>
+          <a:schemeClr val="phClr"/>
+        </a:solidFill>
+        <a:gradFill rotWithShape="1">
+          <a:gsLst>
+            <a:gs pos="0">
+              <a:schemeClr val="phClr">
+                <a:tint val="40000"/>
+                <a:satMod val="350000"/>
+              </a:schemeClr>
+            </a:gs>
+            <a:gs pos="40000">
+              <a:schemeClr val="phClr">
+                <a:tint val="45000"/>
+                <a:shade val="99000"/>
+                <a:satMod val="350000"/>
+              </a:schemeClr>
+            </a:gs>
+            <a:gs pos="100000">
+              <a:schemeClr val="phClr">
+                <a:shade val="20000"/>
+                <a:satMod val="255000"/>
+              </a:schemeClr>
+            </a:gs>
+          </a:gsLst>
+          <a:path path="circle">
+            <a:fillToRect l="50000" t="-80000" r="50000" b="180000"/>
+          </a:path>
+        </a:gradFill>
+        <a:gradFill rotWithShape="1">
+          <a:gsLst>
+            <a:gs pos="0">
+              <a:schemeClr val="phClr">
+                <a:tint val="80000"/>
+                <a:satMod val="300000"/>
+              </a:schemeClr>
+            </a:gs>
+            <a:gs pos="100000">
+              <a:schemeClr val="phClr">
+                <a:shade val="30000"/>
+                <a:satMod val="200000"/>
+              </a:schemeClr>
+            </a:gs>
+          </a:gsLst>
+          <a:path path="circle">
+            <a:fillToRect l="50000" t="50000" r="50000" b="50000"/>
+          </a:path>
+        </a:gradFill>
+      </a:bgFillStyleLst>
+    </a:fmtScheme>
+  </a:themeElements>
+  <a:objectDefaults/>
+  <a:extraClrSchemeLst/>
+</a:theme>
 </file>
--- a/doc/Präsentation.pptx
+++ b/doc/Präsentation.pptx
@@ -203,7 +203,7 @@
           <a:p>
             <a:fld id="{BD524EE9-0F98-4D3D-A16D-137530EB131C}" type="datetimeFigureOut">
               <a:rPr lang="de-CH" smtClean="0"/>
-              <a:t>05.01.2015</a:t>
+              <a:t>07.01.2015</a:t>
             </a:fld>
             <a:endParaRPr lang="de-CH"/>
           </a:p>
@@ -362,7 +362,7 @@
           <a:p>
             <a:fld id="{5A1C3CBA-C147-468E-B3D9-EB2B31A74A73}" type="slidenum">
               <a:rPr lang="de-CH" smtClean="0"/>
-              <a:t>‹Nr.›</a:t>
+              <a:t>‹#›</a:t>
             </a:fld>
             <a:endParaRPr lang="de-CH"/>
           </a:p>
@@ -833,7 +833,7 @@
           <a:p>
             <a:fld id="{3C171AA7-1DF9-4018-97D4-AC9B5E4873AF}" type="datetimeFigureOut">
               <a:rPr lang="de-CH" smtClean="0"/>
-              <a:t>05.01.2015</a:t>
+              <a:t>07.01.2015</a:t>
             </a:fld>
             <a:endParaRPr lang="de-CH"/>
           </a:p>
@@ -875,7 +875,7 @@
           <a:p>
             <a:fld id="{36873C15-3A40-4BC5-91D3-8CBC3D910096}" type="slidenum">
               <a:rPr lang="de-CH" smtClean="0"/>
-              <a:t>‹Nr.›</a:t>
+              <a:t>‹#›</a:t>
             </a:fld>
             <a:endParaRPr lang="de-CH"/>
           </a:p>
@@ -998,7 +998,7 @@
           <a:p>
             <a:fld id="{3C171AA7-1DF9-4018-97D4-AC9B5E4873AF}" type="datetimeFigureOut">
               <a:rPr lang="de-CH" smtClean="0"/>
-              <a:t>05.01.2015</a:t>
+              <a:t>07.01.2015</a:t>
             </a:fld>
             <a:endParaRPr lang="de-CH"/>
           </a:p>
@@ -1040,7 +1040,7 @@
           <a:p>
             <a:fld id="{36873C15-3A40-4BC5-91D3-8CBC3D910096}" type="slidenum">
               <a:rPr lang="de-CH" smtClean="0"/>
-              <a:t>‹Nr.›</a:t>
+              <a:t>‹#›</a:t>
             </a:fld>
             <a:endParaRPr lang="de-CH"/>
           </a:p>
@@ -1173,7 +1173,7 @@
           <a:p>
             <a:fld id="{3C171AA7-1DF9-4018-97D4-AC9B5E4873AF}" type="datetimeFigureOut">
               <a:rPr lang="de-CH" smtClean="0"/>
-              <a:t>05.01.2015</a:t>
+              <a:t>07.01.2015</a:t>
             </a:fld>
             <a:endParaRPr lang="de-CH"/>
           </a:p>
@@ -1215,7 +1215,7 @@
           <a:p>
             <a:fld id="{36873C15-3A40-4BC5-91D3-8CBC3D910096}" type="slidenum">
               <a:rPr lang="de-CH" smtClean="0"/>
-              <a:t>‹Nr.›</a:t>
+              <a:t>‹#›</a:t>
             </a:fld>
             <a:endParaRPr lang="de-CH"/>
           </a:p>
@@ -1338,7 +1338,7 @@
           <a:p>
             <a:fld id="{3C171AA7-1DF9-4018-97D4-AC9B5E4873AF}" type="datetimeFigureOut">
               <a:rPr lang="de-CH" smtClean="0"/>
-              <a:t>05.01.2015</a:t>
+              <a:t>07.01.2015</a:t>
             </a:fld>
             <a:endParaRPr lang="de-CH"/>
           </a:p>
@@ -1380,7 +1380,7 @@
           <a:p>
             <a:fld id="{36873C15-3A40-4BC5-91D3-8CBC3D910096}" type="slidenum">
               <a:rPr lang="de-CH" smtClean="0"/>
-              <a:t>‹Nr.›</a:t>
+              <a:t>‹#›</a:t>
             </a:fld>
             <a:endParaRPr lang="de-CH"/>
           </a:p>
@@ -1579,7 +1579,7 @@
           <a:p>
             <a:fld id="{3C171AA7-1DF9-4018-97D4-AC9B5E4873AF}" type="datetimeFigureOut">
               <a:rPr lang="de-CH" smtClean="0"/>
-              <a:t>05.01.2015</a:t>
+              <a:t>07.01.2015</a:t>
             </a:fld>
             <a:endParaRPr lang="de-CH"/>
           </a:p>
@@ -1621,7 +1621,7 @@
           <a:p>
             <a:fld id="{36873C15-3A40-4BC5-91D3-8CBC3D910096}" type="slidenum">
               <a:rPr lang="de-CH" smtClean="0"/>
-              <a:t>‹Nr.›</a:t>
+              <a:t>‹#›</a:t>
             </a:fld>
             <a:endParaRPr lang="de-CH"/>
           </a:p>
@@ -1862,7 +1862,7 @@
           <a:p>
             <a:fld id="{3C171AA7-1DF9-4018-97D4-AC9B5E4873AF}" type="datetimeFigureOut">
               <a:rPr lang="de-CH" smtClean="0"/>
-              <a:t>05.01.2015</a:t>
+              <a:t>07.01.2015</a:t>
             </a:fld>
             <a:endParaRPr lang="de-CH"/>
           </a:p>
@@ -1904,7 +1904,7 @@
           <a:p>
             <a:fld id="{36873C15-3A40-4BC5-91D3-8CBC3D910096}" type="slidenum">
               <a:rPr lang="de-CH" smtClean="0"/>
-              <a:t>‹Nr.›</a:t>
+              <a:t>‹#›</a:t>
             </a:fld>
             <a:endParaRPr lang="de-CH"/>
           </a:p>
@@ -2291,7 +2291,7 @@
           <a:p>
             <a:fld id="{3C171AA7-1DF9-4018-97D4-AC9B5E4873AF}" type="datetimeFigureOut">
               <a:rPr lang="de-CH" smtClean="0"/>
-              <a:t>05.01.2015</a:t>
+              <a:t>07.01.2015</a:t>
             </a:fld>
             <a:endParaRPr lang="de-CH"/>
           </a:p>
@@ -2333,7 +2333,7 @@
           <a:p>
             <a:fld id="{36873C15-3A40-4BC5-91D3-8CBC3D910096}" type="slidenum">
               <a:rPr lang="de-CH" smtClean="0"/>
-              <a:t>‹Nr.›</a:t>
+              <a:t>‹#›</a:t>
             </a:fld>
             <a:endParaRPr lang="de-CH"/>
           </a:p>
@@ -2404,7 +2404,7 @@
           <a:p>
             <a:fld id="{3C171AA7-1DF9-4018-97D4-AC9B5E4873AF}" type="datetimeFigureOut">
               <a:rPr lang="de-CH" smtClean="0"/>
-              <a:t>05.01.2015</a:t>
+              <a:t>07.01.2015</a:t>
             </a:fld>
             <a:endParaRPr lang="de-CH"/>
           </a:p>
@@ -2446,7 +2446,7 @@
           <a:p>
             <a:fld id="{36873C15-3A40-4BC5-91D3-8CBC3D910096}" type="slidenum">
               <a:rPr lang="de-CH" smtClean="0"/>
-              <a:t>‹Nr.›</a:t>
+              <a:t>‹#›</a:t>
             </a:fld>
             <a:endParaRPr lang="de-CH"/>
           </a:p>
@@ -2494,7 +2494,7 @@
           <a:p>
             <a:fld id="{3C171AA7-1DF9-4018-97D4-AC9B5E4873AF}" type="datetimeFigureOut">
               <a:rPr lang="de-CH" smtClean="0"/>
-              <a:t>05.01.2015</a:t>
+              <a:t>07.01.2015</a:t>
             </a:fld>
             <a:endParaRPr lang="de-CH"/>
           </a:p>
@@ -2536,7 +2536,7 @@
           <a:p>
             <a:fld id="{36873C15-3A40-4BC5-91D3-8CBC3D910096}" type="slidenum">
               <a:rPr lang="de-CH" smtClean="0"/>
-              <a:t>‹Nr.›</a:t>
+              <a:t>‹#›</a:t>
             </a:fld>
             <a:endParaRPr lang="de-CH"/>
           </a:p>
@@ -2683,7 +2683,7 @@
           <a:p>
             <a:fld id="{3C171AA7-1DF9-4018-97D4-AC9B5E4873AF}" type="datetimeFigureOut">
               <a:rPr lang="de-CH" smtClean="0"/>
-              <a:t>05.01.2015</a:t>
+              <a:t>07.01.2015</a:t>
             </a:fld>
             <a:endParaRPr lang="de-CH"/>
           </a:p>
@@ -2725,7 +2725,7 @@
           <a:p>
             <a:fld id="{36873C15-3A40-4BC5-91D3-8CBC3D910096}" type="slidenum">
               <a:rPr lang="de-CH" smtClean="0"/>
-              <a:t>‹Nr.›</a:t>
+              <a:t>‹#›</a:t>
             </a:fld>
             <a:endParaRPr lang="de-CH"/>
           </a:p>
@@ -3001,7 +3001,7 @@
           <a:p>
             <a:fld id="{3C171AA7-1DF9-4018-97D4-AC9B5E4873AF}" type="datetimeFigureOut">
               <a:rPr lang="de-CH" smtClean="0"/>
-              <a:t>05.01.2015</a:t>
+              <a:t>07.01.2015</a:t>
             </a:fld>
             <a:endParaRPr lang="de-CH"/>
           </a:p>
@@ -3024,7 +3024,7 @@
           <a:p>
             <a:fld id="{36873C15-3A40-4BC5-91D3-8CBC3D910096}" type="slidenum">
               <a:rPr lang="de-CH" smtClean="0"/>
-              <a:t>‹Nr.›</a:t>
+              <a:t>‹#›</a:t>
             </a:fld>
             <a:endParaRPr lang="de-CH"/>
           </a:p>
@@ -3306,7 +3306,7 @@
           <a:p>
             <a:fld id="{36873C15-3A40-4BC5-91D3-8CBC3D910096}" type="slidenum">
               <a:rPr lang="de-CH" smtClean="0"/>
-              <a:t>‹Nr.›</a:t>
+              <a:t>‹#›</a:t>
             </a:fld>
             <a:endParaRPr lang="de-CH"/>
           </a:p>
@@ -3380,7 +3380,7 @@
           <a:p>
             <a:fld id="{3C171AA7-1DF9-4018-97D4-AC9B5E4873AF}" type="datetimeFigureOut">
               <a:rPr lang="de-CH" smtClean="0"/>
-              <a:t>05.01.2015</a:t>
+              <a:t>07.01.2015</a:t>
             </a:fld>
             <a:endParaRPr lang="de-CH"/>
           </a:p>
@@ -3705,29 +3705,6 @@
       </p:grpSpPr>
       <p:sp>
         <p:nvSpPr>
-          <p:cNvPr id="2" name="Titel 1"/>
-          <p:cNvSpPr>
-            <a:spLocks noGrp="1"/>
-          </p:cNvSpPr>
-          <p:nvPr>
-            <p:ph type="ctrTitle"/>
-          </p:nvPr>
-        </p:nvSpPr>
-        <p:spPr/>
-        <p:txBody>
-          <a:bodyPr/>
-          <a:lstStyle/>
-          <a:p>
-            <a:r>
-              <a:rPr lang="de-CH" dirty="0" err="1" smtClean="0"/>
-              <a:t>Beerheaven</a:t>
-            </a:r>
-            <a:endParaRPr lang="de-CH" dirty="0"/>
-          </a:p>
-        </p:txBody>
-      </p:sp>
-      <p:sp>
-        <p:nvSpPr>
           <p:cNvPr id="3" name="Untertitel 2"/>
           <p:cNvSpPr>
             <a:spLocks noGrp="1"/>
@@ -3761,19 +3738,57 @@
           </a:p>
           <a:p>
             <a:r>
-              <a:rPr lang="de-CH" dirty="0" err="1" smtClean="0"/>
-              <a:t>Thomman</a:t>
-            </a:r>
-            <a:r>
               <a:rPr lang="de-CH" dirty="0" smtClean="0"/>
-              <a:t> Janos</a:t>
-            </a:r>
+              <a:t>Thomann Janos</a:t>
+            </a:r>
+            <a:endParaRPr lang="de-CH" dirty="0" smtClean="0"/>
           </a:p>
           <a:p>
             <a:endParaRPr lang="de-CH" dirty="0"/>
           </a:p>
         </p:txBody>
       </p:sp>
+      <p:pic>
+        <p:nvPicPr>
+          <p:cNvPr id="1026" name="Picture 2" descr="C:\Users\Pascal\Desktop\logo.png"/>
+          <p:cNvPicPr>
+            <a:picLocks noChangeAspect="1" noChangeArrowheads="1"/>
+          </p:cNvPicPr>
+          <p:nvPr/>
+        </p:nvPicPr>
+        <p:blipFill>
+          <a:blip r:embed="rId3" cstate="print">
+            <a:extLst>
+              <a:ext uri="{28A0092B-C50C-407E-A947-70E740481C1C}">
+                <a14:useLocalDpi xmlns:a14="http://schemas.microsoft.com/office/drawing/2010/main" val="0"/>
+              </a:ext>
+            </a:extLst>
+          </a:blip>
+          <a:srcRect/>
+          <a:stretch>
+            <a:fillRect/>
+          </a:stretch>
+        </p:blipFill>
+        <p:spPr bwMode="auto">
+          <a:xfrm>
+            <a:off x="467544" y="1268761"/>
+            <a:ext cx="7560840" cy="3529376"/>
+          </a:xfrm>
+          <a:prstGeom prst="rect">
+            <a:avLst/>
+          </a:prstGeom>
+          <a:noFill/>
+          <a:extLst>
+            <a:ext uri="{909E8E84-426E-40DD-AFC4-6F175D3DCCD1}">
+              <a14:hiddenFill xmlns:a14="http://schemas.microsoft.com/office/drawing/2010/main">
+                <a:solidFill>
+                  <a:srgbClr val="FFFFFF"/>
+                </a:solidFill>
+              </a14:hiddenFill>
+            </a:ext>
+          </a:extLst>
+        </p:spPr>
+      </p:pic>
     </p:spTree>
     <p:extLst>
       <p:ext uri="{BB962C8B-B14F-4D97-AF65-F5344CB8AC3E}">
@@ -3934,8 +3949,19 @@
           <a:p>
             <a:r>
               <a:rPr lang="de-CH" dirty="0" smtClean="0"/>
-              <a:t>Allgemeine Grundkenntnisse Web</a:t>
-            </a:r>
+              <a:t>Allgemeine Grundkenntnisse </a:t>
+            </a:r>
+            <a:r>
+              <a:rPr lang="de-CH" dirty="0" smtClean="0"/>
+              <a:t>Web</a:t>
+            </a:r>
+          </a:p>
+          <a:p>
+            <a:r>
+              <a:rPr lang="de-CH" dirty="0" smtClean="0"/>
+              <a:t>Organisierte Struktur</a:t>
+            </a:r>
+            <a:endParaRPr lang="de-CH" dirty="0" smtClean="0"/>
           </a:p>
           <a:p>
             <a:endParaRPr lang="de-CH" dirty="0" smtClean="0"/>
@@ -3979,7 +4005,17 @@
           <a:p>
             <a:r>
               <a:rPr lang="de-CH" dirty="0" smtClean="0"/>
-              <a:t>CSS-Framework verwenden</a:t>
+              <a:t>CSS-Framework </a:t>
+            </a:r>
+            <a:r>
+              <a:rPr lang="de-CH" dirty="0" smtClean="0"/>
+              <a:t>verwenden</a:t>
+            </a:r>
+          </a:p>
+          <a:p>
+            <a:r>
+              <a:rPr lang="de-CH" dirty="0" smtClean="0"/>
+              <a:t>Web Service isch ä fucking pain in the ass</a:t>
             </a:r>
             <a:endParaRPr lang="de-CH" dirty="0"/>
           </a:p>
@@ -4150,16 +4186,12 @@
           </a:p>
           <a:p>
             <a:r>
-              <a:rPr lang="de-CH" dirty="0" err="1" smtClean="0"/>
-              <a:t>Lessons</a:t>
-            </a:r>
-            <a:r>
               <a:rPr lang="de-CH" dirty="0" smtClean="0"/>
-              <a:t> </a:t>
-            </a:r>
-            <a:r>
-              <a:rPr lang="de-CH" dirty="0" err="1" smtClean="0"/>
-              <a:t>learnt</a:t>
+              <a:t>Lessons </a:t>
+            </a:r>
+            <a:r>
+              <a:rPr lang="de-CH" dirty="0" smtClean="0"/>
+              <a:t>learned</a:t>
             </a:r>
             <a:endParaRPr lang="de-CH" dirty="0"/>
           </a:p>
@@ -4321,29 +4353,18 @@
           <a:lstStyle/>
           <a:p>
             <a:r>
+              <a:rPr lang="de-CH" smtClean="0"/>
+              <a:t>XAMPP / PHP / JavaScript / MySQL / HTML / AJAX</a:t>
+            </a:r>
+            <a:endParaRPr lang="de-CH" dirty="0" smtClean="0"/>
+          </a:p>
+          <a:p>
+            <a:endParaRPr lang="de-CH" dirty="0"/>
+          </a:p>
+          <a:p>
+            <a:r>
               <a:rPr lang="de-CH" dirty="0" smtClean="0"/>
-              <a:t>XAMPP/PHP/JavaScript/</a:t>
-            </a:r>
-            <a:r>
-              <a:rPr lang="de-CH" dirty="0" err="1" smtClean="0"/>
-              <a:t>Mysql</a:t>
-            </a:r>
-            <a:r>
-              <a:rPr lang="de-CH" dirty="0" smtClean="0"/>
-              <a:t>/HTML/AJAX</a:t>
-            </a:r>
-          </a:p>
-          <a:p>
-            <a:endParaRPr lang="de-CH" dirty="0"/>
-          </a:p>
-          <a:p>
-            <a:r>
-              <a:rPr lang="de-CH" dirty="0" smtClean="0"/>
-              <a:t>PayPal </a:t>
-            </a:r>
-            <a:r>
-              <a:rPr lang="de-CH" dirty="0" smtClean="0"/>
-              <a:t>API</a:t>
+              <a:t>PayPal API</a:t>
             </a:r>
           </a:p>
           <a:p>
@@ -4370,9 +4391,13 @@
               <a:rPr lang="de-CH" dirty="0" smtClean="0"/>
               <a:t>Webservice </a:t>
             </a:r>
-            <a:endParaRPr lang="de-CH" dirty="0" smtClean="0"/>
-          </a:p>
-          <a:p>
+          </a:p>
+          <a:p>
+            <a:pPr lvl="1"/>
+            <a:r>
+              <a:rPr lang="de-CH" dirty="0" smtClean="0"/>
+              <a:t>Yahoo Weather</a:t>
+            </a:r>
             <a:endParaRPr lang="de-CH" dirty="0"/>
           </a:p>
         </p:txBody>

--- a/doc/Präsentation.pptx
+++ b/doc/Präsentation.pptx
@@ -5,21 +5,27 @@
     <p:sldMasterId id="2147483792" r:id="rId1"/>
   </p:sldMasterIdLst>
   <p:notesMasterIdLst>
-    <p:notesMasterId r:id="rId14"/>
+    <p:notesMasterId r:id="rId20"/>
   </p:notesMasterIdLst>
   <p:sldIdLst>
     <p:sldId id="256" r:id="rId2"/>
     <p:sldId id="258" r:id="rId3"/>
     <p:sldId id="260" r:id="rId4"/>
     <p:sldId id="261" r:id="rId5"/>
-    <p:sldId id="262" r:id="rId6"/>
-    <p:sldId id="263" r:id="rId7"/>
-    <p:sldId id="264" r:id="rId8"/>
-    <p:sldId id="266" r:id="rId9"/>
-    <p:sldId id="267" r:id="rId10"/>
-    <p:sldId id="268" r:id="rId11"/>
-    <p:sldId id="269" r:id="rId12"/>
-    <p:sldId id="270" r:id="rId13"/>
+    <p:sldId id="271" r:id="rId6"/>
+    <p:sldId id="272" r:id="rId7"/>
+    <p:sldId id="262" r:id="rId8"/>
+    <p:sldId id="273" r:id="rId9"/>
+    <p:sldId id="274" r:id="rId10"/>
+    <p:sldId id="264" r:id="rId11"/>
+    <p:sldId id="266" r:id="rId12"/>
+    <p:sldId id="275" r:id="rId13"/>
+    <p:sldId id="276" r:id="rId14"/>
+    <p:sldId id="277" r:id="rId15"/>
+    <p:sldId id="267" r:id="rId16"/>
+    <p:sldId id="268" r:id="rId17"/>
+    <p:sldId id="269" r:id="rId18"/>
+    <p:sldId id="270" r:id="rId19"/>
   </p:sldIdLst>
   <p:sldSz cx="9144000" cy="6858000" type="screen4x3"/>
   <p:notesSz cx="6858000" cy="9144000"/>
@@ -630,6 +636,198 @@
     <p:extLst>
       <p:ext uri="{BB962C8B-B14F-4D97-AF65-F5344CB8AC3E}">
         <p14:creationId xmlns:p14="http://schemas.microsoft.com/office/powerpoint/2010/main" val="1046251014"/>
+      </p:ext>
+    </p:extLst>
+  </p:cSld>
+  <p:clrMapOvr>
+    <a:masterClrMapping/>
+  </p:clrMapOvr>
+</p:notes>
+</file>
+
+<file path=ppt/notesSlides/notesSlide3.xml><?xml version="1.0" encoding="utf-8"?>
+<p:notes xmlns:a="http://schemas.openxmlformats.org/drawingml/2006/main" xmlns:r="http://schemas.openxmlformats.org/officeDocument/2006/relationships" xmlns:p="http://schemas.openxmlformats.org/presentationml/2006/main">
+  <p:cSld>
+    <p:spTree>
+      <p:nvGrpSpPr>
+        <p:cNvPr id="1" name=""/>
+        <p:cNvGrpSpPr/>
+        <p:nvPr/>
+      </p:nvGrpSpPr>
+      <p:grpSpPr>
+        <a:xfrm>
+          <a:off x="0" y="0"/>
+          <a:ext cx="0" cy="0"/>
+          <a:chOff x="0" y="0"/>
+          <a:chExt cx="0" cy="0"/>
+        </a:xfrm>
+      </p:grpSpPr>
+      <p:sp>
+        <p:nvSpPr>
+          <p:cNvPr id="2" name="Slide Image Placeholder 1"/>
+          <p:cNvSpPr>
+            <a:spLocks noGrp="1" noRot="1" noChangeAspect="1"/>
+          </p:cNvSpPr>
+          <p:nvPr>
+            <p:ph type="sldImg"/>
+          </p:nvPr>
+        </p:nvSpPr>
+        <p:spPr/>
+      </p:sp>
+      <p:sp>
+        <p:nvSpPr>
+          <p:cNvPr id="3" name="Notes Placeholder 2"/>
+          <p:cNvSpPr>
+            <a:spLocks noGrp="1"/>
+          </p:cNvSpPr>
+          <p:nvPr>
+            <p:ph type="body" idx="1"/>
+          </p:nvPr>
+        </p:nvSpPr>
+        <p:spPr/>
+        <p:txBody>
+          <a:bodyPr/>
+          <a:lstStyle/>
+          <a:p>
+            <a:r>
+              <a:rPr lang="de-CH" dirty="0" smtClean="0"/>
+              <a:t>Geniesser: Schaut sich nach neuen speziellen Bieren um</a:t>
+            </a:r>
+          </a:p>
+          <a:p>
+            <a:r>
+              <a:rPr lang="de-CH" dirty="0" smtClean="0"/>
+              <a:t>Lightweight Drinker: Cider / Low-Alcoholic Beers</a:t>
+            </a:r>
+          </a:p>
+          <a:p>
+            <a:r>
+              <a:rPr lang="de-CH" dirty="0" smtClean="0"/>
+              <a:t>Heavyweight:</a:t>
+            </a:r>
+            <a:r>
+              <a:rPr lang="de-CH" baseline="0" dirty="0" smtClean="0"/>
+              <a:t> Belgian Strong Ale</a:t>
+            </a:r>
+            <a:endParaRPr lang="en-GB" dirty="0"/>
+          </a:p>
+        </p:txBody>
+      </p:sp>
+      <p:sp>
+        <p:nvSpPr>
+          <p:cNvPr id="4" name="Slide Number Placeholder 3"/>
+          <p:cNvSpPr>
+            <a:spLocks noGrp="1"/>
+          </p:cNvSpPr>
+          <p:nvPr>
+            <p:ph type="sldNum" sz="quarter" idx="10"/>
+          </p:nvPr>
+        </p:nvSpPr>
+        <p:spPr/>
+        <p:txBody>
+          <a:bodyPr/>
+          <a:lstStyle/>
+          <a:p>
+            <a:fld id="{5A1C3CBA-C147-468E-B3D9-EB2B31A74A73}" type="slidenum">
+              <a:rPr lang="de-CH" smtClean="0"/>
+              <a:t>5</a:t>
+            </a:fld>
+            <a:endParaRPr lang="de-CH"/>
+          </a:p>
+        </p:txBody>
+      </p:sp>
+    </p:spTree>
+    <p:extLst>
+      <p:ext uri="{BB962C8B-B14F-4D97-AF65-F5344CB8AC3E}">
+        <p14:creationId xmlns:p14="http://schemas.microsoft.com/office/powerpoint/2010/main" val="2007072901"/>
+      </p:ext>
+    </p:extLst>
+  </p:cSld>
+  <p:clrMapOvr>
+    <a:masterClrMapping/>
+  </p:clrMapOvr>
+</p:notes>
+</file>
+
+<file path=ppt/notesSlides/notesSlide4.xml><?xml version="1.0" encoding="utf-8"?>
+<p:notes xmlns:a="http://schemas.openxmlformats.org/drawingml/2006/main" xmlns:r="http://schemas.openxmlformats.org/officeDocument/2006/relationships" xmlns:p="http://schemas.openxmlformats.org/presentationml/2006/main">
+  <p:cSld>
+    <p:spTree>
+      <p:nvGrpSpPr>
+        <p:cNvPr id="1" name=""/>
+        <p:cNvGrpSpPr/>
+        <p:nvPr/>
+      </p:nvGrpSpPr>
+      <p:grpSpPr>
+        <a:xfrm>
+          <a:off x="0" y="0"/>
+          <a:ext cx="0" cy="0"/>
+          <a:chOff x="0" y="0"/>
+          <a:chExt cx="0" cy="0"/>
+        </a:xfrm>
+      </p:grpSpPr>
+      <p:sp>
+        <p:nvSpPr>
+          <p:cNvPr id="2" name="Slide Image Placeholder 1"/>
+          <p:cNvSpPr>
+            <a:spLocks noGrp="1" noRot="1" noChangeAspect="1"/>
+          </p:cNvSpPr>
+          <p:nvPr>
+            <p:ph type="sldImg"/>
+          </p:nvPr>
+        </p:nvSpPr>
+        <p:spPr/>
+      </p:sp>
+      <p:sp>
+        <p:nvSpPr>
+          <p:cNvPr id="3" name="Notes Placeholder 2"/>
+          <p:cNvSpPr>
+            <a:spLocks noGrp="1"/>
+          </p:cNvSpPr>
+          <p:nvPr>
+            <p:ph type="body" idx="1"/>
+          </p:nvPr>
+        </p:nvSpPr>
+        <p:spPr/>
+        <p:txBody>
+          <a:bodyPr/>
+          <a:lstStyle/>
+          <a:p>
+            <a:r>
+              <a:rPr lang="de-CH" dirty="0" smtClean="0"/>
+              <a:t>Ziel: Schlichtes Design</a:t>
+            </a:r>
+            <a:endParaRPr lang="en-GB" dirty="0"/>
+          </a:p>
+        </p:txBody>
+      </p:sp>
+      <p:sp>
+        <p:nvSpPr>
+          <p:cNvPr id="4" name="Slide Number Placeholder 3"/>
+          <p:cNvSpPr>
+            <a:spLocks noGrp="1"/>
+          </p:cNvSpPr>
+          <p:nvPr>
+            <p:ph type="sldNum" sz="quarter" idx="10"/>
+          </p:nvPr>
+        </p:nvSpPr>
+        <p:spPr/>
+        <p:txBody>
+          <a:bodyPr/>
+          <a:lstStyle/>
+          <a:p>
+            <a:fld id="{5A1C3CBA-C147-468E-B3D9-EB2B31A74A73}" type="slidenum">
+              <a:rPr lang="de-CH" smtClean="0"/>
+              <a:t>6</a:t>
+            </a:fld>
+            <a:endParaRPr lang="de-CH"/>
+          </a:p>
+        </p:txBody>
+      </p:sp>
+    </p:spTree>
+    <p:extLst>
+      <p:ext uri="{BB962C8B-B14F-4D97-AF65-F5344CB8AC3E}">
+        <p14:creationId xmlns:p14="http://schemas.microsoft.com/office/powerpoint/2010/main" val="1317932398"/>
       </p:ext>
     </p:extLst>
   </p:cSld>
@@ -3741,7 +3939,6 @@
               <a:rPr lang="de-CH" dirty="0" smtClean="0"/>
               <a:t>Thomann Janos</a:t>
             </a:r>
-            <a:endParaRPr lang="de-CH" dirty="0" smtClean="0"/>
           </a:p>
           <a:p>
             <a:endParaRPr lang="de-CH" dirty="0"/>
@@ -3835,8 +4032,16 @@
           <a:lstStyle/>
           <a:p>
             <a:r>
-              <a:rPr lang="de-CH" dirty="0" smtClean="0"/>
-              <a:t>Team	</a:t>
+              <a:rPr lang="de-CH" dirty="0"/>
+              <a:t>Task </a:t>
+            </a:r>
+            <a:r>
+              <a:rPr lang="de-CH" dirty="0" smtClean="0"/>
+              <a:t>7: </a:t>
+            </a:r>
+            <a:r>
+              <a:rPr lang="en-GB" dirty="0" smtClean="0"/>
+              <a:t>JavaScript</a:t>
             </a:r>
             <a:endParaRPr lang="de-CH" dirty="0"/>
           </a:p>
@@ -3857,18 +4062,14 @@
           <a:bodyPr/>
           <a:lstStyle/>
           <a:p>
-            <a:r>
-              <a:rPr lang="de-CH" dirty="0" smtClean="0"/>
-              <a:t>Gut geklappt</a:t>
-            </a:r>
-            <a:endParaRPr lang="de-CH" dirty="0"/>
+            <a:endParaRPr lang="de-CH"/>
           </a:p>
         </p:txBody>
       </p:sp>
     </p:spTree>
     <p:extLst>
       <p:ext uri="{BB962C8B-B14F-4D97-AF65-F5344CB8AC3E}">
-        <p14:creationId xmlns:p14="http://schemas.microsoft.com/office/powerpoint/2010/main" val="3651541254"/>
+        <p14:creationId xmlns:p14="http://schemas.microsoft.com/office/powerpoint/2010/main" val="2405985397"/>
       </p:ext>
     </p:extLst>
   </p:cSld>
@@ -3911,15 +4112,535 @@
           <a:lstStyle/>
           <a:p>
             <a:r>
-              <a:rPr lang="de-CH" dirty="0" err="1" smtClean="0"/>
-              <a:t>Lessons</a:t>
-            </a:r>
-            <a:r>
-              <a:rPr lang="de-CH" dirty="0" smtClean="0"/>
-              <a:t> </a:t>
-            </a:r>
-            <a:r>
-              <a:rPr lang="de-CH" dirty="0" err="1"/>
+              <a:rPr lang="de-CH" dirty="0"/>
+              <a:t>Task </a:t>
+            </a:r>
+            <a:r>
+              <a:rPr lang="de-CH" dirty="0" smtClean="0"/>
+              <a:t>8: Sessions</a:t>
+            </a:r>
+            <a:endParaRPr lang="de-CH" dirty="0"/>
+          </a:p>
+        </p:txBody>
+      </p:sp>
+      <p:sp>
+        <p:nvSpPr>
+          <p:cNvPr id="3" name="Inhaltsplatzhalter 2"/>
+          <p:cNvSpPr>
+            <a:spLocks noGrp="1"/>
+          </p:cNvSpPr>
+          <p:nvPr>
+            <p:ph idx="1"/>
+          </p:nvPr>
+        </p:nvSpPr>
+        <p:spPr/>
+        <p:txBody>
+          <a:bodyPr/>
+          <a:lstStyle/>
+          <a:p>
+            <a:r>
+              <a:rPr lang="de-CH" dirty="0" smtClean="0"/>
+              <a:t>Cookies</a:t>
+            </a:r>
+          </a:p>
+          <a:p>
+            <a:pPr lvl="1"/>
+            <a:r>
+              <a:rPr lang="de-CH" dirty="0" smtClean="0"/>
+              <a:t>Speichern der Spracheinstellungen</a:t>
+            </a:r>
+          </a:p>
+          <a:p>
+            <a:pPr lvl="2"/>
+            <a:r>
+              <a:rPr lang="de-CH" dirty="0" smtClean="0"/>
+              <a:t>1 Tag gültig</a:t>
+            </a:r>
+          </a:p>
+          <a:p>
+            <a:r>
+              <a:rPr lang="de-CH" dirty="0" smtClean="0"/>
+              <a:t>Shopping Cart</a:t>
+            </a:r>
+            <a:endParaRPr lang="de-CH" dirty="0"/>
+          </a:p>
+        </p:txBody>
+      </p:sp>
+    </p:spTree>
+    <p:extLst>
+      <p:ext uri="{BB962C8B-B14F-4D97-AF65-F5344CB8AC3E}">
+        <p14:creationId xmlns:p14="http://schemas.microsoft.com/office/powerpoint/2010/main" val="2131794967"/>
+      </p:ext>
+    </p:extLst>
+  </p:cSld>
+  <p:clrMapOvr>
+    <a:masterClrMapping/>
+  </p:clrMapOvr>
+</p:sld>
+</file>
+
+<file path=ppt/slides/slide12.xml><?xml version="1.0" encoding="utf-8"?>
+<p:sld xmlns:a="http://schemas.openxmlformats.org/drawingml/2006/main" xmlns:r="http://schemas.openxmlformats.org/officeDocument/2006/relationships" xmlns:p="http://schemas.openxmlformats.org/presentationml/2006/main">
+  <p:cSld>
+    <p:spTree>
+      <p:nvGrpSpPr>
+        <p:cNvPr id="1" name=""/>
+        <p:cNvGrpSpPr/>
+        <p:nvPr/>
+      </p:nvGrpSpPr>
+      <p:grpSpPr>
+        <a:xfrm>
+          <a:off x="0" y="0"/>
+          <a:ext cx="0" cy="0"/>
+          <a:chOff x="0" y="0"/>
+          <a:chExt cx="0" cy="0"/>
+        </a:xfrm>
+      </p:grpSpPr>
+      <p:sp>
+        <p:nvSpPr>
+          <p:cNvPr id="2" name="Title 1"/>
+          <p:cNvSpPr>
+            <a:spLocks noGrp="1"/>
+          </p:cNvSpPr>
+          <p:nvPr>
+            <p:ph type="title"/>
+          </p:nvPr>
+        </p:nvSpPr>
+        <p:spPr/>
+        <p:txBody>
+          <a:bodyPr/>
+          <a:lstStyle/>
+          <a:p>
+            <a:r>
+              <a:rPr lang="de-CH" dirty="0" smtClean="0"/>
+              <a:t>Task 9: OO PHP</a:t>
+            </a:r>
+            <a:endParaRPr lang="en-GB" dirty="0"/>
+          </a:p>
+        </p:txBody>
+      </p:sp>
+      <p:sp>
+        <p:nvSpPr>
+          <p:cNvPr id="3" name="Content Placeholder 2"/>
+          <p:cNvSpPr>
+            <a:spLocks noGrp="1"/>
+          </p:cNvSpPr>
+          <p:nvPr>
+            <p:ph idx="1"/>
+          </p:nvPr>
+        </p:nvSpPr>
+        <p:spPr/>
+        <p:txBody>
+          <a:bodyPr/>
+          <a:lstStyle/>
+          <a:p>
+            <a:r>
+              <a:rPr lang="de-CH" dirty="0" smtClean="0"/>
+              <a:t>Klassen für..</a:t>
+            </a:r>
+          </a:p>
+          <a:p>
+            <a:pPr lvl="1"/>
+            <a:r>
+              <a:rPr lang="de-CH" dirty="0" smtClean="0"/>
+              <a:t>Kategorie</a:t>
+            </a:r>
+          </a:p>
+          <a:p>
+            <a:pPr lvl="1"/>
+            <a:r>
+              <a:rPr lang="de-CH" dirty="0" smtClean="0"/>
+              <a:t>Produkt</a:t>
+            </a:r>
+          </a:p>
+          <a:p>
+            <a:pPr lvl="1"/>
+            <a:r>
+              <a:rPr lang="de-CH" dirty="0" smtClean="0"/>
+              <a:t>Benutzer</a:t>
+            </a:r>
+          </a:p>
+          <a:p>
+            <a:pPr lvl="1"/>
+            <a:r>
+              <a:rPr lang="de-CH" dirty="0" smtClean="0"/>
+              <a:t>Sprache</a:t>
+            </a:r>
+          </a:p>
+          <a:p>
+            <a:pPr lvl="1"/>
+            <a:r>
+              <a:rPr lang="de-CH" dirty="0" smtClean="0"/>
+              <a:t>Shopping Cart</a:t>
+            </a:r>
+          </a:p>
+          <a:p>
+            <a:pPr lvl="1"/>
+            <a:r>
+              <a:rPr lang="de-CH" dirty="0" smtClean="0"/>
+              <a:t>DB-Handling</a:t>
+            </a:r>
+          </a:p>
+          <a:p>
+            <a:pPr lvl="1"/>
+            <a:r>
+              <a:rPr lang="de-CH" dirty="0" smtClean="0"/>
+              <a:t>Sessions</a:t>
+            </a:r>
+          </a:p>
+          <a:p>
+            <a:pPr lvl="1"/>
+            <a:r>
+              <a:rPr lang="de-CH" dirty="0" smtClean="0"/>
+              <a:t>Und weitere..</a:t>
+            </a:r>
+            <a:endParaRPr lang="en-GB" dirty="0"/>
+          </a:p>
+        </p:txBody>
+      </p:sp>
+    </p:spTree>
+    <p:extLst>
+      <p:ext uri="{BB962C8B-B14F-4D97-AF65-F5344CB8AC3E}">
+        <p14:creationId xmlns:p14="http://schemas.microsoft.com/office/powerpoint/2010/main" val="1201765197"/>
+      </p:ext>
+    </p:extLst>
+  </p:cSld>
+  <p:clrMapOvr>
+    <a:masterClrMapping/>
+  </p:clrMapOvr>
+</p:sld>
+</file>
+
+<file path=ppt/slides/slide13.xml><?xml version="1.0" encoding="utf-8"?>
+<p:sld xmlns:a="http://schemas.openxmlformats.org/drawingml/2006/main" xmlns:r="http://schemas.openxmlformats.org/officeDocument/2006/relationships" xmlns:p="http://schemas.openxmlformats.org/presentationml/2006/main">
+  <p:cSld>
+    <p:spTree>
+      <p:nvGrpSpPr>
+        <p:cNvPr id="1" name=""/>
+        <p:cNvGrpSpPr/>
+        <p:nvPr/>
+      </p:nvGrpSpPr>
+      <p:grpSpPr>
+        <a:xfrm>
+          <a:off x="0" y="0"/>
+          <a:ext cx="0" cy="0"/>
+          <a:chOff x="0" y="0"/>
+          <a:chExt cx="0" cy="0"/>
+        </a:xfrm>
+      </p:grpSpPr>
+      <p:sp>
+        <p:nvSpPr>
+          <p:cNvPr id="2" name="Title 1"/>
+          <p:cNvSpPr>
+            <a:spLocks noGrp="1"/>
+          </p:cNvSpPr>
+          <p:nvPr>
+            <p:ph type="title"/>
+          </p:nvPr>
+        </p:nvSpPr>
+        <p:spPr/>
+        <p:txBody>
+          <a:bodyPr/>
+          <a:lstStyle/>
+          <a:p>
+            <a:r>
+              <a:rPr lang="de-CH" dirty="0" smtClean="0"/>
+              <a:t>Task 10: MySQL</a:t>
+            </a:r>
+            <a:endParaRPr lang="en-GB" dirty="0"/>
+          </a:p>
+        </p:txBody>
+      </p:sp>
+      <p:sp>
+        <p:nvSpPr>
+          <p:cNvPr id="3" name="Content Placeholder 2"/>
+          <p:cNvSpPr>
+            <a:spLocks noGrp="1"/>
+          </p:cNvSpPr>
+          <p:nvPr>
+            <p:ph idx="1"/>
+          </p:nvPr>
+        </p:nvSpPr>
+        <p:spPr/>
+        <p:txBody>
+          <a:bodyPr/>
+          <a:lstStyle/>
+          <a:p>
+            <a:endParaRPr lang="en-GB" dirty="0"/>
+          </a:p>
+        </p:txBody>
+      </p:sp>
+    </p:spTree>
+    <p:extLst>
+      <p:ext uri="{BB962C8B-B14F-4D97-AF65-F5344CB8AC3E}">
+        <p14:creationId xmlns:p14="http://schemas.microsoft.com/office/powerpoint/2010/main" val="3695143202"/>
+      </p:ext>
+    </p:extLst>
+  </p:cSld>
+  <p:clrMapOvr>
+    <a:masterClrMapping/>
+  </p:clrMapOvr>
+</p:sld>
+</file>
+
+<file path=ppt/slides/slide14.xml><?xml version="1.0" encoding="utf-8"?>
+<p:sld xmlns:a="http://schemas.openxmlformats.org/drawingml/2006/main" xmlns:r="http://schemas.openxmlformats.org/officeDocument/2006/relationships" xmlns:p="http://schemas.openxmlformats.org/presentationml/2006/main">
+  <p:cSld>
+    <p:spTree>
+      <p:nvGrpSpPr>
+        <p:cNvPr id="1" name=""/>
+        <p:cNvGrpSpPr/>
+        <p:nvPr/>
+      </p:nvGrpSpPr>
+      <p:grpSpPr>
+        <a:xfrm>
+          <a:off x="0" y="0"/>
+          <a:ext cx="0" cy="0"/>
+          <a:chOff x="0" y="0"/>
+          <a:chExt cx="0" cy="0"/>
+        </a:xfrm>
+      </p:grpSpPr>
+      <p:sp>
+        <p:nvSpPr>
+          <p:cNvPr id="2" name="Title 1"/>
+          <p:cNvSpPr>
+            <a:spLocks noGrp="1"/>
+          </p:cNvSpPr>
+          <p:nvPr>
+            <p:ph type="title"/>
+          </p:nvPr>
+        </p:nvSpPr>
+        <p:spPr/>
+        <p:txBody>
+          <a:bodyPr/>
+          <a:lstStyle/>
+          <a:p>
+            <a:r>
+              <a:rPr lang="de-CH" smtClean="0"/>
+              <a:t>Task 11: Web Service</a:t>
+            </a:r>
+            <a:endParaRPr lang="en-GB"/>
+          </a:p>
+        </p:txBody>
+      </p:sp>
+      <p:sp>
+        <p:nvSpPr>
+          <p:cNvPr id="3" name="Content Placeholder 2"/>
+          <p:cNvSpPr>
+            <a:spLocks noGrp="1"/>
+          </p:cNvSpPr>
+          <p:nvPr>
+            <p:ph idx="1"/>
+          </p:nvPr>
+        </p:nvSpPr>
+        <p:spPr/>
+        <p:txBody>
+          <a:bodyPr/>
+          <a:lstStyle/>
+          <a:p>
+            <a:endParaRPr lang="en-GB"/>
+          </a:p>
+        </p:txBody>
+      </p:sp>
+    </p:spTree>
+    <p:extLst>
+      <p:ext uri="{BB962C8B-B14F-4D97-AF65-F5344CB8AC3E}">
+        <p14:creationId xmlns:p14="http://schemas.microsoft.com/office/powerpoint/2010/main" val="4279117317"/>
+      </p:ext>
+    </p:extLst>
+  </p:cSld>
+  <p:clrMapOvr>
+    <a:masterClrMapping/>
+  </p:clrMapOvr>
+</p:sld>
+</file>
+
+<file path=ppt/slides/slide15.xml><?xml version="1.0" encoding="utf-8"?>
+<p:sld xmlns:a="http://schemas.openxmlformats.org/drawingml/2006/main" xmlns:r="http://schemas.openxmlformats.org/officeDocument/2006/relationships" xmlns:p="http://schemas.openxmlformats.org/presentationml/2006/main">
+  <p:cSld>
+    <p:spTree>
+      <p:nvGrpSpPr>
+        <p:cNvPr id="1" name=""/>
+        <p:cNvGrpSpPr/>
+        <p:nvPr/>
+      </p:nvGrpSpPr>
+      <p:grpSpPr>
+        <a:xfrm>
+          <a:off x="0" y="0"/>
+          <a:ext cx="0" cy="0"/>
+          <a:chOff x="0" y="0"/>
+          <a:chExt cx="0" cy="0"/>
+        </a:xfrm>
+      </p:grpSpPr>
+      <p:sp>
+        <p:nvSpPr>
+          <p:cNvPr id="2" name="Titel 1"/>
+          <p:cNvSpPr>
+            <a:spLocks noGrp="1"/>
+          </p:cNvSpPr>
+          <p:nvPr>
+            <p:ph type="title"/>
+          </p:nvPr>
+        </p:nvSpPr>
+        <p:spPr/>
+        <p:txBody>
+          <a:bodyPr/>
+          <a:lstStyle/>
+          <a:p>
+            <a:r>
+              <a:rPr lang="de-CH" dirty="0"/>
+              <a:t>Task 12: XML, AJAX, HTML Templates, RegEx</a:t>
+            </a:r>
+            <a:endParaRPr lang="de-CH" dirty="0"/>
+          </a:p>
+        </p:txBody>
+      </p:sp>
+      <p:sp>
+        <p:nvSpPr>
+          <p:cNvPr id="3" name="Inhaltsplatzhalter 2"/>
+          <p:cNvSpPr>
+            <a:spLocks noGrp="1"/>
+          </p:cNvSpPr>
+          <p:nvPr>
+            <p:ph idx="1"/>
+          </p:nvPr>
+        </p:nvSpPr>
+        <p:spPr/>
+        <p:txBody>
+          <a:bodyPr/>
+          <a:lstStyle/>
+          <a:p>
+            <a:endParaRPr lang="de-CH" dirty="0"/>
+          </a:p>
+        </p:txBody>
+      </p:sp>
+    </p:spTree>
+    <p:extLst>
+      <p:ext uri="{BB962C8B-B14F-4D97-AF65-F5344CB8AC3E}">
+        <p14:creationId xmlns:p14="http://schemas.microsoft.com/office/powerpoint/2010/main" val="665064297"/>
+      </p:ext>
+    </p:extLst>
+  </p:cSld>
+  <p:clrMapOvr>
+    <a:masterClrMapping/>
+  </p:clrMapOvr>
+</p:sld>
+</file>
+
+<file path=ppt/slides/slide16.xml><?xml version="1.0" encoding="utf-8"?>
+<p:sld xmlns:a="http://schemas.openxmlformats.org/drawingml/2006/main" xmlns:r="http://schemas.openxmlformats.org/officeDocument/2006/relationships" xmlns:p="http://schemas.openxmlformats.org/presentationml/2006/main">
+  <p:cSld>
+    <p:spTree>
+      <p:nvGrpSpPr>
+        <p:cNvPr id="1" name=""/>
+        <p:cNvGrpSpPr/>
+        <p:nvPr/>
+      </p:nvGrpSpPr>
+      <p:grpSpPr>
+        <a:xfrm>
+          <a:off x="0" y="0"/>
+          <a:ext cx="0" cy="0"/>
+          <a:chOff x="0" y="0"/>
+          <a:chExt cx="0" cy="0"/>
+        </a:xfrm>
+      </p:grpSpPr>
+      <p:sp>
+        <p:nvSpPr>
+          <p:cNvPr id="2" name="Titel 1"/>
+          <p:cNvSpPr>
+            <a:spLocks noGrp="1"/>
+          </p:cNvSpPr>
+          <p:nvPr>
+            <p:ph type="title"/>
+          </p:nvPr>
+        </p:nvSpPr>
+        <p:spPr/>
+        <p:txBody>
+          <a:bodyPr/>
+          <a:lstStyle/>
+          <a:p>
+            <a:r>
+              <a:rPr lang="de-CH" dirty="0" smtClean="0"/>
+              <a:t>Team	</a:t>
+            </a:r>
+            <a:endParaRPr lang="de-CH" dirty="0"/>
+          </a:p>
+        </p:txBody>
+      </p:sp>
+      <p:sp>
+        <p:nvSpPr>
+          <p:cNvPr id="3" name="Inhaltsplatzhalter 2"/>
+          <p:cNvSpPr>
+            <a:spLocks noGrp="1"/>
+          </p:cNvSpPr>
+          <p:nvPr>
+            <p:ph idx="1"/>
+          </p:nvPr>
+        </p:nvSpPr>
+        <p:spPr/>
+        <p:txBody>
+          <a:bodyPr/>
+          <a:lstStyle/>
+          <a:p>
+            <a:r>
+              <a:rPr lang="de-CH" dirty="0" smtClean="0"/>
+              <a:t>Gut geklappt</a:t>
+            </a:r>
+            <a:endParaRPr lang="de-CH" dirty="0"/>
+          </a:p>
+        </p:txBody>
+      </p:sp>
+    </p:spTree>
+    <p:extLst>
+      <p:ext uri="{BB962C8B-B14F-4D97-AF65-F5344CB8AC3E}">
+        <p14:creationId xmlns:p14="http://schemas.microsoft.com/office/powerpoint/2010/main" val="3651541254"/>
+      </p:ext>
+    </p:extLst>
+  </p:cSld>
+  <p:clrMapOvr>
+    <a:masterClrMapping/>
+  </p:clrMapOvr>
+</p:sld>
+</file>
+
+<file path=ppt/slides/slide17.xml><?xml version="1.0" encoding="utf-8"?>
+<p:sld xmlns:a="http://schemas.openxmlformats.org/drawingml/2006/main" xmlns:r="http://schemas.openxmlformats.org/officeDocument/2006/relationships" xmlns:p="http://schemas.openxmlformats.org/presentationml/2006/main">
+  <p:cSld>
+    <p:spTree>
+      <p:nvGrpSpPr>
+        <p:cNvPr id="1" name=""/>
+        <p:cNvGrpSpPr/>
+        <p:nvPr/>
+      </p:nvGrpSpPr>
+      <p:grpSpPr>
+        <a:xfrm>
+          <a:off x="0" y="0"/>
+          <a:ext cx="0" cy="0"/>
+          <a:chOff x="0" y="0"/>
+          <a:chExt cx="0" cy="0"/>
+        </a:xfrm>
+      </p:grpSpPr>
+      <p:sp>
+        <p:nvSpPr>
+          <p:cNvPr id="2" name="Titel 1"/>
+          <p:cNvSpPr>
+            <a:spLocks noGrp="1"/>
+          </p:cNvSpPr>
+          <p:nvPr>
+            <p:ph type="title"/>
+          </p:nvPr>
+        </p:nvSpPr>
+        <p:spPr/>
+        <p:txBody>
+          <a:bodyPr/>
+          <a:lstStyle/>
+          <a:p>
+            <a:r>
+              <a:rPr lang="de-CH" dirty="0" smtClean="0"/>
+              <a:t>Lessons </a:t>
+            </a:r>
+            <a:r>
+              <a:rPr lang="de-CH" dirty="0" smtClean="0"/>
               <a:t>learnt</a:t>
             </a:r>
             <a:endParaRPr lang="de-CH" dirty="0"/>
@@ -3949,11 +4670,7 @@
           <a:p>
             <a:r>
               <a:rPr lang="de-CH" dirty="0" smtClean="0"/>
-              <a:t>Allgemeine Grundkenntnisse </a:t>
-            </a:r>
-            <a:r>
-              <a:rPr lang="de-CH" dirty="0" smtClean="0"/>
-              <a:t>Web</a:t>
+              <a:t>Allgemeine Grundkenntnisse Web</a:t>
             </a:r>
           </a:p>
           <a:p>
@@ -3961,7 +4678,6 @@
               <a:rPr lang="de-CH" dirty="0" smtClean="0"/>
               <a:t>Organisierte Struktur</a:t>
             </a:r>
-            <a:endParaRPr lang="de-CH" dirty="0" smtClean="0"/>
           </a:p>
           <a:p>
             <a:endParaRPr lang="de-CH" dirty="0" smtClean="0"/>
@@ -4005,11 +4721,7 @@
           <a:p>
             <a:r>
               <a:rPr lang="de-CH" dirty="0" smtClean="0"/>
-              <a:t>CSS-Framework </a:t>
-            </a:r>
-            <a:r>
-              <a:rPr lang="de-CH" dirty="0" smtClean="0"/>
-              <a:t>verwenden</a:t>
+              <a:t>CSS-Framework verwenden</a:t>
             </a:r>
           </a:p>
           <a:p>
@@ -4034,7 +4746,7 @@
 </p:sld>
 </file>
 
-<file path=ppt/slides/slide12.xml><?xml version="1.0" encoding="utf-8"?>
+<file path=ppt/slides/slide18.xml><?xml version="1.0" encoding="utf-8"?>
 <p:sld xmlns:a="http://schemas.openxmlformats.org/drawingml/2006/main" xmlns:r="http://schemas.openxmlformats.org/officeDocument/2006/relationships" xmlns:p="http://schemas.openxmlformats.org/presentationml/2006/main">
   <p:cSld>
     <p:spTree>
@@ -4191,7 +4903,7 @@
             </a:r>
             <a:r>
               <a:rPr lang="de-CH" dirty="0" smtClean="0"/>
-              <a:t>learned</a:t>
+              <a:t>learnt</a:t>
             </a:r>
             <a:endParaRPr lang="de-CH" dirty="0"/>
           </a:p>
@@ -4434,6 +5146,267 @@
       </p:grpSpPr>
       <p:sp>
         <p:nvSpPr>
+          <p:cNvPr id="2" name="Title 1"/>
+          <p:cNvSpPr>
+            <a:spLocks noGrp="1"/>
+          </p:cNvSpPr>
+          <p:nvPr>
+            <p:ph type="title"/>
+          </p:nvPr>
+        </p:nvSpPr>
+        <p:spPr/>
+        <p:txBody>
+          <a:bodyPr/>
+          <a:lstStyle/>
+          <a:p>
+            <a:r>
+              <a:rPr lang="en-US" dirty="0"/>
+              <a:t>Task </a:t>
+            </a:r>
+            <a:r>
+              <a:rPr lang="en-US" dirty="0" smtClean="0"/>
+              <a:t>1: Project Setup</a:t>
+            </a:r>
+            <a:endParaRPr lang="en-GB" dirty="0"/>
+          </a:p>
+        </p:txBody>
+      </p:sp>
+      <p:sp>
+        <p:nvSpPr>
+          <p:cNvPr id="3" name="Content Placeholder 2"/>
+          <p:cNvSpPr>
+            <a:spLocks noGrp="1"/>
+          </p:cNvSpPr>
+          <p:nvPr>
+            <p:ph idx="1"/>
+          </p:nvPr>
+        </p:nvSpPr>
+        <p:spPr/>
+        <p:txBody>
+          <a:bodyPr>
+            <a:normAutofit lnSpcReduction="10000"/>
+          </a:bodyPr>
+          <a:lstStyle/>
+          <a:p>
+            <a:r>
+              <a:rPr lang="de-CH" dirty="0" smtClean="0"/>
+              <a:t>Konzept</a:t>
+            </a:r>
+          </a:p>
+          <a:p>
+            <a:pPr lvl="1"/>
+            <a:r>
+              <a:rPr lang="de-CH" dirty="0" smtClean="0"/>
+              <a:t>Spezielle Biere anbieten, verschiedene Sorten aus vielen Ländern</a:t>
+            </a:r>
+          </a:p>
+          <a:p>
+            <a:pPr lvl="1"/>
+            <a:r>
+              <a:rPr lang="de-CH" dirty="0" smtClean="0"/>
+              <a:t>Biere werden immer einheitlicher und sind meist Lagerbier</a:t>
+            </a:r>
+          </a:p>
+          <a:p>
+            <a:r>
+              <a:rPr lang="de-CH" dirty="0" smtClean="0"/>
+              <a:t>Kategorien</a:t>
+            </a:r>
+          </a:p>
+          <a:p>
+            <a:pPr lvl="1"/>
+            <a:r>
+              <a:rPr lang="de-CH" dirty="0" smtClean="0"/>
+              <a:t>Belgian Strong Ale</a:t>
+            </a:r>
+          </a:p>
+          <a:p>
+            <a:pPr lvl="1"/>
+            <a:r>
+              <a:rPr lang="de-CH" dirty="0" smtClean="0"/>
+              <a:t>India Pale Ale</a:t>
+            </a:r>
+          </a:p>
+          <a:p>
+            <a:pPr lvl="1"/>
+            <a:r>
+              <a:rPr lang="de-CH" dirty="0" smtClean="0"/>
+              <a:t>Cider</a:t>
+            </a:r>
+          </a:p>
+          <a:p>
+            <a:pPr lvl="1"/>
+            <a:r>
+              <a:rPr lang="de-CH" dirty="0" smtClean="0"/>
+              <a:t>UK Beer</a:t>
+            </a:r>
+          </a:p>
+          <a:p>
+            <a:pPr lvl="1"/>
+            <a:r>
+              <a:rPr lang="de-CH" dirty="0"/>
+              <a:t>Wheat </a:t>
+            </a:r>
+            <a:r>
+              <a:rPr lang="de-CH" dirty="0" smtClean="0"/>
+              <a:t>Beer</a:t>
+            </a:r>
+          </a:p>
+          <a:p>
+            <a:r>
+              <a:rPr lang="de-CH" dirty="0" smtClean="0"/>
+              <a:t>Target Users</a:t>
+            </a:r>
+          </a:p>
+          <a:p>
+            <a:pPr lvl="1"/>
+            <a:r>
+              <a:rPr lang="de-CH" dirty="0" smtClean="0"/>
+              <a:t>Geniesser</a:t>
+            </a:r>
+          </a:p>
+          <a:p>
+            <a:pPr lvl="1"/>
+            <a:r>
+              <a:rPr lang="de-CH" dirty="0" smtClean="0"/>
+              <a:t>Lightweight Drinker</a:t>
+            </a:r>
+          </a:p>
+          <a:p>
+            <a:pPr lvl="1"/>
+            <a:r>
+              <a:rPr lang="de-CH" dirty="0" smtClean="0"/>
+              <a:t>Heavyweight Drinker</a:t>
+            </a:r>
+          </a:p>
+        </p:txBody>
+      </p:sp>
+    </p:spTree>
+    <p:extLst>
+      <p:ext uri="{BB962C8B-B14F-4D97-AF65-F5344CB8AC3E}">
+        <p14:creationId xmlns:p14="http://schemas.microsoft.com/office/powerpoint/2010/main" val="1921813651"/>
+      </p:ext>
+    </p:extLst>
+  </p:cSld>
+  <p:clrMapOvr>
+    <a:masterClrMapping/>
+  </p:clrMapOvr>
+</p:sld>
+</file>
+
+<file path=ppt/slides/slide6.xml><?xml version="1.0" encoding="utf-8"?>
+<p:sld xmlns:a="http://schemas.openxmlformats.org/drawingml/2006/main" xmlns:r="http://schemas.openxmlformats.org/officeDocument/2006/relationships" xmlns:p="http://schemas.openxmlformats.org/presentationml/2006/main">
+  <p:cSld>
+    <p:spTree>
+      <p:nvGrpSpPr>
+        <p:cNvPr id="1" name=""/>
+        <p:cNvGrpSpPr/>
+        <p:nvPr/>
+      </p:nvGrpSpPr>
+      <p:grpSpPr>
+        <a:xfrm>
+          <a:off x="0" y="0"/>
+          <a:ext cx="0" cy="0"/>
+          <a:chOff x="0" y="0"/>
+          <a:chExt cx="0" cy="0"/>
+        </a:xfrm>
+      </p:grpSpPr>
+      <p:sp>
+        <p:nvSpPr>
+          <p:cNvPr id="2" name="Title 1"/>
+          <p:cNvSpPr>
+            <a:spLocks noGrp="1"/>
+          </p:cNvSpPr>
+          <p:nvPr>
+            <p:ph type="title"/>
+          </p:nvPr>
+        </p:nvSpPr>
+        <p:spPr/>
+        <p:txBody>
+          <a:bodyPr/>
+          <a:lstStyle/>
+          <a:p>
+            <a:r>
+              <a:rPr lang="en-US" dirty="0"/>
+              <a:t>Task 2: General Design</a:t>
+            </a:r>
+            <a:endParaRPr lang="en-GB" dirty="0"/>
+          </a:p>
+        </p:txBody>
+      </p:sp>
+      <p:pic>
+        <p:nvPicPr>
+          <p:cNvPr id="1026" name="Picture 2" descr="C:\xampp\htdocs\ch.bfh.bti7054.w2014.p.beerwebshop\doc\Vision_Index.PNG"/>
+          <p:cNvPicPr>
+            <a:picLocks noChangeAspect="1" noChangeArrowheads="1"/>
+          </p:cNvPicPr>
+          <p:nvPr/>
+        </p:nvPicPr>
+        <p:blipFill>
+          <a:blip r:embed="rId3">
+            <a:extLst>
+              <a:ext uri="{28A0092B-C50C-407E-A947-70E740481C1C}">
+                <a14:useLocalDpi xmlns:a14="http://schemas.microsoft.com/office/drawing/2010/main" val="0"/>
+              </a:ext>
+            </a:extLst>
+          </a:blip>
+          <a:srcRect/>
+          <a:stretch>
+            <a:fillRect/>
+          </a:stretch>
+        </p:blipFill>
+        <p:spPr bwMode="auto">
+          <a:xfrm>
+            <a:off x="395536" y="1471320"/>
+            <a:ext cx="7776864" cy="4581308"/>
+          </a:xfrm>
+          <a:prstGeom prst="rect">
+            <a:avLst/>
+          </a:prstGeom>
+          <a:noFill/>
+          <a:extLst>
+            <a:ext uri="{909E8E84-426E-40DD-AFC4-6F175D3DCCD1}">
+              <a14:hiddenFill xmlns:a14="http://schemas.microsoft.com/office/drawing/2010/main">
+                <a:solidFill>
+                  <a:srgbClr val="FFFFFF"/>
+                </a:solidFill>
+              </a14:hiddenFill>
+            </a:ext>
+          </a:extLst>
+        </p:spPr>
+      </p:pic>
+    </p:spTree>
+    <p:extLst>
+      <p:ext uri="{BB962C8B-B14F-4D97-AF65-F5344CB8AC3E}">
+        <p14:creationId xmlns:p14="http://schemas.microsoft.com/office/powerpoint/2010/main" val="2680592073"/>
+      </p:ext>
+    </p:extLst>
+  </p:cSld>
+  <p:clrMapOvr>
+    <a:masterClrMapping/>
+  </p:clrMapOvr>
+</p:sld>
+</file>
+
+<file path=ppt/slides/slide7.xml><?xml version="1.0" encoding="utf-8"?>
+<p:sld xmlns:a="http://schemas.openxmlformats.org/drawingml/2006/main" xmlns:r="http://schemas.openxmlformats.org/officeDocument/2006/relationships" xmlns:p="http://schemas.openxmlformats.org/presentationml/2006/main">
+  <p:cSld>
+    <p:spTree>
+      <p:nvGrpSpPr>
+        <p:cNvPr id="1" name=""/>
+        <p:cNvGrpSpPr/>
+        <p:nvPr/>
+      </p:nvGrpSpPr>
+      <p:grpSpPr>
+        <a:xfrm>
+          <a:off x="0" y="0"/>
+          <a:ext cx="0" cy="0"/>
+          <a:chOff x="0" y="0"/>
+          <a:chExt cx="0" cy="0"/>
+        </a:xfrm>
+      </p:grpSpPr>
+      <p:sp>
+        <p:nvSpPr>
           <p:cNvPr id="2" name="Titel 1"/>
           <p:cNvSpPr>
             <a:spLocks noGrp="1"/>
@@ -4449,7 +5422,11 @@
           <a:p>
             <a:r>
               <a:rPr lang="en-US" dirty="0"/>
-              <a:t>Task 2.2: Main HTML Page</a:t>
+              <a:t>Task </a:t>
+            </a:r>
+            <a:r>
+              <a:rPr lang="en-US" dirty="0" smtClean="0"/>
+              <a:t>2: General Design</a:t>
             </a:r>
             <a:endParaRPr lang="de-CH" dirty="0"/>
           </a:p>
@@ -4524,205 +5501,6 @@
 </p:sld>
 </file>
 
-<file path=ppt/slides/slide6.xml><?xml version="1.0" encoding="utf-8"?>
-<p:sld xmlns:a="http://schemas.openxmlformats.org/drawingml/2006/main" xmlns:r="http://schemas.openxmlformats.org/officeDocument/2006/relationships" xmlns:p="http://schemas.openxmlformats.org/presentationml/2006/main">
-  <p:cSld>
-    <p:spTree>
-      <p:nvGrpSpPr>
-        <p:cNvPr id="1" name=""/>
-        <p:cNvGrpSpPr/>
-        <p:nvPr/>
-      </p:nvGrpSpPr>
-      <p:grpSpPr>
-        <a:xfrm>
-          <a:off x="0" y="0"/>
-          <a:ext cx="0" cy="0"/>
-          <a:chOff x="0" y="0"/>
-          <a:chExt cx="0" cy="0"/>
-        </a:xfrm>
-      </p:grpSpPr>
-      <p:sp>
-        <p:nvSpPr>
-          <p:cNvPr id="2" name="Titel 1"/>
-          <p:cNvSpPr>
-            <a:spLocks noGrp="1"/>
-          </p:cNvSpPr>
-          <p:nvPr>
-            <p:ph type="title"/>
-          </p:nvPr>
-        </p:nvSpPr>
-        <p:spPr/>
-        <p:txBody>
-          <a:bodyPr/>
-          <a:lstStyle/>
-          <a:p>
-            <a:r>
-              <a:rPr lang="de-CH" dirty="0"/>
-              <a:t>Task 5.3:  Multiple </a:t>
-            </a:r>
-            <a:r>
-              <a:rPr lang="de-CH" dirty="0" err="1"/>
-              <a:t>Languages</a:t>
-            </a:r>
-            <a:r>
-              <a:rPr lang="de-CH" dirty="0"/>
-              <a:t> </a:t>
-            </a:r>
-          </a:p>
-        </p:txBody>
-      </p:sp>
-      <p:sp>
-        <p:nvSpPr>
-          <p:cNvPr id="3" name="Inhaltsplatzhalter 2"/>
-          <p:cNvSpPr>
-            <a:spLocks noGrp="1"/>
-          </p:cNvSpPr>
-          <p:nvPr>
-            <p:ph idx="1"/>
-          </p:nvPr>
-        </p:nvSpPr>
-        <p:spPr/>
-        <p:txBody>
-          <a:bodyPr/>
-          <a:lstStyle/>
-          <a:p>
-            <a:r>
-              <a:rPr lang="de-CH" dirty="0" smtClean="0"/>
-              <a:t>EN und DE </a:t>
-            </a:r>
-            <a:r>
-              <a:rPr lang="de-CH" dirty="0" err="1" smtClean="0"/>
-              <a:t>language</a:t>
-            </a:r>
-            <a:r>
-              <a:rPr lang="de-CH" dirty="0" smtClean="0"/>
-              <a:t> </a:t>
-            </a:r>
-            <a:r>
-              <a:rPr lang="de-CH" dirty="0" err="1" smtClean="0"/>
-              <a:t>files</a:t>
-            </a:r>
-            <a:endParaRPr lang="de-CH" dirty="0" smtClean="0"/>
-          </a:p>
-          <a:p>
-            <a:r>
-              <a:rPr lang="de-CH" dirty="0" smtClean="0"/>
-              <a:t>Globales Array mit Strings</a:t>
-            </a:r>
-          </a:p>
-          <a:p>
-            <a:endParaRPr lang="de-CH" dirty="0"/>
-          </a:p>
-          <a:p>
-            <a:r>
-              <a:rPr lang="de-CH" dirty="0" smtClean="0"/>
-              <a:t>Default EN</a:t>
-            </a:r>
-          </a:p>
-          <a:p>
-            <a:r>
-              <a:rPr lang="de-CH" dirty="0" smtClean="0"/>
-              <a:t>Gewählte Sprache </a:t>
-            </a:r>
-            <a:r>
-              <a:rPr lang="de-CH" smtClean="0"/>
-              <a:t>des User</a:t>
-            </a:r>
-          </a:p>
-          <a:p>
-            <a:pPr lvl="1"/>
-            <a:r>
-              <a:rPr lang="de-CH" dirty="0" smtClean="0"/>
-              <a:t>Cookie gültig für 1 Tag</a:t>
-            </a:r>
-            <a:endParaRPr lang="de-CH" dirty="0"/>
-          </a:p>
-        </p:txBody>
-      </p:sp>
-    </p:spTree>
-    <p:extLst>
-      <p:ext uri="{BB962C8B-B14F-4D97-AF65-F5344CB8AC3E}">
-        <p14:creationId xmlns:p14="http://schemas.microsoft.com/office/powerpoint/2010/main" val="524462429"/>
-      </p:ext>
-    </p:extLst>
-  </p:cSld>
-  <p:clrMapOvr>
-    <a:masterClrMapping/>
-  </p:clrMapOvr>
-</p:sld>
-</file>
-
-<file path=ppt/slides/slide7.xml><?xml version="1.0" encoding="utf-8"?>
-<p:sld xmlns:a="http://schemas.openxmlformats.org/drawingml/2006/main" xmlns:r="http://schemas.openxmlformats.org/officeDocument/2006/relationships" xmlns:p="http://schemas.openxmlformats.org/presentationml/2006/main">
-  <p:cSld>
-    <p:spTree>
-      <p:nvGrpSpPr>
-        <p:cNvPr id="1" name=""/>
-        <p:cNvGrpSpPr/>
-        <p:nvPr/>
-      </p:nvGrpSpPr>
-      <p:grpSpPr>
-        <a:xfrm>
-          <a:off x="0" y="0"/>
-          <a:ext cx="0" cy="0"/>
-          <a:chOff x="0" y="0"/>
-          <a:chExt cx="0" cy="0"/>
-        </a:xfrm>
-      </p:grpSpPr>
-      <p:sp>
-        <p:nvSpPr>
-          <p:cNvPr id="2" name="Titel 1"/>
-          <p:cNvSpPr>
-            <a:spLocks noGrp="1"/>
-          </p:cNvSpPr>
-          <p:nvPr>
-            <p:ph type="title"/>
-          </p:nvPr>
-        </p:nvSpPr>
-        <p:spPr/>
-        <p:txBody>
-          <a:bodyPr/>
-          <a:lstStyle/>
-          <a:p>
-            <a:r>
-              <a:rPr lang="de-CH" dirty="0"/>
-              <a:t>Task 7.2: Form Validation</a:t>
-            </a:r>
-          </a:p>
-        </p:txBody>
-      </p:sp>
-      <p:sp>
-        <p:nvSpPr>
-          <p:cNvPr id="3" name="Inhaltsplatzhalter 2"/>
-          <p:cNvSpPr>
-            <a:spLocks noGrp="1"/>
-          </p:cNvSpPr>
-          <p:nvPr>
-            <p:ph idx="1"/>
-          </p:nvPr>
-        </p:nvSpPr>
-        <p:spPr/>
-        <p:txBody>
-          <a:bodyPr/>
-          <a:lstStyle/>
-          <a:p>
-            <a:endParaRPr lang="de-CH"/>
-          </a:p>
-        </p:txBody>
-      </p:sp>
-    </p:spTree>
-    <p:extLst>
-      <p:ext uri="{BB962C8B-B14F-4D97-AF65-F5344CB8AC3E}">
-        <p14:creationId xmlns:p14="http://schemas.microsoft.com/office/powerpoint/2010/main" val="2405985397"/>
-      </p:ext>
-    </p:extLst>
-  </p:cSld>
-  <p:clrMapOvr>
-    <a:masterClrMapping/>
-  </p:clrMapOvr>
-</p:sld>
-</file>
-
 <file path=ppt/slides/slide8.xml><?xml version="1.0" encoding="utf-8"?>
 <p:sld xmlns:a="http://schemas.openxmlformats.org/drawingml/2006/main" xmlns:r="http://schemas.openxmlformats.org/officeDocument/2006/relationships" xmlns:p="http://schemas.openxmlformats.org/presentationml/2006/main">
   <p:cSld>
@@ -4742,7 +5520,7 @@
       </p:grpSpPr>
       <p:sp>
         <p:nvSpPr>
-          <p:cNvPr id="2" name="Titel 1"/>
+          <p:cNvPr id="2" name="Title 1"/>
           <p:cNvSpPr>
             <a:spLocks noGrp="1"/>
           </p:cNvSpPr>
@@ -4756,15 +5534,20 @@
           <a:lstStyle/>
           <a:p>
             <a:r>
-              <a:rPr lang="de-CH" dirty="0"/>
-              <a:t>Task 8.1: Cookies</a:t>
-            </a:r>
-          </a:p>
-        </p:txBody>
-      </p:sp>
-      <p:sp>
-        <p:nvSpPr>
-          <p:cNvPr id="3" name="Inhaltsplatzhalter 2"/>
+              <a:rPr lang="en-US" dirty="0"/>
+              <a:t>Task </a:t>
+            </a:r>
+            <a:r>
+              <a:rPr lang="en-US" dirty="0" smtClean="0"/>
+              <a:t>3: Design with CSS</a:t>
+            </a:r>
+            <a:endParaRPr lang="en-GB" dirty="0"/>
+          </a:p>
+        </p:txBody>
+      </p:sp>
+      <p:sp>
+        <p:nvSpPr>
+          <p:cNvPr id="3" name="Content Placeholder 2"/>
           <p:cNvSpPr>
             <a:spLocks noGrp="1"/>
           </p:cNvSpPr>
@@ -4777,14 +5560,18 @@
           <a:bodyPr/>
           <a:lstStyle/>
           <a:p>
-            <a:endParaRPr lang="de-CH"/>
+            <a:r>
+              <a:rPr lang="de-CH" dirty="0" smtClean="0"/>
+              <a:t>Bootstrap benutzt oder anderes so täil</a:t>
+            </a:r>
+            <a:endParaRPr lang="en-GB" dirty="0"/>
           </a:p>
         </p:txBody>
       </p:sp>
     </p:spTree>
     <p:extLst>
       <p:ext uri="{BB962C8B-B14F-4D97-AF65-F5344CB8AC3E}">
-        <p14:creationId xmlns:p14="http://schemas.microsoft.com/office/powerpoint/2010/main" val="2131794967"/>
+        <p14:creationId xmlns:p14="http://schemas.microsoft.com/office/powerpoint/2010/main" val="4094009332"/>
       </p:ext>
     </p:extLst>
   </p:cSld>
@@ -4813,7 +5600,7 @@
       </p:grpSpPr>
       <p:sp>
         <p:nvSpPr>
-          <p:cNvPr id="2" name="Titel 1"/>
+          <p:cNvPr id="2" name="Title 1"/>
           <p:cNvSpPr>
             <a:spLocks noGrp="1"/>
           </p:cNvSpPr>
@@ -4827,20 +5614,16 @@
           <a:lstStyle/>
           <a:p>
             <a:r>
-              <a:rPr lang="de-CH" dirty="0"/>
-              <a:t>Task 12.1: AJAX </a:t>
-            </a:r>
-            <a:r>
-              <a:rPr lang="de-CH" dirty="0" smtClean="0"/>
-              <a:t> </a:t>
-            </a:r>
-            <a:endParaRPr lang="de-CH" dirty="0"/>
-          </a:p>
-        </p:txBody>
-      </p:sp>
-      <p:sp>
-        <p:nvSpPr>
-          <p:cNvPr id="3" name="Inhaltsplatzhalter 2"/>
+              <a:rPr lang="de-CH" dirty="0" smtClean="0"/>
+              <a:t>Task 4/5/6: PHP</a:t>
+            </a:r>
+            <a:endParaRPr lang="en-GB" dirty="0"/>
+          </a:p>
+        </p:txBody>
+      </p:sp>
+      <p:sp>
+        <p:nvSpPr>
+          <p:cNvPr id="3" name="Content Placeholder 2"/>
           <p:cNvSpPr>
             <a:spLocks noGrp="1"/>
           </p:cNvSpPr>
@@ -4853,14 +5636,104 @@
           <a:bodyPr/>
           <a:lstStyle/>
           <a:p>
-            <a:endParaRPr lang="de-CH"/>
-          </a:p>
-        </p:txBody>
-      </p:sp>
+            <a:r>
+              <a:rPr lang="de-CH" dirty="0" smtClean="0"/>
+              <a:t>Teile der Webseite in einzelne Files ausgelagert</a:t>
+            </a:r>
+          </a:p>
+          <a:p>
+            <a:r>
+              <a:rPr lang="de-CH" dirty="0" smtClean="0"/>
+              <a:t>Dynamischer aufruf der Kategorien</a:t>
+            </a:r>
+          </a:p>
+          <a:p>
+            <a:r>
+              <a:rPr lang="de-CH" dirty="0" smtClean="0"/>
+              <a:t>Language Files</a:t>
+            </a:r>
+          </a:p>
+          <a:p>
+            <a:pPr lvl="1"/>
+            <a:r>
+              <a:rPr lang="de-CH" dirty="0" smtClean="0"/>
+              <a:t>Deutsch und Englisch</a:t>
+            </a:r>
+          </a:p>
+          <a:p>
+            <a:pPr lvl="1"/>
+            <a:r>
+              <a:rPr lang="de-CH" dirty="0" smtClean="0"/>
+              <a:t>Globales Array mit Strings</a:t>
+            </a:r>
+          </a:p>
+          <a:p>
+            <a:pPr lvl="1"/>
+            <a:r>
+              <a:rPr lang="de-CH" dirty="0" smtClean="0"/>
+              <a:t>Default EN</a:t>
+            </a:r>
+          </a:p>
+        </p:txBody>
+      </p:sp>
+      <p:pic>
+        <p:nvPicPr>
+          <p:cNvPr id="4" name="Picture 2"/>
+          <p:cNvPicPr>
+            <a:picLocks noChangeAspect="1" noChangeArrowheads="1"/>
+          </p:cNvPicPr>
+          <p:nvPr/>
+        </p:nvPicPr>
+        <p:blipFill>
+          <a:blip r:embed="rId2" cstate="print">
+            <a:extLst>
+              <a:ext uri="{28A0092B-C50C-407E-A947-70E740481C1C}">
+                <a14:useLocalDpi xmlns:a14="http://schemas.microsoft.com/office/drawing/2010/main" val="0"/>
+              </a:ext>
+            </a:extLst>
+          </a:blip>
+          <a:srcRect/>
+          <a:stretch>
+            <a:fillRect/>
+          </a:stretch>
+        </p:blipFill>
+        <p:spPr bwMode="auto">
+          <a:xfrm>
+            <a:off x="5004048" y="2060848"/>
+            <a:ext cx="3096245" cy="2232452"/>
+          </a:xfrm>
+          <a:prstGeom prst="rect">
+            <a:avLst/>
+          </a:prstGeom>
+          <a:noFill/>
+          <a:ln>
+            <a:noFill/>
+          </a:ln>
+          <a:extLst>
+            <a:ext uri="{909E8E84-426E-40DD-AFC4-6F175D3DCCD1}">
+              <a14:hiddenFill xmlns:a14="http://schemas.microsoft.com/office/drawing/2010/main">
+                <a:solidFill>
+                  <a:schemeClr val="accent1"/>
+                </a:solidFill>
+              </a14:hiddenFill>
+            </a:ext>
+            <a:ext uri="{91240B29-F687-4F45-9708-019B960494DF}">
+              <a14:hiddenLine xmlns:a14="http://schemas.microsoft.com/office/drawing/2010/main" w="9525">
+                <a:solidFill>
+                  <a:schemeClr val="tx1"/>
+                </a:solidFill>
+                <a:miter lim="800000"/>
+                <a:headEnd/>
+                <a:tailEnd/>
+              </a14:hiddenLine>
+            </a:ext>
+          </a:extLst>
+        </p:spPr>
+      </p:pic>
     </p:spTree>
     <p:extLst>
       <p:ext uri="{BB962C8B-B14F-4D97-AF65-F5344CB8AC3E}">
-        <p14:creationId xmlns:p14="http://schemas.microsoft.com/office/powerpoint/2010/main" val="665064297"/>
+        <p14:creationId xmlns:p14="http://schemas.microsoft.com/office/powerpoint/2010/main" val="783007096"/>
       </p:ext>
     </p:extLst>
   </p:cSld>

--- a/doc/Präsentation.pptx
+++ b/doc/Präsentation.pptx
@@ -4062,7 +4062,11 @@
           <a:bodyPr/>
           <a:lstStyle/>
           <a:p>
-            <a:endParaRPr lang="de-CH"/>
+            <a:r>
+              <a:rPr lang="de-CH" dirty="0" smtClean="0"/>
+              <a:t>Validation</a:t>
+            </a:r>
+            <a:endParaRPr lang="de-CH" dirty="0"/>
           </a:p>
         </p:txBody>
       </p:sp>
@@ -4351,25 +4355,47 @@
           </a:p>
         </p:txBody>
       </p:sp>
-      <p:sp>
-        <p:nvSpPr>
-          <p:cNvPr id="3" name="Content Placeholder 2"/>
-          <p:cNvSpPr>
-            <a:spLocks noGrp="1"/>
-          </p:cNvSpPr>
-          <p:nvPr>
-            <p:ph idx="1"/>
-          </p:nvPr>
-        </p:nvSpPr>
-        <p:spPr/>
-        <p:txBody>
-          <a:bodyPr/>
-          <a:lstStyle/>
-          <a:p>
-            <a:endParaRPr lang="en-GB" dirty="0"/>
-          </a:p>
-        </p:txBody>
-      </p:sp>
+      <p:pic>
+        <p:nvPicPr>
+          <p:cNvPr id="1026" name="Picture 2" descr="C:\Users\Pascal\Desktop\erd.PNG"/>
+          <p:cNvPicPr>
+            <a:picLocks noChangeAspect="1" noChangeArrowheads="1"/>
+          </p:cNvPicPr>
+          <p:nvPr/>
+        </p:nvPicPr>
+        <p:blipFill>
+          <a:blip r:embed="rId2">
+            <a:extLst>
+              <a:ext uri="{28A0092B-C50C-407E-A947-70E740481C1C}">
+                <a14:useLocalDpi xmlns:a14="http://schemas.microsoft.com/office/drawing/2010/main" val="0"/>
+              </a:ext>
+            </a:extLst>
+          </a:blip>
+          <a:srcRect/>
+          <a:stretch>
+            <a:fillRect/>
+          </a:stretch>
+        </p:blipFill>
+        <p:spPr bwMode="auto">
+          <a:xfrm>
+            <a:off x="1043608" y="1314450"/>
+            <a:ext cx="6286798" cy="5210894"/>
+          </a:xfrm>
+          <a:prstGeom prst="rect">
+            <a:avLst/>
+          </a:prstGeom>
+          <a:noFill/>
+          <a:extLst>
+            <a:ext uri="{909E8E84-426E-40DD-AFC4-6F175D3DCCD1}">
+              <a14:hiddenFill xmlns:a14="http://schemas.microsoft.com/office/drawing/2010/main">
+                <a:solidFill>
+                  <a:srgbClr val="FFFFFF"/>
+                </a:solidFill>
+              </a14:hiddenFill>
+            </a:ext>
+          </a:extLst>
+        </p:spPr>
+      </p:pic>
     </p:spTree>
     <p:extLst>
       <p:ext uri="{BB962C8B-B14F-4D97-AF65-F5344CB8AC3E}">
@@ -4438,7 +4464,11 @@
           <a:bodyPr/>
           <a:lstStyle/>
           <a:p>
-            <a:endParaRPr lang="en-GB"/>
+            <a:r>
+              <a:rPr lang="de-CH" dirty="0" smtClean="0"/>
+              <a:t>Yahoo</a:t>
+            </a:r>
+            <a:endParaRPr lang="en-GB" dirty="0"/>
           </a:p>
         </p:txBody>
       </p:sp>
@@ -4491,7 +4521,6 @@
               <a:rPr lang="de-CH" dirty="0"/>
               <a:t>Task 12: XML, AJAX, HTML Templates, RegEx</a:t>
             </a:r>
-            <a:endParaRPr lang="de-CH" dirty="0"/>
           </a:p>
         </p:txBody>
       </p:sp>
@@ -4637,11 +4666,7 @@
           <a:p>
             <a:r>
               <a:rPr lang="de-CH" dirty="0" smtClean="0"/>
-              <a:t>Lessons </a:t>
-            </a:r>
-            <a:r>
-              <a:rPr lang="de-CH" dirty="0" smtClean="0"/>
-              <a:t>learnt</a:t>
+              <a:t>Lessons learnt</a:t>
             </a:r>
             <a:endParaRPr lang="de-CH" dirty="0"/>
           </a:p>
@@ -4899,11 +4924,7 @@
           <a:p>
             <a:r>
               <a:rPr lang="de-CH" dirty="0" smtClean="0"/>
-              <a:t>Lessons </a:t>
-            </a:r>
-            <a:r>
-              <a:rPr lang="de-CH" dirty="0" smtClean="0"/>
-              <a:t>learnt</a:t>
+              <a:t>Lessons learnt</a:t>
             </a:r>
             <a:endParaRPr lang="de-CH" dirty="0"/>
           </a:p>

--- a/doc/Präsentation.pptx
+++ b/doc/Präsentation.pptx
@@ -5,27 +5,26 @@
     <p:sldMasterId id="2147483792" r:id="rId1"/>
   </p:sldMasterIdLst>
   <p:notesMasterIdLst>
-    <p:notesMasterId r:id="rId20"/>
+    <p:notesMasterId r:id="rId19"/>
   </p:notesMasterIdLst>
   <p:sldIdLst>
     <p:sldId id="256" r:id="rId2"/>
     <p:sldId id="258" r:id="rId3"/>
-    <p:sldId id="260" r:id="rId4"/>
-    <p:sldId id="261" r:id="rId5"/>
-    <p:sldId id="271" r:id="rId6"/>
-    <p:sldId id="272" r:id="rId7"/>
-    <p:sldId id="262" r:id="rId8"/>
-    <p:sldId id="273" r:id="rId9"/>
-    <p:sldId id="274" r:id="rId10"/>
-    <p:sldId id="264" r:id="rId11"/>
-    <p:sldId id="266" r:id="rId12"/>
-    <p:sldId id="275" r:id="rId13"/>
-    <p:sldId id="276" r:id="rId14"/>
-    <p:sldId id="277" r:id="rId15"/>
-    <p:sldId id="267" r:id="rId16"/>
-    <p:sldId id="268" r:id="rId17"/>
-    <p:sldId id="269" r:id="rId18"/>
-    <p:sldId id="270" r:id="rId19"/>
+    <p:sldId id="261" r:id="rId4"/>
+    <p:sldId id="271" r:id="rId5"/>
+    <p:sldId id="272" r:id="rId6"/>
+    <p:sldId id="262" r:id="rId7"/>
+    <p:sldId id="273" r:id="rId8"/>
+    <p:sldId id="274" r:id="rId9"/>
+    <p:sldId id="264" r:id="rId10"/>
+    <p:sldId id="266" r:id="rId11"/>
+    <p:sldId id="275" r:id="rId12"/>
+    <p:sldId id="276" r:id="rId13"/>
+    <p:sldId id="277" r:id="rId14"/>
+    <p:sldId id="267" r:id="rId15"/>
+    <p:sldId id="278" r:id="rId16"/>
+    <p:sldId id="269" r:id="rId17"/>
+    <p:sldId id="270" r:id="rId18"/>
   </p:sldIdLst>
   <p:sldSz cx="9144000" cy="6858000" type="screen4x3"/>
   <p:notesSz cx="6858000" cy="9144000"/>
@@ -209,7 +208,7 @@
           <a:p>
             <a:fld id="{BD524EE9-0F98-4D3D-A16D-137530EB131C}" type="datetimeFigureOut">
               <a:rPr lang="de-CH" smtClean="0"/>
-              <a:t>07.01.2015</a:t>
+              <a:t>08.01.2015</a:t>
             </a:fld>
             <a:endParaRPr lang="de-CH"/>
           </a:p>
@@ -368,7 +367,7 @@
           <a:p>
             <a:fld id="{5A1C3CBA-C147-468E-B3D9-EB2B31A74A73}" type="slidenum">
               <a:rPr lang="de-CH" smtClean="0"/>
-              <a:t>‹#›</a:t>
+              <a:t>‹Nr.›</a:t>
             </a:fld>
             <a:endParaRPr lang="de-CH"/>
           </a:p>
@@ -521,6 +520,10 @@
           <a:bodyPr/>
           <a:lstStyle/>
           <a:p>
+            <a:r>
+              <a:rPr lang="de-CH" dirty="0" err="1" smtClean="0"/>
+              <a:t>Thomme</a:t>
+            </a:r>
             <a:endParaRPr lang="de-CH" dirty="0"/>
           </a:p>
         </p:txBody>
@@ -552,6 +555,732 @@
     <p:extLst>
       <p:ext uri="{BB962C8B-B14F-4D97-AF65-F5344CB8AC3E}">
         <p14:creationId xmlns:p14="http://schemas.microsoft.com/office/powerpoint/2010/main" val="3445233670"/>
+      </p:ext>
+    </p:extLst>
+  </p:cSld>
+  <p:clrMapOvr>
+    <a:masterClrMapping/>
+  </p:clrMapOvr>
+</p:notes>
+</file>
+
+<file path=ppt/notesSlides/notesSlide10.xml><?xml version="1.0" encoding="utf-8"?>
+<p:notes xmlns:a="http://schemas.openxmlformats.org/drawingml/2006/main" xmlns:r="http://schemas.openxmlformats.org/officeDocument/2006/relationships" xmlns:p="http://schemas.openxmlformats.org/presentationml/2006/main">
+  <p:cSld>
+    <p:spTree>
+      <p:nvGrpSpPr>
+        <p:cNvPr id="1" name=""/>
+        <p:cNvGrpSpPr/>
+        <p:nvPr/>
+      </p:nvGrpSpPr>
+      <p:grpSpPr>
+        <a:xfrm>
+          <a:off x="0" y="0"/>
+          <a:ext cx="0" cy="0"/>
+          <a:chOff x="0" y="0"/>
+          <a:chExt cx="0" cy="0"/>
+        </a:xfrm>
+      </p:grpSpPr>
+      <p:sp>
+        <p:nvSpPr>
+          <p:cNvPr id="2" name="Folienbildplatzhalter 1"/>
+          <p:cNvSpPr>
+            <a:spLocks noGrp="1" noRot="1" noChangeAspect="1"/>
+          </p:cNvSpPr>
+          <p:nvPr>
+            <p:ph type="sldImg"/>
+          </p:nvPr>
+        </p:nvSpPr>
+        <p:spPr/>
+      </p:sp>
+      <p:sp>
+        <p:nvSpPr>
+          <p:cNvPr id="3" name="Notizenplatzhalter 2"/>
+          <p:cNvSpPr>
+            <a:spLocks noGrp="1"/>
+          </p:cNvSpPr>
+          <p:nvPr>
+            <p:ph type="body" idx="1"/>
+          </p:nvPr>
+        </p:nvSpPr>
+        <p:spPr/>
+        <p:txBody>
+          <a:bodyPr/>
+          <a:lstStyle/>
+          <a:p>
+            <a:r>
+              <a:rPr lang="de-CH" dirty="0" smtClean="0"/>
+              <a:t>Koch</a:t>
+            </a:r>
+            <a:endParaRPr lang="de-CH" dirty="0"/>
+          </a:p>
+        </p:txBody>
+      </p:sp>
+      <p:sp>
+        <p:nvSpPr>
+          <p:cNvPr id="4" name="Foliennummernplatzhalter 3"/>
+          <p:cNvSpPr>
+            <a:spLocks noGrp="1"/>
+          </p:cNvSpPr>
+          <p:nvPr>
+            <p:ph type="sldNum" sz="quarter" idx="10"/>
+          </p:nvPr>
+        </p:nvSpPr>
+        <p:spPr/>
+        <p:txBody>
+          <a:bodyPr/>
+          <a:lstStyle/>
+          <a:p>
+            <a:fld id="{5A1C3CBA-C147-468E-B3D9-EB2B31A74A73}" type="slidenum">
+              <a:rPr lang="de-CH" smtClean="0"/>
+              <a:t>10</a:t>
+            </a:fld>
+            <a:endParaRPr lang="de-CH"/>
+          </a:p>
+        </p:txBody>
+      </p:sp>
+    </p:spTree>
+    <p:extLst>
+      <p:ext uri="{BB962C8B-B14F-4D97-AF65-F5344CB8AC3E}">
+        <p14:creationId xmlns:p14="http://schemas.microsoft.com/office/powerpoint/2010/main" val="3877336550"/>
+      </p:ext>
+    </p:extLst>
+  </p:cSld>
+  <p:clrMapOvr>
+    <a:masterClrMapping/>
+  </p:clrMapOvr>
+</p:notes>
+</file>
+
+<file path=ppt/notesSlides/notesSlide11.xml><?xml version="1.0" encoding="utf-8"?>
+<p:notes xmlns:a="http://schemas.openxmlformats.org/drawingml/2006/main" xmlns:r="http://schemas.openxmlformats.org/officeDocument/2006/relationships" xmlns:p="http://schemas.openxmlformats.org/presentationml/2006/main">
+  <p:cSld>
+    <p:spTree>
+      <p:nvGrpSpPr>
+        <p:cNvPr id="1" name=""/>
+        <p:cNvGrpSpPr/>
+        <p:nvPr/>
+      </p:nvGrpSpPr>
+      <p:grpSpPr>
+        <a:xfrm>
+          <a:off x="0" y="0"/>
+          <a:ext cx="0" cy="0"/>
+          <a:chOff x="0" y="0"/>
+          <a:chExt cx="0" cy="0"/>
+        </a:xfrm>
+      </p:grpSpPr>
+      <p:sp>
+        <p:nvSpPr>
+          <p:cNvPr id="2" name="Folienbildplatzhalter 1"/>
+          <p:cNvSpPr>
+            <a:spLocks noGrp="1" noRot="1" noChangeAspect="1"/>
+          </p:cNvSpPr>
+          <p:nvPr>
+            <p:ph type="sldImg"/>
+          </p:nvPr>
+        </p:nvSpPr>
+        <p:spPr/>
+      </p:sp>
+      <p:sp>
+        <p:nvSpPr>
+          <p:cNvPr id="3" name="Notizenplatzhalter 2"/>
+          <p:cNvSpPr>
+            <a:spLocks noGrp="1"/>
+          </p:cNvSpPr>
+          <p:nvPr>
+            <p:ph type="body" idx="1"/>
+          </p:nvPr>
+        </p:nvSpPr>
+        <p:spPr/>
+        <p:txBody>
+          <a:bodyPr/>
+          <a:lstStyle/>
+          <a:p>
+            <a:r>
+              <a:rPr lang="de-CH" dirty="0" smtClean="0"/>
+              <a:t>Ryser</a:t>
+            </a:r>
+            <a:endParaRPr lang="de-CH" dirty="0"/>
+          </a:p>
+        </p:txBody>
+      </p:sp>
+      <p:sp>
+        <p:nvSpPr>
+          <p:cNvPr id="4" name="Foliennummernplatzhalter 3"/>
+          <p:cNvSpPr>
+            <a:spLocks noGrp="1"/>
+          </p:cNvSpPr>
+          <p:nvPr>
+            <p:ph type="sldNum" sz="quarter" idx="10"/>
+          </p:nvPr>
+        </p:nvSpPr>
+        <p:spPr/>
+        <p:txBody>
+          <a:bodyPr/>
+          <a:lstStyle/>
+          <a:p>
+            <a:fld id="{5A1C3CBA-C147-468E-B3D9-EB2B31A74A73}" type="slidenum">
+              <a:rPr lang="de-CH" smtClean="0"/>
+              <a:t>11</a:t>
+            </a:fld>
+            <a:endParaRPr lang="de-CH"/>
+          </a:p>
+        </p:txBody>
+      </p:sp>
+    </p:spTree>
+    <p:extLst>
+      <p:ext uri="{BB962C8B-B14F-4D97-AF65-F5344CB8AC3E}">
+        <p14:creationId xmlns:p14="http://schemas.microsoft.com/office/powerpoint/2010/main" val="4171842614"/>
+      </p:ext>
+    </p:extLst>
+  </p:cSld>
+  <p:clrMapOvr>
+    <a:masterClrMapping/>
+  </p:clrMapOvr>
+</p:notes>
+</file>
+
+<file path=ppt/notesSlides/notesSlide12.xml><?xml version="1.0" encoding="utf-8"?>
+<p:notes xmlns:a="http://schemas.openxmlformats.org/drawingml/2006/main" xmlns:r="http://schemas.openxmlformats.org/officeDocument/2006/relationships" xmlns:p="http://schemas.openxmlformats.org/presentationml/2006/main">
+  <p:cSld>
+    <p:spTree>
+      <p:nvGrpSpPr>
+        <p:cNvPr id="1" name=""/>
+        <p:cNvGrpSpPr/>
+        <p:nvPr/>
+      </p:nvGrpSpPr>
+      <p:grpSpPr>
+        <a:xfrm>
+          <a:off x="0" y="0"/>
+          <a:ext cx="0" cy="0"/>
+          <a:chOff x="0" y="0"/>
+          <a:chExt cx="0" cy="0"/>
+        </a:xfrm>
+      </p:grpSpPr>
+      <p:sp>
+        <p:nvSpPr>
+          <p:cNvPr id="2" name="Folienbildplatzhalter 1"/>
+          <p:cNvSpPr>
+            <a:spLocks noGrp="1" noRot="1" noChangeAspect="1"/>
+          </p:cNvSpPr>
+          <p:nvPr>
+            <p:ph type="sldImg"/>
+          </p:nvPr>
+        </p:nvSpPr>
+        <p:spPr/>
+      </p:sp>
+      <p:sp>
+        <p:nvSpPr>
+          <p:cNvPr id="3" name="Notizenplatzhalter 2"/>
+          <p:cNvSpPr>
+            <a:spLocks noGrp="1"/>
+          </p:cNvSpPr>
+          <p:nvPr>
+            <p:ph type="body" idx="1"/>
+          </p:nvPr>
+        </p:nvSpPr>
+        <p:spPr/>
+        <p:txBody>
+          <a:bodyPr/>
+          <a:lstStyle/>
+          <a:p>
+            <a:r>
+              <a:rPr lang="de-CH" dirty="0" smtClean="0"/>
+              <a:t>Ryser</a:t>
+            </a:r>
+            <a:endParaRPr lang="de-CH" dirty="0"/>
+          </a:p>
+        </p:txBody>
+      </p:sp>
+      <p:sp>
+        <p:nvSpPr>
+          <p:cNvPr id="4" name="Foliennummernplatzhalter 3"/>
+          <p:cNvSpPr>
+            <a:spLocks noGrp="1"/>
+          </p:cNvSpPr>
+          <p:nvPr>
+            <p:ph type="sldNum" sz="quarter" idx="10"/>
+          </p:nvPr>
+        </p:nvSpPr>
+        <p:spPr/>
+        <p:txBody>
+          <a:bodyPr/>
+          <a:lstStyle/>
+          <a:p>
+            <a:fld id="{5A1C3CBA-C147-468E-B3D9-EB2B31A74A73}" type="slidenum">
+              <a:rPr lang="de-CH" smtClean="0"/>
+              <a:t>12</a:t>
+            </a:fld>
+            <a:endParaRPr lang="de-CH"/>
+          </a:p>
+        </p:txBody>
+      </p:sp>
+    </p:spTree>
+    <p:extLst>
+      <p:ext uri="{BB962C8B-B14F-4D97-AF65-F5344CB8AC3E}">
+        <p14:creationId xmlns:p14="http://schemas.microsoft.com/office/powerpoint/2010/main" val="1583151638"/>
+      </p:ext>
+    </p:extLst>
+  </p:cSld>
+  <p:clrMapOvr>
+    <a:masterClrMapping/>
+  </p:clrMapOvr>
+</p:notes>
+</file>
+
+<file path=ppt/notesSlides/notesSlide13.xml><?xml version="1.0" encoding="utf-8"?>
+<p:notes xmlns:a="http://schemas.openxmlformats.org/drawingml/2006/main" xmlns:r="http://schemas.openxmlformats.org/officeDocument/2006/relationships" xmlns:p="http://schemas.openxmlformats.org/presentationml/2006/main">
+  <p:cSld>
+    <p:spTree>
+      <p:nvGrpSpPr>
+        <p:cNvPr id="1" name=""/>
+        <p:cNvGrpSpPr/>
+        <p:nvPr/>
+      </p:nvGrpSpPr>
+      <p:grpSpPr>
+        <a:xfrm>
+          <a:off x="0" y="0"/>
+          <a:ext cx="0" cy="0"/>
+          <a:chOff x="0" y="0"/>
+          <a:chExt cx="0" cy="0"/>
+        </a:xfrm>
+      </p:grpSpPr>
+      <p:sp>
+        <p:nvSpPr>
+          <p:cNvPr id="2" name="Folienbildplatzhalter 1"/>
+          <p:cNvSpPr>
+            <a:spLocks noGrp="1" noRot="1" noChangeAspect="1"/>
+          </p:cNvSpPr>
+          <p:nvPr>
+            <p:ph type="sldImg"/>
+          </p:nvPr>
+        </p:nvSpPr>
+        <p:spPr/>
+      </p:sp>
+      <p:sp>
+        <p:nvSpPr>
+          <p:cNvPr id="3" name="Notizenplatzhalter 2"/>
+          <p:cNvSpPr>
+            <a:spLocks noGrp="1"/>
+          </p:cNvSpPr>
+          <p:nvPr>
+            <p:ph type="body" idx="1"/>
+          </p:nvPr>
+        </p:nvSpPr>
+        <p:spPr/>
+        <p:txBody>
+          <a:bodyPr/>
+          <a:lstStyle/>
+          <a:p>
+            <a:r>
+              <a:rPr lang="de-CH" dirty="0" smtClean="0"/>
+              <a:t>Ryser</a:t>
+            </a:r>
+            <a:endParaRPr lang="de-CH" dirty="0"/>
+          </a:p>
+        </p:txBody>
+      </p:sp>
+      <p:sp>
+        <p:nvSpPr>
+          <p:cNvPr id="4" name="Foliennummernplatzhalter 3"/>
+          <p:cNvSpPr>
+            <a:spLocks noGrp="1"/>
+          </p:cNvSpPr>
+          <p:nvPr>
+            <p:ph type="sldNum" sz="quarter" idx="10"/>
+          </p:nvPr>
+        </p:nvSpPr>
+        <p:spPr/>
+        <p:txBody>
+          <a:bodyPr/>
+          <a:lstStyle/>
+          <a:p>
+            <a:fld id="{5A1C3CBA-C147-468E-B3D9-EB2B31A74A73}" type="slidenum">
+              <a:rPr lang="de-CH" smtClean="0"/>
+              <a:t>13</a:t>
+            </a:fld>
+            <a:endParaRPr lang="de-CH"/>
+          </a:p>
+        </p:txBody>
+      </p:sp>
+    </p:spTree>
+    <p:extLst>
+      <p:ext uri="{BB962C8B-B14F-4D97-AF65-F5344CB8AC3E}">
+        <p14:creationId xmlns:p14="http://schemas.microsoft.com/office/powerpoint/2010/main" val="4033228569"/>
+      </p:ext>
+    </p:extLst>
+  </p:cSld>
+  <p:clrMapOvr>
+    <a:masterClrMapping/>
+  </p:clrMapOvr>
+</p:notes>
+</file>
+
+<file path=ppt/notesSlides/notesSlide14.xml><?xml version="1.0" encoding="utf-8"?>
+<p:notes xmlns:a="http://schemas.openxmlformats.org/drawingml/2006/main" xmlns:r="http://schemas.openxmlformats.org/officeDocument/2006/relationships" xmlns:p="http://schemas.openxmlformats.org/presentationml/2006/main">
+  <p:cSld>
+    <p:spTree>
+      <p:nvGrpSpPr>
+        <p:cNvPr id="1" name=""/>
+        <p:cNvGrpSpPr/>
+        <p:nvPr/>
+      </p:nvGrpSpPr>
+      <p:grpSpPr>
+        <a:xfrm>
+          <a:off x="0" y="0"/>
+          <a:ext cx="0" cy="0"/>
+          <a:chOff x="0" y="0"/>
+          <a:chExt cx="0" cy="0"/>
+        </a:xfrm>
+      </p:grpSpPr>
+      <p:sp>
+        <p:nvSpPr>
+          <p:cNvPr id="2" name="Folienbildplatzhalter 1"/>
+          <p:cNvSpPr>
+            <a:spLocks noGrp="1" noRot="1" noChangeAspect="1"/>
+          </p:cNvSpPr>
+          <p:nvPr>
+            <p:ph type="sldImg"/>
+          </p:nvPr>
+        </p:nvSpPr>
+        <p:spPr/>
+      </p:sp>
+      <p:sp>
+        <p:nvSpPr>
+          <p:cNvPr id="3" name="Notizenplatzhalter 2"/>
+          <p:cNvSpPr>
+            <a:spLocks noGrp="1"/>
+          </p:cNvSpPr>
+          <p:nvPr>
+            <p:ph type="body" idx="1"/>
+          </p:nvPr>
+        </p:nvSpPr>
+        <p:spPr/>
+        <p:txBody>
+          <a:bodyPr/>
+          <a:lstStyle/>
+          <a:p>
+            <a:r>
+              <a:rPr lang="de-CH" dirty="0" smtClean="0"/>
+              <a:t>Koch</a:t>
+            </a:r>
+            <a:endParaRPr lang="de-CH" dirty="0"/>
+          </a:p>
+        </p:txBody>
+      </p:sp>
+      <p:sp>
+        <p:nvSpPr>
+          <p:cNvPr id="4" name="Foliennummernplatzhalter 3"/>
+          <p:cNvSpPr>
+            <a:spLocks noGrp="1"/>
+          </p:cNvSpPr>
+          <p:nvPr>
+            <p:ph type="sldNum" sz="quarter" idx="10"/>
+          </p:nvPr>
+        </p:nvSpPr>
+        <p:spPr/>
+        <p:txBody>
+          <a:bodyPr/>
+          <a:lstStyle/>
+          <a:p>
+            <a:fld id="{5A1C3CBA-C147-468E-B3D9-EB2B31A74A73}" type="slidenum">
+              <a:rPr lang="de-CH" smtClean="0"/>
+              <a:t>14</a:t>
+            </a:fld>
+            <a:endParaRPr lang="de-CH"/>
+          </a:p>
+        </p:txBody>
+      </p:sp>
+    </p:spTree>
+    <p:extLst>
+      <p:ext uri="{BB962C8B-B14F-4D97-AF65-F5344CB8AC3E}">
+        <p14:creationId xmlns:p14="http://schemas.microsoft.com/office/powerpoint/2010/main" val="389352693"/>
+      </p:ext>
+    </p:extLst>
+  </p:cSld>
+  <p:clrMapOvr>
+    <a:masterClrMapping/>
+  </p:clrMapOvr>
+</p:notes>
+</file>
+
+<file path=ppt/notesSlides/notesSlide15.xml><?xml version="1.0" encoding="utf-8"?>
+<p:notes xmlns:a="http://schemas.openxmlformats.org/drawingml/2006/main" xmlns:r="http://schemas.openxmlformats.org/officeDocument/2006/relationships" xmlns:p="http://schemas.openxmlformats.org/presentationml/2006/main">
+  <p:cSld>
+    <p:spTree>
+      <p:nvGrpSpPr>
+        <p:cNvPr id="1" name=""/>
+        <p:cNvGrpSpPr/>
+        <p:nvPr/>
+      </p:nvGrpSpPr>
+      <p:grpSpPr>
+        <a:xfrm>
+          <a:off x="0" y="0"/>
+          <a:ext cx="0" cy="0"/>
+          <a:chOff x="0" y="0"/>
+          <a:chExt cx="0" cy="0"/>
+        </a:xfrm>
+      </p:grpSpPr>
+      <p:sp>
+        <p:nvSpPr>
+          <p:cNvPr id="2" name="Folienbildplatzhalter 1"/>
+          <p:cNvSpPr>
+            <a:spLocks noGrp="1" noRot="1" noChangeAspect="1"/>
+          </p:cNvSpPr>
+          <p:nvPr>
+            <p:ph type="sldImg"/>
+          </p:nvPr>
+        </p:nvSpPr>
+        <p:spPr/>
+      </p:sp>
+      <p:sp>
+        <p:nvSpPr>
+          <p:cNvPr id="3" name="Notizenplatzhalter 2"/>
+          <p:cNvSpPr>
+            <a:spLocks noGrp="1"/>
+          </p:cNvSpPr>
+          <p:nvPr>
+            <p:ph type="body" idx="1"/>
+          </p:nvPr>
+        </p:nvSpPr>
+        <p:spPr/>
+        <p:txBody>
+          <a:bodyPr/>
+          <a:lstStyle/>
+          <a:p>
+            <a:endParaRPr lang="de-CH" dirty="0"/>
+          </a:p>
+        </p:txBody>
+      </p:sp>
+      <p:sp>
+        <p:nvSpPr>
+          <p:cNvPr id="4" name="Foliennummernplatzhalter 3"/>
+          <p:cNvSpPr>
+            <a:spLocks noGrp="1"/>
+          </p:cNvSpPr>
+          <p:nvPr>
+            <p:ph type="sldNum" sz="quarter" idx="10"/>
+          </p:nvPr>
+        </p:nvSpPr>
+        <p:spPr/>
+        <p:txBody>
+          <a:bodyPr/>
+          <a:lstStyle/>
+          <a:p>
+            <a:fld id="{5A1C3CBA-C147-468E-B3D9-EB2B31A74A73}" type="slidenum">
+              <a:rPr lang="de-CH" smtClean="0"/>
+              <a:t>15</a:t>
+            </a:fld>
+            <a:endParaRPr lang="de-CH"/>
+          </a:p>
+        </p:txBody>
+      </p:sp>
+    </p:spTree>
+    <p:extLst>
+      <p:ext uri="{BB962C8B-B14F-4D97-AF65-F5344CB8AC3E}">
+        <p14:creationId xmlns:p14="http://schemas.microsoft.com/office/powerpoint/2010/main" val="1046251014"/>
+      </p:ext>
+    </p:extLst>
+  </p:cSld>
+  <p:clrMapOvr>
+    <a:masterClrMapping/>
+  </p:clrMapOvr>
+</p:notes>
+</file>
+
+<file path=ppt/notesSlides/notesSlide16.xml><?xml version="1.0" encoding="utf-8"?>
+<p:notes xmlns:a="http://schemas.openxmlformats.org/drawingml/2006/main" xmlns:r="http://schemas.openxmlformats.org/officeDocument/2006/relationships" xmlns:p="http://schemas.openxmlformats.org/presentationml/2006/main">
+  <p:cSld>
+    <p:spTree>
+      <p:nvGrpSpPr>
+        <p:cNvPr id="1" name=""/>
+        <p:cNvGrpSpPr/>
+        <p:nvPr/>
+      </p:nvGrpSpPr>
+      <p:grpSpPr>
+        <a:xfrm>
+          <a:off x="0" y="0"/>
+          <a:ext cx="0" cy="0"/>
+          <a:chOff x="0" y="0"/>
+          <a:chExt cx="0" cy="0"/>
+        </a:xfrm>
+      </p:grpSpPr>
+      <p:sp>
+        <p:nvSpPr>
+          <p:cNvPr id="2" name="Folienbildplatzhalter 1"/>
+          <p:cNvSpPr>
+            <a:spLocks noGrp="1" noRot="1" noChangeAspect="1"/>
+          </p:cNvSpPr>
+          <p:nvPr>
+            <p:ph type="sldImg"/>
+          </p:nvPr>
+        </p:nvSpPr>
+        <p:spPr/>
+      </p:sp>
+      <p:sp>
+        <p:nvSpPr>
+          <p:cNvPr id="3" name="Notizenplatzhalter 2"/>
+          <p:cNvSpPr>
+            <a:spLocks noGrp="1"/>
+          </p:cNvSpPr>
+          <p:nvPr>
+            <p:ph type="body" idx="1"/>
+          </p:nvPr>
+        </p:nvSpPr>
+        <p:spPr/>
+        <p:txBody>
+          <a:bodyPr/>
+          <a:lstStyle/>
+          <a:p>
+            <a:pPr marL="0" marR="0" indent="0" algn="l" defTabSz="914400" rtl="0" eaLnBrk="1" fontAlgn="auto" latinLnBrk="0" hangingPunct="1">
+              <a:lnSpc>
+                <a:spcPct val="100000"/>
+              </a:lnSpc>
+              <a:spcBef>
+                <a:spcPts val="0"/>
+              </a:spcBef>
+              <a:spcAft>
+                <a:spcPts val="0"/>
+              </a:spcAft>
+              <a:buClrTx/>
+              <a:buSzTx/>
+              <a:buFontTx/>
+              <a:buNone/>
+              <a:tabLst/>
+              <a:defRPr/>
+            </a:pPr>
+            <a:r>
+              <a:rPr lang="de-CH" dirty="0" smtClean="0"/>
+              <a:t>CSS von Hand: Aufwand und Ertrag sind nicht im Verhältnis</a:t>
+            </a:r>
+          </a:p>
+          <a:p>
+            <a:endParaRPr lang="de-CH" dirty="0" smtClean="0"/>
+          </a:p>
+          <a:p>
+            <a:r>
+              <a:rPr lang="de-CH" dirty="0" err="1" smtClean="0"/>
+              <a:t>Thomme</a:t>
+            </a:r>
+            <a:endParaRPr lang="de-CH" dirty="0"/>
+          </a:p>
+        </p:txBody>
+      </p:sp>
+      <p:sp>
+        <p:nvSpPr>
+          <p:cNvPr id="4" name="Foliennummernplatzhalter 3"/>
+          <p:cNvSpPr>
+            <a:spLocks noGrp="1"/>
+          </p:cNvSpPr>
+          <p:nvPr>
+            <p:ph type="sldNum" sz="quarter" idx="10"/>
+          </p:nvPr>
+        </p:nvSpPr>
+        <p:spPr/>
+        <p:txBody>
+          <a:bodyPr/>
+          <a:lstStyle/>
+          <a:p>
+            <a:fld id="{5A1C3CBA-C147-468E-B3D9-EB2B31A74A73}" type="slidenum">
+              <a:rPr lang="de-CH" smtClean="0"/>
+              <a:t>16</a:t>
+            </a:fld>
+            <a:endParaRPr lang="de-CH"/>
+          </a:p>
+        </p:txBody>
+      </p:sp>
+    </p:spTree>
+    <p:extLst>
+      <p:ext uri="{BB962C8B-B14F-4D97-AF65-F5344CB8AC3E}">
+        <p14:creationId xmlns:p14="http://schemas.microsoft.com/office/powerpoint/2010/main" val="1296055436"/>
+      </p:ext>
+    </p:extLst>
+  </p:cSld>
+  <p:clrMapOvr>
+    <a:masterClrMapping/>
+  </p:clrMapOvr>
+</p:notes>
+</file>
+
+<file path=ppt/notesSlides/notesSlide17.xml><?xml version="1.0" encoding="utf-8"?>
+<p:notes xmlns:a="http://schemas.openxmlformats.org/drawingml/2006/main" xmlns:r="http://schemas.openxmlformats.org/officeDocument/2006/relationships" xmlns:p="http://schemas.openxmlformats.org/presentationml/2006/main">
+  <p:cSld>
+    <p:spTree>
+      <p:nvGrpSpPr>
+        <p:cNvPr id="1" name=""/>
+        <p:cNvGrpSpPr/>
+        <p:nvPr/>
+      </p:nvGrpSpPr>
+      <p:grpSpPr>
+        <a:xfrm>
+          <a:off x="0" y="0"/>
+          <a:ext cx="0" cy="0"/>
+          <a:chOff x="0" y="0"/>
+          <a:chExt cx="0" cy="0"/>
+        </a:xfrm>
+      </p:grpSpPr>
+      <p:sp>
+        <p:nvSpPr>
+          <p:cNvPr id="2" name="Folienbildplatzhalter 1"/>
+          <p:cNvSpPr>
+            <a:spLocks noGrp="1" noRot="1" noChangeAspect="1"/>
+          </p:cNvSpPr>
+          <p:nvPr>
+            <p:ph type="sldImg"/>
+          </p:nvPr>
+        </p:nvSpPr>
+        <p:spPr/>
+      </p:sp>
+      <p:sp>
+        <p:nvSpPr>
+          <p:cNvPr id="3" name="Notizenplatzhalter 2"/>
+          <p:cNvSpPr>
+            <a:spLocks noGrp="1"/>
+          </p:cNvSpPr>
+          <p:nvPr>
+            <p:ph type="body" idx="1"/>
+          </p:nvPr>
+        </p:nvSpPr>
+        <p:spPr/>
+        <p:txBody>
+          <a:bodyPr/>
+          <a:lstStyle/>
+          <a:p>
+            <a:r>
+              <a:rPr lang="de-CH" dirty="0" err="1" smtClean="0"/>
+              <a:t>Thomme</a:t>
+            </a:r>
+            <a:endParaRPr lang="de-CH" dirty="0"/>
+          </a:p>
+        </p:txBody>
+      </p:sp>
+      <p:sp>
+        <p:nvSpPr>
+          <p:cNvPr id="4" name="Foliennummernplatzhalter 3"/>
+          <p:cNvSpPr>
+            <a:spLocks noGrp="1"/>
+          </p:cNvSpPr>
+          <p:nvPr>
+            <p:ph type="sldNum" sz="quarter" idx="10"/>
+          </p:nvPr>
+        </p:nvSpPr>
+        <p:spPr/>
+        <p:txBody>
+          <a:bodyPr/>
+          <a:lstStyle/>
+          <a:p>
+            <a:fld id="{5A1C3CBA-C147-468E-B3D9-EB2B31A74A73}" type="slidenum">
+              <a:rPr lang="de-CH" smtClean="0"/>
+              <a:t>17</a:t>
+            </a:fld>
+            <a:endParaRPr lang="de-CH"/>
+          </a:p>
+        </p:txBody>
+      </p:sp>
+    </p:spTree>
+    <p:extLst>
+      <p:ext uri="{BB962C8B-B14F-4D97-AF65-F5344CB8AC3E}">
+        <p14:creationId xmlns:p14="http://schemas.microsoft.com/office/powerpoint/2010/main" val="3564184155"/>
       </p:ext>
     </p:extLst>
   </p:cSld>
@@ -605,6 +1334,30 @@
           <a:bodyPr/>
           <a:lstStyle/>
           <a:p>
+            <a:pPr marL="0" marR="0" indent="0" algn="l" defTabSz="914400" rtl="0" eaLnBrk="1" fontAlgn="auto" latinLnBrk="0" hangingPunct="1">
+              <a:lnSpc>
+                <a:spcPct val="100000"/>
+              </a:lnSpc>
+              <a:spcBef>
+                <a:spcPts val="0"/>
+              </a:spcBef>
+              <a:spcAft>
+                <a:spcPts val="0"/>
+              </a:spcAft>
+              <a:buClrTx/>
+              <a:buSzTx/>
+              <a:buFontTx/>
+              <a:buNone/>
+              <a:tabLst/>
+              <a:defRPr/>
+            </a:pPr>
+            <a:r>
+              <a:rPr lang="de-CH" dirty="0" err="1" smtClean="0"/>
+              <a:t>Thomme</a:t>
+            </a:r>
+            <a:endParaRPr lang="de-CH" dirty="0" smtClean="0"/>
+          </a:p>
+          <a:p>
             <a:endParaRPr lang="de-CH" dirty="0"/>
           </a:p>
         </p:txBody>
@@ -626,7 +1379,7 @@
           <a:p>
             <a:fld id="{5A1C3CBA-C147-468E-B3D9-EB2B31A74A73}" type="slidenum">
               <a:rPr lang="de-CH" smtClean="0"/>
-              <a:t>3</a:t>
+              <a:t>2</a:t>
             </a:fld>
             <a:endParaRPr lang="de-CH"/>
           </a:p>
@@ -635,7 +1388,7 @@
     </p:spTree>
     <p:extLst>
       <p:ext uri="{BB962C8B-B14F-4D97-AF65-F5344CB8AC3E}">
-        <p14:creationId xmlns:p14="http://schemas.microsoft.com/office/powerpoint/2010/main" val="1046251014"/>
+        <p14:creationId xmlns:p14="http://schemas.microsoft.com/office/powerpoint/2010/main" val="3895611765"/>
       </p:ext>
     </p:extLst>
   </p:cSld>
@@ -664,7 +1417,7 @@
       </p:grpSpPr>
       <p:sp>
         <p:nvSpPr>
-          <p:cNvPr id="2" name="Slide Image Placeholder 1"/>
+          <p:cNvPr id="2" name="Folienbildplatzhalter 1"/>
           <p:cNvSpPr>
             <a:spLocks noGrp="1" noRot="1" noChangeAspect="1"/>
           </p:cNvSpPr>
@@ -676,7 +1429,7 @@
       </p:sp>
       <p:sp>
         <p:nvSpPr>
-          <p:cNvPr id="3" name="Notes Placeholder 2"/>
+          <p:cNvPr id="3" name="Notizenplatzhalter 2"/>
           <p:cNvSpPr>
             <a:spLocks noGrp="1"/>
           </p:cNvSpPr>
@@ -689,33 +1442,37 @@
           <a:bodyPr/>
           <a:lstStyle/>
           <a:p>
-            <a:r>
-              <a:rPr lang="de-CH" dirty="0" smtClean="0"/>
-              <a:t>Geniesser: Schaut sich nach neuen speziellen Bieren um</a:t>
-            </a:r>
-          </a:p>
-          <a:p>
-            <a:r>
-              <a:rPr lang="de-CH" dirty="0" smtClean="0"/>
-              <a:t>Lightweight Drinker: Cider / Low-Alcoholic Beers</a:t>
-            </a:r>
-          </a:p>
-          <a:p>
-            <a:r>
-              <a:rPr lang="de-CH" dirty="0" smtClean="0"/>
-              <a:t>Heavyweight:</a:t>
-            </a:r>
-            <a:r>
-              <a:rPr lang="de-CH" baseline="0" dirty="0" smtClean="0"/>
-              <a:t> Belgian Strong Ale</a:t>
-            </a:r>
-            <a:endParaRPr lang="en-GB" dirty="0"/>
-          </a:p>
-        </p:txBody>
-      </p:sp>
-      <p:sp>
-        <p:nvSpPr>
-          <p:cNvPr id="4" name="Slide Number Placeholder 3"/>
+            <a:pPr marL="0" marR="0" indent="0" algn="l" defTabSz="914400" rtl="0" eaLnBrk="1" fontAlgn="auto" latinLnBrk="0" hangingPunct="1">
+              <a:lnSpc>
+                <a:spcPct val="100000"/>
+              </a:lnSpc>
+              <a:spcBef>
+                <a:spcPts val="0"/>
+              </a:spcBef>
+              <a:spcAft>
+                <a:spcPts val="0"/>
+              </a:spcAft>
+              <a:buClrTx/>
+              <a:buSzTx/>
+              <a:buFontTx/>
+              <a:buNone/>
+              <a:tabLst/>
+              <a:defRPr/>
+            </a:pPr>
+            <a:r>
+              <a:rPr lang="de-CH" dirty="0" err="1" smtClean="0"/>
+              <a:t>Thomme</a:t>
+            </a:r>
+            <a:endParaRPr lang="de-CH" dirty="0" smtClean="0"/>
+          </a:p>
+          <a:p>
+            <a:endParaRPr lang="de-CH" dirty="0"/>
+          </a:p>
+        </p:txBody>
+      </p:sp>
+      <p:sp>
+        <p:nvSpPr>
+          <p:cNvPr id="4" name="Foliennummernplatzhalter 3"/>
           <p:cNvSpPr>
             <a:spLocks noGrp="1"/>
           </p:cNvSpPr>
@@ -730,7 +1487,7 @@
           <a:p>
             <a:fld id="{5A1C3CBA-C147-468E-B3D9-EB2B31A74A73}" type="slidenum">
               <a:rPr lang="de-CH" smtClean="0"/>
-              <a:t>5</a:t>
+              <a:t>3</a:t>
             </a:fld>
             <a:endParaRPr lang="de-CH"/>
           </a:p>
@@ -739,7 +1496,7 @@
     </p:spTree>
     <p:extLst>
       <p:ext uri="{BB962C8B-B14F-4D97-AF65-F5344CB8AC3E}">
-        <p14:creationId xmlns:p14="http://schemas.microsoft.com/office/powerpoint/2010/main" val="2007072901"/>
+        <p14:creationId xmlns:p14="http://schemas.microsoft.com/office/powerpoint/2010/main" val="3648236633"/>
       </p:ext>
     </p:extLst>
   </p:cSld>
@@ -795,8 +1552,57 @@
           <a:p>
             <a:r>
               <a:rPr lang="de-CH" dirty="0" smtClean="0"/>
-              <a:t>Ziel: Schlichtes Design</a:t>
-            </a:r>
+              <a:t>Geniesser: Schaut sich nach neuen speziellen Bieren um</a:t>
+            </a:r>
+          </a:p>
+          <a:p>
+            <a:r>
+              <a:rPr lang="de-CH" dirty="0" smtClean="0"/>
+              <a:t>Lightweight Drinker: Cider / Low-Alcoholic Beers</a:t>
+            </a:r>
+          </a:p>
+          <a:p>
+            <a:r>
+              <a:rPr lang="de-CH" dirty="0" smtClean="0"/>
+              <a:t>Heavyweight:</a:t>
+            </a:r>
+            <a:r>
+              <a:rPr lang="de-CH" baseline="0" dirty="0" smtClean="0"/>
+              <a:t> Belgian Strong </a:t>
+            </a:r>
+            <a:r>
+              <a:rPr lang="de-CH" baseline="0" dirty="0" smtClean="0"/>
+              <a:t>Ale</a:t>
+            </a:r>
+          </a:p>
+          <a:p>
+            <a:endParaRPr lang="de-CH" baseline="0" dirty="0" smtClean="0"/>
+          </a:p>
+          <a:p>
+            <a:pPr marL="0" marR="0" indent="0" algn="l" defTabSz="914400" rtl="0" eaLnBrk="1" fontAlgn="auto" latinLnBrk="0" hangingPunct="1">
+              <a:lnSpc>
+                <a:spcPct val="100000"/>
+              </a:lnSpc>
+              <a:spcBef>
+                <a:spcPts val="0"/>
+              </a:spcBef>
+              <a:spcAft>
+                <a:spcPts val="0"/>
+              </a:spcAft>
+              <a:buClrTx/>
+              <a:buSzTx/>
+              <a:buFontTx/>
+              <a:buNone/>
+              <a:tabLst/>
+              <a:defRPr/>
+            </a:pPr>
+            <a:r>
+              <a:rPr lang="de-CH" dirty="0" err="1" smtClean="0"/>
+              <a:t>Thomme</a:t>
+            </a:r>
+            <a:endParaRPr lang="de-CH" dirty="0" smtClean="0"/>
+          </a:p>
+          <a:p>
             <a:endParaRPr lang="en-GB" dirty="0"/>
           </a:p>
         </p:txBody>
@@ -804,6 +1610,215 @@
       <p:sp>
         <p:nvSpPr>
           <p:cNvPr id="4" name="Slide Number Placeholder 3"/>
+          <p:cNvSpPr>
+            <a:spLocks noGrp="1"/>
+          </p:cNvSpPr>
+          <p:nvPr>
+            <p:ph type="sldNum" sz="quarter" idx="10"/>
+          </p:nvPr>
+        </p:nvSpPr>
+        <p:spPr/>
+        <p:txBody>
+          <a:bodyPr/>
+          <a:lstStyle/>
+          <a:p>
+            <a:fld id="{5A1C3CBA-C147-468E-B3D9-EB2B31A74A73}" type="slidenum">
+              <a:rPr lang="de-CH" smtClean="0"/>
+              <a:t>4</a:t>
+            </a:fld>
+            <a:endParaRPr lang="de-CH"/>
+          </a:p>
+        </p:txBody>
+      </p:sp>
+    </p:spTree>
+    <p:extLst>
+      <p:ext uri="{BB962C8B-B14F-4D97-AF65-F5344CB8AC3E}">
+        <p14:creationId xmlns:p14="http://schemas.microsoft.com/office/powerpoint/2010/main" val="2007072901"/>
+      </p:ext>
+    </p:extLst>
+  </p:cSld>
+  <p:clrMapOvr>
+    <a:masterClrMapping/>
+  </p:clrMapOvr>
+</p:notes>
+</file>
+
+<file path=ppt/notesSlides/notesSlide5.xml><?xml version="1.0" encoding="utf-8"?>
+<p:notes xmlns:a="http://schemas.openxmlformats.org/drawingml/2006/main" xmlns:r="http://schemas.openxmlformats.org/officeDocument/2006/relationships" xmlns:p="http://schemas.openxmlformats.org/presentationml/2006/main">
+  <p:cSld>
+    <p:spTree>
+      <p:nvGrpSpPr>
+        <p:cNvPr id="1" name=""/>
+        <p:cNvGrpSpPr/>
+        <p:nvPr/>
+      </p:nvGrpSpPr>
+      <p:grpSpPr>
+        <a:xfrm>
+          <a:off x="0" y="0"/>
+          <a:ext cx="0" cy="0"/>
+          <a:chOff x="0" y="0"/>
+          <a:chExt cx="0" cy="0"/>
+        </a:xfrm>
+      </p:grpSpPr>
+      <p:sp>
+        <p:nvSpPr>
+          <p:cNvPr id="2" name="Slide Image Placeholder 1"/>
+          <p:cNvSpPr>
+            <a:spLocks noGrp="1" noRot="1" noChangeAspect="1"/>
+          </p:cNvSpPr>
+          <p:nvPr>
+            <p:ph type="sldImg"/>
+          </p:nvPr>
+        </p:nvSpPr>
+        <p:spPr/>
+      </p:sp>
+      <p:sp>
+        <p:nvSpPr>
+          <p:cNvPr id="3" name="Notes Placeholder 2"/>
+          <p:cNvSpPr>
+            <a:spLocks noGrp="1"/>
+          </p:cNvSpPr>
+          <p:nvPr>
+            <p:ph type="body" idx="1"/>
+          </p:nvPr>
+        </p:nvSpPr>
+        <p:spPr/>
+        <p:txBody>
+          <a:bodyPr/>
+          <a:lstStyle/>
+          <a:p>
+            <a:r>
+              <a:rPr lang="de-CH" dirty="0" smtClean="0"/>
+              <a:t>Ziel: Schlichtes </a:t>
+            </a:r>
+            <a:r>
+              <a:rPr lang="de-CH" dirty="0" smtClean="0"/>
+              <a:t>Design</a:t>
+            </a:r>
+          </a:p>
+          <a:p>
+            <a:endParaRPr lang="de-CH" dirty="0" smtClean="0"/>
+          </a:p>
+          <a:p>
+            <a:pPr marL="0" marR="0" indent="0" algn="l" defTabSz="914400" rtl="0" eaLnBrk="1" fontAlgn="auto" latinLnBrk="0" hangingPunct="1">
+              <a:lnSpc>
+                <a:spcPct val="100000"/>
+              </a:lnSpc>
+              <a:spcBef>
+                <a:spcPts val="0"/>
+              </a:spcBef>
+              <a:spcAft>
+                <a:spcPts val="0"/>
+              </a:spcAft>
+              <a:buClrTx/>
+              <a:buSzTx/>
+              <a:buFontTx/>
+              <a:buNone/>
+              <a:tabLst/>
+              <a:defRPr/>
+            </a:pPr>
+            <a:r>
+              <a:rPr lang="de-CH" dirty="0" err="1" smtClean="0"/>
+              <a:t>Thomme</a:t>
+            </a:r>
+            <a:endParaRPr lang="de-CH" dirty="0" smtClean="0"/>
+          </a:p>
+          <a:p>
+            <a:endParaRPr lang="en-GB" dirty="0"/>
+          </a:p>
+        </p:txBody>
+      </p:sp>
+      <p:sp>
+        <p:nvSpPr>
+          <p:cNvPr id="4" name="Slide Number Placeholder 3"/>
+          <p:cNvSpPr>
+            <a:spLocks noGrp="1"/>
+          </p:cNvSpPr>
+          <p:nvPr>
+            <p:ph type="sldNum" sz="quarter" idx="10"/>
+          </p:nvPr>
+        </p:nvSpPr>
+        <p:spPr/>
+        <p:txBody>
+          <a:bodyPr/>
+          <a:lstStyle/>
+          <a:p>
+            <a:fld id="{5A1C3CBA-C147-468E-B3D9-EB2B31A74A73}" type="slidenum">
+              <a:rPr lang="de-CH" smtClean="0"/>
+              <a:t>5</a:t>
+            </a:fld>
+            <a:endParaRPr lang="de-CH"/>
+          </a:p>
+        </p:txBody>
+      </p:sp>
+    </p:spTree>
+    <p:extLst>
+      <p:ext uri="{BB962C8B-B14F-4D97-AF65-F5344CB8AC3E}">
+        <p14:creationId xmlns:p14="http://schemas.microsoft.com/office/powerpoint/2010/main" val="1317932398"/>
+      </p:ext>
+    </p:extLst>
+  </p:cSld>
+  <p:clrMapOvr>
+    <a:masterClrMapping/>
+  </p:clrMapOvr>
+</p:notes>
+</file>
+
+<file path=ppt/notesSlides/notesSlide6.xml><?xml version="1.0" encoding="utf-8"?>
+<p:notes xmlns:a="http://schemas.openxmlformats.org/drawingml/2006/main" xmlns:r="http://schemas.openxmlformats.org/officeDocument/2006/relationships" xmlns:p="http://schemas.openxmlformats.org/presentationml/2006/main">
+  <p:cSld>
+    <p:spTree>
+      <p:nvGrpSpPr>
+        <p:cNvPr id="1" name=""/>
+        <p:cNvGrpSpPr/>
+        <p:nvPr/>
+      </p:nvGrpSpPr>
+      <p:grpSpPr>
+        <a:xfrm>
+          <a:off x="0" y="0"/>
+          <a:ext cx="0" cy="0"/>
+          <a:chOff x="0" y="0"/>
+          <a:chExt cx="0" cy="0"/>
+        </a:xfrm>
+      </p:grpSpPr>
+      <p:sp>
+        <p:nvSpPr>
+          <p:cNvPr id="2" name="Folienbildplatzhalter 1"/>
+          <p:cNvSpPr>
+            <a:spLocks noGrp="1" noRot="1" noChangeAspect="1"/>
+          </p:cNvSpPr>
+          <p:nvPr>
+            <p:ph type="sldImg"/>
+          </p:nvPr>
+        </p:nvSpPr>
+        <p:spPr/>
+      </p:sp>
+      <p:sp>
+        <p:nvSpPr>
+          <p:cNvPr id="3" name="Notizenplatzhalter 2"/>
+          <p:cNvSpPr>
+            <a:spLocks noGrp="1"/>
+          </p:cNvSpPr>
+          <p:nvPr>
+            <p:ph type="body" idx="1"/>
+          </p:nvPr>
+        </p:nvSpPr>
+        <p:spPr/>
+        <p:txBody>
+          <a:bodyPr/>
+          <a:lstStyle/>
+          <a:p>
+            <a:r>
+              <a:rPr lang="de-CH" dirty="0" smtClean="0"/>
+              <a:t>Koch</a:t>
+            </a:r>
+            <a:endParaRPr lang="de-CH" dirty="0"/>
+          </a:p>
+        </p:txBody>
+      </p:sp>
+      <p:sp>
+        <p:nvSpPr>
+          <p:cNvPr id="4" name="Foliennummernplatzhalter 3"/>
           <p:cNvSpPr>
             <a:spLocks noGrp="1"/>
           </p:cNvSpPr>
@@ -827,7 +1842,271 @@
     </p:spTree>
     <p:extLst>
       <p:ext uri="{BB962C8B-B14F-4D97-AF65-F5344CB8AC3E}">
-        <p14:creationId xmlns:p14="http://schemas.microsoft.com/office/powerpoint/2010/main" val="1317932398"/>
+        <p14:creationId xmlns:p14="http://schemas.microsoft.com/office/powerpoint/2010/main" val="3104615944"/>
+      </p:ext>
+    </p:extLst>
+  </p:cSld>
+  <p:clrMapOvr>
+    <a:masterClrMapping/>
+  </p:clrMapOvr>
+</p:notes>
+</file>
+
+<file path=ppt/notesSlides/notesSlide7.xml><?xml version="1.0" encoding="utf-8"?>
+<p:notes xmlns:a="http://schemas.openxmlformats.org/drawingml/2006/main" xmlns:r="http://schemas.openxmlformats.org/officeDocument/2006/relationships" xmlns:p="http://schemas.openxmlformats.org/presentationml/2006/main">
+  <p:cSld>
+    <p:spTree>
+      <p:nvGrpSpPr>
+        <p:cNvPr id="1" name=""/>
+        <p:cNvGrpSpPr/>
+        <p:nvPr/>
+      </p:nvGrpSpPr>
+      <p:grpSpPr>
+        <a:xfrm>
+          <a:off x="0" y="0"/>
+          <a:ext cx="0" cy="0"/>
+          <a:chOff x="0" y="0"/>
+          <a:chExt cx="0" cy="0"/>
+        </a:xfrm>
+      </p:grpSpPr>
+      <p:sp>
+        <p:nvSpPr>
+          <p:cNvPr id="2" name="Folienbildplatzhalter 1"/>
+          <p:cNvSpPr>
+            <a:spLocks noGrp="1" noRot="1" noChangeAspect="1"/>
+          </p:cNvSpPr>
+          <p:nvPr>
+            <p:ph type="sldImg"/>
+          </p:nvPr>
+        </p:nvSpPr>
+        <p:spPr/>
+      </p:sp>
+      <p:sp>
+        <p:nvSpPr>
+          <p:cNvPr id="3" name="Notizenplatzhalter 2"/>
+          <p:cNvSpPr>
+            <a:spLocks noGrp="1"/>
+          </p:cNvSpPr>
+          <p:nvPr>
+            <p:ph type="body" idx="1"/>
+          </p:nvPr>
+        </p:nvSpPr>
+        <p:spPr/>
+        <p:txBody>
+          <a:bodyPr/>
+          <a:lstStyle/>
+          <a:p>
+            <a:r>
+              <a:rPr lang="de-CH" dirty="0" smtClean="0"/>
+              <a:t>Koch</a:t>
+            </a:r>
+            <a:endParaRPr lang="de-CH" dirty="0"/>
+          </a:p>
+        </p:txBody>
+      </p:sp>
+      <p:sp>
+        <p:nvSpPr>
+          <p:cNvPr id="4" name="Foliennummernplatzhalter 3"/>
+          <p:cNvSpPr>
+            <a:spLocks noGrp="1"/>
+          </p:cNvSpPr>
+          <p:nvPr>
+            <p:ph type="sldNum" sz="quarter" idx="10"/>
+          </p:nvPr>
+        </p:nvSpPr>
+        <p:spPr/>
+        <p:txBody>
+          <a:bodyPr/>
+          <a:lstStyle/>
+          <a:p>
+            <a:fld id="{5A1C3CBA-C147-468E-B3D9-EB2B31A74A73}" type="slidenum">
+              <a:rPr lang="de-CH" smtClean="0"/>
+              <a:t>7</a:t>
+            </a:fld>
+            <a:endParaRPr lang="de-CH"/>
+          </a:p>
+        </p:txBody>
+      </p:sp>
+    </p:spTree>
+    <p:extLst>
+      <p:ext uri="{BB962C8B-B14F-4D97-AF65-F5344CB8AC3E}">
+        <p14:creationId xmlns:p14="http://schemas.microsoft.com/office/powerpoint/2010/main" val="2838136803"/>
+      </p:ext>
+    </p:extLst>
+  </p:cSld>
+  <p:clrMapOvr>
+    <a:masterClrMapping/>
+  </p:clrMapOvr>
+</p:notes>
+</file>
+
+<file path=ppt/notesSlides/notesSlide8.xml><?xml version="1.0" encoding="utf-8"?>
+<p:notes xmlns:a="http://schemas.openxmlformats.org/drawingml/2006/main" xmlns:r="http://schemas.openxmlformats.org/officeDocument/2006/relationships" xmlns:p="http://schemas.openxmlformats.org/presentationml/2006/main">
+  <p:cSld>
+    <p:spTree>
+      <p:nvGrpSpPr>
+        <p:cNvPr id="1" name=""/>
+        <p:cNvGrpSpPr/>
+        <p:nvPr/>
+      </p:nvGrpSpPr>
+      <p:grpSpPr>
+        <a:xfrm>
+          <a:off x="0" y="0"/>
+          <a:ext cx="0" cy="0"/>
+          <a:chOff x="0" y="0"/>
+          <a:chExt cx="0" cy="0"/>
+        </a:xfrm>
+      </p:grpSpPr>
+      <p:sp>
+        <p:nvSpPr>
+          <p:cNvPr id="2" name="Folienbildplatzhalter 1"/>
+          <p:cNvSpPr>
+            <a:spLocks noGrp="1" noRot="1" noChangeAspect="1"/>
+          </p:cNvSpPr>
+          <p:nvPr>
+            <p:ph type="sldImg"/>
+          </p:nvPr>
+        </p:nvSpPr>
+        <p:spPr/>
+      </p:sp>
+      <p:sp>
+        <p:nvSpPr>
+          <p:cNvPr id="3" name="Notizenplatzhalter 2"/>
+          <p:cNvSpPr>
+            <a:spLocks noGrp="1"/>
+          </p:cNvSpPr>
+          <p:nvPr>
+            <p:ph type="body" idx="1"/>
+          </p:nvPr>
+        </p:nvSpPr>
+        <p:spPr/>
+        <p:txBody>
+          <a:bodyPr/>
+          <a:lstStyle/>
+          <a:p>
+            <a:r>
+              <a:rPr lang="de-CH" dirty="0" smtClean="0"/>
+              <a:t>Koch</a:t>
+            </a:r>
+            <a:endParaRPr lang="de-CH" dirty="0"/>
+          </a:p>
+        </p:txBody>
+      </p:sp>
+      <p:sp>
+        <p:nvSpPr>
+          <p:cNvPr id="4" name="Foliennummernplatzhalter 3"/>
+          <p:cNvSpPr>
+            <a:spLocks noGrp="1"/>
+          </p:cNvSpPr>
+          <p:nvPr>
+            <p:ph type="sldNum" sz="quarter" idx="10"/>
+          </p:nvPr>
+        </p:nvSpPr>
+        <p:spPr/>
+        <p:txBody>
+          <a:bodyPr/>
+          <a:lstStyle/>
+          <a:p>
+            <a:fld id="{5A1C3CBA-C147-468E-B3D9-EB2B31A74A73}" type="slidenum">
+              <a:rPr lang="de-CH" smtClean="0"/>
+              <a:t>8</a:t>
+            </a:fld>
+            <a:endParaRPr lang="de-CH"/>
+          </a:p>
+        </p:txBody>
+      </p:sp>
+    </p:spTree>
+    <p:extLst>
+      <p:ext uri="{BB962C8B-B14F-4D97-AF65-F5344CB8AC3E}">
+        <p14:creationId xmlns:p14="http://schemas.microsoft.com/office/powerpoint/2010/main" val="1894567113"/>
+      </p:ext>
+    </p:extLst>
+  </p:cSld>
+  <p:clrMapOvr>
+    <a:masterClrMapping/>
+  </p:clrMapOvr>
+</p:notes>
+</file>
+
+<file path=ppt/notesSlides/notesSlide9.xml><?xml version="1.0" encoding="utf-8"?>
+<p:notes xmlns:a="http://schemas.openxmlformats.org/drawingml/2006/main" xmlns:r="http://schemas.openxmlformats.org/officeDocument/2006/relationships" xmlns:p="http://schemas.openxmlformats.org/presentationml/2006/main">
+  <p:cSld>
+    <p:spTree>
+      <p:nvGrpSpPr>
+        <p:cNvPr id="1" name=""/>
+        <p:cNvGrpSpPr/>
+        <p:nvPr/>
+      </p:nvGrpSpPr>
+      <p:grpSpPr>
+        <a:xfrm>
+          <a:off x="0" y="0"/>
+          <a:ext cx="0" cy="0"/>
+          <a:chOff x="0" y="0"/>
+          <a:chExt cx="0" cy="0"/>
+        </a:xfrm>
+      </p:grpSpPr>
+      <p:sp>
+        <p:nvSpPr>
+          <p:cNvPr id="2" name="Folienbildplatzhalter 1"/>
+          <p:cNvSpPr>
+            <a:spLocks noGrp="1" noRot="1" noChangeAspect="1"/>
+          </p:cNvSpPr>
+          <p:nvPr>
+            <p:ph type="sldImg"/>
+          </p:nvPr>
+        </p:nvSpPr>
+        <p:spPr/>
+      </p:sp>
+      <p:sp>
+        <p:nvSpPr>
+          <p:cNvPr id="3" name="Notizenplatzhalter 2"/>
+          <p:cNvSpPr>
+            <a:spLocks noGrp="1"/>
+          </p:cNvSpPr>
+          <p:nvPr>
+            <p:ph type="body" idx="1"/>
+          </p:nvPr>
+        </p:nvSpPr>
+        <p:spPr/>
+        <p:txBody>
+          <a:bodyPr/>
+          <a:lstStyle/>
+          <a:p>
+            <a:r>
+              <a:rPr lang="de-CH" dirty="0" smtClean="0"/>
+              <a:t>Koch</a:t>
+            </a:r>
+            <a:endParaRPr lang="de-CH" dirty="0"/>
+          </a:p>
+        </p:txBody>
+      </p:sp>
+      <p:sp>
+        <p:nvSpPr>
+          <p:cNvPr id="4" name="Foliennummernplatzhalter 3"/>
+          <p:cNvSpPr>
+            <a:spLocks noGrp="1"/>
+          </p:cNvSpPr>
+          <p:nvPr>
+            <p:ph type="sldNum" sz="quarter" idx="10"/>
+          </p:nvPr>
+        </p:nvSpPr>
+        <p:spPr/>
+        <p:txBody>
+          <a:bodyPr/>
+          <a:lstStyle/>
+          <a:p>
+            <a:fld id="{5A1C3CBA-C147-468E-B3D9-EB2B31A74A73}" type="slidenum">
+              <a:rPr lang="de-CH" smtClean="0"/>
+              <a:t>9</a:t>
+            </a:fld>
+            <a:endParaRPr lang="de-CH"/>
+          </a:p>
+        </p:txBody>
+      </p:sp>
+    </p:spTree>
+    <p:extLst>
+      <p:ext uri="{BB962C8B-B14F-4D97-AF65-F5344CB8AC3E}">
+        <p14:creationId xmlns:p14="http://schemas.microsoft.com/office/powerpoint/2010/main" val="1631512601"/>
       </p:ext>
     </p:extLst>
   </p:cSld>
@@ -1031,7 +2310,7 @@
           <a:p>
             <a:fld id="{3C171AA7-1DF9-4018-97D4-AC9B5E4873AF}" type="datetimeFigureOut">
               <a:rPr lang="de-CH" smtClean="0"/>
-              <a:t>07.01.2015</a:t>
+              <a:t>08.01.2015</a:t>
             </a:fld>
             <a:endParaRPr lang="de-CH"/>
           </a:p>
@@ -1073,7 +2352,7 @@
           <a:p>
             <a:fld id="{36873C15-3A40-4BC5-91D3-8CBC3D910096}" type="slidenum">
               <a:rPr lang="de-CH" smtClean="0"/>
-              <a:t>‹#›</a:t>
+              <a:t>‹Nr.›</a:t>
             </a:fld>
             <a:endParaRPr lang="de-CH"/>
           </a:p>
@@ -1196,7 +2475,7 @@
           <a:p>
             <a:fld id="{3C171AA7-1DF9-4018-97D4-AC9B5E4873AF}" type="datetimeFigureOut">
               <a:rPr lang="de-CH" smtClean="0"/>
-              <a:t>07.01.2015</a:t>
+              <a:t>08.01.2015</a:t>
             </a:fld>
             <a:endParaRPr lang="de-CH"/>
           </a:p>
@@ -1238,7 +2517,7 @@
           <a:p>
             <a:fld id="{36873C15-3A40-4BC5-91D3-8CBC3D910096}" type="slidenum">
               <a:rPr lang="de-CH" smtClean="0"/>
-              <a:t>‹#›</a:t>
+              <a:t>‹Nr.›</a:t>
             </a:fld>
             <a:endParaRPr lang="de-CH"/>
           </a:p>
@@ -1371,7 +2650,7 @@
           <a:p>
             <a:fld id="{3C171AA7-1DF9-4018-97D4-AC9B5E4873AF}" type="datetimeFigureOut">
               <a:rPr lang="de-CH" smtClean="0"/>
-              <a:t>07.01.2015</a:t>
+              <a:t>08.01.2015</a:t>
             </a:fld>
             <a:endParaRPr lang="de-CH"/>
           </a:p>
@@ -1413,7 +2692,7 @@
           <a:p>
             <a:fld id="{36873C15-3A40-4BC5-91D3-8CBC3D910096}" type="slidenum">
               <a:rPr lang="de-CH" smtClean="0"/>
-              <a:t>‹#›</a:t>
+              <a:t>‹Nr.›</a:t>
             </a:fld>
             <a:endParaRPr lang="de-CH"/>
           </a:p>
@@ -1536,7 +2815,7 @@
           <a:p>
             <a:fld id="{3C171AA7-1DF9-4018-97D4-AC9B5E4873AF}" type="datetimeFigureOut">
               <a:rPr lang="de-CH" smtClean="0"/>
-              <a:t>07.01.2015</a:t>
+              <a:t>08.01.2015</a:t>
             </a:fld>
             <a:endParaRPr lang="de-CH"/>
           </a:p>
@@ -1578,7 +2857,7 @@
           <a:p>
             <a:fld id="{36873C15-3A40-4BC5-91D3-8CBC3D910096}" type="slidenum">
               <a:rPr lang="de-CH" smtClean="0"/>
-              <a:t>‹#›</a:t>
+              <a:t>‹Nr.›</a:t>
             </a:fld>
             <a:endParaRPr lang="de-CH"/>
           </a:p>
@@ -1777,7 +3056,7 @@
           <a:p>
             <a:fld id="{3C171AA7-1DF9-4018-97D4-AC9B5E4873AF}" type="datetimeFigureOut">
               <a:rPr lang="de-CH" smtClean="0"/>
-              <a:t>07.01.2015</a:t>
+              <a:t>08.01.2015</a:t>
             </a:fld>
             <a:endParaRPr lang="de-CH"/>
           </a:p>
@@ -1819,7 +3098,7 @@
           <a:p>
             <a:fld id="{36873C15-3A40-4BC5-91D3-8CBC3D910096}" type="slidenum">
               <a:rPr lang="de-CH" smtClean="0"/>
-              <a:t>‹#›</a:t>
+              <a:t>‹Nr.›</a:t>
             </a:fld>
             <a:endParaRPr lang="de-CH"/>
           </a:p>
@@ -2060,7 +3339,7 @@
           <a:p>
             <a:fld id="{3C171AA7-1DF9-4018-97D4-AC9B5E4873AF}" type="datetimeFigureOut">
               <a:rPr lang="de-CH" smtClean="0"/>
-              <a:t>07.01.2015</a:t>
+              <a:t>08.01.2015</a:t>
             </a:fld>
             <a:endParaRPr lang="de-CH"/>
           </a:p>
@@ -2102,7 +3381,7 @@
           <a:p>
             <a:fld id="{36873C15-3A40-4BC5-91D3-8CBC3D910096}" type="slidenum">
               <a:rPr lang="de-CH" smtClean="0"/>
-              <a:t>‹#›</a:t>
+              <a:t>‹Nr.›</a:t>
             </a:fld>
             <a:endParaRPr lang="de-CH"/>
           </a:p>
@@ -2489,7 +3768,7 @@
           <a:p>
             <a:fld id="{3C171AA7-1DF9-4018-97D4-AC9B5E4873AF}" type="datetimeFigureOut">
               <a:rPr lang="de-CH" smtClean="0"/>
-              <a:t>07.01.2015</a:t>
+              <a:t>08.01.2015</a:t>
             </a:fld>
             <a:endParaRPr lang="de-CH"/>
           </a:p>
@@ -2531,7 +3810,7 @@
           <a:p>
             <a:fld id="{36873C15-3A40-4BC5-91D3-8CBC3D910096}" type="slidenum">
               <a:rPr lang="de-CH" smtClean="0"/>
-              <a:t>‹#›</a:t>
+              <a:t>‹Nr.›</a:t>
             </a:fld>
             <a:endParaRPr lang="de-CH"/>
           </a:p>
@@ -2602,7 +3881,7 @@
           <a:p>
             <a:fld id="{3C171AA7-1DF9-4018-97D4-AC9B5E4873AF}" type="datetimeFigureOut">
               <a:rPr lang="de-CH" smtClean="0"/>
-              <a:t>07.01.2015</a:t>
+              <a:t>08.01.2015</a:t>
             </a:fld>
             <a:endParaRPr lang="de-CH"/>
           </a:p>
@@ -2644,7 +3923,7 @@
           <a:p>
             <a:fld id="{36873C15-3A40-4BC5-91D3-8CBC3D910096}" type="slidenum">
               <a:rPr lang="de-CH" smtClean="0"/>
-              <a:t>‹#›</a:t>
+              <a:t>‹Nr.›</a:t>
             </a:fld>
             <a:endParaRPr lang="de-CH"/>
           </a:p>
@@ -2692,7 +3971,7 @@
           <a:p>
             <a:fld id="{3C171AA7-1DF9-4018-97D4-AC9B5E4873AF}" type="datetimeFigureOut">
               <a:rPr lang="de-CH" smtClean="0"/>
-              <a:t>07.01.2015</a:t>
+              <a:t>08.01.2015</a:t>
             </a:fld>
             <a:endParaRPr lang="de-CH"/>
           </a:p>
@@ -2734,7 +4013,7 @@
           <a:p>
             <a:fld id="{36873C15-3A40-4BC5-91D3-8CBC3D910096}" type="slidenum">
               <a:rPr lang="de-CH" smtClean="0"/>
-              <a:t>‹#›</a:t>
+              <a:t>‹Nr.›</a:t>
             </a:fld>
             <a:endParaRPr lang="de-CH"/>
           </a:p>
@@ -2881,7 +4160,7 @@
           <a:p>
             <a:fld id="{3C171AA7-1DF9-4018-97D4-AC9B5E4873AF}" type="datetimeFigureOut">
               <a:rPr lang="de-CH" smtClean="0"/>
-              <a:t>07.01.2015</a:t>
+              <a:t>08.01.2015</a:t>
             </a:fld>
             <a:endParaRPr lang="de-CH"/>
           </a:p>
@@ -2923,7 +4202,7 @@
           <a:p>
             <a:fld id="{36873C15-3A40-4BC5-91D3-8CBC3D910096}" type="slidenum">
               <a:rPr lang="de-CH" smtClean="0"/>
-              <a:t>‹#›</a:t>
+              <a:t>‹Nr.›</a:t>
             </a:fld>
             <a:endParaRPr lang="de-CH"/>
           </a:p>
@@ -3199,7 +4478,7 @@
           <a:p>
             <a:fld id="{3C171AA7-1DF9-4018-97D4-AC9B5E4873AF}" type="datetimeFigureOut">
               <a:rPr lang="de-CH" smtClean="0"/>
-              <a:t>07.01.2015</a:t>
+              <a:t>08.01.2015</a:t>
             </a:fld>
             <a:endParaRPr lang="de-CH"/>
           </a:p>
@@ -3222,7 +4501,7 @@
           <a:p>
             <a:fld id="{36873C15-3A40-4BC5-91D3-8CBC3D910096}" type="slidenum">
               <a:rPr lang="de-CH" smtClean="0"/>
-              <a:t>‹#›</a:t>
+              <a:t>‹Nr.›</a:t>
             </a:fld>
             <a:endParaRPr lang="de-CH"/>
           </a:p>
@@ -3504,7 +4783,7 @@
           <a:p>
             <a:fld id="{36873C15-3A40-4BC5-91D3-8CBC3D910096}" type="slidenum">
               <a:rPr lang="de-CH" smtClean="0"/>
-              <a:t>‹#›</a:t>
+              <a:t>‹Nr.›</a:t>
             </a:fld>
             <a:endParaRPr lang="de-CH"/>
           </a:p>
@@ -3578,7 +4857,7 @@
           <a:p>
             <a:fld id="{3C171AA7-1DF9-4018-97D4-AC9B5E4873AF}" type="datetimeFigureOut">
               <a:rPr lang="de-CH" smtClean="0"/>
-              <a:t>07.01.2015</a:t>
+              <a:t>08.01.2015</a:t>
             </a:fld>
             <a:endParaRPr lang="de-CH"/>
           </a:p>
@@ -4037,11 +5316,7 @@
             </a:r>
             <a:r>
               <a:rPr lang="de-CH" dirty="0" smtClean="0"/>
-              <a:t>7: </a:t>
-            </a:r>
-            <a:r>
-              <a:rPr lang="en-GB" dirty="0" smtClean="0"/>
-              <a:t>JavaScript</a:t>
+              <a:t>8: Sessions</a:t>
             </a:r>
             <a:endParaRPr lang="de-CH" dirty="0"/>
           </a:p>
@@ -4057,23 +5332,108 @@
             <p:ph idx="1"/>
           </p:nvPr>
         </p:nvSpPr>
-        <p:spPr/>
-        <p:txBody>
-          <a:bodyPr/>
-          <a:lstStyle/>
-          <a:p>
-            <a:r>
-              <a:rPr lang="de-CH" dirty="0" smtClean="0"/>
-              <a:t>Validation</a:t>
-            </a:r>
-            <a:endParaRPr lang="de-CH" dirty="0"/>
-          </a:p>
-        </p:txBody>
-      </p:sp>
+        <p:spPr>
+          <a:xfrm>
+            <a:off x="457200" y="1600200"/>
+            <a:ext cx="7620000" cy="1828800"/>
+          </a:xfrm>
+        </p:spPr>
+        <p:txBody>
+          <a:bodyPr>
+            <a:normAutofit/>
+          </a:bodyPr>
+          <a:lstStyle/>
+          <a:p>
+            <a:r>
+              <a:rPr lang="de-CH" dirty="0" smtClean="0"/>
+              <a:t>Cookies</a:t>
+            </a:r>
+          </a:p>
+          <a:p>
+            <a:pPr lvl="1"/>
+            <a:r>
+              <a:rPr lang="de-CH" dirty="0" smtClean="0"/>
+              <a:t>Speichern der Spracheinstellungen</a:t>
+            </a:r>
+          </a:p>
+          <a:p>
+            <a:pPr lvl="2"/>
+            <a:r>
+              <a:rPr lang="de-CH" dirty="0" smtClean="0"/>
+              <a:t>1 Tag gültig</a:t>
+            </a:r>
+          </a:p>
+          <a:p>
+            <a:r>
+              <a:rPr lang="de-CH" dirty="0" smtClean="0"/>
+              <a:t>Shopping </a:t>
+            </a:r>
+            <a:r>
+              <a:rPr lang="de-CH" dirty="0" err="1" smtClean="0"/>
+              <a:t>Cart</a:t>
+            </a:r>
+            <a:endParaRPr lang="de-CH" dirty="0" smtClean="0"/>
+          </a:p>
+        </p:txBody>
+      </p:sp>
+      <p:pic>
+        <p:nvPicPr>
+          <p:cNvPr id="1026" name="Picture 2"/>
+          <p:cNvPicPr>
+            <a:picLocks noChangeAspect="1" noChangeArrowheads="1"/>
+          </p:cNvPicPr>
+          <p:nvPr/>
+        </p:nvPicPr>
+        <p:blipFill>
+          <a:blip r:embed="rId3">
+            <a:extLst>
+              <a:ext uri="{28A0092B-C50C-407E-A947-70E740481C1C}">
+                <a14:useLocalDpi xmlns:a14="http://schemas.microsoft.com/office/drawing/2010/main" val="0"/>
+              </a:ext>
+            </a:extLst>
+          </a:blip>
+          <a:srcRect/>
+          <a:stretch>
+            <a:fillRect/>
+          </a:stretch>
+        </p:blipFill>
+        <p:spPr bwMode="auto">
+          <a:xfrm>
+            <a:off x="539552" y="4221088"/>
+            <a:ext cx="7428661" cy="851322"/>
+          </a:xfrm>
+          <a:prstGeom prst="rect">
+            <a:avLst/>
+          </a:prstGeom>
+          <a:noFill/>
+          <a:ln>
+            <a:noFill/>
+          </a:ln>
+          <a:extLst>
+            <a:ext uri="{909E8E84-426E-40DD-AFC4-6F175D3DCCD1}">
+              <a14:hiddenFill xmlns:a14="http://schemas.microsoft.com/office/drawing/2010/main">
+                <a:solidFill>
+                  <a:schemeClr val="accent1"/>
+                </a:solidFill>
+              </a14:hiddenFill>
+            </a:ext>
+            <a:ext uri="{91240B29-F687-4F45-9708-019B960494DF}">
+              <a14:hiddenLine xmlns:a14="http://schemas.microsoft.com/office/drawing/2010/main" w="9525">
+                <a:solidFill>
+                  <a:schemeClr val="tx1"/>
+                </a:solidFill>
+                <a:miter lim="800000"/>
+                <a:headEnd/>
+                <a:tailEnd/>
+              </a14:hiddenLine>
+            </a:ext>
+          </a:extLst>
+        </p:spPr>
+      </p:pic>
     </p:spTree>
     <p:extLst>
       <p:ext uri="{BB962C8B-B14F-4D97-AF65-F5344CB8AC3E}">
-        <p14:creationId xmlns:p14="http://schemas.microsoft.com/office/powerpoint/2010/main" val="2405985397"/>
+        <p14:creationId xmlns:p14="http://schemas.microsoft.com/office/powerpoint/2010/main" val="2131794967"/>
       </p:ext>
     </p:extLst>
   </p:cSld>
@@ -4102,7 +5462,7 @@
       </p:grpSpPr>
       <p:sp>
         <p:nvSpPr>
-          <p:cNvPr id="2" name="Titel 1"/>
+          <p:cNvPr id="2" name="Title 1"/>
           <p:cNvSpPr>
             <a:spLocks noGrp="1"/>
           </p:cNvSpPr>
@@ -4116,20 +5476,16 @@
           <a:lstStyle/>
           <a:p>
             <a:r>
-              <a:rPr lang="de-CH" dirty="0"/>
-              <a:t>Task </a:t>
-            </a:r>
-            <a:r>
-              <a:rPr lang="de-CH" dirty="0" smtClean="0"/>
-              <a:t>8: Sessions</a:t>
-            </a:r>
-            <a:endParaRPr lang="de-CH" dirty="0"/>
-          </a:p>
-        </p:txBody>
-      </p:sp>
-      <p:sp>
-        <p:nvSpPr>
-          <p:cNvPr id="3" name="Inhaltsplatzhalter 2"/>
+              <a:rPr lang="de-CH" dirty="0" smtClean="0"/>
+              <a:t>Task 9: OO PHP</a:t>
+            </a:r>
+            <a:endParaRPr lang="en-GB" dirty="0"/>
+          </a:p>
+        </p:txBody>
+      </p:sp>
+      <p:sp>
+        <p:nvSpPr>
+          <p:cNvPr id="3" name="Content Placeholder 2"/>
           <p:cNvSpPr>
             <a:spLocks noGrp="1"/>
           </p:cNvSpPr>
@@ -4144,36 +5500,80 @@
           <a:p>
             <a:r>
               <a:rPr lang="de-CH" dirty="0" smtClean="0"/>
-              <a:t>Cookies</a:t>
+              <a:t>Klassen für..</a:t>
             </a:r>
           </a:p>
           <a:p>
             <a:pPr lvl="1"/>
             <a:r>
               <a:rPr lang="de-CH" dirty="0" smtClean="0"/>
-              <a:t>Speichern der Spracheinstellungen</a:t>
-            </a:r>
-          </a:p>
-          <a:p>
-            <a:pPr lvl="2"/>
-            <a:r>
-              <a:rPr lang="de-CH" dirty="0" smtClean="0"/>
-              <a:t>1 Tag gültig</a:t>
-            </a:r>
-          </a:p>
-          <a:p>
+              <a:t>Kategorie</a:t>
+            </a:r>
+          </a:p>
+          <a:p>
+            <a:pPr lvl="1"/>
+            <a:r>
+              <a:rPr lang="de-CH" dirty="0" smtClean="0"/>
+              <a:t>Produkt</a:t>
+            </a:r>
+          </a:p>
+          <a:p>
+            <a:pPr lvl="1"/>
+            <a:r>
+              <a:rPr lang="de-CH" dirty="0" smtClean="0"/>
+              <a:t>Benutzer</a:t>
+            </a:r>
+          </a:p>
+          <a:p>
+            <a:pPr lvl="1"/>
+            <a:r>
+              <a:rPr lang="de-CH" dirty="0" smtClean="0"/>
+              <a:t>Sprache</a:t>
+            </a:r>
+          </a:p>
+          <a:p>
+            <a:pPr lvl="1"/>
             <a:r>
               <a:rPr lang="de-CH" dirty="0" smtClean="0"/>
               <a:t>Shopping Cart</a:t>
             </a:r>
-            <a:endParaRPr lang="de-CH" dirty="0"/>
+          </a:p>
+          <a:p>
+            <a:pPr lvl="1"/>
+            <a:r>
+              <a:rPr lang="de-CH" dirty="0" smtClean="0"/>
+              <a:t>DB-Handling</a:t>
+            </a:r>
+          </a:p>
+          <a:p>
+            <a:pPr lvl="1"/>
+            <a:r>
+              <a:rPr lang="de-CH" dirty="0" smtClean="0"/>
+              <a:t>Sessions</a:t>
+            </a:r>
+          </a:p>
+          <a:p>
+            <a:pPr lvl="1"/>
+            <a:r>
+              <a:rPr lang="de-CH" dirty="0" smtClean="0"/>
+              <a:t>Input</a:t>
+            </a:r>
+            <a:endParaRPr lang="de-CH" dirty="0" smtClean="0"/>
+          </a:p>
+          <a:p>
+            <a:pPr lvl="1"/>
+            <a:r>
+              <a:rPr lang="de-CH" dirty="0" smtClean="0"/>
+              <a:t>Und weitere..</a:t>
+            </a:r>
+            <a:endParaRPr lang="en-GB" dirty="0"/>
           </a:p>
         </p:txBody>
       </p:sp>
     </p:spTree>
     <p:extLst>
       <p:ext uri="{BB962C8B-B14F-4D97-AF65-F5344CB8AC3E}">
-        <p14:creationId xmlns:p14="http://schemas.microsoft.com/office/powerpoint/2010/main" val="2131794967"/>
+        <p14:creationId xmlns:p14="http://schemas.microsoft.com/office/powerpoint/2010/main" val="1201765197"/>
       </p:ext>
     </p:extLst>
   </p:cSld>
@@ -4217,138 +5617,6 @@
           <a:p>
             <a:r>
               <a:rPr lang="de-CH" dirty="0" smtClean="0"/>
-              <a:t>Task 9: OO PHP</a:t>
-            </a:r>
-            <a:endParaRPr lang="en-GB" dirty="0"/>
-          </a:p>
-        </p:txBody>
-      </p:sp>
-      <p:sp>
-        <p:nvSpPr>
-          <p:cNvPr id="3" name="Content Placeholder 2"/>
-          <p:cNvSpPr>
-            <a:spLocks noGrp="1"/>
-          </p:cNvSpPr>
-          <p:nvPr>
-            <p:ph idx="1"/>
-          </p:nvPr>
-        </p:nvSpPr>
-        <p:spPr/>
-        <p:txBody>
-          <a:bodyPr/>
-          <a:lstStyle/>
-          <a:p>
-            <a:r>
-              <a:rPr lang="de-CH" dirty="0" smtClean="0"/>
-              <a:t>Klassen für..</a:t>
-            </a:r>
-          </a:p>
-          <a:p>
-            <a:pPr lvl="1"/>
-            <a:r>
-              <a:rPr lang="de-CH" dirty="0" smtClean="0"/>
-              <a:t>Kategorie</a:t>
-            </a:r>
-          </a:p>
-          <a:p>
-            <a:pPr lvl="1"/>
-            <a:r>
-              <a:rPr lang="de-CH" dirty="0" smtClean="0"/>
-              <a:t>Produkt</a:t>
-            </a:r>
-          </a:p>
-          <a:p>
-            <a:pPr lvl="1"/>
-            <a:r>
-              <a:rPr lang="de-CH" dirty="0" smtClean="0"/>
-              <a:t>Benutzer</a:t>
-            </a:r>
-          </a:p>
-          <a:p>
-            <a:pPr lvl="1"/>
-            <a:r>
-              <a:rPr lang="de-CH" dirty="0" smtClean="0"/>
-              <a:t>Sprache</a:t>
-            </a:r>
-          </a:p>
-          <a:p>
-            <a:pPr lvl="1"/>
-            <a:r>
-              <a:rPr lang="de-CH" dirty="0" smtClean="0"/>
-              <a:t>Shopping Cart</a:t>
-            </a:r>
-          </a:p>
-          <a:p>
-            <a:pPr lvl="1"/>
-            <a:r>
-              <a:rPr lang="de-CH" dirty="0" smtClean="0"/>
-              <a:t>DB-Handling</a:t>
-            </a:r>
-          </a:p>
-          <a:p>
-            <a:pPr lvl="1"/>
-            <a:r>
-              <a:rPr lang="de-CH" dirty="0" smtClean="0"/>
-              <a:t>Sessions</a:t>
-            </a:r>
-          </a:p>
-          <a:p>
-            <a:pPr lvl="1"/>
-            <a:r>
-              <a:rPr lang="de-CH" dirty="0" smtClean="0"/>
-              <a:t>Und weitere..</a:t>
-            </a:r>
-            <a:endParaRPr lang="en-GB" dirty="0"/>
-          </a:p>
-        </p:txBody>
-      </p:sp>
-    </p:spTree>
-    <p:extLst>
-      <p:ext uri="{BB962C8B-B14F-4D97-AF65-F5344CB8AC3E}">
-        <p14:creationId xmlns:p14="http://schemas.microsoft.com/office/powerpoint/2010/main" val="1201765197"/>
-      </p:ext>
-    </p:extLst>
-  </p:cSld>
-  <p:clrMapOvr>
-    <a:masterClrMapping/>
-  </p:clrMapOvr>
-</p:sld>
-</file>
-
-<file path=ppt/slides/slide13.xml><?xml version="1.0" encoding="utf-8"?>
-<p:sld xmlns:a="http://schemas.openxmlformats.org/drawingml/2006/main" xmlns:r="http://schemas.openxmlformats.org/officeDocument/2006/relationships" xmlns:p="http://schemas.openxmlformats.org/presentationml/2006/main">
-  <p:cSld>
-    <p:spTree>
-      <p:nvGrpSpPr>
-        <p:cNvPr id="1" name=""/>
-        <p:cNvGrpSpPr/>
-        <p:nvPr/>
-      </p:nvGrpSpPr>
-      <p:grpSpPr>
-        <a:xfrm>
-          <a:off x="0" y="0"/>
-          <a:ext cx="0" cy="0"/>
-          <a:chOff x="0" y="0"/>
-          <a:chExt cx="0" cy="0"/>
-        </a:xfrm>
-      </p:grpSpPr>
-      <p:sp>
-        <p:nvSpPr>
-          <p:cNvPr id="2" name="Title 1"/>
-          <p:cNvSpPr>
-            <a:spLocks noGrp="1"/>
-          </p:cNvSpPr>
-          <p:nvPr>
-            <p:ph type="title"/>
-          </p:nvPr>
-        </p:nvSpPr>
-        <p:spPr/>
-        <p:txBody>
-          <a:bodyPr/>
-          <a:lstStyle/>
-          <a:p>
-            <a:r>
-              <a:rPr lang="de-CH" dirty="0" smtClean="0"/>
               <a:t>Task 10: MySQL</a:t>
             </a:r>
             <a:endParaRPr lang="en-GB" dirty="0"/>
@@ -4364,7 +5632,7 @@
           <p:nvPr/>
         </p:nvPicPr>
         <p:blipFill>
-          <a:blip r:embed="rId2">
+          <a:blip r:embed="rId3">
             <a:extLst>
               <a:ext uri="{28A0092B-C50C-407E-A947-70E740481C1C}">
                 <a14:useLocalDpi xmlns:a14="http://schemas.microsoft.com/office/drawing/2010/main" val="0"/>
@@ -4409,6 +5677,104 @@
 </p:sld>
 </file>
 
+<file path=ppt/slides/slide13.xml><?xml version="1.0" encoding="utf-8"?>
+<p:sld xmlns:a="http://schemas.openxmlformats.org/drawingml/2006/main" xmlns:r="http://schemas.openxmlformats.org/officeDocument/2006/relationships" xmlns:p="http://schemas.openxmlformats.org/presentationml/2006/main">
+  <p:cSld>
+    <p:spTree>
+      <p:nvGrpSpPr>
+        <p:cNvPr id="1" name=""/>
+        <p:cNvGrpSpPr/>
+        <p:nvPr/>
+      </p:nvGrpSpPr>
+      <p:grpSpPr>
+        <a:xfrm>
+          <a:off x="0" y="0"/>
+          <a:ext cx="0" cy="0"/>
+          <a:chOff x="0" y="0"/>
+          <a:chExt cx="0" cy="0"/>
+        </a:xfrm>
+      </p:grpSpPr>
+      <p:sp>
+        <p:nvSpPr>
+          <p:cNvPr id="2" name="Title 1"/>
+          <p:cNvSpPr>
+            <a:spLocks noGrp="1"/>
+          </p:cNvSpPr>
+          <p:nvPr>
+            <p:ph type="title"/>
+          </p:nvPr>
+        </p:nvSpPr>
+        <p:spPr/>
+        <p:txBody>
+          <a:bodyPr/>
+          <a:lstStyle/>
+          <a:p>
+            <a:r>
+              <a:rPr lang="de-CH" smtClean="0"/>
+              <a:t>Task 11: Web Service</a:t>
+            </a:r>
+            <a:endParaRPr lang="en-GB"/>
+          </a:p>
+        </p:txBody>
+      </p:sp>
+      <p:sp>
+        <p:nvSpPr>
+          <p:cNvPr id="3" name="Content Placeholder 2"/>
+          <p:cNvSpPr>
+            <a:spLocks noGrp="1"/>
+          </p:cNvSpPr>
+          <p:nvPr>
+            <p:ph idx="1"/>
+          </p:nvPr>
+        </p:nvSpPr>
+        <p:spPr/>
+        <p:txBody>
+          <a:bodyPr/>
+          <a:lstStyle/>
+          <a:p>
+            <a:r>
+              <a:rPr lang="de-CH" dirty="0" smtClean="0"/>
+              <a:t>Yahoo </a:t>
+            </a:r>
+            <a:r>
+              <a:rPr lang="de-CH" dirty="0" err="1" smtClean="0"/>
+              <a:t>Weather</a:t>
+            </a:r>
+            <a:endParaRPr lang="de-CH" dirty="0" smtClean="0"/>
+          </a:p>
+          <a:p>
+            <a:pPr lvl="1"/>
+            <a:r>
+              <a:rPr lang="de-CH" dirty="0" err="1" smtClean="0"/>
+              <a:t>cURL</a:t>
+            </a:r>
+            <a:r>
+              <a:rPr lang="de-CH" dirty="0" smtClean="0"/>
+              <a:t> Query</a:t>
+            </a:r>
+          </a:p>
+          <a:p>
+            <a:pPr lvl="1"/>
+            <a:r>
+              <a:rPr lang="de-CH" dirty="0" smtClean="0"/>
+              <a:t>JSON Rückgabe</a:t>
+            </a:r>
+          </a:p>
+        </p:txBody>
+      </p:sp>
+    </p:spTree>
+    <p:extLst>
+      <p:ext uri="{BB962C8B-B14F-4D97-AF65-F5344CB8AC3E}">
+        <p14:creationId xmlns:p14="http://schemas.microsoft.com/office/powerpoint/2010/main" val="4279117317"/>
+      </p:ext>
+    </p:extLst>
+  </p:cSld>
+  <p:clrMapOvr>
+    <a:masterClrMapping/>
+  </p:clrMapOvr>
+</p:sld>
+</file>
+
 <file path=ppt/slides/slide14.xml><?xml version="1.0" encoding="utf-8"?>
 <p:sld xmlns:a="http://schemas.openxmlformats.org/drawingml/2006/main" xmlns:r="http://schemas.openxmlformats.org/officeDocument/2006/relationships" xmlns:p="http://schemas.openxmlformats.org/presentationml/2006/main">
   <p:cSld>
@@ -4428,7 +5794,7 @@
       </p:grpSpPr>
       <p:sp>
         <p:nvSpPr>
-          <p:cNvPr id="2" name="Title 1"/>
+          <p:cNvPr id="2" name="Titel 1"/>
           <p:cNvSpPr>
             <a:spLocks noGrp="1"/>
           </p:cNvSpPr>
@@ -4442,16 +5808,23 @@
           <a:lstStyle/>
           <a:p>
             <a:r>
-              <a:rPr lang="de-CH" smtClean="0"/>
-              <a:t>Task 11: Web Service</a:t>
-            </a:r>
-            <a:endParaRPr lang="en-GB"/>
-          </a:p>
-        </p:txBody>
-      </p:sp>
-      <p:sp>
-        <p:nvSpPr>
-          <p:cNvPr id="3" name="Content Placeholder 2"/>
+              <a:rPr lang="de-CH" dirty="0"/>
+              <a:t>Task 12: XML, AJAX, </a:t>
+            </a:r>
+            <a:r>
+              <a:rPr lang="de-CH" dirty="0" smtClean="0"/>
+              <a:t>HTML, </a:t>
+            </a:r>
+            <a:r>
+              <a:rPr lang="de-CH" dirty="0"/>
+              <a:t>RegEx</a:t>
+            </a:r>
+          </a:p>
+        </p:txBody>
+      </p:sp>
+      <p:sp>
+        <p:nvSpPr>
+          <p:cNvPr id="3" name="Inhaltsplatzhalter 2"/>
           <p:cNvSpPr>
             <a:spLocks noGrp="1"/>
           </p:cNvSpPr>
@@ -4466,16 +5839,188 @@
           <a:p>
             <a:r>
               <a:rPr lang="de-CH" dirty="0" smtClean="0"/>
-              <a:t>Yahoo</a:t>
-            </a:r>
-            <a:endParaRPr lang="en-GB" dirty="0"/>
+              <a:t>Dynamischer Aufbau der </a:t>
+            </a:r>
+            <a:r>
+              <a:rPr lang="de-CH" dirty="0" err="1" smtClean="0"/>
+              <a:t>Suchresultrate</a:t>
+            </a:r>
+            <a:r>
+              <a:rPr lang="de-CH" dirty="0" smtClean="0"/>
+              <a:t> gemäss Suchmuster</a:t>
+            </a:r>
+          </a:p>
+          <a:p>
+            <a:pPr lvl="1"/>
+            <a:r>
+              <a:rPr lang="de-CH" dirty="0" smtClean="0"/>
+              <a:t>1. Form </a:t>
+            </a:r>
+            <a:r>
+              <a:rPr lang="de-CH" dirty="0" err="1" smtClean="0"/>
+              <a:t>onkeyup</a:t>
+            </a:r>
+            <a:r>
+              <a:rPr lang="de-CH" dirty="0"/>
+              <a:t>="</a:t>
+            </a:r>
+            <a:r>
+              <a:rPr lang="de-CH" dirty="0" err="1"/>
+              <a:t>getHint</a:t>
+            </a:r>
+            <a:r>
+              <a:rPr lang="de-CH" dirty="0"/>
+              <a:t>(</a:t>
+            </a:r>
+            <a:r>
+              <a:rPr lang="de-CH" dirty="0" err="1"/>
+              <a:t>this.value</a:t>
+            </a:r>
+            <a:r>
+              <a:rPr lang="de-CH" dirty="0" smtClean="0"/>
+              <a:t>);"</a:t>
+            </a:r>
+          </a:p>
+          <a:p>
+            <a:pPr lvl="1"/>
+            <a:r>
+              <a:rPr lang="de-CH" dirty="0" smtClean="0"/>
+              <a:t>2. </a:t>
+            </a:r>
+            <a:r>
+              <a:rPr lang="de-CH" dirty="0" err="1" smtClean="0"/>
+              <a:t>Js</a:t>
+            </a:r>
+            <a:r>
+              <a:rPr lang="de-CH" dirty="0" smtClean="0"/>
+              <a:t>: </a:t>
+            </a:r>
+            <a:r>
+              <a:rPr lang="de-CH" dirty="0" err="1" smtClean="0"/>
+              <a:t>xmlhttp</a:t>
+            </a:r>
+            <a:r>
+              <a:rPr lang="de-CH" dirty="0" smtClean="0"/>
+              <a:t> </a:t>
+            </a:r>
+            <a:r>
+              <a:rPr lang="de-CH" dirty="0"/>
+              <a:t>= </a:t>
+            </a:r>
+            <a:r>
+              <a:rPr lang="de-CH" b="1" dirty="0" err="1"/>
+              <a:t>new</a:t>
+            </a:r>
+            <a:r>
+              <a:rPr lang="de-CH" b="1" dirty="0"/>
+              <a:t> </a:t>
+            </a:r>
+            <a:r>
+              <a:rPr lang="de-CH" b="1" dirty="0" err="1"/>
+              <a:t>XMLHttpRequest</a:t>
+            </a:r>
+            <a:r>
+              <a:rPr lang="de-CH" b="1" dirty="0" smtClean="0"/>
+              <a:t>();</a:t>
+            </a:r>
+          </a:p>
+          <a:p>
+            <a:pPr lvl="1"/>
+            <a:r>
+              <a:rPr lang="de-CH" dirty="0" smtClean="0"/>
+              <a:t>3. PHP: DB-Connect und Ausgabe</a:t>
+            </a:r>
+          </a:p>
+          <a:p>
+            <a:pPr lvl="1"/>
+            <a:endParaRPr lang="de-CH" dirty="0"/>
+          </a:p>
+          <a:p>
+            <a:r>
+              <a:rPr lang="de-CH" dirty="0" err="1" smtClean="0"/>
+              <a:t>RegEx</a:t>
+            </a:r>
+            <a:r>
+              <a:rPr lang="de-CH" dirty="0"/>
+              <a:t> </a:t>
+            </a:r>
+            <a:r>
+              <a:rPr lang="de-CH" dirty="0" smtClean="0"/>
+              <a:t>- Form Validation</a:t>
+            </a:r>
+          </a:p>
+          <a:p>
+            <a:pPr lvl="1"/>
+            <a:r>
+              <a:rPr lang="de-CH" dirty="0" err="1"/>
+              <a:t>v</a:t>
+            </a:r>
+            <a:r>
+              <a:rPr lang="de-CH" dirty="0" err="1" smtClean="0"/>
+              <a:t>alidateNumeric</a:t>
+            </a:r>
+            <a:r>
+              <a:rPr lang="de-CH" dirty="0" smtClean="0"/>
+              <a:t> /^[</a:t>
+            </a:r>
+            <a:r>
+              <a:rPr lang="de-CH" dirty="0"/>
+              <a:t>0-9</a:t>
+            </a:r>
+            <a:r>
+              <a:rPr lang="de-CH" dirty="0" smtClean="0"/>
+              <a:t>]+$/</a:t>
+            </a:r>
+          </a:p>
+          <a:p>
+            <a:pPr lvl="1"/>
+            <a:r>
+              <a:rPr lang="de-CH" dirty="0" err="1" smtClean="0"/>
+              <a:t>E-mail</a:t>
+            </a:r>
+            <a:r>
+              <a:rPr lang="de-CH" dirty="0" smtClean="0"/>
+              <a:t> </a:t>
+            </a:r>
+            <a:r>
+              <a:rPr lang="de-CH" dirty="0"/>
+              <a:t>/[-0-9a-zA-Z.+_]+@[-0-9a-zA-Z.+_]+\.[a-</a:t>
+            </a:r>
+            <a:r>
+              <a:rPr lang="de-CH" dirty="0" err="1"/>
+              <a:t>zA</a:t>
+            </a:r>
+            <a:r>
+              <a:rPr lang="de-CH" dirty="0"/>
+              <a:t>-Z]{2,4</a:t>
+            </a:r>
+            <a:r>
+              <a:rPr lang="de-CH" dirty="0" smtClean="0"/>
+              <a:t>}/</a:t>
+            </a:r>
+          </a:p>
+          <a:p>
+            <a:pPr lvl="1"/>
+            <a:r>
+              <a:rPr lang="de-CH" dirty="0" err="1" smtClean="0"/>
+              <a:t>Length</a:t>
+            </a:r>
+            <a:r>
+              <a:rPr lang="de-CH" dirty="0" smtClean="0"/>
+              <a:t> </a:t>
+            </a:r>
+            <a:r>
+              <a:rPr lang="de-CH" dirty="0"/>
+              <a:t>/^\d{10}$/</a:t>
+            </a:r>
+            <a:endParaRPr lang="de-CH" dirty="0" smtClean="0"/>
           </a:p>
         </p:txBody>
       </p:sp>
     </p:spTree>
     <p:extLst>
       <p:ext uri="{BB962C8B-B14F-4D97-AF65-F5344CB8AC3E}">
-        <p14:creationId xmlns:p14="http://schemas.microsoft.com/office/powerpoint/2010/main" val="4279117317"/>
+        <p14:creationId xmlns:p14="http://schemas.microsoft.com/office/powerpoint/2010/main" val="665064297"/>
       </p:ext>
     </p:extLst>
   </p:cSld>
@@ -4518,9 +6063,10 @@
           <a:lstStyle/>
           <a:p>
             <a:r>
-              <a:rPr lang="de-CH" dirty="0"/>
-              <a:t>Task 12: XML, AJAX, HTML Templates, RegEx</a:t>
-            </a:r>
+              <a:rPr lang="de-CH" dirty="0" smtClean="0"/>
+              <a:t>Demo</a:t>
+            </a:r>
+            <a:endParaRPr lang="de-CH" dirty="0"/>
           </a:p>
         </p:txBody>
       </p:sp>
@@ -4539,14 +6085,83 @@
           <a:bodyPr/>
           <a:lstStyle/>
           <a:p>
+            <a:r>
+              <a:rPr lang="de-CH" dirty="0">
+                <a:hlinkClick r:id="rId3"/>
+              </a:rPr>
+              <a:t>http://</a:t>
+            </a:r>
+            <a:r>
+              <a:rPr lang="de-CH" dirty="0" smtClean="0">
+                <a:hlinkClick r:id="rId3"/>
+              </a:rPr>
+              <a:t>localhost/webshop/ch.bfh.bti7054.w2014.p.beerwebshop/index.php</a:t>
+            </a:r>
+            <a:endParaRPr lang="de-CH" dirty="0" smtClean="0"/>
+          </a:p>
+          <a:p>
             <a:endParaRPr lang="de-CH" dirty="0"/>
           </a:p>
         </p:txBody>
       </p:sp>
+      <p:pic>
+        <p:nvPicPr>
+          <p:cNvPr id="2050" name="Picture 2"/>
+          <p:cNvPicPr>
+            <a:picLocks noChangeAspect="1" noChangeArrowheads="1"/>
+          </p:cNvPicPr>
+          <p:nvPr/>
+        </p:nvPicPr>
+        <p:blipFill>
+          <a:blip r:embed="rId4">
+            <a:extLst>
+              <a:ext uri="{28A0092B-C50C-407E-A947-70E740481C1C}">
+                <a14:useLocalDpi xmlns:a14="http://schemas.microsoft.com/office/drawing/2010/main" val="0"/>
+              </a:ext>
+            </a:extLst>
+          </a:blip>
+          <a:srcRect/>
+          <a:stretch>
+            <a:fillRect/>
+          </a:stretch>
+        </p:blipFill>
+        <p:spPr bwMode="auto">
+          <a:xfrm>
+            <a:off x="899592" y="2708920"/>
+            <a:ext cx="6798055" cy="3109144"/>
+          </a:xfrm>
+          <a:prstGeom prst="rect">
+            <a:avLst/>
+          </a:prstGeom>
+          <a:noFill/>
+          <a:ln>
+            <a:noFill/>
+          </a:ln>
+          <a:extLst>
+            <a:ext uri="{909E8E84-426E-40DD-AFC4-6F175D3DCCD1}">
+              <a14:hiddenFill xmlns:a14="http://schemas.microsoft.com/office/drawing/2010/main">
+                <a:solidFill>
+                  <a:schemeClr val="accent1"/>
+                </a:solidFill>
+              </a14:hiddenFill>
+            </a:ext>
+            <a:ext uri="{91240B29-F687-4F45-9708-019B960494DF}">
+              <a14:hiddenLine xmlns:a14="http://schemas.microsoft.com/office/drawing/2010/main" w="9525">
+                <a:solidFill>
+                  <a:schemeClr val="tx1"/>
+                </a:solidFill>
+                <a:miter lim="800000"/>
+                <a:headEnd/>
+                <a:tailEnd/>
+              </a14:hiddenLine>
+            </a:ext>
+          </a:extLst>
+        </p:spPr>
+      </p:pic>
     </p:spTree>
     <p:extLst>
       <p:ext uri="{BB962C8B-B14F-4D97-AF65-F5344CB8AC3E}">
-        <p14:creationId xmlns:p14="http://schemas.microsoft.com/office/powerpoint/2010/main" val="665064297"/>
+        <p14:creationId xmlns:p14="http://schemas.microsoft.com/office/powerpoint/2010/main" val="1454725785"/>
       </p:ext>
     </p:extLst>
   </p:cSld>
@@ -4590,7 +6205,7 @@
           <a:p>
             <a:r>
               <a:rPr lang="de-CH" dirty="0" smtClean="0"/>
-              <a:t>Team	</a:t>
+              <a:t>Lessons learnt</a:t>
             </a:r>
             <a:endParaRPr lang="de-CH" dirty="0"/>
           </a:p>
@@ -4613,7 +6228,69 @@
           <a:p>
             <a:r>
               <a:rPr lang="de-CH" dirty="0" smtClean="0"/>
-              <a:t>Gut geklappt</a:t>
+              <a:t>+</a:t>
+            </a:r>
+          </a:p>
+          <a:p>
+            <a:r>
+              <a:rPr lang="de-CH" dirty="0" smtClean="0"/>
+              <a:t>Allgemeine Grundkenntnisse Web</a:t>
+            </a:r>
+          </a:p>
+          <a:p>
+            <a:r>
+              <a:rPr lang="de-CH" dirty="0" smtClean="0"/>
+              <a:t>Organisierte Struktur</a:t>
+            </a:r>
+          </a:p>
+          <a:p>
+            <a:endParaRPr lang="de-CH" dirty="0" smtClean="0"/>
+          </a:p>
+          <a:p>
+            <a:pPr marL="114300" indent="0">
+              <a:buNone/>
+            </a:pPr>
+            <a:endParaRPr lang="de-CH" dirty="0" smtClean="0"/>
+          </a:p>
+          <a:p>
+            <a:r>
+              <a:rPr lang="de-CH" dirty="0" smtClean="0"/>
+              <a:t>-</a:t>
+            </a:r>
+            <a:endParaRPr lang="de-CH" dirty="0"/>
+          </a:p>
+          <a:p>
+            <a:r>
+              <a:rPr lang="de-CH" dirty="0" err="1" smtClean="0"/>
+              <a:t>Javascript</a:t>
+            </a:r>
+            <a:r>
+              <a:rPr lang="de-CH" dirty="0" smtClean="0"/>
+              <a:t> OO </a:t>
+            </a:r>
+            <a:r>
+              <a:rPr lang="de-CH" dirty="0" smtClean="0"/>
+              <a:t>erfordert ein Umdenken</a:t>
+            </a:r>
+          </a:p>
+          <a:p>
+            <a:r>
+              <a:rPr lang="de-CH" dirty="0" smtClean="0"/>
+              <a:t>CSS-Framework </a:t>
+            </a:r>
+            <a:r>
+              <a:rPr lang="de-CH" dirty="0" smtClean="0"/>
+              <a:t>verwenden</a:t>
+            </a:r>
+          </a:p>
+          <a:p>
+            <a:r>
+              <a:rPr lang="de-CH" dirty="0" smtClean="0"/>
+              <a:t>Web Service </a:t>
+            </a:r>
+            <a:r>
+              <a:rPr lang="de-CH" dirty="0" smtClean="0"/>
+              <a:t>ist mühsam</a:t>
             </a:r>
             <a:endParaRPr lang="de-CH" dirty="0"/>
           </a:p>
@@ -4622,7 +6299,7 @@
     </p:spTree>
     <p:extLst>
       <p:ext uri="{BB962C8B-B14F-4D97-AF65-F5344CB8AC3E}">
-        <p14:creationId xmlns:p14="http://schemas.microsoft.com/office/powerpoint/2010/main" val="3651541254"/>
+        <p14:creationId xmlns:p14="http://schemas.microsoft.com/office/powerpoint/2010/main" val="2687882296"/>
       </p:ext>
     </p:extLst>
   </p:cSld>
@@ -4666,167 +6343,9 @@
           <a:p>
             <a:r>
               <a:rPr lang="de-CH" dirty="0" smtClean="0"/>
-              <a:t>Lessons learnt</a:t>
+              <a:t>Fragen?</a:t>
             </a:r>
             <a:endParaRPr lang="de-CH" dirty="0"/>
-          </a:p>
-        </p:txBody>
-      </p:sp>
-      <p:sp>
-        <p:nvSpPr>
-          <p:cNvPr id="3" name="Inhaltsplatzhalter 2"/>
-          <p:cNvSpPr>
-            <a:spLocks noGrp="1"/>
-          </p:cNvSpPr>
-          <p:nvPr>
-            <p:ph idx="1"/>
-          </p:nvPr>
-        </p:nvSpPr>
-        <p:spPr/>
-        <p:txBody>
-          <a:bodyPr/>
-          <a:lstStyle/>
-          <a:p>
-            <a:r>
-              <a:rPr lang="de-CH" dirty="0" smtClean="0"/>
-              <a:t>+</a:t>
-            </a:r>
-          </a:p>
-          <a:p>
-            <a:r>
-              <a:rPr lang="de-CH" dirty="0" smtClean="0"/>
-              <a:t>Allgemeine Grundkenntnisse Web</a:t>
-            </a:r>
-          </a:p>
-          <a:p>
-            <a:r>
-              <a:rPr lang="de-CH" dirty="0" smtClean="0"/>
-              <a:t>Organisierte Struktur</a:t>
-            </a:r>
-          </a:p>
-          <a:p>
-            <a:endParaRPr lang="de-CH" dirty="0" smtClean="0"/>
-          </a:p>
-          <a:p>
-            <a:endParaRPr lang="de-CH" dirty="0"/>
-          </a:p>
-          <a:p>
-            <a:endParaRPr lang="de-CH" dirty="0" smtClean="0"/>
-          </a:p>
-          <a:p>
-            <a:r>
-              <a:rPr lang="de-CH" dirty="0" smtClean="0"/>
-              <a:t>-</a:t>
-            </a:r>
-            <a:endParaRPr lang="de-CH" dirty="0"/>
-          </a:p>
-          <a:p>
-            <a:r>
-              <a:rPr lang="de-CH" dirty="0" err="1" smtClean="0"/>
-              <a:t>Javascript</a:t>
-            </a:r>
-            <a:r>
-              <a:rPr lang="de-CH" dirty="0" smtClean="0"/>
-              <a:t> OO </a:t>
-            </a:r>
-            <a:r>
-              <a:rPr lang="de-CH" dirty="0" err="1" smtClean="0"/>
-              <a:t>isch</a:t>
-            </a:r>
-            <a:r>
-              <a:rPr lang="de-CH" dirty="0" smtClean="0"/>
-              <a:t> </a:t>
-            </a:r>
-            <a:r>
-              <a:rPr lang="de-CH" dirty="0" err="1" smtClean="0"/>
-              <a:t>crap</a:t>
-            </a:r>
-            <a:endParaRPr lang="de-CH" dirty="0" smtClean="0"/>
-          </a:p>
-          <a:p>
-            <a:r>
-              <a:rPr lang="de-CH" dirty="0" smtClean="0"/>
-              <a:t>CSS-Framework verwenden</a:t>
-            </a:r>
-          </a:p>
-          <a:p>
-            <a:r>
-              <a:rPr lang="de-CH" dirty="0" smtClean="0"/>
-              <a:t>Web Service isch ä fucking pain in the ass</a:t>
-            </a:r>
-            <a:endParaRPr lang="de-CH" dirty="0"/>
-          </a:p>
-        </p:txBody>
-      </p:sp>
-    </p:spTree>
-    <p:extLst>
-      <p:ext uri="{BB962C8B-B14F-4D97-AF65-F5344CB8AC3E}">
-        <p14:creationId xmlns:p14="http://schemas.microsoft.com/office/powerpoint/2010/main" val="2687882296"/>
-      </p:ext>
-    </p:extLst>
-  </p:cSld>
-  <p:clrMapOvr>
-    <a:masterClrMapping/>
-  </p:clrMapOvr>
-</p:sld>
-</file>
-
-<file path=ppt/slides/slide18.xml><?xml version="1.0" encoding="utf-8"?>
-<p:sld xmlns:a="http://schemas.openxmlformats.org/drawingml/2006/main" xmlns:r="http://schemas.openxmlformats.org/officeDocument/2006/relationships" xmlns:p="http://schemas.openxmlformats.org/presentationml/2006/main">
-  <p:cSld>
-    <p:spTree>
-      <p:nvGrpSpPr>
-        <p:cNvPr id="1" name=""/>
-        <p:cNvGrpSpPr/>
-        <p:nvPr/>
-      </p:nvGrpSpPr>
-      <p:grpSpPr>
-        <a:xfrm>
-          <a:off x="0" y="0"/>
-          <a:ext cx="0" cy="0"/>
-          <a:chOff x="0" y="0"/>
-          <a:chExt cx="0" cy="0"/>
-        </a:xfrm>
-      </p:grpSpPr>
-      <p:sp>
-        <p:nvSpPr>
-          <p:cNvPr id="2" name="Titel 1"/>
-          <p:cNvSpPr>
-            <a:spLocks noGrp="1"/>
-          </p:cNvSpPr>
-          <p:nvPr>
-            <p:ph type="title"/>
-          </p:nvPr>
-        </p:nvSpPr>
-        <p:spPr/>
-        <p:txBody>
-          <a:bodyPr/>
-          <a:lstStyle/>
-          <a:p>
-            <a:r>
-              <a:rPr lang="de-CH" dirty="0" smtClean="0"/>
-              <a:t>Fragen?</a:t>
-            </a:r>
-            <a:endParaRPr lang="de-CH" dirty="0"/>
-          </a:p>
-        </p:txBody>
-      </p:sp>
-      <p:sp>
-        <p:nvSpPr>
-          <p:cNvPr id="3" name="Inhaltsplatzhalter 2"/>
-          <p:cNvSpPr>
-            <a:spLocks noGrp="1"/>
-          </p:cNvSpPr>
-          <p:nvPr>
-            <p:ph idx="1"/>
-          </p:nvPr>
-        </p:nvSpPr>
-        <p:spPr/>
-        <p:txBody>
-          <a:bodyPr/>
-          <a:lstStyle/>
-          <a:p>
-            <a:endParaRPr lang="de-CH"/>
           </a:p>
         </p:txBody>
       </p:sp>
@@ -4900,31 +6419,39 @@
           <a:p>
             <a:r>
               <a:rPr lang="de-CH" dirty="0" smtClean="0"/>
+              <a:t>Technologien</a:t>
+            </a:r>
+            <a:endParaRPr lang="de-CH" dirty="0" smtClean="0"/>
+          </a:p>
+          <a:p>
+            <a:r>
+              <a:rPr lang="de-CH" dirty="0" smtClean="0"/>
+              <a:t>Implementierte </a:t>
+            </a:r>
+            <a:r>
+              <a:rPr lang="de-CH" dirty="0" smtClean="0"/>
+              <a:t>Features</a:t>
+            </a:r>
+          </a:p>
+          <a:p>
+            <a:r>
+              <a:rPr lang="de-CH" dirty="0" smtClean="0"/>
               <a:t>Demo</a:t>
             </a:r>
-          </a:p>
-          <a:p>
-            <a:r>
-              <a:rPr lang="de-CH" dirty="0" smtClean="0"/>
-              <a:t>Verwendete Technologien</a:t>
-            </a:r>
-          </a:p>
-          <a:p>
-            <a:r>
-              <a:rPr lang="de-CH" dirty="0" smtClean="0"/>
-              <a:t>Implementierte Features</a:t>
-            </a:r>
-          </a:p>
-          <a:p>
-            <a:r>
-              <a:rPr lang="de-CH" dirty="0" smtClean="0"/>
-              <a:t>Arbeiten im Team</a:t>
-            </a:r>
-          </a:p>
-          <a:p>
-            <a:r>
-              <a:rPr lang="de-CH" dirty="0" smtClean="0"/>
-              <a:t>Lessons learnt</a:t>
+            <a:endParaRPr lang="de-CH" dirty="0" smtClean="0"/>
+          </a:p>
+          <a:p>
+            <a:r>
+              <a:rPr lang="de-CH" dirty="0" err="1" smtClean="0"/>
+              <a:t>Lessons</a:t>
+            </a:r>
+            <a:r>
+              <a:rPr lang="de-CH" dirty="0" smtClean="0"/>
+              <a:t> </a:t>
+            </a:r>
+            <a:r>
+              <a:rPr lang="de-CH" dirty="0" smtClean="0"/>
+              <a:t>learnt</a:t>
             </a:r>
             <a:endParaRPr lang="de-CH" dirty="0"/>
           </a:p>
@@ -4977,7 +6504,7 @@
           <a:p>
             <a:r>
               <a:rPr lang="de-CH" dirty="0" smtClean="0"/>
-              <a:t>DEMO</a:t>
+              <a:t>Technologien</a:t>
             </a:r>
             <a:endParaRPr lang="de-CH" dirty="0"/>
           </a:p>
@@ -4998,21 +6525,52 @@
           <a:bodyPr/>
           <a:lstStyle/>
           <a:p>
+            <a:r>
+              <a:rPr lang="de-CH" smtClean="0"/>
+              <a:t>XAMPP / PHP / JavaScript / MySQL / HTML / AJAX</a:t>
+            </a:r>
+            <a:endParaRPr lang="de-CH" dirty="0" smtClean="0"/>
+          </a:p>
+          <a:p>
+            <a:endParaRPr lang="de-CH" dirty="0"/>
+          </a:p>
+          <a:p>
+            <a:r>
+              <a:rPr lang="de-CH" dirty="0" smtClean="0"/>
+              <a:t>PayPal API</a:t>
+            </a:r>
+          </a:p>
+          <a:p>
+            <a:pPr lvl="1"/>
             <a:r>
               <a:rPr lang="de-CH" dirty="0">
                 <a:hlinkClick r:id="rId3"/>
               </a:rPr>
-              <a:t>http://</a:t>
+              <a:t>https://</a:t>
             </a:r>
             <a:r>
               <a:rPr lang="de-CH" dirty="0" smtClean="0">
                 <a:hlinkClick r:id="rId3"/>
               </a:rPr>
-              <a:t>localhost/webshop/ch.bfh.bti7054.w2014.p.beerwebshop/index.php</a:t>
+              <a:t>www.sandbox.paypal.com</a:t>
             </a:r>
             <a:endParaRPr lang="de-CH" dirty="0" smtClean="0"/>
           </a:p>
           <a:p>
+            <a:endParaRPr lang="de-CH" dirty="0"/>
+          </a:p>
+          <a:p>
+            <a:r>
+              <a:rPr lang="de-CH" dirty="0" smtClean="0"/>
+              <a:t>Webservice </a:t>
+            </a:r>
+          </a:p>
+          <a:p>
+            <a:pPr lvl="1"/>
+            <a:r>
+              <a:rPr lang="de-CH" dirty="0" smtClean="0"/>
+              <a:t>Yahoo Weather</a:t>
+            </a:r>
             <a:endParaRPr lang="de-CH" dirty="0"/>
           </a:p>
         </p:txBody>
@@ -5020,7 +6578,7 @@
     </p:spTree>
     <p:extLst>
       <p:ext uri="{BB962C8B-B14F-4D97-AF65-F5344CB8AC3E}">
-        <p14:creationId xmlns:p14="http://schemas.microsoft.com/office/powerpoint/2010/main" val="670514453"/>
+        <p14:creationId xmlns:p14="http://schemas.microsoft.com/office/powerpoint/2010/main" val="797440309"/>
       </p:ext>
     </p:extLst>
   </p:cSld>
@@ -5049,124 +6607,6 @@
       </p:grpSpPr>
       <p:sp>
         <p:nvSpPr>
-          <p:cNvPr id="2" name="Titel 1"/>
-          <p:cNvSpPr>
-            <a:spLocks noGrp="1"/>
-          </p:cNvSpPr>
-          <p:nvPr>
-            <p:ph type="title"/>
-          </p:nvPr>
-        </p:nvSpPr>
-        <p:spPr/>
-        <p:txBody>
-          <a:bodyPr/>
-          <a:lstStyle/>
-          <a:p>
-            <a:r>
-              <a:rPr lang="de-CH" dirty="0" smtClean="0"/>
-              <a:t>Technologien</a:t>
-            </a:r>
-            <a:endParaRPr lang="de-CH" dirty="0"/>
-          </a:p>
-        </p:txBody>
-      </p:sp>
-      <p:sp>
-        <p:nvSpPr>
-          <p:cNvPr id="3" name="Inhaltsplatzhalter 2"/>
-          <p:cNvSpPr>
-            <a:spLocks noGrp="1"/>
-          </p:cNvSpPr>
-          <p:nvPr>
-            <p:ph idx="1"/>
-          </p:nvPr>
-        </p:nvSpPr>
-        <p:spPr/>
-        <p:txBody>
-          <a:bodyPr/>
-          <a:lstStyle/>
-          <a:p>
-            <a:r>
-              <a:rPr lang="de-CH" smtClean="0"/>
-              <a:t>XAMPP / PHP / JavaScript / MySQL / HTML / AJAX</a:t>
-            </a:r>
-            <a:endParaRPr lang="de-CH" dirty="0" smtClean="0"/>
-          </a:p>
-          <a:p>
-            <a:endParaRPr lang="de-CH" dirty="0"/>
-          </a:p>
-          <a:p>
-            <a:r>
-              <a:rPr lang="de-CH" dirty="0" smtClean="0"/>
-              <a:t>PayPal API</a:t>
-            </a:r>
-          </a:p>
-          <a:p>
-            <a:pPr lvl="1"/>
-            <a:r>
-              <a:rPr lang="de-CH" dirty="0">
-                <a:hlinkClick r:id="rId2"/>
-              </a:rPr>
-              <a:t>https://</a:t>
-            </a:r>
-            <a:r>
-              <a:rPr lang="de-CH" dirty="0" smtClean="0">
-                <a:hlinkClick r:id="rId2"/>
-              </a:rPr>
-              <a:t>www.sandbox.paypal.com</a:t>
-            </a:r>
-            <a:endParaRPr lang="de-CH" dirty="0" smtClean="0"/>
-          </a:p>
-          <a:p>
-            <a:endParaRPr lang="de-CH" dirty="0"/>
-          </a:p>
-          <a:p>
-            <a:r>
-              <a:rPr lang="de-CH" dirty="0" smtClean="0"/>
-              <a:t>Webservice </a:t>
-            </a:r>
-          </a:p>
-          <a:p>
-            <a:pPr lvl="1"/>
-            <a:r>
-              <a:rPr lang="de-CH" dirty="0" smtClean="0"/>
-              <a:t>Yahoo Weather</a:t>
-            </a:r>
-            <a:endParaRPr lang="de-CH" dirty="0"/>
-          </a:p>
-        </p:txBody>
-      </p:sp>
-    </p:spTree>
-    <p:extLst>
-      <p:ext uri="{BB962C8B-B14F-4D97-AF65-F5344CB8AC3E}">
-        <p14:creationId xmlns:p14="http://schemas.microsoft.com/office/powerpoint/2010/main" val="797440309"/>
-      </p:ext>
-    </p:extLst>
-  </p:cSld>
-  <p:clrMapOvr>
-    <a:masterClrMapping/>
-  </p:clrMapOvr>
-</p:sld>
-</file>
-
-<file path=ppt/slides/slide5.xml><?xml version="1.0" encoding="utf-8"?>
-<p:sld xmlns:a="http://schemas.openxmlformats.org/drawingml/2006/main" xmlns:r="http://schemas.openxmlformats.org/officeDocument/2006/relationships" xmlns:p="http://schemas.openxmlformats.org/presentationml/2006/main">
-  <p:cSld>
-    <p:spTree>
-      <p:nvGrpSpPr>
-        <p:cNvPr id="1" name=""/>
-        <p:cNvGrpSpPr/>
-        <p:nvPr/>
-      </p:nvGrpSpPr>
-      <p:grpSpPr>
-        <a:xfrm>
-          <a:off x="0" y="0"/>
-          <a:ext cx="0" cy="0"/>
-          <a:chOff x="0" y="0"/>
-          <a:chExt cx="0" cy="0"/>
-        </a:xfrm>
-      </p:grpSpPr>
-      <p:sp>
-        <p:nvSpPr>
           <p:cNvPr id="2" name="Title 1"/>
           <p:cNvSpPr>
             <a:spLocks noGrp="1"/>
@@ -5315,7 +6755,7 @@
 </p:sld>
 </file>
 
-<file path=ppt/slides/slide6.xml><?xml version="1.0" encoding="utf-8"?>
+<file path=ppt/slides/slide5.xml><?xml version="1.0" encoding="utf-8"?>
 <p:sld xmlns:a="http://schemas.openxmlformats.org/drawingml/2006/main" xmlns:r="http://schemas.openxmlformats.org/officeDocument/2006/relationships" xmlns:p="http://schemas.openxmlformats.org/presentationml/2006/main">
   <p:cSld>
     <p:spTree>
@@ -5409,7 +6849,7 @@
 </p:sld>
 </file>
 
-<file path=ppt/slides/slide7.xml><?xml version="1.0" encoding="utf-8"?>
+<file path=ppt/slides/slide6.xml><?xml version="1.0" encoding="utf-8"?>
 <p:sld xmlns:a="http://schemas.openxmlformats.org/drawingml/2006/main" xmlns:r="http://schemas.openxmlformats.org/officeDocument/2006/relationships" xmlns:p="http://schemas.openxmlformats.org/presentationml/2006/main">
   <p:cSld>
     <p:spTree>
@@ -5464,7 +6904,7 @@
           </p:nvPr>
         </p:nvPicPr>
         <p:blipFill>
-          <a:blip r:embed="rId2">
+          <a:blip r:embed="rId3">
             <a:extLst>
               <a:ext uri="{28A0092B-C50C-407E-A947-70E740481C1C}">
                 <a14:useLocalDpi xmlns:a14="http://schemas.microsoft.com/office/drawing/2010/main" val="0"/>
@@ -5522,6 +6962,110 @@
 </p:sld>
 </file>
 
+<file path=ppt/slides/slide7.xml><?xml version="1.0" encoding="utf-8"?>
+<p:sld xmlns:a="http://schemas.openxmlformats.org/drawingml/2006/main" xmlns:r="http://schemas.openxmlformats.org/officeDocument/2006/relationships" xmlns:p="http://schemas.openxmlformats.org/presentationml/2006/main">
+  <p:cSld>
+    <p:spTree>
+      <p:nvGrpSpPr>
+        <p:cNvPr id="1" name=""/>
+        <p:cNvGrpSpPr/>
+        <p:nvPr/>
+      </p:nvGrpSpPr>
+      <p:grpSpPr>
+        <a:xfrm>
+          <a:off x="0" y="0"/>
+          <a:ext cx="0" cy="0"/>
+          <a:chOff x="0" y="0"/>
+          <a:chExt cx="0" cy="0"/>
+        </a:xfrm>
+      </p:grpSpPr>
+      <p:sp>
+        <p:nvSpPr>
+          <p:cNvPr id="2" name="Title 1"/>
+          <p:cNvSpPr>
+            <a:spLocks noGrp="1"/>
+          </p:cNvSpPr>
+          <p:nvPr>
+            <p:ph type="title"/>
+          </p:nvPr>
+        </p:nvSpPr>
+        <p:spPr/>
+        <p:txBody>
+          <a:bodyPr/>
+          <a:lstStyle/>
+          <a:p>
+            <a:r>
+              <a:rPr lang="en-US" dirty="0"/>
+              <a:t>Task </a:t>
+            </a:r>
+            <a:r>
+              <a:rPr lang="en-US" dirty="0" smtClean="0"/>
+              <a:t>3: Design with CSS</a:t>
+            </a:r>
+            <a:endParaRPr lang="en-GB" dirty="0"/>
+          </a:p>
+        </p:txBody>
+      </p:sp>
+      <p:sp>
+        <p:nvSpPr>
+          <p:cNvPr id="3" name="Content Placeholder 2"/>
+          <p:cNvSpPr>
+            <a:spLocks noGrp="1"/>
+          </p:cNvSpPr>
+          <p:nvPr>
+            <p:ph idx="1"/>
+          </p:nvPr>
+        </p:nvSpPr>
+        <p:spPr/>
+        <p:txBody>
+          <a:bodyPr/>
+          <a:lstStyle/>
+          <a:p>
+            <a:r>
+              <a:rPr lang="de-CH" dirty="0" smtClean="0"/>
+              <a:t>Klassen um ähnliche Elemente zu gruppieren</a:t>
+            </a:r>
+          </a:p>
+          <a:p>
+            <a:r>
+              <a:rPr lang="de-CH" dirty="0" err="1" smtClean="0"/>
+              <a:t>ID’s</a:t>
+            </a:r>
+            <a:r>
+              <a:rPr lang="de-CH" dirty="0" smtClean="0"/>
+              <a:t> für spezifisches  </a:t>
+            </a:r>
+            <a:r>
+              <a:rPr lang="de-CH" dirty="0" err="1" smtClean="0"/>
+              <a:t>styling</a:t>
+            </a:r>
+            <a:endParaRPr lang="de-CH" dirty="0" smtClean="0"/>
+          </a:p>
+          <a:p>
+            <a:endParaRPr lang="de-CH" dirty="0"/>
+          </a:p>
+          <a:p>
+            <a:r>
+              <a:rPr lang="de-CH" dirty="0" smtClean="0"/>
+              <a:t>Trennung </a:t>
+            </a:r>
+            <a:endParaRPr lang="en-GB" dirty="0"/>
+          </a:p>
+        </p:txBody>
+      </p:sp>
+    </p:spTree>
+    <p:extLst>
+      <p:ext uri="{BB962C8B-B14F-4D97-AF65-F5344CB8AC3E}">
+        <p14:creationId xmlns:p14="http://schemas.microsoft.com/office/powerpoint/2010/main" val="4094009332"/>
+      </p:ext>
+    </p:extLst>
+  </p:cSld>
+  <p:clrMapOvr>
+    <a:masterClrMapping/>
+  </p:clrMapOvr>
+</p:sld>
+</file>
+
 <file path=ppt/slides/slide8.xml><?xml version="1.0" encoding="utf-8"?>
 <p:sld xmlns:a="http://schemas.openxmlformats.org/drawingml/2006/main" xmlns:r="http://schemas.openxmlformats.org/officeDocument/2006/relationships" xmlns:p="http://schemas.openxmlformats.org/presentationml/2006/main">
   <p:cSld>
@@ -5555,86 +7099,6 @@
           <a:lstStyle/>
           <a:p>
             <a:r>
-              <a:rPr lang="en-US" dirty="0"/>
-              <a:t>Task </a:t>
-            </a:r>
-            <a:r>
-              <a:rPr lang="en-US" dirty="0" smtClean="0"/>
-              <a:t>3: Design with CSS</a:t>
-            </a:r>
-            <a:endParaRPr lang="en-GB" dirty="0"/>
-          </a:p>
-        </p:txBody>
-      </p:sp>
-      <p:sp>
-        <p:nvSpPr>
-          <p:cNvPr id="3" name="Content Placeholder 2"/>
-          <p:cNvSpPr>
-            <a:spLocks noGrp="1"/>
-          </p:cNvSpPr>
-          <p:nvPr>
-            <p:ph idx="1"/>
-          </p:nvPr>
-        </p:nvSpPr>
-        <p:spPr/>
-        <p:txBody>
-          <a:bodyPr/>
-          <a:lstStyle/>
-          <a:p>
-            <a:r>
-              <a:rPr lang="de-CH" dirty="0" smtClean="0"/>
-              <a:t>Bootstrap benutzt oder anderes so täil</a:t>
-            </a:r>
-            <a:endParaRPr lang="en-GB" dirty="0"/>
-          </a:p>
-        </p:txBody>
-      </p:sp>
-    </p:spTree>
-    <p:extLst>
-      <p:ext uri="{BB962C8B-B14F-4D97-AF65-F5344CB8AC3E}">
-        <p14:creationId xmlns:p14="http://schemas.microsoft.com/office/powerpoint/2010/main" val="4094009332"/>
-      </p:ext>
-    </p:extLst>
-  </p:cSld>
-  <p:clrMapOvr>
-    <a:masterClrMapping/>
-  </p:clrMapOvr>
-</p:sld>
-</file>
-
-<file path=ppt/slides/slide9.xml><?xml version="1.0" encoding="utf-8"?>
-<p:sld xmlns:a="http://schemas.openxmlformats.org/drawingml/2006/main" xmlns:r="http://schemas.openxmlformats.org/officeDocument/2006/relationships" xmlns:p="http://schemas.openxmlformats.org/presentationml/2006/main">
-  <p:cSld>
-    <p:spTree>
-      <p:nvGrpSpPr>
-        <p:cNvPr id="1" name=""/>
-        <p:cNvGrpSpPr/>
-        <p:nvPr/>
-      </p:nvGrpSpPr>
-      <p:grpSpPr>
-        <a:xfrm>
-          <a:off x="0" y="0"/>
-          <a:ext cx="0" cy="0"/>
-          <a:chOff x="0" y="0"/>
-          <a:chExt cx="0" cy="0"/>
-        </a:xfrm>
-      </p:grpSpPr>
-      <p:sp>
-        <p:nvSpPr>
-          <p:cNvPr id="2" name="Title 1"/>
-          <p:cNvSpPr>
-            <a:spLocks noGrp="1"/>
-          </p:cNvSpPr>
-          <p:nvPr>
-            <p:ph type="title"/>
-          </p:nvPr>
-        </p:nvSpPr>
-        <p:spPr/>
-        <p:txBody>
-          <a:bodyPr/>
-          <a:lstStyle/>
-          <a:p>
-            <a:r>
               <a:rPr lang="de-CH" dirty="0" smtClean="0"/>
               <a:t>Task 4/5/6: PHP</a:t>
             </a:r>
@@ -5706,7 +7170,7 @@
           <p:nvPr/>
         </p:nvPicPr>
         <p:blipFill>
-          <a:blip r:embed="rId2" cstate="print">
+          <a:blip r:embed="rId3" cstate="print">
             <a:extLst>
               <a:ext uri="{28A0092B-C50C-407E-A947-70E740481C1C}">
                 <a14:useLocalDpi xmlns:a14="http://schemas.microsoft.com/office/drawing/2010/main" val="0"/>
@@ -5755,6 +7219,150 @@
     <p:extLst>
       <p:ext uri="{BB962C8B-B14F-4D97-AF65-F5344CB8AC3E}">
         <p14:creationId xmlns:p14="http://schemas.microsoft.com/office/powerpoint/2010/main" val="783007096"/>
+      </p:ext>
+    </p:extLst>
+  </p:cSld>
+  <p:clrMapOvr>
+    <a:masterClrMapping/>
+  </p:clrMapOvr>
+</p:sld>
+</file>
+
+<file path=ppt/slides/slide9.xml><?xml version="1.0" encoding="utf-8"?>
+<p:sld xmlns:a="http://schemas.openxmlformats.org/drawingml/2006/main" xmlns:r="http://schemas.openxmlformats.org/officeDocument/2006/relationships" xmlns:p="http://schemas.openxmlformats.org/presentationml/2006/main">
+  <p:cSld>
+    <p:spTree>
+      <p:nvGrpSpPr>
+        <p:cNvPr id="1" name=""/>
+        <p:cNvGrpSpPr/>
+        <p:nvPr/>
+      </p:nvGrpSpPr>
+      <p:grpSpPr>
+        <a:xfrm>
+          <a:off x="0" y="0"/>
+          <a:ext cx="0" cy="0"/>
+          <a:chOff x="0" y="0"/>
+          <a:chExt cx="0" cy="0"/>
+        </a:xfrm>
+      </p:grpSpPr>
+      <p:sp>
+        <p:nvSpPr>
+          <p:cNvPr id="2" name="Titel 1"/>
+          <p:cNvSpPr>
+            <a:spLocks noGrp="1"/>
+          </p:cNvSpPr>
+          <p:nvPr>
+            <p:ph type="title"/>
+          </p:nvPr>
+        </p:nvSpPr>
+        <p:spPr/>
+        <p:txBody>
+          <a:bodyPr/>
+          <a:lstStyle/>
+          <a:p>
+            <a:r>
+              <a:rPr lang="de-CH" dirty="0"/>
+              <a:t>Task </a:t>
+            </a:r>
+            <a:r>
+              <a:rPr lang="de-CH" dirty="0" smtClean="0"/>
+              <a:t>7: </a:t>
+            </a:r>
+            <a:r>
+              <a:rPr lang="en-GB" dirty="0" smtClean="0"/>
+              <a:t>JavaScript</a:t>
+            </a:r>
+            <a:endParaRPr lang="de-CH" dirty="0"/>
+          </a:p>
+        </p:txBody>
+      </p:sp>
+      <p:sp>
+        <p:nvSpPr>
+          <p:cNvPr id="3" name="Inhaltsplatzhalter 2"/>
+          <p:cNvSpPr>
+            <a:spLocks noGrp="1"/>
+          </p:cNvSpPr>
+          <p:nvPr>
+            <p:ph idx="1"/>
+          </p:nvPr>
+        </p:nvSpPr>
+        <p:spPr/>
+        <p:txBody>
+          <a:bodyPr/>
+          <a:lstStyle/>
+          <a:p>
+            <a:r>
+              <a:rPr lang="de-CH" dirty="0" smtClean="0"/>
+              <a:t>Form Validation</a:t>
+            </a:r>
+          </a:p>
+          <a:p>
+            <a:pPr lvl="1"/>
+            <a:r>
+              <a:rPr lang="de-CH" dirty="0" smtClean="0"/>
+              <a:t>Phone/Mobile </a:t>
+            </a:r>
+            <a:r>
+              <a:rPr lang="de-CH" dirty="0" err="1" smtClean="0"/>
+              <a:t>numbers</a:t>
+            </a:r>
+            <a:endParaRPr lang="de-CH" dirty="0" smtClean="0"/>
+          </a:p>
+          <a:p>
+            <a:pPr lvl="1"/>
+            <a:r>
+              <a:rPr lang="de-CH" dirty="0" smtClean="0"/>
+              <a:t>E-Mail Adressen</a:t>
+            </a:r>
+          </a:p>
+          <a:p>
+            <a:pPr lvl="1"/>
+            <a:r>
+              <a:rPr lang="de-CH" dirty="0" smtClean="0"/>
+              <a:t>Strasse, PLZ, Ort</a:t>
+            </a:r>
+          </a:p>
+          <a:p>
+            <a:pPr lvl="1"/>
+            <a:r>
+              <a:rPr lang="de-CH" dirty="0" smtClean="0"/>
+              <a:t>Passwort</a:t>
+            </a:r>
+          </a:p>
+          <a:p>
+            <a:pPr lvl="1"/>
+            <a:endParaRPr lang="de-CH" dirty="0"/>
+          </a:p>
+          <a:p>
+            <a:pPr lvl="1"/>
+            <a:r>
+              <a:rPr lang="de-CH" dirty="0" smtClean="0"/>
+              <a:t>Validation gemäss Input-Name</a:t>
+            </a:r>
+          </a:p>
+          <a:p>
+            <a:pPr lvl="1"/>
+            <a:endParaRPr lang="de-CH" dirty="0" smtClean="0"/>
+          </a:p>
+          <a:p>
+            <a:r>
+              <a:rPr lang="de-CH" dirty="0" smtClean="0"/>
+              <a:t>Formular wird nur bei korrekten Eingaben übermittelt</a:t>
+            </a:r>
+            <a:endParaRPr lang="de-CH" dirty="0" smtClean="0"/>
+          </a:p>
+          <a:p>
+            <a:endParaRPr lang="de-CH" dirty="0"/>
+          </a:p>
+          <a:p>
+            <a:endParaRPr lang="de-CH" dirty="0"/>
+          </a:p>
+        </p:txBody>
+      </p:sp>
+    </p:spTree>
+    <p:extLst>
+      <p:ext uri="{BB962C8B-B14F-4D97-AF65-F5344CB8AC3E}">
+        <p14:creationId xmlns:p14="http://schemas.microsoft.com/office/powerpoint/2010/main" val="2405985397"/>
       </p:ext>
     </p:extLst>
   </p:cSld>

--- a/doc/Präsentation.pptx
+++ b/doc/Präsentation.pptx
@@ -1,6 +1,6 @@
 
 <file path=ppt/presentation.xml><?xml version="1.0" encoding="utf-8"?>
-<p:presentation xmlns:a="http://schemas.openxmlformats.org/drawingml/2006/main" xmlns:r="http://schemas.openxmlformats.org/officeDocument/2006/relationships" xmlns:p="http://schemas.openxmlformats.org/presentationml/2006/main" serverZoom="34324" saveSubsetFonts="1">
+<p:presentation xmlns:a="http://schemas.openxmlformats.org/drawingml/2006/main" xmlns:r="http://schemas.openxmlformats.org/officeDocument/2006/relationships" xmlns:p="http://schemas.openxmlformats.org/presentationml/2006/main" serverZoom="25231" saveSubsetFonts="1">
   <p:sldMasterIdLst>
     <p:sldMasterId id="2147483792" r:id="rId1"/>
   </p:sldMasterIdLst>
@@ -1568,11 +1568,7 @@
             </a:r>
             <a:r>
               <a:rPr lang="de-CH" baseline="0" dirty="0" smtClean="0"/>
-              <a:t> Belgian Strong </a:t>
-            </a:r>
-            <a:r>
-              <a:rPr lang="de-CH" baseline="0" dirty="0" smtClean="0"/>
-              <a:t>Ale</a:t>
+              <a:t> Belgian Strong Ale</a:t>
             </a:r>
           </a:p>
           <a:p>
@@ -1689,11 +1685,7 @@
           <a:p>
             <a:r>
               <a:rPr lang="de-CH" dirty="0" smtClean="0"/>
-              <a:t>Ziel: Schlichtes </a:t>
-            </a:r>
-            <a:r>
-              <a:rPr lang="de-CH" dirty="0" smtClean="0"/>
-              <a:t>Design</a:t>
+              <a:t>Ziel: Schlichtes Design</a:t>
             </a:r>
           </a:p>
           <a:p>
@@ -5340,11 +5332,31 @@
         </p:spPr>
         <p:txBody>
           <a:bodyPr>
-            <a:normAutofit/>
+            <a:normAutofit fontScale="92500" lnSpcReduction="20000"/>
           </a:bodyPr>
           <a:lstStyle/>
           <a:p>
             <a:r>
+              <a:rPr lang="de-CH" dirty="0"/>
+              <a:t>Shopping </a:t>
+            </a:r>
+            <a:r>
+              <a:rPr lang="de-CH" dirty="0" err="1"/>
+              <a:t>Cart</a:t>
+            </a:r>
+            <a:endParaRPr lang="de-CH" dirty="0"/>
+          </a:p>
+          <a:p>
+            <a:r>
+              <a:rPr lang="de-CH" dirty="0" smtClean="0"/>
+              <a:t>Eingeloggter User</a:t>
+            </a:r>
+          </a:p>
+          <a:p>
+            <a:endParaRPr lang="de-CH" dirty="0" smtClean="0"/>
+          </a:p>
+          <a:p>
+            <a:r>
               <a:rPr lang="de-CH" dirty="0" smtClean="0"/>
               <a:t>Cookies</a:t>
             </a:r>
@@ -5362,17 +5374,6 @@
               <a:rPr lang="de-CH" dirty="0" smtClean="0"/>
               <a:t>1 Tag gültig</a:t>
             </a:r>
-          </a:p>
-          <a:p>
-            <a:r>
-              <a:rPr lang="de-CH" dirty="0" smtClean="0"/>
-              <a:t>Shopping </a:t>
-            </a:r>
-            <a:r>
-              <a:rPr lang="de-CH" dirty="0" err="1" smtClean="0"/>
-              <a:t>Cart</a:t>
-            </a:r>
-            <a:endParaRPr lang="de-CH" dirty="0" smtClean="0"/>
           </a:p>
         </p:txBody>
       </p:sp>
@@ -5558,7 +5559,6 @@
               <a:rPr lang="de-CH" dirty="0" smtClean="0"/>
               <a:t>Input</a:t>
             </a:r>
-            <a:endParaRPr lang="de-CH" dirty="0" smtClean="0"/>
           </a:p>
           <a:p>
             <a:pPr lvl="1"/>
@@ -6266,31 +6266,19 @@
             </a:r>
             <a:r>
               <a:rPr lang="de-CH" dirty="0" smtClean="0"/>
-              <a:t> OO </a:t>
-            </a:r>
-            <a:r>
-              <a:rPr lang="de-CH" dirty="0" smtClean="0"/>
-              <a:t>erfordert ein Umdenken</a:t>
-            </a:r>
-          </a:p>
-          <a:p>
-            <a:r>
-              <a:rPr lang="de-CH" dirty="0" smtClean="0"/>
-              <a:t>CSS-Framework </a:t>
-            </a:r>
-            <a:r>
-              <a:rPr lang="de-CH" dirty="0" smtClean="0"/>
-              <a:t>verwenden</a:t>
-            </a:r>
-          </a:p>
-          <a:p>
-            <a:r>
-              <a:rPr lang="de-CH" dirty="0" smtClean="0"/>
-              <a:t>Web Service </a:t>
-            </a:r>
-            <a:r>
-              <a:rPr lang="de-CH" dirty="0" smtClean="0"/>
-              <a:t>ist mühsam</a:t>
+              <a:t> OO erfordert ein Umdenken</a:t>
+            </a:r>
+          </a:p>
+          <a:p>
+            <a:r>
+              <a:rPr lang="de-CH" dirty="0" smtClean="0"/>
+              <a:t>CSS-Framework verwenden</a:t>
+            </a:r>
+          </a:p>
+          <a:p>
+            <a:r>
+              <a:rPr lang="de-CH" dirty="0" smtClean="0"/>
+              <a:t>Web Service ist mühsam</a:t>
             </a:r>
             <a:endParaRPr lang="de-CH" dirty="0"/>
           </a:p>
@@ -6421,16 +6409,11 @@
               <a:rPr lang="de-CH" dirty="0" smtClean="0"/>
               <a:t>Technologien</a:t>
             </a:r>
-            <a:endParaRPr lang="de-CH" dirty="0" smtClean="0"/>
-          </a:p>
-          <a:p>
-            <a:r>
-              <a:rPr lang="de-CH" dirty="0" smtClean="0"/>
-              <a:t>Implementierte </a:t>
-            </a:r>
-            <a:r>
-              <a:rPr lang="de-CH" dirty="0" smtClean="0"/>
-              <a:t>Features</a:t>
+          </a:p>
+          <a:p>
+            <a:r>
+              <a:rPr lang="de-CH" dirty="0" smtClean="0"/>
+              <a:t>Implementierte Features</a:t>
             </a:r>
           </a:p>
           <a:p>
@@ -6438,7 +6421,6 @@
               <a:rPr lang="de-CH" dirty="0" smtClean="0"/>
               <a:t>Demo</a:t>
             </a:r>
-            <a:endParaRPr lang="de-CH" dirty="0" smtClean="0"/>
           </a:p>
           <a:p>
             <a:r>
@@ -6447,11 +6429,7 @@
             </a:r>
             <a:r>
               <a:rPr lang="de-CH" dirty="0" smtClean="0"/>
-              <a:t> </a:t>
-            </a:r>
-            <a:r>
-              <a:rPr lang="de-CH" dirty="0" smtClean="0"/>
-              <a:t>learnt</a:t>
+              <a:t> learnt</a:t>
             </a:r>
             <a:endParaRPr lang="de-CH" dirty="0"/>
           </a:p>
@@ -7033,23 +7011,19 @@
             </a:r>
             <a:r>
               <a:rPr lang="de-CH" dirty="0" smtClean="0"/>
-              <a:t> für spezifisches  </a:t>
-            </a:r>
-            <a:r>
-              <a:rPr lang="de-CH" dirty="0" err="1" smtClean="0"/>
-              <a:t>styling</a:t>
+              <a:t> für spezifisches </a:t>
+            </a:r>
+            <a:r>
+              <a:rPr lang="de-CH" dirty="0" smtClean="0"/>
+              <a:t>Styling</a:t>
             </a:r>
             <a:endParaRPr lang="de-CH" dirty="0" smtClean="0"/>
           </a:p>
           <a:p>
+            <a:pPr marL="114300" indent="0">
+              <a:buNone/>
+            </a:pPr>
             <a:endParaRPr lang="de-CH" dirty="0"/>
-          </a:p>
-          <a:p>
-            <a:r>
-              <a:rPr lang="de-CH" dirty="0" smtClean="0"/>
-              <a:t>Trennung </a:t>
-            </a:r>
-            <a:endParaRPr lang="en-GB" dirty="0"/>
           </a:p>
         </p:txBody>
       </p:sp>
@@ -7349,7 +7323,6 @@
               <a:rPr lang="de-CH" dirty="0" smtClean="0"/>
               <a:t>Formular wird nur bei korrekten Eingaben übermittelt</a:t>
             </a:r>
-            <a:endParaRPr lang="de-CH" dirty="0" smtClean="0"/>
           </a:p>
           <a:p>
             <a:endParaRPr lang="de-CH" dirty="0"/>

--- a/doc/Präsentation.pptx
+++ b/doc/Präsentation.pptx
@@ -1048,6 +1048,10 @@
           <a:bodyPr/>
           <a:lstStyle/>
           <a:p>
+            <a:r>
+              <a:rPr lang="de-CH" dirty="0" smtClean="0"/>
+              <a:t>Koch</a:t>
+            </a:r>
             <a:endParaRPr lang="de-CH" dirty="0"/>
           </a:p>
         </p:txBody>
@@ -1159,8 +1163,8 @@
           </a:p>
           <a:p>
             <a:r>
-              <a:rPr lang="de-CH" dirty="0" err="1" smtClean="0"/>
-              <a:t>Thomme</a:t>
+              <a:rPr lang="de-CH" dirty="0" smtClean="0"/>
+              <a:t>Koch</a:t>
             </a:r>
             <a:endParaRPr lang="de-CH" dirty="0"/>
           </a:p>
@@ -1247,8 +1251,8 @@
           <a:lstStyle/>
           <a:p>
             <a:r>
-              <a:rPr lang="de-CH" dirty="0" err="1" smtClean="0"/>
-              <a:t>Thomme</a:t>
+              <a:rPr lang="de-CH" smtClean="0"/>
+              <a:t>Koch</a:t>
             </a:r>
             <a:endParaRPr lang="de-CH" dirty="0"/>
           </a:p>
@@ -7011,13 +7015,8 @@
             </a:r>
             <a:r>
               <a:rPr lang="de-CH" dirty="0" smtClean="0"/>
-              <a:t> für spezifisches </a:t>
-            </a:r>
-            <a:r>
-              <a:rPr lang="de-CH" dirty="0" smtClean="0"/>
-              <a:t>Styling</a:t>
-            </a:r>
-            <a:endParaRPr lang="de-CH" dirty="0" smtClean="0"/>
+              <a:t> für spezifisches Styling</a:t>
+            </a:r>
           </a:p>
           <a:p>
             <a:pPr marL="114300" indent="0">

--- a/doc/Präsentation.pptx
+++ b/doc/Präsentation.pptx
@@ -521,8 +521,8 @@
           <a:lstStyle/>
           <a:p>
             <a:r>
-              <a:rPr lang="de-CH" dirty="0" err="1" smtClean="0"/>
-              <a:t>Thomme</a:t>
+              <a:rPr lang="de-CH" dirty="0" smtClean="0"/>
+              <a:t>Ryser</a:t>
             </a:r>
             <a:endParaRPr lang="de-CH" dirty="0"/>
           </a:p>
@@ -610,7 +610,7 @@
           <a:p>
             <a:r>
               <a:rPr lang="de-CH" dirty="0" smtClean="0"/>
-              <a:t>Koch</a:t>
+              <a:t>Ryser</a:t>
             </a:r>
             <a:endParaRPr lang="de-CH" dirty="0"/>
           </a:p>
@@ -1338,28 +1338,10 @@
           <a:bodyPr/>
           <a:lstStyle/>
           <a:p>
-            <a:pPr marL="0" marR="0" indent="0" algn="l" defTabSz="914400" rtl="0" eaLnBrk="1" fontAlgn="auto" latinLnBrk="0" hangingPunct="1">
-              <a:lnSpc>
-                <a:spcPct val="100000"/>
-              </a:lnSpc>
-              <a:spcBef>
-                <a:spcPts val="0"/>
-              </a:spcBef>
-              <a:spcAft>
-                <a:spcPts val="0"/>
-              </a:spcAft>
-              <a:buClrTx/>
-              <a:buSzTx/>
-              <a:buFontTx/>
-              <a:buNone/>
-              <a:tabLst/>
-              <a:defRPr/>
-            </a:pPr>
-            <a:r>
-              <a:rPr lang="de-CH" dirty="0" err="1" smtClean="0"/>
-              <a:t>Thomme</a:t>
-            </a:r>
-            <a:endParaRPr lang="de-CH" dirty="0" smtClean="0"/>
+            <a:r>
+              <a:rPr lang="de-CH" dirty="0" smtClean="0"/>
+              <a:t>Ryser</a:t>
+            </a:r>
           </a:p>
           <a:p>
             <a:endParaRPr lang="de-CH" dirty="0"/>
@@ -1446,28 +1428,10 @@
           <a:bodyPr/>
           <a:lstStyle/>
           <a:p>
-            <a:pPr marL="0" marR="0" indent="0" algn="l" defTabSz="914400" rtl="0" eaLnBrk="1" fontAlgn="auto" latinLnBrk="0" hangingPunct="1">
-              <a:lnSpc>
-                <a:spcPct val="100000"/>
-              </a:lnSpc>
-              <a:spcBef>
-                <a:spcPts val="0"/>
-              </a:spcBef>
-              <a:spcAft>
-                <a:spcPts val="0"/>
-              </a:spcAft>
-              <a:buClrTx/>
-              <a:buSzTx/>
-              <a:buFontTx/>
-              <a:buNone/>
-              <a:tabLst/>
-              <a:defRPr/>
-            </a:pPr>
-            <a:r>
-              <a:rPr lang="de-CH" dirty="0" err="1" smtClean="0"/>
-              <a:t>Thomme</a:t>
-            </a:r>
-            <a:endParaRPr lang="de-CH" dirty="0" smtClean="0"/>
+            <a:r>
+              <a:rPr lang="de-CH" dirty="0" smtClean="0"/>
+              <a:t>Ryser</a:t>
+            </a:r>
           </a:p>
           <a:p>
             <a:endParaRPr lang="de-CH" dirty="0"/>
@@ -1579,28 +1543,10 @@
             <a:endParaRPr lang="de-CH" baseline="0" dirty="0" smtClean="0"/>
           </a:p>
           <a:p>
-            <a:pPr marL="0" marR="0" indent="0" algn="l" defTabSz="914400" rtl="0" eaLnBrk="1" fontAlgn="auto" latinLnBrk="0" hangingPunct="1">
-              <a:lnSpc>
-                <a:spcPct val="100000"/>
-              </a:lnSpc>
-              <a:spcBef>
-                <a:spcPts val="0"/>
-              </a:spcBef>
-              <a:spcAft>
-                <a:spcPts val="0"/>
-              </a:spcAft>
-              <a:buClrTx/>
-              <a:buSzTx/>
-              <a:buFontTx/>
-              <a:buNone/>
-              <a:tabLst/>
-              <a:defRPr/>
-            </a:pPr>
-            <a:r>
-              <a:rPr lang="de-CH" dirty="0" err="1" smtClean="0"/>
-              <a:t>Thomme</a:t>
-            </a:r>
-            <a:endParaRPr lang="de-CH" dirty="0" smtClean="0"/>
+            <a:r>
+              <a:rPr lang="de-CH" dirty="0" smtClean="0"/>
+              <a:t>Ryser</a:t>
+            </a:r>
           </a:p>
           <a:p>
             <a:endParaRPr lang="en-GB" dirty="0"/>
@@ -1696,28 +1642,10 @@
             <a:endParaRPr lang="de-CH" dirty="0" smtClean="0"/>
           </a:p>
           <a:p>
-            <a:pPr marL="0" marR="0" indent="0" algn="l" defTabSz="914400" rtl="0" eaLnBrk="1" fontAlgn="auto" latinLnBrk="0" hangingPunct="1">
-              <a:lnSpc>
-                <a:spcPct val="100000"/>
-              </a:lnSpc>
-              <a:spcBef>
-                <a:spcPts val="0"/>
-              </a:spcBef>
-              <a:spcAft>
-                <a:spcPts val="0"/>
-              </a:spcAft>
-              <a:buClrTx/>
-              <a:buSzTx/>
-              <a:buFontTx/>
-              <a:buNone/>
-              <a:tabLst/>
-              <a:defRPr/>
-            </a:pPr>
-            <a:r>
-              <a:rPr lang="de-CH" dirty="0" err="1" smtClean="0"/>
-              <a:t>Thomme</a:t>
-            </a:r>
-            <a:endParaRPr lang="de-CH" dirty="0" smtClean="0"/>
+            <a:r>
+              <a:rPr lang="de-CH" dirty="0" smtClean="0"/>
+              <a:t>Ryser</a:t>
+            </a:r>
           </a:p>
           <a:p>
             <a:endParaRPr lang="en-GB" dirty="0"/>
@@ -1805,8 +1733,8 @@
           <a:lstStyle/>
           <a:p>
             <a:r>
-              <a:rPr lang="de-CH" dirty="0" smtClean="0"/>
-              <a:t>Koch</a:t>
+              <a:rPr lang="de-CH" smtClean="0"/>
+              <a:t>Ryser</a:t>
             </a:r>
             <a:endParaRPr lang="de-CH" dirty="0"/>
           </a:p>

--- a/doc/Präsentation.pptx
+++ b/doc/Präsentation.pptx
@@ -7030,8 +7030,30 @@
           <a:p>
             <a:r>
               <a:rPr lang="de-CH" dirty="0" smtClean="0"/>
-              <a:t>Dynamischer aufruf der Kategorien</a:t>
-            </a:r>
+              <a:t>Dynamischer aufruf der </a:t>
+            </a:r>
+            <a:r>
+              <a:rPr lang="de-CH" dirty="0" smtClean="0"/>
+              <a:t>Kategorien</a:t>
+            </a:r>
+          </a:p>
+          <a:p>
+            <a:r>
+              <a:rPr lang="de-CH" dirty="0" smtClean="0"/>
+              <a:t>Automatisches Laden von Klassen</a:t>
+            </a:r>
+          </a:p>
+          <a:p>
+            <a:pPr lvl="1"/>
+            <a:r>
+              <a:rPr lang="de-CH" dirty="0" err="1" smtClean="0"/>
+              <a:t>spl_autoload_register</a:t>
+            </a:r>
+            <a:endParaRPr lang="de-CH" smtClean="0"/>
+          </a:p>
+          <a:p>
+            <a:pPr lvl="1"/>
+            <a:endParaRPr lang="de-CH" dirty="0" smtClean="0"/>
           </a:p>
           <a:p>
             <a:r>

--- a/doc/Präsentation.pptx
+++ b/doc/Präsentation.pptx
@@ -5,7 +5,7 @@
     <p:sldMasterId id="2147483792" r:id="rId1"/>
   </p:sldMasterIdLst>
   <p:notesMasterIdLst>
-    <p:notesMasterId r:id="rId19"/>
+    <p:notesMasterId r:id="rId18"/>
   </p:notesMasterIdLst>
   <p:sldIdLst>
     <p:sldId id="256" r:id="rId2"/>
@@ -13,18 +13,17 @@
     <p:sldId id="261" r:id="rId4"/>
     <p:sldId id="271" r:id="rId5"/>
     <p:sldId id="272" r:id="rId6"/>
-    <p:sldId id="262" r:id="rId7"/>
-    <p:sldId id="273" r:id="rId8"/>
-    <p:sldId id="274" r:id="rId9"/>
-    <p:sldId id="264" r:id="rId10"/>
-    <p:sldId id="266" r:id="rId11"/>
-    <p:sldId id="275" r:id="rId12"/>
-    <p:sldId id="276" r:id="rId13"/>
-    <p:sldId id="277" r:id="rId14"/>
-    <p:sldId id="267" r:id="rId15"/>
-    <p:sldId id="278" r:id="rId16"/>
-    <p:sldId id="269" r:id="rId17"/>
-    <p:sldId id="270" r:id="rId18"/>
+    <p:sldId id="273" r:id="rId7"/>
+    <p:sldId id="274" r:id="rId8"/>
+    <p:sldId id="264" r:id="rId9"/>
+    <p:sldId id="266" r:id="rId10"/>
+    <p:sldId id="275" r:id="rId11"/>
+    <p:sldId id="276" r:id="rId12"/>
+    <p:sldId id="277" r:id="rId13"/>
+    <p:sldId id="267" r:id="rId14"/>
+    <p:sldId id="278" r:id="rId15"/>
+    <p:sldId id="269" r:id="rId16"/>
+    <p:sldId id="270" r:id="rId17"/>
   </p:sldIdLst>
   <p:sldSz cx="9144000" cy="6858000" type="screen4x3"/>
   <p:notesSz cx="6858000" cy="9144000"/>
@@ -642,7 +641,7 @@
     </p:spTree>
     <p:extLst>
       <p:ext uri="{BB962C8B-B14F-4D97-AF65-F5344CB8AC3E}">
-        <p14:creationId xmlns:p14="http://schemas.microsoft.com/office/powerpoint/2010/main" val="3877336550"/>
+        <p14:creationId xmlns:p14="http://schemas.microsoft.com/office/powerpoint/2010/main" val="4171842614"/>
       </p:ext>
     </p:extLst>
   </p:cSld>
@@ -730,7 +729,7 @@
     </p:spTree>
     <p:extLst>
       <p:ext uri="{BB962C8B-B14F-4D97-AF65-F5344CB8AC3E}">
-        <p14:creationId xmlns:p14="http://schemas.microsoft.com/office/powerpoint/2010/main" val="4171842614"/>
+        <p14:creationId xmlns:p14="http://schemas.microsoft.com/office/powerpoint/2010/main" val="1583151638"/>
       </p:ext>
     </p:extLst>
   </p:cSld>
@@ -818,7 +817,7 @@
     </p:spTree>
     <p:extLst>
       <p:ext uri="{BB962C8B-B14F-4D97-AF65-F5344CB8AC3E}">
-        <p14:creationId xmlns:p14="http://schemas.microsoft.com/office/powerpoint/2010/main" val="1583151638"/>
+        <p14:creationId xmlns:p14="http://schemas.microsoft.com/office/powerpoint/2010/main" val="4033228569"/>
       </p:ext>
     </p:extLst>
   </p:cSld>
@@ -874,7 +873,7 @@
           <a:p>
             <a:r>
               <a:rPr lang="de-CH" dirty="0" smtClean="0"/>
-              <a:t>Ryser</a:t>
+              <a:t>Koch</a:t>
             </a:r>
             <a:endParaRPr lang="de-CH" dirty="0"/>
           </a:p>
@@ -906,7 +905,7 @@
     </p:spTree>
     <p:extLst>
       <p:ext uri="{BB962C8B-B14F-4D97-AF65-F5344CB8AC3E}">
-        <p14:creationId xmlns:p14="http://schemas.microsoft.com/office/powerpoint/2010/main" val="4033228569"/>
+        <p14:creationId xmlns:p14="http://schemas.microsoft.com/office/powerpoint/2010/main" val="389352693"/>
       </p:ext>
     </p:extLst>
   </p:cSld>
@@ -994,7 +993,7 @@
     </p:spTree>
     <p:extLst>
       <p:ext uri="{BB962C8B-B14F-4D97-AF65-F5344CB8AC3E}">
-        <p14:creationId xmlns:p14="http://schemas.microsoft.com/office/powerpoint/2010/main" val="389352693"/>
+        <p14:creationId xmlns:p14="http://schemas.microsoft.com/office/powerpoint/2010/main" val="1046251014"/>
       </p:ext>
     </p:extLst>
   </p:cSld>
@@ -1048,6 +1047,32 @@
           <a:bodyPr/>
           <a:lstStyle/>
           <a:p>
+            <a:pPr marL="0" marR="0" indent="0" algn="l" defTabSz="914400" rtl="0" eaLnBrk="1" fontAlgn="auto" latinLnBrk="0" hangingPunct="1">
+              <a:lnSpc>
+                <a:spcPct val="100000"/>
+              </a:lnSpc>
+              <a:spcBef>
+                <a:spcPts val="0"/>
+              </a:spcBef>
+              <a:spcAft>
+                <a:spcPts val="0"/>
+              </a:spcAft>
+              <a:buClrTx/>
+              <a:buSzTx/>
+              <a:buFontTx/>
+              <a:buNone/>
+              <a:tabLst/>
+              <a:defRPr/>
+            </a:pPr>
+            <a:r>
+              <a:rPr lang="de-CH" dirty="0" smtClean="0"/>
+              <a:t>CSS von Hand: Aufwand und Ertrag sind nicht im Verhältnis</a:t>
+            </a:r>
+          </a:p>
+          <a:p>
+            <a:endParaRPr lang="de-CH" dirty="0" smtClean="0"/>
+          </a:p>
+          <a:p>
             <a:r>
               <a:rPr lang="de-CH" dirty="0" smtClean="0"/>
               <a:t>Koch</a:t>
@@ -1082,7 +1107,7 @@
     </p:spTree>
     <p:extLst>
       <p:ext uri="{BB962C8B-B14F-4D97-AF65-F5344CB8AC3E}">
-        <p14:creationId xmlns:p14="http://schemas.microsoft.com/office/powerpoint/2010/main" val="1046251014"/>
+        <p14:creationId xmlns:p14="http://schemas.microsoft.com/office/powerpoint/2010/main" val="1296055436"/>
       </p:ext>
     </p:extLst>
   </p:cSld>
@@ -1136,34 +1161,8 @@
           <a:bodyPr/>
           <a:lstStyle/>
           <a:p>
-            <a:pPr marL="0" marR="0" indent="0" algn="l" defTabSz="914400" rtl="0" eaLnBrk="1" fontAlgn="auto" latinLnBrk="0" hangingPunct="1">
-              <a:lnSpc>
-                <a:spcPct val="100000"/>
-              </a:lnSpc>
-              <a:spcBef>
-                <a:spcPts val="0"/>
-              </a:spcBef>
-              <a:spcAft>
-                <a:spcPts val="0"/>
-              </a:spcAft>
-              <a:buClrTx/>
-              <a:buSzTx/>
-              <a:buFontTx/>
-              <a:buNone/>
-              <a:tabLst/>
-              <a:defRPr/>
-            </a:pPr>
-            <a:r>
-              <a:rPr lang="de-CH" dirty="0" smtClean="0"/>
-              <a:t>CSS von Hand: Aufwand und Ertrag sind nicht im Verhältnis</a:t>
-            </a:r>
-          </a:p>
-          <a:p>
-            <a:endParaRPr lang="de-CH" dirty="0" smtClean="0"/>
-          </a:p>
-          <a:p>
-            <a:r>
-              <a:rPr lang="de-CH" dirty="0" smtClean="0"/>
+            <a:r>
+              <a:rPr lang="de-CH" smtClean="0"/>
               <a:t>Koch</a:t>
             </a:r>
             <a:endParaRPr lang="de-CH" dirty="0"/>
@@ -1188,94 +1187,6 @@
             <a:fld id="{5A1C3CBA-C147-468E-B3D9-EB2B31A74A73}" type="slidenum">
               <a:rPr lang="de-CH" smtClean="0"/>
               <a:t>16</a:t>
-            </a:fld>
-            <a:endParaRPr lang="de-CH"/>
-          </a:p>
-        </p:txBody>
-      </p:sp>
-    </p:spTree>
-    <p:extLst>
-      <p:ext uri="{BB962C8B-B14F-4D97-AF65-F5344CB8AC3E}">
-        <p14:creationId xmlns:p14="http://schemas.microsoft.com/office/powerpoint/2010/main" val="1296055436"/>
-      </p:ext>
-    </p:extLst>
-  </p:cSld>
-  <p:clrMapOvr>
-    <a:masterClrMapping/>
-  </p:clrMapOvr>
-</p:notes>
-</file>
-
-<file path=ppt/notesSlides/notesSlide17.xml><?xml version="1.0" encoding="utf-8"?>
-<p:notes xmlns:a="http://schemas.openxmlformats.org/drawingml/2006/main" xmlns:r="http://schemas.openxmlformats.org/officeDocument/2006/relationships" xmlns:p="http://schemas.openxmlformats.org/presentationml/2006/main">
-  <p:cSld>
-    <p:spTree>
-      <p:nvGrpSpPr>
-        <p:cNvPr id="1" name=""/>
-        <p:cNvGrpSpPr/>
-        <p:nvPr/>
-      </p:nvGrpSpPr>
-      <p:grpSpPr>
-        <a:xfrm>
-          <a:off x="0" y="0"/>
-          <a:ext cx="0" cy="0"/>
-          <a:chOff x="0" y="0"/>
-          <a:chExt cx="0" cy="0"/>
-        </a:xfrm>
-      </p:grpSpPr>
-      <p:sp>
-        <p:nvSpPr>
-          <p:cNvPr id="2" name="Folienbildplatzhalter 1"/>
-          <p:cNvSpPr>
-            <a:spLocks noGrp="1" noRot="1" noChangeAspect="1"/>
-          </p:cNvSpPr>
-          <p:nvPr>
-            <p:ph type="sldImg"/>
-          </p:nvPr>
-        </p:nvSpPr>
-        <p:spPr/>
-      </p:sp>
-      <p:sp>
-        <p:nvSpPr>
-          <p:cNvPr id="3" name="Notizenplatzhalter 2"/>
-          <p:cNvSpPr>
-            <a:spLocks noGrp="1"/>
-          </p:cNvSpPr>
-          <p:nvPr>
-            <p:ph type="body" idx="1"/>
-          </p:nvPr>
-        </p:nvSpPr>
-        <p:spPr/>
-        <p:txBody>
-          <a:bodyPr/>
-          <a:lstStyle/>
-          <a:p>
-            <a:r>
-              <a:rPr lang="de-CH" smtClean="0"/>
-              <a:t>Koch</a:t>
-            </a:r>
-            <a:endParaRPr lang="de-CH" dirty="0"/>
-          </a:p>
-        </p:txBody>
-      </p:sp>
-      <p:sp>
-        <p:nvSpPr>
-          <p:cNvPr id="4" name="Foliennummernplatzhalter 3"/>
-          <p:cNvSpPr>
-            <a:spLocks noGrp="1"/>
-          </p:cNvSpPr>
-          <p:nvPr>
-            <p:ph type="sldNum" sz="quarter" idx="10"/>
-          </p:nvPr>
-        </p:nvSpPr>
-        <p:spPr/>
-        <p:txBody>
-          <a:bodyPr/>
-          <a:lstStyle/>
-          <a:p>
-            <a:fld id="{5A1C3CBA-C147-468E-B3D9-EB2B31A74A73}" type="slidenum">
-              <a:rPr lang="de-CH" smtClean="0"/>
-              <a:t>17</a:t>
             </a:fld>
             <a:endParaRPr lang="de-CH"/>
           </a:p>
@@ -1733,8 +1644,8 @@
           <a:lstStyle/>
           <a:p>
             <a:r>
-              <a:rPr lang="de-CH" smtClean="0"/>
-              <a:t>Ryser</a:t>
+              <a:rPr lang="de-CH" dirty="0" smtClean="0"/>
+              <a:t>Koch</a:t>
             </a:r>
             <a:endParaRPr lang="de-CH" dirty="0"/>
           </a:p>
@@ -1766,7 +1677,7 @@
     </p:spTree>
     <p:extLst>
       <p:ext uri="{BB962C8B-B14F-4D97-AF65-F5344CB8AC3E}">
-        <p14:creationId xmlns:p14="http://schemas.microsoft.com/office/powerpoint/2010/main" val="3104615944"/>
+        <p14:creationId xmlns:p14="http://schemas.microsoft.com/office/powerpoint/2010/main" val="2838136803"/>
       </p:ext>
     </p:extLst>
   </p:cSld>
@@ -1854,7 +1765,7 @@
     </p:spTree>
     <p:extLst>
       <p:ext uri="{BB962C8B-B14F-4D97-AF65-F5344CB8AC3E}">
-        <p14:creationId xmlns:p14="http://schemas.microsoft.com/office/powerpoint/2010/main" val="2838136803"/>
+        <p14:creationId xmlns:p14="http://schemas.microsoft.com/office/powerpoint/2010/main" val="1894567113"/>
       </p:ext>
     </p:extLst>
   </p:cSld>
@@ -1942,7 +1853,7 @@
     </p:spTree>
     <p:extLst>
       <p:ext uri="{BB962C8B-B14F-4D97-AF65-F5344CB8AC3E}">
-        <p14:creationId xmlns:p14="http://schemas.microsoft.com/office/powerpoint/2010/main" val="1894567113"/>
+        <p14:creationId xmlns:p14="http://schemas.microsoft.com/office/powerpoint/2010/main" val="1631512601"/>
       </p:ext>
     </p:extLst>
   </p:cSld>
@@ -1998,7 +1909,7 @@
           <a:p>
             <a:r>
               <a:rPr lang="de-CH" dirty="0" smtClean="0"/>
-              <a:t>Koch</a:t>
+              <a:t>Ryser</a:t>
             </a:r>
             <a:endParaRPr lang="de-CH" dirty="0"/>
           </a:p>
@@ -2030,7 +1941,7 @@
     </p:spTree>
     <p:extLst>
       <p:ext uri="{BB962C8B-B14F-4D97-AF65-F5344CB8AC3E}">
-        <p14:creationId xmlns:p14="http://schemas.microsoft.com/office/powerpoint/2010/main" val="1631512601"/>
+        <p14:creationId xmlns:p14="http://schemas.microsoft.com/office/powerpoint/2010/main" val="3877336550"/>
       </p:ext>
     </p:extLst>
   </p:cSld>
@@ -5221,180 +5132,6 @@
       </p:grpSpPr>
       <p:sp>
         <p:nvSpPr>
-          <p:cNvPr id="2" name="Titel 1"/>
-          <p:cNvSpPr>
-            <a:spLocks noGrp="1"/>
-          </p:cNvSpPr>
-          <p:nvPr>
-            <p:ph type="title"/>
-          </p:nvPr>
-        </p:nvSpPr>
-        <p:spPr/>
-        <p:txBody>
-          <a:bodyPr/>
-          <a:lstStyle/>
-          <a:p>
-            <a:r>
-              <a:rPr lang="de-CH" dirty="0"/>
-              <a:t>Task </a:t>
-            </a:r>
-            <a:r>
-              <a:rPr lang="de-CH" dirty="0" smtClean="0"/>
-              <a:t>8: Sessions</a:t>
-            </a:r>
-            <a:endParaRPr lang="de-CH" dirty="0"/>
-          </a:p>
-        </p:txBody>
-      </p:sp>
-      <p:sp>
-        <p:nvSpPr>
-          <p:cNvPr id="3" name="Inhaltsplatzhalter 2"/>
-          <p:cNvSpPr>
-            <a:spLocks noGrp="1"/>
-          </p:cNvSpPr>
-          <p:nvPr>
-            <p:ph idx="1"/>
-          </p:nvPr>
-        </p:nvSpPr>
-        <p:spPr>
-          <a:xfrm>
-            <a:off x="457200" y="1600200"/>
-            <a:ext cx="7620000" cy="1828800"/>
-          </a:xfrm>
-        </p:spPr>
-        <p:txBody>
-          <a:bodyPr>
-            <a:normAutofit fontScale="92500" lnSpcReduction="20000"/>
-          </a:bodyPr>
-          <a:lstStyle/>
-          <a:p>
-            <a:r>
-              <a:rPr lang="de-CH" dirty="0"/>
-              <a:t>Shopping </a:t>
-            </a:r>
-            <a:r>
-              <a:rPr lang="de-CH" dirty="0" err="1"/>
-              <a:t>Cart</a:t>
-            </a:r>
-            <a:endParaRPr lang="de-CH" dirty="0"/>
-          </a:p>
-          <a:p>
-            <a:r>
-              <a:rPr lang="de-CH" dirty="0" smtClean="0"/>
-              <a:t>Eingeloggter User</a:t>
-            </a:r>
-          </a:p>
-          <a:p>
-            <a:endParaRPr lang="de-CH" dirty="0" smtClean="0"/>
-          </a:p>
-          <a:p>
-            <a:r>
-              <a:rPr lang="de-CH" dirty="0" smtClean="0"/>
-              <a:t>Cookies</a:t>
-            </a:r>
-          </a:p>
-          <a:p>
-            <a:pPr lvl="1"/>
-            <a:r>
-              <a:rPr lang="de-CH" dirty="0" smtClean="0"/>
-              <a:t>Speichern der Spracheinstellungen</a:t>
-            </a:r>
-          </a:p>
-          <a:p>
-            <a:pPr lvl="2"/>
-            <a:r>
-              <a:rPr lang="de-CH" dirty="0" smtClean="0"/>
-              <a:t>1 Tag gültig</a:t>
-            </a:r>
-          </a:p>
-        </p:txBody>
-      </p:sp>
-      <p:pic>
-        <p:nvPicPr>
-          <p:cNvPr id="1026" name="Picture 2"/>
-          <p:cNvPicPr>
-            <a:picLocks noChangeAspect="1" noChangeArrowheads="1"/>
-          </p:cNvPicPr>
-          <p:nvPr/>
-        </p:nvPicPr>
-        <p:blipFill>
-          <a:blip r:embed="rId3">
-            <a:extLst>
-              <a:ext uri="{28A0092B-C50C-407E-A947-70E740481C1C}">
-                <a14:useLocalDpi xmlns:a14="http://schemas.microsoft.com/office/drawing/2010/main" val="0"/>
-              </a:ext>
-            </a:extLst>
-          </a:blip>
-          <a:srcRect/>
-          <a:stretch>
-            <a:fillRect/>
-          </a:stretch>
-        </p:blipFill>
-        <p:spPr bwMode="auto">
-          <a:xfrm>
-            <a:off x="539552" y="4221088"/>
-            <a:ext cx="7428661" cy="851322"/>
-          </a:xfrm>
-          <a:prstGeom prst="rect">
-            <a:avLst/>
-          </a:prstGeom>
-          <a:noFill/>
-          <a:ln>
-            <a:noFill/>
-          </a:ln>
-          <a:extLst>
-            <a:ext uri="{909E8E84-426E-40DD-AFC4-6F175D3DCCD1}">
-              <a14:hiddenFill xmlns:a14="http://schemas.microsoft.com/office/drawing/2010/main">
-                <a:solidFill>
-                  <a:schemeClr val="accent1"/>
-                </a:solidFill>
-              </a14:hiddenFill>
-            </a:ext>
-            <a:ext uri="{91240B29-F687-4F45-9708-019B960494DF}">
-              <a14:hiddenLine xmlns:a14="http://schemas.microsoft.com/office/drawing/2010/main" w="9525">
-                <a:solidFill>
-                  <a:schemeClr val="tx1"/>
-                </a:solidFill>
-                <a:miter lim="800000"/>
-                <a:headEnd/>
-                <a:tailEnd/>
-              </a14:hiddenLine>
-            </a:ext>
-          </a:extLst>
-        </p:spPr>
-      </p:pic>
-    </p:spTree>
-    <p:extLst>
-      <p:ext uri="{BB962C8B-B14F-4D97-AF65-F5344CB8AC3E}">
-        <p14:creationId xmlns:p14="http://schemas.microsoft.com/office/powerpoint/2010/main" val="2131794967"/>
-      </p:ext>
-    </p:extLst>
-  </p:cSld>
-  <p:clrMapOvr>
-    <a:masterClrMapping/>
-  </p:clrMapOvr>
-</p:sld>
-</file>
-
-<file path=ppt/slides/slide11.xml><?xml version="1.0" encoding="utf-8"?>
-<p:sld xmlns:a="http://schemas.openxmlformats.org/drawingml/2006/main" xmlns:r="http://schemas.openxmlformats.org/officeDocument/2006/relationships" xmlns:p="http://schemas.openxmlformats.org/presentationml/2006/main">
-  <p:cSld>
-    <p:spTree>
-      <p:nvGrpSpPr>
-        <p:cNvPr id="1" name=""/>
-        <p:cNvGrpSpPr/>
-        <p:nvPr/>
-      </p:nvGrpSpPr>
-      <p:grpSpPr>
-        <a:xfrm>
-          <a:off x="0" y="0"/>
-          <a:ext cx="0" cy="0"/>
-          <a:chOff x="0" y="0"/>
-          <a:chExt cx="0" cy="0"/>
-        </a:xfrm>
-      </p:grpSpPr>
-      <p:sp>
-        <p:nvSpPr>
           <p:cNvPr id="2" name="Title 1"/>
           <p:cNvSpPr>
             <a:spLocks noGrp="1"/>
@@ -5515,7 +5252,7 @@
 </p:sld>
 </file>
 
-<file path=ppt/slides/slide12.xml><?xml version="1.0" encoding="utf-8"?>
+<file path=ppt/slides/slide11.xml><?xml version="1.0" encoding="utf-8"?>
 <p:sld xmlns:a="http://schemas.openxmlformats.org/drawingml/2006/main" xmlns:r="http://schemas.openxmlformats.org/officeDocument/2006/relationships" xmlns:p="http://schemas.openxmlformats.org/presentationml/2006/main">
   <p:cSld>
     <p:spTree>
@@ -5609,6 +5346,104 @@
 </p:sld>
 </file>
 
+<file path=ppt/slides/slide12.xml><?xml version="1.0" encoding="utf-8"?>
+<p:sld xmlns:a="http://schemas.openxmlformats.org/drawingml/2006/main" xmlns:r="http://schemas.openxmlformats.org/officeDocument/2006/relationships" xmlns:p="http://schemas.openxmlformats.org/presentationml/2006/main">
+  <p:cSld>
+    <p:spTree>
+      <p:nvGrpSpPr>
+        <p:cNvPr id="1" name=""/>
+        <p:cNvGrpSpPr/>
+        <p:nvPr/>
+      </p:nvGrpSpPr>
+      <p:grpSpPr>
+        <a:xfrm>
+          <a:off x="0" y="0"/>
+          <a:ext cx="0" cy="0"/>
+          <a:chOff x="0" y="0"/>
+          <a:chExt cx="0" cy="0"/>
+        </a:xfrm>
+      </p:grpSpPr>
+      <p:sp>
+        <p:nvSpPr>
+          <p:cNvPr id="2" name="Title 1"/>
+          <p:cNvSpPr>
+            <a:spLocks noGrp="1"/>
+          </p:cNvSpPr>
+          <p:nvPr>
+            <p:ph type="title"/>
+          </p:nvPr>
+        </p:nvSpPr>
+        <p:spPr/>
+        <p:txBody>
+          <a:bodyPr/>
+          <a:lstStyle/>
+          <a:p>
+            <a:r>
+              <a:rPr lang="de-CH" smtClean="0"/>
+              <a:t>Task 11: Web Service</a:t>
+            </a:r>
+            <a:endParaRPr lang="en-GB"/>
+          </a:p>
+        </p:txBody>
+      </p:sp>
+      <p:sp>
+        <p:nvSpPr>
+          <p:cNvPr id="3" name="Content Placeholder 2"/>
+          <p:cNvSpPr>
+            <a:spLocks noGrp="1"/>
+          </p:cNvSpPr>
+          <p:nvPr>
+            <p:ph idx="1"/>
+          </p:nvPr>
+        </p:nvSpPr>
+        <p:spPr/>
+        <p:txBody>
+          <a:bodyPr/>
+          <a:lstStyle/>
+          <a:p>
+            <a:r>
+              <a:rPr lang="de-CH" dirty="0" smtClean="0"/>
+              <a:t>Yahoo </a:t>
+            </a:r>
+            <a:r>
+              <a:rPr lang="de-CH" dirty="0" err="1" smtClean="0"/>
+              <a:t>Weather</a:t>
+            </a:r>
+            <a:endParaRPr lang="de-CH" dirty="0" smtClean="0"/>
+          </a:p>
+          <a:p>
+            <a:pPr lvl="1"/>
+            <a:r>
+              <a:rPr lang="de-CH" dirty="0" err="1" smtClean="0"/>
+              <a:t>cURL</a:t>
+            </a:r>
+            <a:r>
+              <a:rPr lang="de-CH" dirty="0" smtClean="0"/>
+              <a:t> Query</a:t>
+            </a:r>
+          </a:p>
+          <a:p>
+            <a:pPr lvl="1"/>
+            <a:r>
+              <a:rPr lang="de-CH" dirty="0" smtClean="0"/>
+              <a:t>JSON Rückgabe</a:t>
+            </a:r>
+          </a:p>
+        </p:txBody>
+      </p:sp>
+    </p:spTree>
+    <p:extLst>
+      <p:ext uri="{BB962C8B-B14F-4D97-AF65-F5344CB8AC3E}">
+        <p14:creationId xmlns:p14="http://schemas.microsoft.com/office/powerpoint/2010/main" val="4279117317"/>
+      </p:ext>
+    </p:extLst>
+  </p:cSld>
+  <p:clrMapOvr>
+    <a:masterClrMapping/>
+  </p:clrMapOvr>
+</p:sld>
+</file>
+
 <file path=ppt/slides/slide13.xml><?xml version="1.0" encoding="utf-8"?>
 <p:sld xmlns:a="http://schemas.openxmlformats.org/drawingml/2006/main" xmlns:r="http://schemas.openxmlformats.org/officeDocument/2006/relationships" xmlns:p="http://schemas.openxmlformats.org/presentationml/2006/main">
   <p:cSld>
@@ -5628,104 +5463,6 @@
       </p:grpSpPr>
       <p:sp>
         <p:nvSpPr>
-          <p:cNvPr id="2" name="Title 1"/>
-          <p:cNvSpPr>
-            <a:spLocks noGrp="1"/>
-          </p:cNvSpPr>
-          <p:nvPr>
-            <p:ph type="title"/>
-          </p:nvPr>
-        </p:nvSpPr>
-        <p:spPr/>
-        <p:txBody>
-          <a:bodyPr/>
-          <a:lstStyle/>
-          <a:p>
-            <a:r>
-              <a:rPr lang="de-CH" smtClean="0"/>
-              <a:t>Task 11: Web Service</a:t>
-            </a:r>
-            <a:endParaRPr lang="en-GB"/>
-          </a:p>
-        </p:txBody>
-      </p:sp>
-      <p:sp>
-        <p:nvSpPr>
-          <p:cNvPr id="3" name="Content Placeholder 2"/>
-          <p:cNvSpPr>
-            <a:spLocks noGrp="1"/>
-          </p:cNvSpPr>
-          <p:nvPr>
-            <p:ph idx="1"/>
-          </p:nvPr>
-        </p:nvSpPr>
-        <p:spPr/>
-        <p:txBody>
-          <a:bodyPr/>
-          <a:lstStyle/>
-          <a:p>
-            <a:r>
-              <a:rPr lang="de-CH" dirty="0" smtClean="0"/>
-              <a:t>Yahoo </a:t>
-            </a:r>
-            <a:r>
-              <a:rPr lang="de-CH" dirty="0" err="1" smtClean="0"/>
-              <a:t>Weather</a:t>
-            </a:r>
-            <a:endParaRPr lang="de-CH" dirty="0" smtClean="0"/>
-          </a:p>
-          <a:p>
-            <a:pPr lvl="1"/>
-            <a:r>
-              <a:rPr lang="de-CH" dirty="0" err="1" smtClean="0"/>
-              <a:t>cURL</a:t>
-            </a:r>
-            <a:r>
-              <a:rPr lang="de-CH" dirty="0" smtClean="0"/>
-              <a:t> Query</a:t>
-            </a:r>
-          </a:p>
-          <a:p>
-            <a:pPr lvl="1"/>
-            <a:r>
-              <a:rPr lang="de-CH" dirty="0" smtClean="0"/>
-              <a:t>JSON Rückgabe</a:t>
-            </a:r>
-          </a:p>
-        </p:txBody>
-      </p:sp>
-    </p:spTree>
-    <p:extLst>
-      <p:ext uri="{BB962C8B-B14F-4D97-AF65-F5344CB8AC3E}">
-        <p14:creationId xmlns:p14="http://schemas.microsoft.com/office/powerpoint/2010/main" val="4279117317"/>
-      </p:ext>
-    </p:extLst>
-  </p:cSld>
-  <p:clrMapOvr>
-    <a:masterClrMapping/>
-  </p:clrMapOvr>
-</p:sld>
-</file>
-
-<file path=ppt/slides/slide14.xml><?xml version="1.0" encoding="utf-8"?>
-<p:sld xmlns:a="http://schemas.openxmlformats.org/drawingml/2006/main" xmlns:r="http://schemas.openxmlformats.org/officeDocument/2006/relationships" xmlns:p="http://schemas.openxmlformats.org/presentationml/2006/main">
-  <p:cSld>
-    <p:spTree>
-      <p:nvGrpSpPr>
-        <p:cNvPr id="1" name=""/>
-        <p:cNvGrpSpPr/>
-        <p:nvPr/>
-      </p:nvGrpSpPr>
-      <p:grpSpPr>
-        <a:xfrm>
-          <a:off x="0" y="0"/>
-          <a:ext cx="0" cy="0"/>
-          <a:chOff x="0" y="0"/>
-          <a:chExt cx="0" cy="0"/>
-        </a:xfrm>
-      </p:grpSpPr>
-      <p:sp>
-        <p:nvSpPr>
           <p:cNvPr id="2" name="Titel 1"/>
           <p:cNvSpPr>
             <a:spLocks noGrp="1"/>
@@ -5962,7 +5699,7 @@
 </p:sld>
 </file>
 
-<file path=ppt/slides/slide15.xml><?xml version="1.0" encoding="utf-8"?>
+<file path=ppt/slides/slide14.xml><?xml version="1.0" encoding="utf-8"?>
 <p:sld xmlns:a="http://schemas.openxmlformats.org/drawingml/2006/main" xmlns:r="http://schemas.openxmlformats.org/officeDocument/2006/relationships" xmlns:p="http://schemas.openxmlformats.org/presentationml/2006/main">
   <p:cSld>
     <p:spTree>
@@ -6103,7 +5840,7 @@
 </p:sld>
 </file>
 
-<file path=ppt/slides/slide16.xml><?xml version="1.0" encoding="utf-8"?>
+<file path=ppt/slides/slide15.xml><?xml version="1.0" encoding="utf-8"?>
 <p:sld xmlns:a="http://schemas.openxmlformats.org/drawingml/2006/main" xmlns:r="http://schemas.openxmlformats.org/officeDocument/2006/relationships" xmlns:p="http://schemas.openxmlformats.org/presentationml/2006/main">
   <p:cSld>
     <p:spTree>
@@ -6229,7 +5966,7 @@
 </p:sld>
 </file>
 
-<file path=ppt/slides/slide17.xml><?xml version="1.0" encoding="utf-8"?>
+<file path=ppt/slides/slide16.xml><?xml version="1.0" encoding="utf-8"?>
 <p:sld xmlns:a="http://schemas.openxmlformats.org/drawingml/2006/main" xmlns:r="http://schemas.openxmlformats.org/officeDocument/2006/relationships" xmlns:p="http://schemas.openxmlformats.org/presentationml/2006/main">
   <p:cSld>
     <p:spTree>
@@ -6778,7 +6515,7 @@
       </p:grpSpPr>
       <p:sp>
         <p:nvSpPr>
-          <p:cNvPr id="2" name="Titel 1"/>
+          <p:cNvPr id="2" name="Title 1"/>
           <p:cNvSpPr>
             <a:spLocks noGrp="1"/>
           </p:cNvSpPr>
@@ -6797,21 +6534,63 @@
             </a:r>
             <a:r>
               <a:rPr lang="en-US" dirty="0" smtClean="0"/>
-              <a:t>2: General Design</a:t>
-            </a:r>
-            <a:endParaRPr lang="de-CH" dirty="0"/>
+              <a:t>3: Design with CSS</a:t>
+            </a:r>
+            <a:endParaRPr lang="en-GB" dirty="0"/>
+          </a:p>
+        </p:txBody>
+      </p:sp>
+      <p:sp>
+        <p:nvSpPr>
+          <p:cNvPr id="3" name="Content Placeholder 2"/>
+          <p:cNvSpPr>
+            <a:spLocks noGrp="1"/>
+          </p:cNvSpPr>
+          <p:nvPr>
+            <p:ph idx="1"/>
+          </p:nvPr>
+        </p:nvSpPr>
+        <p:spPr/>
+        <p:txBody>
+          <a:bodyPr/>
+          <a:lstStyle/>
+          <a:p>
+            <a:r>
+              <a:rPr lang="de-CH" dirty="0" err="1" smtClean="0"/>
+              <a:t>Classes</a:t>
+            </a:r>
+            <a:r>
+              <a:rPr lang="de-CH" dirty="0" smtClean="0"/>
+              <a:t> um </a:t>
+            </a:r>
+            <a:r>
+              <a:rPr lang="de-CH" dirty="0" smtClean="0"/>
+              <a:t>ähnliche Elemente zu gruppieren</a:t>
+            </a:r>
+          </a:p>
+          <a:p>
+            <a:r>
+              <a:rPr lang="de-CH" dirty="0" err="1" smtClean="0"/>
+              <a:t>ID’s</a:t>
+            </a:r>
+            <a:r>
+              <a:rPr lang="de-CH" dirty="0" smtClean="0"/>
+              <a:t> für spezifisches </a:t>
+            </a:r>
+            <a:r>
+              <a:rPr lang="de-CH" dirty="0" smtClean="0"/>
+              <a:t>Styling</a:t>
+            </a:r>
           </a:p>
         </p:txBody>
       </p:sp>
       <p:pic>
         <p:nvPicPr>
-          <p:cNvPr id="1026" name="Picture 2"/>
+          <p:cNvPr id="4" name="Picture 2"/>
           <p:cNvPicPr>
-            <a:picLocks noGrp="1" noChangeAspect="1" noChangeArrowheads="1"/>
+            <a:picLocks noChangeAspect="1" noChangeArrowheads="1"/>
           </p:cNvPicPr>
-          <p:nvPr>
-            <p:ph idx="1"/>
-          </p:nvPr>
+          <p:nvPr/>
         </p:nvPicPr>
         <p:blipFill>
           <a:blip r:embed="rId3">
@@ -6828,8 +6607,8 @@
         </p:blipFill>
         <p:spPr bwMode="auto">
           <a:xfrm>
-            <a:off x="938162" y="1600200"/>
-            <a:ext cx="6658075" cy="4800600"/>
+            <a:off x="1691680" y="2564904"/>
+            <a:ext cx="5093357" cy="3672408"/>
           </a:xfrm>
           <a:prstGeom prst="rect">
             <a:avLst/>
@@ -6862,7 +6641,7 @@
     </p:spTree>
     <p:extLst>
       <p:ext uri="{BB962C8B-B14F-4D97-AF65-F5344CB8AC3E}">
-        <p14:creationId xmlns:p14="http://schemas.microsoft.com/office/powerpoint/2010/main" val="2790683937"/>
+        <p14:creationId xmlns:p14="http://schemas.microsoft.com/office/powerpoint/2010/main" val="4094009332"/>
       </p:ext>
     </p:extLst>
   </p:cSld>
@@ -6905,12 +6684,8 @@
           <a:lstStyle/>
           <a:p>
             <a:r>
-              <a:rPr lang="en-US" dirty="0"/>
-              <a:t>Task </a:t>
-            </a:r>
-            <a:r>
-              <a:rPr lang="en-US" dirty="0" smtClean="0"/>
-              <a:t>3: Design with CSS</a:t>
+              <a:rPr lang="de-CH" dirty="0" smtClean="0"/>
+              <a:t>Task 4/5/6: PHP</a:t>
             </a:r>
             <a:endParaRPr lang="en-GB" dirty="0"/>
           </a:p>
@@ -6933,108 +6708,13 @@
           <a:p>
             <a:r>
               <a:rPr lang="de-CH" dirty="0" smtClean="0"/>
-              <a:t>Klassen um ähnliche Elemente zu gruppieren</a:t>
-            </a:r>
-          </a:p>
-          <a:p>
-            <a:r>
-              <a:rPr lang="de-CH" dirty="0" err="1" smtClean="0"/>
-              <a:t>ID’s</a:t>
-            </a:r>
-            <a:r>
-              <a:rPr lang="de-CH" dirty="0" smtClean="0"/>
-              <a:t> für spezifisches Styling</a:t>
-            </a:r>
-          </a:p>
-          <a:p>
-            <a:pPr marL="114300" indent="0">
-              <a:buNone/>
-            </a:pPr>
-            <a:endParaRPr lang="de-CH" dirty="0"/>
-          </a:p>
-        </p:txBody>
-      </p:sp>
-    </p:spTree>
-    <p:extLst>
-      <p:ext uri="{BB962C8B-B14F-4D97-AF65-F5344CB8AC3E}">
-        <p14:creationId xmlns:p14="http://schemas.microsoft.com/office/powerpoint/2010/main" val="4094009332"/>
-      </p:ext>
-    </p:extLst>
-  </p:cSld>
-  <p:clrMapOvr>
-    <a:masterClrMapping/>
-  </p:clrMapOvr>
-</p:sld>
-</file>
-
-<file path=ppt/slides/slide8.xml><?xml version="1.0" encoding="utf-8"?>
-<p:sld xmlns:a="http://schemas.openxmlformats.org/drawingml/2006/main" xmlns:r="http://schemas.openxmlformats.org/officeDocument/2006/relationships" xmlns:p="http://schemas.openxmlformats.org/presentationml/2006/main">
-  <p:cSld>
-    <p:spTree>
-      <p:nvGrpSpPr>
-        <p:cNvPr id="1" name=""/>
-        <p:cNvGrpSpPr/>
-        <p:nvPr/>
-      </p:nvGrpSpPr>
-      <p:grpSpPr>
-        <a:xfrm>
-          <a:off x="0" y="0"/>
-          <a:ext cx="0" cy="0"/>
-          <a:chOff x="0" y="0"/>
-          <a:chExt cx="0" cy="0"/>
-        </a:xfrm>
-      </p:grpSpPr>
-      <p:sp>
-        <p:nvSpPr>
-          <p:cNvPr id="2" name="Title 1"/>
-          <p:cNvSpPr>
-            <a:spLocks noGrp="1"/>
-          </p:cNvSpPr>
-          <p:nvPr>
-            <p:ph type="title"/>
-          </p:nvPr>
-        </p:nvSpPr>
-        <p:spPr/>
-        <p:txBody>
-          <a:bodyPr/>
-          <a:lstStyle/>
-          <a:p>
-            <a:r>
-              <a:rPr lang="de-CH" dirty="0" smtClean="0"/>
-              <a:t>Task 4/5/6: PHP</a:t>
-            </a:r>
-            <a:endParaRPr lang="en-GB" dirty="0"/>
-          </a:p>
-        </p:txBody>
-      </p:sp>
-      <p:sp>
-        <p:nvSpPr>
-          <p:cNvPr id="3" name="Content Placeholder 2"/>
-          <p:cNvSpPr>
-            <a:spLocks noGrp="1"/>
-          </p:cNvSpPr>
-          <p:nvPr>
-            <p:ph idx="1"/>
-          </p:nvPr>
-        </p:nvSpPr>
-        <p:spPr/>
-        <p:txBody>
-          <a:bodyPr/>
-          <a:lstStyle/>
-          <a:p>
-            <a:r>
-              <a:rPr lang="de-CH" dirty="0" smtClean="0"/>
               <a:t>Teile der Webseite in einzelne Files ausgelagert</a:t>
             </a:r>
           </a:p>
           <a:p>
             <a:r>
               <a:rPr lang="de-CH" dirty="0" smtClean="0"/>
-              <a:t>Dynamischer aufruf der </a:t>
-            </a:r>
-            <a:r>
-              <a:rPr lang="de-CH" dirty="0" smtClean="0"/>
-              <a:t>Kategorien</a:t>
+              <a:t>Dynamischer aufruf der Kategorien</a:t>
             </a:r>
           </a:p>
           <a:p>
@@ -7151,6 +6831,149 @@
 </p:sld>
 </file>
 
+<file path=ppt/slides/slide8.xml><?xml version="1.0" encoding="utf-8"?>
+<p:sld xmlns:a="http://schemas.openxmlformats.org/drawingml/2006/main" xmlns:r="http://schemas.openxmlformats.org/officeDocument/2006/relationships" xmlns:p="http://schemas.openxmlformats.org/presentationml/2006/main">
+  <p:cSld>
+    <p:spTree>
+      <p:nvGrpSpPr>
+        <p:cNvPr id="1" name=""/>
+        <p:cNvGrpSpPr/>
+        <p:nvPr/>
+      </p:nvGrpSpPr>
+      <p:grpSpPr>
+        <a:xfrm>
+          <a:off x="0" y="0"/>
+          <a:ext cx="0" cy="0"/>
+          <a:chOff x="0" y="0"/>
+          <a:chExt cx="0" cy="0"/>
+        </a:xfrm>
+      </p:grpSpPr>
+      <p:sp>
+        <p:nvSpPr>
+          <p:cNvPr id="2" name="Titel 1"/>
+          <p:cNvSpPr>
+            <a:spLocks noGrp="1"/>
+          </p:cNvSpPr>
+          <p:nvPr>
+            <p:ph type="title"/>
+          </p:nvPr>
+        </p:nvSpPr>
+        <p:spPr/>
+        <p:txBody>
+          <a:bodyPr/>
+          <a:lstStyle/>
+          <a:p>
+            <a:r>
+              <a:rPr lang="de-CH" dirty="0"/>
+              <a:t>Task </a:t>
+            </a:r>
+            <a:r>
+              <a:rPr lang="de-CH" dirty="0" smtClean="0"/>
+              <a:t>7: </a:t>
+            </a:r>
+            <a:r>
+              <a:rPr lang="en-GB" dirty="0" smtClean="0"/>
+              <a:t>JavaScript</a:t>
+            </a:r>
+            <a:endParaRPr lang="de-CH" dirty="0"/>
+          </a:p>
+        </p:txBody>
+      </p:sp>
+      <p:sp>
+        <p:nvSpPr>
+          <p:cNvPr id="3" name="Inhaltsplatzhalter 2"/>
+          <p:cNvSpPr>
+            <a:spLocks noGrp="1"/>
+          </p:cNvSpPr>
+          <p:nvPr>
+            <p:ph idx="1"/>
+          </p:nvPr>
+        </p:nvSpPr>
+        <p:spPr/>
+        <p:txBody>
+          <a:bodyPr/>
+          <a:lstStyle/>
+          <a:p>
+            <a:r>
+              <a:rPr lang="de-CH" dirty="0" smtClean="0"/>
+              <a:t>Form Validation</a:t>
+            </a:r>
+          </a:p>
+          <a:p>
+            <a:pPr lvl="1"/>
+            <a:r>
+              <a:rPr lang="de-CH" dirty="0" smtClean="0"/>
+              <a:t>Phone/Mobile </a:t>
+            </a:r>
+            <a:r>
+              <a:rPr lang="de-CH" dirty="0" err="1" smtClean="0"/>
+              <a:t>numbers</a:t>
+            </a:r>
+            <a:endParaRPr lang="de-CH" dirty="0" smtClean="0"/>
+          </a:p>
+          <a:p>
+            <a:pPr lvl="1"/>
+            <a:r>
+              <a:rPr lang="de-CH" dirty="0" smtClean="0"/>
+              <a:t>E-Mail Adressen</a:t>
+            </a:r>
+          </a:p>
+          <a:p>
+            <a:pPr lvl="1"/>
+            <a:r>
+              <a:rPr lang="de-CH" dirty="0" smtClean="0"/>
+              <a:t>Strasse, PLZ, Ort</a:t>
+            </a:r>
+          </a:p>
+          <a:p>
+            <a:pPr lvl="1"/>
+            <a:r>
+              <a:rPr lang="de-CH" dirty="0" smtClean="0"/>
+              <a:t>Passwort</a:t>
+            </a:r>
+          </a:p>
+          <a:p>
+            <a:pPr lvl="1"/>
+            <a:endParaRPr lang="de-CH" dirty="0"/>
+          </a:p>
+          <a:p>
+            <a:pPr lvl="1"/>
+            <a:r>
+              <a:rPr lang="de-CH" dirty="0" smtClean="0"/>
+              <a:t>Validation gemäss Input-Name</a:t>
+            </a:r>
+          </a:p>
+          <a:p>
+            <a:pPr lvl="1"/>
+            <a:endParaRPr lang="de-CH" dirty="0" smtClean="0"/>
+          </a:p>
+          <a:p>
+            <a:r>
+              <a:rPr lang="de-CH" dirty="0" smtClean="0"/>
+              <a:t>Formular wird nur bei korrekten Eingaben übermittelt</a:t>
+            </a:r>
+          </a:p>
+          <a:p>
+            <a:endParaRPr lang="de-CH" dirty="0"/>
+          </a:p>
+          <a:p>
+            <a:endParaRPr lang="de-CH" dirty="0"/>
+          </a:p>
+        </p:txBody>
+      </p:sp>
+    </p:spTree>
+    <p:extLst>
+      <p:ext uri="{BB962C8B-B14F-4D97-AF65-F5344CB8AC3E}">
+        <p14:creationId xmlns:p14="http://schemas.microsoft.com/office/powerpoint/2010/main" val="2405985397"/>
+      </p:ext>
+    </p:extLst>
+  </p:cSld>
+  <p:clrMapOvr>
+    <a:masterClrMapping/>
+  </p:clrMapOvr>
+</p:sld>
+</file>
+
 <file path=ppt/slides/slide9.xml><?xml version="1.0" encoding="utf-8"?>
 <p:sld xmlns:a="http://schemas.openxmlformats.org/drawingml/2006/main" xmlns:r="http://schemas.openxmlformats.org/officeDocument/2006/relationships" xmlns:p="http://schemas.openxmlformats.org/presentationml/2006/main">
   <p:cSld>
@@ -7189,11 +7012,7 @@
             </a:r>
             <a:r>
               <a:rPr lang="de-CH" dirty="0" smtClean="0"/>
-              <a:t>7: </a:t>
-            </a:r>
-            <a:r>
-              <a:rPr lang="en-GB" dirty="0" smtClean="0"/>
-              <a:t>JavaScript</a:t>
+              <a:t>8: Sessions</a:t>
             </a:r>
             <a:endParaRPr lang="de-CH" dirty="0"/>
           </a:p>
@@ -7209,82 +7028,117 @@
             <p:ph idx="1"/>
           </p:nvPr>
         </p:nvSpPr>
-        <p:spPr/>
-        <p:txBody>
-          <a:bodyPr/>
-          <a:lstStyle/>
-          <a:p>
-            <a:r>
-              <a:rPr lang="de-CH" dirty="0" smtClean="0"/>
-              <a:t>Form Validation</a:t>
+        <p:spPr>
+          <a:xfrm>
+            <a:off x="457200" y="1600200"/>
+            <a:ext cx="7620000" cy="1828800"/>
+          </a:xfrm>
+        </p:spPr>
+        <p:txBody>
+          <a:bodyPr>
+            <a:normAutofit fontScale="92500" lnSpcReduction="20000"/>
+          </a:bodyPr>
+          <a:lstStyle/>
+          <a:p>
+            <a:r>
+              <a:rPr lang="de-CH" dirty="0"/>
+              <a:t>Shopping </a:t>
+            </a:r>
+            <a:r>
+              <a:rPr lang="de-CH" dirty="0" err="1"/>
+              <a:t>Cart</a:t>
+            </a:r>
+            <a:endParaRPr lang="de-CH" dirty="0"/>
+          </a:p>
+          <a:p>
+            <a:r>
+              <a:rPr lang="de-CH" dirty="0" smtClean="0"/>
+              <a:t>Eingeloggter User</a:t>
+            </a:r>
+          </a:p>
+          <a:p>
+            <a:endParaRPr lang="de-CH" dirty="0" smtClean="0"/>
+          </a:p>
+          <a:p>
+            <a:r>
+              <a:rPr lang="de-CH" dirty="0" smtClean="0"/>
+              <a:t>Cookies</a:t>
             </a:r>
           </a:p>
           <a:p>
             <a:pPr lvl="1"/>
             <a:r>
               <a:rPr lang="de-CH" dirty="0" smtClean="0"/>
-              <a:t>Phone/Mobile </a:t>
-            </a:r>
-            <a:r>
-              <a:rPr lang="de-CH" dirty="0" err="1" smtClean="0"/>
-              <a:t>numbers</a:t>
-            </a:r>
-            <a:endParaRPr lang="de-CH" dirty="0" smtClean="0"/>
-          </a:p>
-          <a:p>
-            <a:pPr lvl="1"/>
-            <a:r>
-              <a:rPr lang="de-CH" dirty="0" smtClean="0"/>
-              <a:t>E-Mail Adressen</a:t>
-            </a:r>
-          </a:p>
-          <a:p>
-            <a:pPr lvl="1"/>
-            <a:r>
-              <a:rPr lang="de-CH" dirty="0" smtClean="0"/>
-              <a:t>Strasse, PLZ, Ort</a:t>
-            </a:r>
-          </a:p>
-          <a:p>
-            <a:pPr lvl="1"/>
-            <a:r>
-              <a:rPr lang="de-CH" dirty="0" smtClean="0"/>
-              <a:t>Passwort</a:t>
-            </a:r>
-          </a:p>
-          <a:p>
-            <a:pPr lvl="1"/>
-            <a:endParaRPr lang="de-CH" dirty="0"/>
-          </a:p>
-          <a:p>
-            <a:pPr lvl="1"/>
-            <a:r>
-              <a:rPr lang="de-CH" dirty="0" smtClean="0"/>
-              <a:t>Validation gemäss Input-Name</a:t>
-            </a:r>
-          </a:p>
-          <a:p>
-            <a:pPr lvl="1"/>
-            <a:endParaRPr lang="de-CH" dirty="0" smtClean="0"/>
-          </a:p>
-          <a:p>
-            <a:r>
-              <a:rPr lang="de-CH" dirty="0" smtClean="0"/>
-              <a:t>Formular wird nur bei korrekten Eingaben übermittelt</a:t>
-            </a:r>
-          </a:p>
-          <a:p>
-            <a:endParaRPr lang="de-CH" dirty="0"/>
-          </a:p>
-          <a:p>
-            <a:endParaRPr lang="de-CH" dirty="0"/>
-          </a:p>
-        </p:txBody>
-      </p:sp>
+              <a:t>Speichern der Spracheinstellungen</a:t>
+            </a:r>
+          </a:p>
+          <a:p>
+            <a:pPr lvl="2"/>
+            <a:r>
+              <a:rPr lang="de-CH" dirty="0" smtClean="0"/>
+              <a:t>1 Tag gültig</a:t>
+            </a:r>
+          </a:p>
+        </p:txBody>
+      </p:sp>
+      <p:pic>
+        <p:nvPicPr>
+          <p:cNvPr id="1026" name="Picture 2"/>
+          <p:cNvPicPr>
+            <a:picLocks noChangeAspect="1" noChangeArrowheads="1"/>
+          </p:cNvPicPr>
+          <p:nvPr/>
+        </p:nvPicPr>
+        <p:blipFill>
+          <a:blip r:embed="rId3">
+            <a:extLst>
+              <a:ext uri="{28A0092B-C50C-407E-A947-70E740481C1C}">
+                <a14:useLocalDpi xmlns:a14="http://schemas.microsoft.com/office/drawing/2010/main" val="0"/>
+              </a:ext>
+            </a:extLst>
+          </a:blip>
+          <a:srcRect/>
+          <a:stretch>
+            <a:fillRect/>
+          </a:stretch>
+        </p:blipFill>
+        <p:spPr bwMode="auto">
+          <a:xfrm>
+            <a:off x="539552" y="4221088"/>
+            <a:ext cx="7428661" cy="851322"/>
+          </a:xfrm>
+          <a:prstGeom prst="rect">
+            <a:avLst/>
+          </a:prstGeom>
+          <a:noFill/>
+          <a:ln>
+            <a:noFill/>
+          </a:ln>
+          <a:extLst>
+            <a:ext uri="{909E8E84-426E-40DD-AFC4-6F175D3DCCD1}">
+              <a14:hiddenFill xmlns:a14="http://schemas.microsoft.com/office/drawing/2010/main">
+                <a:solidFill>
+                  <a:schemeClr val="accent1"/>
+                </a:solidFill>
+              </a14:hiddenFill>
+            </a:ext>
+            <a:ext uri="{91240B29-F687-4F45-9708-019B960494DF}">
+              <a14:hiddenLine xmlns:a14="http://schemas.microsoft.com/office/drawing/2010/main" w="9525">
+                <a:solidFill>
+                  <a:schemeClr val="tx1"/>
+                </a:solidFill>
+                <a:miter lim="800000"/>
+                <a:headEnd/>
+                <a:tailEnd/>
+              </a14:hiddenLine>
+            </a:ext>
+          </a:extLst>
+        </p:spPr>
+      </p:pic>
     </p:spTree>
     <p:extLst>
       <p:ext uri="{BB962C8B-B14F-4D97-AF65-F5344CB8AC3E}">
-        <p14:creationId xmlns:p14="http://schemas.microsoft.com/office/powerpoint/2010/main" val="2405985397"/>
+        <p14:creationId xmlns:p14="http://schemas.microsoft.com/office/powerpoint/2010/main" val="2131794967"/>
       </p:ext>
     </p:extLst>
   </p:cSld>

--- a/doc/Präsentation.pptx
+++ b/doc/Präsentation.pptx
@@ -5,7 +5,7 @@
     <p:sldMasterId id="2147483792" r:id="rId1"/>
   </p:sldMasterIdLst>
   <p:notesMasterIdLst>
-    <p:notesMasterId r:id="rId18"/>
+    <p:notesMasterId r:id="rId19"/>
   </p:notesMasterIdLst>
   <p:sldIdLst>
     <p:sldId id="256" r:id="rId2"/>
@@ -22,8 +22,9 @@
     <p:sldId id="277" r:id="rId13"/>
     <p:sldId id="267" r:id="rId14"/>
     <p:sldId id="278" r:id="rId15"/>
-    <p:sldId id="269" r:id="rId16"/>
-    <p:sldId id="270" r:id="rId17"/>
+    <p:sldId id="279" r:id="rId16"/>
+    <p:sldId id="269" r:id="rId17"/>
+    <p:sldId id="270" r:id="rId18"/>
   </p:sldIdLst>
   <p:sldSz cx="9144000" cy="6858000" type="screen4x3"/>
   <p:notesSz cx="6858000" cy="9144000"/>
@@ -366,7 +367,7 @@
           <a:p>
             <a:fld id="{5A1C3CBA-C147-468E-B3D9-EB2B31A74A73}" type="slidenum">
               <a:rPr lang="de-CH" smtClean="0"/>
-              <a:t>‹Nr.›</a:t>
+              <a:t>‹#›</a:t>
             </a:fld>
             <a:endParaRPr lang="de-CH"/>
           </a:p>
@@ -1022,7 +1023,7 @@
       </p:grpSpPr>
       <p:sp>
         <p:nvSpPr>
-          <p:cNvPr id="2" name="Folienbildplatzhalter 1"/>
+          <p:cNvPr id="2" name="Slide Image Placeholder 1"/>
           <p:cNvSpPr>
             <a:spLocks noGrp="1" noRot="1" noChangeAspect="1"/>
           </p:cNvSpPr>
@@ -1034,7 +1035,7 @@
       </p:sp>
       <p:sp>
         <p:nvSpPr>
-          <p:cNvPr id="3" name="Notizenplatzhalter 2"/>
+          <p:cNvPr id="3" name="Notes Placeholder 2"/>
           <p:cNvSpPr>
             <a:spLocks noGrp="1"/>
           </p:cNvSpPr>
@@ -1047,43 +1048,17 @@
           <a:bodyPr/>
           <a:lstStyle/>
           <a:p>
-            <a:pPr marL="0" marR="0" indent="0" algn="l" defTabSz="914400" rtl="0" eaLnBrk="1" fontAlgn="auto" latinLnBrk="0" hangingPunct="1">
-              <a:lnSpc>
-                <a:spcPct val="100000"/>
-              </a:lnSpc>
-              <a:spcBef>
-                <a:spcPts val="0"/>
-              </a:spcBef>
-              <a:spcAft>
-                <a:spcPts val="0"/>
-              </a:spcAft>
-              <a:buClrTx/>
-              <a:buSzTx/>
-              <a:buFontTx/>
-              <a:buNone/>
-              <a:tabLst/>
-              <a:defRPr/>
-            </a:pPr>
-            <a:r>
-              <a:rPr lang="de-CH" dirty="0" smtClean="0"/>
-              <a:t>CSS von Hand: Aufwand und Ertrag sind nicht im Verhältnis</a:t>
-            </a:r>
-          </a:p>
-          <a:p>
-            <a:endParaRPr lang="de-CH" dirty="0" smtClean="0"/>
-          </a:p>
-          <a:p>
-            <a:r>
-              <a:rPr lang="de-CH" dirty="0" smtClean="0"/>
-              <a:t>Koch</a:t>
-            </a:r>
-            <a:endParaRPr lang="de-CH" dirty="0"/>
-          </a:p>
-        </p:txBody>
-      </p:sp>
-      <p:sp>
-        <p:nvSpPr>
-          <p:cNvPr id="4" name="Foliennummernplatzhalter 3"/>
+            <a:r>
+              <a:rPr lang="de-CH" dirty="0" smtClean="0"/>
+              <a:t>Ryser</a:t>
+            </a:r>
+            <a:endParaRPr lang="en-GB" dirty="0"/>
+          </a:p>
+        </p:txBody>
+      </p:sp>
+      <p:sp>
+        <p:nvSpPr>
+          <p:cNvPr id="4" name="Slide Number Placeholder 3"/>
           <p:cNvSpPr>
             <a:spLocks noGrp="1"/>
           </p:cNvSpPr>
@@ -1107,7 +1082,7 @@
     </p:spTree>
     <p:extLst>
       <p:ext uri="{BB962C8B-B14F-4D97-AF65-F5344CB8AC3E}">
-        <p14:creationId xmlns:p14="http://schemas.microsoft.com/office/powerpoint/2010/main" val="1296055436"/>
+        <p14:creationId xmlns:p14="http://schemas.microsoft.com/office/powerpoint/2010/main" val="1734705487"/>
       </p:ext>
     </p:extLst>
   </p:cSld>
@@ -1161,9 +1136,35 @@
           <a:bodyPr/>
           <a:lstStyle/>
           <a:p>
-            <a:r>
-              <a:rPr lang="de-CH" smtClean="0"/>
-              <a:t>Koch</a:t>
+            <a:pPr marL="0" marR="0" indent="0" algn="l" defTabSz="914400" rtl="0" eaLnBrk="1" fontAlgn="auto" latinLnBrk="0" hangingPunct="1">
+              <a:lnSpc>
+                <a:spcPct val="100000"/>
+              </a:lnSpc>
+              <a:spcBef>
+                <a:spcPts val="0"/>
+              </a:spcBef>
+              <a:spcAft>
+                <a:spcPts val="0"/>
+              </a:spcAft>
+              <a:buClrTx/>
+              <a:buSzTx/>
+              <a:buFontTx/>
+              <a:buNone/>
+              <a:tabLst/>
+              <a:defRPr/>
+            </a:pPr>
+            <a:r>
+              <a:rPr lang="de-CH" dirty="0" smtClean="0"/>
+              <a:t>CSS von Hand: Aufwand und Ertrag sind nicht im Verhältnis</a:t>
+            </a:r>
+          </a:p>
+          <a:p>
+            <a:endParaRPr lang="de-CH" dirty="0" smtClean="0"/>
+          </a:p>
+          <a:p>
+            <a:r>
+              <a:rPr lang="de-CH" dirty="0" smtClean="0"/>
+              <a:t>Koch / Ryser</a:t>
             </a:r>
             <a:endParaRPr lang="de-CH" dirty="0"/>
           </a:p>
@@ -1187,6 +1188,94 @@
             <a:fld id="{5A1C3CBA-C147-468E-B3D9-EB2B31A74A73}" type="slidenum">
               <a:rPr lang="de-CH" smtClean="0"/>
               <a:t>16</a:t>
+            </a:fld>
+            <a:endParaRPr lang="de-CH"/>
+          </a:p>
+        </p:txBody>
+      </p:sp>
+    </p:spTree>
+    <p:extLst>
+      <p:ext uri="{BB962C8B-B14F-4D97-AF65-F5344CB8AC3E}">
+        <p14:creationId xmlns:p14="http://schemas.microsoft.com/office/powerpoint/2010/main" val="1296055436"/>
+      </p:ext>
+    </p:extLst>
+  </p:cSld>
+  <p:clrMapOvr>
+    <a:masterClrMapping/>
+  </p:clrMapOvr>
+</p:notes>
+</file>
+
+<file path=ppt/notesSlides/notesSlide17.xml><?xml version="1.0" encoding="utf-8"?>
+<p:notes xmlns:a="http://schemas.openxmlformats.org/drawingml/2006/main" xmlns:r="http://schemas.openxmlformats.org/officeDocument/2006/relationships" xmlns:p="http://schemas.openxmlformats.org/presentationml/2006/main">
+  <p:cSld>
+    <p:spTree>
+      <p:nvGrpSpPr>
+        <p:cNvPr id="1" name=""/>
+        <p:cNvGrpSpPr/>
+        <p:nvPr/>
+      </p:nvGrpSpPr>
+      <p:grpSpPr>
+        <a:xfrm>
+          <a:off x="0" y="0"/>
+          <a:ext cx="0" cy="0"/>
+          <a:chOff x="0" y="0"/>
+          <a:chExt cx="0" cy="0"/>
+        </a:xfrm>
+      </p:grpSpPr>
+      <p:sp>
+        <p:nvSpPr>
+          <p:cNvPr id="2" name="Folienbildplatzhalter 1"/>
+          <p:cNvSpPr>
+            <a:spLocks noGrp="1" noRot="1" noChangeAspect="1"/>
+          </p:cNvSpPr>
+          <p:nvPr>
+            <p:ph type="sldImg"/>
+          </p:nvPr>
+        </p:nvSpPr>
+        <p:spPr/>
+      </p:sp>
+      <p:sp>
+        <p:nvSpPr>
+          <p:cNvPr id="3" name="Notizenplatzhalter 2"/>
+          <p:cNvSpPr>
+            <a:spLocks noGrp="1"/>
+          </p:cNvSpPr>
+          <p:nvPr>
+            <p:ph type="body" idx="1"/>
+          </p:nvPr>
+        </p:nvSpPr>
+        <p:spPr/>
+        <p:txBody>
+          <a:bodyPr/>
+          <a:lstStyle/>
+          <a:p>
+            <a:r>
+              <a:rPr lang="de-CH" smtClean="0"/>
+              <a:t>Koch</a:t>
+            </a:r>
+            <a:endParaRPr lang="de-CH" dirty="0"/>
+          </a:p>
+        </p:txBody>
+      </p:sp>
+      <p:sp>
+        <p:nvSpPr>
+          <p:cNvPr id="4" name="Foliennummernplatzhalter 3"/>
+          <p:cNvSpPr>
+            <a:spLocks noGrp="1"/>
+          </p:cNvSpPr>
+          <p:nvPr>
+            <p:ph type="sldNum" sz="quarter" idx="10"/>
+          </p:nvPr>
+        </p:nvSpPr>
+        <p:spPr/>
+        <p:txBody>
+          <a:bodyPr/>
+          <a:lstStyle/>
+          <a:p>
+            <a:fld id="{5A1C3CBA-C147-468E-B3D9-EB2B31A74A73}" type="slidenum">
+              <a:rPr lang="de-CH" smtClean="0"/>
+              <a:t>17</a:t>
             </a:fld>
             <a:endParaRPr lang="de-CH"/>
           </a:p>
@@ -2187,7 +2276,7 @@
           <a:p>
             <a:fld id="{36873C15-3A40-4BC5-91D3-8CBC3D910096}" type="slidenum">
               <a:rPr lang="de-CH" smtClean="0"/>
-              <a:t>‹Nr.›</a:t>
+              <a:t>‹#›</a:t>
             </a:fld>
             <a:endParaRPr lang="de-CH"/>
           </a:p>
@@ -2352,7 +2441,7 @@
           <a:p>
             <a:fld id="{36873C15-3A40-4BC5-91D3-8CBC3D910096}" type="slidenum">
               <a:rPr lang="de-CH" smtClean="0"/>
-              <a:t>‹Nr.›</a:t>
+              <a:t>‹#›</a:t>
             </a:fld>
             <a:endParaRPr lang="de-CH"/>
           </a:p>
@@ -2527,7 +2616,7 @@
           <a:p>
             <a:fld id="{36873C15-3A40-4BC5-91D3-8CBC3D910096}" type="slidenum">
               <a:rPr lang="de-CH" smtClean="0"/>
-              <a:t>‹Nr.›</a:t>
+              <a:t>‹#›</a:t>
             </a:fld>
             <a:endParaRPr lang="de-CH"/>
           </a:p>
@@ -2692,7 +2781,7 @@
           <a:p>
             <a:fld id="{36873C15-3A40-4BC5-91D3-8CBC3D910096}" type="slidenum">
               <a:rPr lang="de-CH" smtClean="0"/>
-              <a:t>‹Nr.›</a:t>
+              <a:t>‹#›</a:t>
             </a:fld>
             <a:endParaRPr lang="de-CH"/>
           </a:p>
@@ -2933,7 +3022,7 @@
           <a:p>
             <a:fld id="{36873C15-3A40-4BC5-91D3-8CBC3D910096}" type="slidenum">
               <a:rPr lang="de-CH" smtClean="0"/>
-              <a:t>‹Nr.›</a:t>
+              <a:t>‹#›</a:t>
             </a:fld>
             <a:endParaRPr lang="de-CH"/>
           </a:p>
@@ -3216,7 +3305,7 @@
           <a:p>
             <a:fld id="{36873C15-3A40-4BC5-91D3-8CBC3D910096}" type="slidenum">
               <a:rPr lang="de-CH" smtClean="0"/>
-              <a:t>‹Nr.›</a:t>
+              <a:t>‹#›</a:t>
             </a:fld>
             <a:endParaRPr lang="de-CH"/>
           </a:p>
@@ -3645,7 +3734,7 @@
           <a:p>
             <a:fld id="{36873C15-3A40-4BC5-91D3-8CBC3D910096}" type="slidenum">
               <a:rPr lang="de-CH" smtClean="0"/>
-              <a:t>‹Nr.›</a:t>
+              <a:t>‹#›</a:t>
             </a:fld>
             <a:endParaRPr lang="de-CH"/>
           </a:p>
@@ -3758,7 +3847,7 @@
           <a:p>
             <a:fld id="{36873C15-3A40-4BC5-91D3-8CBC3D910096}" type="slidenum">
               <a:rPr lang="de-CH" smtClean="0"/>
-              <a:t>‹Nr.›</a:t>
+              <a:t>‹#›</a:t>
             </a:fld>
             <a:endParaRPr lang="de-CH"/>
           </a:p>
@@ -3848,7 +3937,7 @@
           <a:p>
             <a:fld id="{36873C15-3A40-4BC5-91D3-8CBC3D910096}" type="slidenum">
               <a:rPr lang="de-CH" smtClean="0"/>
-              <a:t>‹Nr.›</a:t>
+              <a:t>‹#›</a:t>
             </a:fld>
             <a:endParaRPr lang="de-CH"/>
           </a:p>
@@ -4037,7 +4126,7 @@
           <a:p>
             <a:fld id="{36873C15-3A40-4BC5-91D3-8CBC3D910096}" type="slidenum">
               <a:rPr lang="de-CH" smtClean="0"/>
-              <a:t>‹Nr.›</a:t>
+              <a:t>‹#›</a:t>
             </a:fld>
             <a:endParaRPr lang="de-CH"/>
           </a:p>
@@ -4336,7 +4425,7 @@
           <a:p>
             <a:fld id="{36873C15-3A40-4BC5-91D3-8CBC3D910096}" type="slidenum">
               <a:rPr lang="de-CH" smtClean="0"/>
-              <a:t>‹Nr.›</a:t>
+              <a:t>‹#›</a:t>
             </a:fld>
             <a:endParaRPr lang="de-CH"/>
           </a:p>
@@ -4618,7 +4707,7 @@
           <a:p>
             <a:fld id="{36873C15-3A40-4BC5-91D3-8CBC3D910096}" type="slidenum">
               <a:rPr lang="de-CH" smtClean="0"/>
-              <a:t>‹Nr.›</a:t>
+              <a:t>‹#›</a:t>
             </a:fld>
             <a:endParaRPr lang="de-CH"/>
           </a:p>
@@ -5403,23 +5492,26 @@
           <a:p>
             <a:r>
               <a:rPr lang="de-CH" dirty="0" smtClean="0"/>
-              <a:t>Yahoo </a:t>
-            </a:r>
-            <a:r>
-              <a:rPr lang="de-CH" dirty="0" err="1" smtClean="0"/>
-              <a:t>Weather</a:t>
+              <a:t>Yahoo</a:t>
+            </a:r>
+          </a:p>
+          <a:p>
+            <a:pPr lvl="1"/>
+            <a:r>
+              <a:rPr lang="de-CH" dirty="0" smtClean="0"/>
+              <a:t>Wetter</a:t>
             </a:r>
             <a:endParaRPr lang="de-CH" dirty="0" smtClean="0"/>
           </a:p>
           <a:p>
             <a:pPr lvl="1"/>
             <a:r>
-              <a:rPr lang="de-CH" dirty="0" err="1" smtClean="0"/>
-              <a:t>cURL</a:t>
-            </a:r>
-            <a:r>
-              <a:rPr lang="de-CH" dirty="0" smtClean="0"/>
-              <a:t> Query</a:t>
+              <a:rPr lang="de-CH" dirty="0" smtClean="0"/>
+              <a:t>cURL </a:t>
+            </a:r>
+            <a:r>
+              <a:rPr lang="de-CH" dirty="0" smtClean="0"/>
+              <a:t>Query</a:t>
             </a:r>
           </a:p>
           <a:p>
@@ -5859,6 +5951,129 @@
       </p:grpSpPr>
       <p:sp>
         <p:nvSpPr>
+          <p:cNvPr id="2" name="Title 1"/>
+          <p:cNvSpPr>
+            <a:spLocks noGrp="1"/>
+          </p:cNvSpPr>
+          <p:nvPr>
+            <p:ph type="title"/>
+          </p:nvPr>
+        </p:nvSpPr>
+        <p:spPr/>
+        <p:txBody>
+          <a:bodyPr/>
+          <a:lstStyle/>
+          <a:p>
+            <a:r>
+              <a:rPr lang="de-CH" dirty="0" smtClean="0"/>
+              <a:t>Arbeit im Team</a:t>
+            </a:r>
+            <a:endParaRPr lang="en-GB" dirty="0"/>
+          </a:p>
+        </p:txBody>
+      </p:sp>
+      <p:sp>
+        <p:nvSpPr>
+          <p:cNvPr id="3" name="Content Placeholder 2"/>
+          <p:cNvSpPr>
+            <a:spLocks noGrp="1"/>
+          </p:cNvSpPr>
+          <p:nvPr>
+            <p:ph idx="1"/>
+          </p:nvPr>
+        </p:nvSpPr>
+        <p:spPr/>
+        <p:txBody>
+          <a:bodyPr/>
+          <a:lstStyle/>
+          <a:p>
+            <a:r>
+              <a:rPr lang="de-CH" dirty="0" smtClean="0"/>
+              <a:t>Keine spezielle Verteilung der Task</a:t>
+            </a:r>
+          </a:p>
+          <a:p>
+            <a:r>
+              <a:rPr lang="de-CH" dirty="0" smtClean="0"/>
+              <a:t>Spontane Absprache</a:t>
+            </a:r>
+            <a:endParaRPr lang="en-GB" dirty="0"/>
+          </a:p>
+        </p:txBody>
+      </p:sp>
+      <p:pic>
+        <p:nvPicPr>
+          <p:cNvPr id="1026" name="Picture 2" descr="C:\Users\Pascal\Desktop\commits.PNG"/>
+          <p:cNvPicPr>
+            <a:picLocks noChangeAspect="1" noChangeArrowheads="1"/>
+          </p:cNvPicPr>
+          <p:nvPr/>
+        </p:nvPicPr>
+        <p:blipFill>
+          <a:blip r:embed="rId3">
+            <a:extLst>
+              <a:ext uri="{28A0092B-C50C-407E-A947-70E740481C1C}">
+                <a14:useLocalDpi xmlns:a14="http://schemas.microsoft.com/office/drawing/2010/main" val="0"/>
+              </a:ext>
+            </a:extLst>
+          </a:blip>
+          <a:srcRect/>
+          <a:stretch>
+            <a:fillRect/>
+          </a:stretch>
+        </p:blipFill>
+        <p:spPr bwMode="auto">
+          <a:xfrm>
+            <a:off x="179511" y="3212976"/>
+            <a:ext cx="8285683" cy="2195491"/>
+          </a:xfrm>
+          <a:prstGeom prst="rect">
+            <a:avLst/>
+          </a:prstGeom>
+          <a:noFill/>
+          <a:extLst>
+            <a:ext uri="{909E8E84-426E-40DD-AFC4-6F175D3DCCD1}">
+              <a14:hiddenFill xmlns:a14="http://schemas.microsoft.com/office/drawing/2010/main">
+                <a:solidFill>
+                  <a:srgbClr val="FFFFFF"/>
+                </a:solidFill>
+              </a14:hiddenFill>
+            </a:ext>
+          </a:extLst>
+        </p:spPr>
+      </p:pic>
+    </p:spTree>
+    <p:extLst>
+      <p:ext uri="{BB962C8B-B14F-4D97-AF65-F5344CB8AC3E}">
+        <p14:creationId xmlns:p14="http://schemas.microsoft.com/office/powerpoint/2010/main" val="2285269046"/>
+      </p:ext>
+    </p:extLst>
+  </p:cSld>
+  <p:clrMapOvr>
+    <a:masterClrMapping/>
+  </p:clrMapOvr>
+</p:sld>
+</file>
+
+<file path=ppt/slides/slide16.xml><?xml version="1.0" encoding="utf-8"?>
+<p:sld xmlns:a="http://schemas.openxmlformats.org/drawingml/2006/main" xmlns:r="http://schemas.openxmlformats.org/officeDocument/2006/relationships" xmlns:p="http://schemas.openxmlformats.org/presentationml/2006/main">
+  <p:cSld>
+    <p:spTree>
+      <p:nvGrpSpPr>
+        <p:cNvPr id="1" name=""/>
+        <p:cNvGrpSpPr/>
+        <p:nvPr/>
+      </p:nvGrpSpPr>
+      <p:grpSpPr>
+        <a:xfrm>
+          <a:off x="0" y="0"/>
+          <a:ext cx="0" cy="0"/>
+          <a:chOff x="0" y="0"/>
+          <a:chExt cx="0" cy="0"/>
+        </a:xfrm>
+      </p:grpSpPr>
+      <p:sp>
+        <p:nvSpPr>
           <p:cNvPr id="2" name="Titel 1"/>
           <p:cNvSpPr>
             <a:spLocks noGrp="1"/>
@@ -5909,8 +6124,19 @@
           <a:p>
             <a:r>
               <a:rPr lang="de-CH" dirty="0" smtClean="0"/>
-              <a:t>Organisierte Struktur</a:t>
-            </a:r>
+              <a:t>Organisierte </a:t>
+            </a:r>
+            <a:r>
+              <a:rPr lang="de-CH" dirty="0" smtClean="0"/>
+              <a:t>Struktur</a:t>
+            </a:r>
+          </a:p>
+          <a:p>
+            <a:r>
+              <a:rPr lang="de-CH" dirty="0" smtClean="0"/>
+              <a:t>Sinnvolle Verwendung von Klassen</a:t>
+            </a:r>
+            <a:endParaRPr lang="de-CH" dirty="0" smtClean="0"/>
           </a:p>
           <a:p>
             <a:endParaRPr lang="de-CH" dirty="0" smtClean="0"/>
@@ -5947,7 +6173,7 @@
           <a:p>
             <a:r>
               <a:rPr lang="de-CH" dirty="0" smtClean="0"/>
-              <a:t>Web Service ist mühsam</a:t>
+              <a:t>Mühsame Einbindung des Web Service</a:t>
             </a:r>
             <a:endParaRPr lang="de-CH" dirty="0"/>
           </a:p>
@@ -5966,7 +6192,7 @@
 </p:sld>
 </file>
 
-<file path=ppt/slides/slide16.xml><?xml version="1.0" encoding="utf-8"?>
+<file path=ppt/slides/slide17.xml><?xml version="1.0" encoding="utf-8"?>
 <p:sld xmlns:a="http://schemas.openxmlformats.org/drawingml/2006/main" xmlns:r="http://schemas.openxmlformats.org/officeDocument/2006/relationships" xmlns:p="http://schemas.openxmlformats.org/presentationml/2006/main">
   <p:cSld>
     <p:spTree>
@@ -6093,6 +6319,13 @@
           </a:p>
           <a:p>
             <a:r>
+              <a:rPr lang="de-CH" dirty="0" smtClean="0"/>
+              <a:t>Arbeit im Team</a:t>
+            </a:r>
+            <a:endParaRPr lang="de-CH" dirty="0" smtClean="0"/>
+          </a:p>
+          <a:p>
+            <a:r>
               <a:rPr lang="de-CH" dirty="0" err="1" smtClean="0"/>
               <a:t>Lessons</a:t>
             </a:r>
@@ -6173,10 +6406,9 @@
           <a:lstStyle/>
           <a:p>
             <a:r>
-              <a:rPr lang="de-CH" smtClean="0"/>
+              <a:rPr lang="de-CH" dirty="0" smtClean="0"/>
               <a:t>XAMPP / PHP / JavaScript / MySQL / HTML / AJAX</a:t>
             </a:r>
-            <a:endParaRPr lang="de-CH" dirty="0" smtClean="0"/>
           </a:p>
           <a:p>
             <a:endParaRPr lang="de-CH" dirty="0"/>
@@ -6216,7 +6448,7 @@
             <a:pPr lvl="1"/>
             <a:r>
               <a:rPr lang="de-CH" dirty="0" smtClean="0"/>
-              <a:t>Yahoo Weather</a:t>
+              <a:t>Yahoo</a:t>
             </a:r>
             <a:endParaRPr lang="de-CH" dirty="0"/>
           </a:p>
@@ -6556,12 +6788,8 @@
           <a:lstStyle/>
           <a:p>
             <a:r>
-              <a:rPr lang="de-CH" dirty="0" err="1" smtClean="0"/>
-              <a:t>Classes</a:t>
-            </a:r>
-            <a:r>
-              <a:rPr lang="de-CH" dirty="0" smtClean="0"/>
-              <a:t> um </a:t>
+              <a:rPr lang="de-CH" dirty="0" smtClean="0"/>
+              <a:t>Klassen um </a:t>
             </a:r>
             <a:r>
               <a:rPr lang="de-CH" dirty="0" smtClean="0"/>
@@ -6575,11 +6803,7 @@
             </a:r>
             <a:r>
               <a:rPr lang="de-CH" dirty="0" smtClean="0"/>
-              <a:t> für spezifisches </a:t>
-            </a:r>
-            <a:r>
-              <a:rPr lang="de-CH" dirty="0" smtClean="0"/>
-              <a:t>Styling</a:t>
+              <a:t> für spezifisches Styling</a:t>
             </a:r>
           </a:p>
         </p:txBody>

--- a/doc/Präsentation.pptx
+++ b/doc/Präsentation.pptx
@@ -5,7 +5,7 @@
     <p:sldMasterId id="2147483792" r:id="rId1"/>
   </p:sldMasterIdLst>
   <p:notesMasterIdLst>
-    <p:notesMasterId r:id="rId19"/>
+    <p:notesMasterId r:id="rId20"/>
   </p:notesMasterIdLst>
   <p:sldIdLst>
     <p:sldId id="256" r:id="rId2"/>
@@ -13,18 +13,19 @@
     <p:sldId id="261" r:id="rId4"/>
     <p:sldId id="271" r:id="rId5"/>
     <p:sldId id="272" r:id="rId6"/>
-    <p:sldId id="273" r:id="rId7"/>
-    <p:sldId id="274" r:id="rId8"/>
-    <p:sldId id="264" r:id="rId9"/>
-    <p:sldId id="266" r:id="rId10"/>
-    <p:sldId id="275" r:id="rId11"/>
-    <p:sldId id="276" r:id="rId12"/>
-    <p:sldId id="277" r:id="rId13"/>
-    <p:sldId id="267" r:id="rId14"/>
-    <p:sldId id="278" r:id="rId15"/>
-    <p:sldId id="279" r:id="rId16"/>
-    <p:sldId id="269" r:id="rId17"/>
-    <p:sldId id="270" r:id="rId18"/>
+    <p:sldId id="280" r:id="rId7"/>
+    <p:sldId id="273" r:id="rId8"/>
+    <p:sldId id="274" r:id="rId9"/>
+    <p:sldId id="264" r:id="rId10"/>
+    <p:sldId id="266" r:id="rId11"/>
+    <p:sldId id="275" r:id="rId12"/>
+    <p:sldId id="276" r:id="rId13"/>
+    <p:sldId id="277" r:id="rId14"/>
+    <p:sldId id="267" r:id="rId15"/>
+    <p:sldId id="278" r:id="rId16"/>
+    <p:sldId id="279" r:id="rId17"/>
+    <p:sldId id="269" r:id="rId18"/>
+    <p:sldId id="270" r:id="rId19"/>
   </p:sldIdLst>
   <p:sldSz cx="9144000" cy="6858000" type="screen4x3"/>
   <p:notesSz cx="6858000" cy="9144000"/>
@@ -208,7 +209,7 @@
           <a:p>
             <a:fld id="{BD524EE9-0F98-4D3D-A16D-137530EB131C}" type="datetimeFigureOut">
               <a:rPr lang="de-CH" smtClean="0"/>
-              <a:t>08.01.2015</a:t>
+              <a:t>09.01.2015</a:t>
             </a:fld>
             <a:endParaRPr lang="de-CH"/>
           </a:p>
@@ -642,7 +643,7 @@
     </p:spTree>
     <p:extLst>
       <p:ext uri="{BB962C8B-B14F-4D97-AF65-F5344CB8AC3E}">
-        <p14:creationId xmlns:p14="http://schemas.microsoft.com/office/powerpoint/2010/main" val="4171842614"/>
+        <p14:creationId xmlns:p14="http://schemas.microsoft.com/office/powerpoint/2010/main" val="3877336550"/>
       </p:ext>
     </p:extLst>
   </p:cSld>
@@ -730,7 +731,7 @@
     </p:spTree>
     <p:extLst>
       <p:ext uri="{BB962C8B-B14F-4D97-AF65-F5344CB8AC3E}">
-        <p14:creationId xmlns:p14="http://schemas.microsoft.com/office/powerpoint/2010/main" val="1583151638"/>
+        <p14:creationId xmlns:p14="http://schemas.microsoft.com/office/powerpoint/2010/main" val="4171842614"/>
       </p:ext>
     </p:extLst>
   </p:cSld>
@@ -818,7 +819,7 @@
     </p:spTree>
     <p:extLst>
       <p:ext uri="{BB962C8B-B14F-4D97-AF65-F5344CB8AC3E}">
-        <p14:creationId xmlns:p14="http://schemas.microsoft.com/office/powerpoint/2010/main" val="4033228569"/>
+        <p14:creationId xmlns:p14="http://schemas.microsoft.com/office/powerpoint/2010/main" val="1583151638"/>
       </p:ext>
     </p:extLst>
   </p:cSld>
@@ -874,7 +875,7 @@
           <a:p>
             <a:r>
               <a:rPr lang="de-CH" dirty="0" smtClean="0"/>
-              <a:t>Koch</a:t>
+              <a:t>Ryser</a:t>
             </a:r>
             <a:endParaRPr lang="de-CH" dirty="0"/>
           </a:p>
@@ -906,7 +907,7 @@
     </p:spTree>
     <p:extLst>
       <p:ext uri="{BB962C8B-B14F-4D97-AF65-F5344CB8AC3E}">
-        <p14:creationId xmlns:p14="http://schemas.microsoft.com/office/powerpoint/2010/main" val="389352693"/>
+        <p14:creationId xmlns:p14="http://schemas.microsoft.com/office/powerpoint/2010/main" val="4033228569"/>
       </p:ext>
     </p:extLst>
   </p:cSld>
@@ -994,7 +995,7 @@
     </p:spTree>
     <p:extLst>
       <p:ext uri="{BB962C8B-B14F-4D97-AF65-F5344CB8AC3E}">
-        <p14:creationId xmlns:p14="http://schemas.microsoft.com/office/powerpoint/2010/main" val="1046251014"/>
+        <p14:creationId xmlns:p14="http://schemas.microsoft.com/office/powerpoint/2010/main" val="389352693"/>
       </p:ext>
     </p:extLst>
   </p:cSld>
@@ -1023,7 +1024,7 @@
       </p:grpSpPr>
       <p:sp>
         <p:nvSpPr>
-          <p:cNvPr id="2" name="Slide Image Placeholder 1"/>
+          <p:cNvPr id="2" name="Folienbildplatzhalter 1"/>
           <p:cNvSpPr>
             <a:spLocks noGrp="1" noRot="1" noChangeAspect="1"/>
           </p:cNvSpPr>
@@ -1035,7 +1036,7 @@
       </p:sp>
       <p:sp>
         <p:nvSpPr>
-          <p:cNvPr id="3" name="Notes Placeholder 2"/>
+          <p:cNvPr id="3" name="Notizenplatzhalter 2"/>
           <p:cNvSpPr>
             <a:spLocks noGrp="1"/>
           </p:cNvSpPr>
@@ -1050,15 +1051,15 @@
           <a:p>
             <a:r>
               <a:rPr lang="de-CH" dirty="0" smtClean="0"/>
-              <a:t>Ryser</a:t>
-            </a:r>
-            <a:endParaRPr lang="en-GB" dirty="0"/>
-          </a:p>
-        </p:txBody>
-      </p:sp>
-      <p:sp>
-        <p:nvSpPr>
-          <p:cNvPr id="4" name="Slide Number Placeholder 3"/>
+              <a:t>Koch</a:t>
+            </a:r>
+            <a:endParaRPr lang="de-CH" dirty="0"/>
+          </a:p>
+        </p:txBody>
+      </p:sp>
+      <p:sp>
+        <p:nvSpPr>
+          <p:cNvPr id="4" name="Foliennummernplatzhalter 3"/>
           <p:cNvSpPr>
             <a:spLocks noGrp="1"/>
           </p:cNvSpPr>
@@ -1082,7 +1083,7 @@
     </p:spTree>
     <p:extLst>
       <p:ext uri="{BB962C8B-B14F-4D97-AF65-F5344CB8AC3E}">
-        <p14:creationId xmlns:p14="http://schemas.microsoft.com/office/powerpoint/2010/main" val="1734705487"/>
+        <p14:creationId xmlns:p14="http://schemas.microsoft.com/office/powerpoint/2010/main" val="1046251014"/>
       </p:ext>
     </p:extLst>
   </p:cSld>
@@ -1111,7 +1112,7 @@
       </p:grpSpPr>
       <p:sp>
         <p:nvSpPr>
-          <p:cNvPr id="2" name="Folienbildplatzhalter 1"/>
+          <p:cNvPr id="2" name="Slide Image Placeholder 1"/>
           <p:cNvSpPr>
             <a:spLocks noGrp="1" noRot="1" noChangeAspect="1"/>
           </p:cNvSpPr>
@@ -1123,7 +1124,7 @@
       </p:sp>
       <p:sp>
         <p:nvSpPr>
-          <p:cNvPr id="3" name="Notizenplatzhalter 2"/>
+          <p:cNvPr id="3" name="Notes Placeholder 2"/>
           <p:cNvSpPr>
             <a:spLocks noGrp="1"/>
           </p:cNvSpPr>
@@ -1136,43 +1137,17 @@
           <a:bodyPr/>
           <a:lstStyle/>
           <a:p>
-            <a:pPr marL="0" marR="0" indent="0" algn="l" defTabSz="914400" rtl="0" eaLnBrk="1" fontAlgn="auto" latinLnBrk="0" hangingPunct="1">
-              <a:lnSpc>
-                <a:spcPct val="100000"/>
-              </a:lnSpc>
-              <a:spcBef>
-                <a:spcPts val="0"/>
-              </a:spcBef>
-              <a:spcAft>
-                <a:spcPts val="0"/>
-              </a:spcAft>
-              <a:buClrTx/>
-              <a:buSzTx/>
-              <a:buFontTx/>
-              <a:buNone/>
-              <a:tabLst/>
-              <a:defRPr/>
-            </a:pPr>
-            <a:r>
-              <a:rPr lang="de-CH" dirty="0" smtClean="0"/>
-              <a:t>CSS von Hand: Aufwand und Ertrag sind nicht im Verhältnis</a:t>
-            </a:r>
-          </a:p>
-          <a:p>
-            <a:endParaRPr lang="de-CH" dirty="0" smtClean="0"/>
-          </a:p>
-          <a:p>
-            <a:r>
-              <a:rPr lang="de-CH" dirty="0" smtClean="0"/>
-              <a:t>Koch / Ryser</a:t>
-            </a:r>
-            <a:endParaRPr lang="de-CH" dirty="0"/>
-          </a:p>
-        </p:txBody>
-      </p:sp>
-      <p:sp>
-        <p:nvSpPr>
-          <p:cNvPr id="4" name="Foliennummernplatzhalter 3"/>
+            <a:r>
+              <a:rPr lang="de-CH" dirty="0" smtClean="0"/>
+              <a:t>Ryser</a:t>
+            </a:r>
+            <a:endParaRPr lang="en-GB" dirty="0"/>
+          </a:p>
+        </p:txBody>
+      </p:sp>
+      <p:sp>
+        <p:nvSpPr>
+          <p:cNvPr id="4" name="Slide Number Placeholder 3"/>
           <p:cNvSpPr>
             <a:spLocks noGrp="1"/>
           </p:cNvSpPr>
@@ -1196,7 +1171,7 @@
     </p:spTree>
     <p:extLst>
       <p:ext uri="{BB962C8B-B14F-4D97-AF65-F5344CB8AC3E}">
-        <p14:creationId xmlns:p14="http://schemas.microsoft.com/office/powerpoint/2010/main" val="1296055436"/>
+        <p14:creationId xmlns:p14="http://schemas.microsoft.com/office/powerpoint/2010/main" val="1734705487"/>
       </p:ext>
     </p:extLst>
   </p:cSld>
@@ -1250,9 +1225,35 @@
           <a:bodyPr/>
           <a:lstStyle/>
           <a:p>
-            <a:r>
-              <a:rPr lang="de-CH" smtClean="0"/>
-              <a:t>Koch</a:t>
+            <a:pPr marL="0" marR="0" indent="0" algn="l" defTabSz="914400" rtl="0" eaLnBrk="1" fontAlgn="auto" latinLnBrk="0" hangingPunct="1">
+              <a:lnSpc>
+                <a:spcPct val="100000"/>
+              </a:lnSpc>
+              <a:spcBef>
+                <a:spcPts val="0"/>
+              </a:spcBef>
+              <a:spcAft>
+                <a:spcPts val="0"/>
+              </a:spcAft>
+              <a:buClrTx/>
+              <a:buSzTx/>
+              <a:buFontTx/>
+              <a:buNone/>
+              <a:tabLst/>
+              <a:defRPr/>
+            </a:pPr>
+            <a:r>
+              <a:rPr lang="de-CH" dirty="0" smtClean="0"/>
+              <a:t>CSS von Hand: Aufwand und Ertrag sind nicht im Verhältnis</a:t>
+            </a:r>
+          </a:p>
+          <a:p>
+            <a:endParaRPr lang="de-CH" dirty="0" smtClean="0"/>
+          </a:p>
+          <a:p>
+            <a:r>
+              <a:rPr lang="de-CH" dirty="0" smtClean="0"/>
+              <a:t>Koch / Ryser</a:t>
             </a:r>
             <a:endParaRPr lang="de-CH" dirty="0"/>
           </a:p>
@@ -1276,6 +1277,94 @@
             <a:fld id="{5A1C3CBA-C147-468E-B3D9-EB2B31A74A73}" type="slidenum">
               <a:rPr lang="de-CH" smtClean="0"/>
               <a:t>17</a:t>
+            </a:fld>
+            <a:endParaRPr lang="de-CH"/>
+          </a:p>
+        </p:txBody>
+      </p:sp>
+    </p:spTree>
+    <p:extLst>
+      <p:ext uri="{BB962C8B-B14F-4D97-AF65-F5344CB8AC3E}">
+        <p14:creationId xmlns:p14="http://schemas.microsoft.com/office/powerpoint/2010/main" val="1296055436"/>
+      </p:ext>
+    </p:extLst>
+  </p:cSld>
+  <p:clrMapOvr>
+    <a:masterClrMapping/>
+  </p:clrMapOvr>
+</p:notes>
+</file>
+
+<file path=ppt/notesSlides/notesSlide18.xml><?xml version="1.0" encoding="utf-8"?>
+<p:notes xmlns:a="http://schemas.openxmlformats.org/drawingml/2006/main" xmlns:r="http://schemas.openxmlformats.org/officeDocument/2006/relationships" xmlns:p="http://schemas.openxmlformats.org/presentationml/2006/main">
+  <p:cSld>
+    <p:spTree>
+      <p:nvGrpSpPr>
+        <p:cNvPr id="1" name=""/>
+        <p:cNvGrpSpPr/>
+        <p:nvPr/>
+      </p:nvGrpSpPr>
+      <p:grpSpPr>
+        <a:xfrm>
+          <a:off x="0" y="0"/>
+          <a:ext cx="0" cy="0"/>
+          <a:chOff x="0" y="0"/>
+          <a:chExt cx="0" cy="0"/>
+        </a:xfrm>
+      </p:grpSpPr>
+      <p:sp>
+        <p:nvSpPr>
+          <p:cNvPr id="2" name="Folienbildplatzhalter 1"/>
+          <p:cNvSpPr>
+            <a:spLocks noGrp="1" noRot="1" noChangeAspect="1"/>
+          </p:cNvSpPr>
+          <p:nvPr>
+            <p:ph type="sldImg"/>
+          </p:nvPr>
+        </p:nvSpPr>
+        <p:spPr/>
+      </p:sp>
+      <p:sp>
+        <p:nvSpPr>
+          <p:cNvPr id="3" name="Notizenplatzhalter 2"/>
+          <p:cNvSpPr>
+            <a:spLocks noGrp="1"/>
+          </p:cNvSpPr>
+          <p:nvPr>
+            <p:ph type="body" idx="1"/>
+          </p:nvPr>
+        </p:nvSpPr>
+        <p:spPr/>
+        <p:txBody>
+          <a:bodyPr/>
+          <a:lstStyle/>
+          <a:p>
+            <a:r>
+              <a:rPr lang="de-CH" smtClean="0"/>
+              <a:t>Koch</a:t>
+            </a:r>
+            <a:endParaRPr lang="de-CH" dirty="0"/>
+          </a:p>
+        </p:txBody>
+      </p:sp>
+      <p:sp>
+        <p:nvSpPr>
+          <p:cNvPr id="4" name="Foliennummernplatzhalter 3"/>
+          <p:cNvSpPr>
+            <a:spLocks noGrp="1"/>
+          </p:cNvSpPr>
+          <p:nvPr>
+            <p:ph type="sldNum" sz="quarter" idx="10"/>
+          </p:nvPr>
+        </p:nvSpPr>
+        <p:spPr/>
+        <p:txBody>
+          <a:bodyPr/>
+          <a:lstStyle/>
+          <a:p>
+            <a:fld id="{5A1C3CBA-C147-468E-B3D9-EB2B31A74A73}" type="slidenum">
+              <a:rPr lang="de-CH" smtClean="0"/>
+              <a:t>18</a:t>
             </a:fld>
             <a:endParaRPr lang="de-CH"/>
           </a:p>
@@ -1707,7 +1796,7 @@
       </p:grpSpPr>
       <p:sp>
         <p:nvSpPr>
-          <p:cNvPr id="2" name="Folienbildplatzhalter 1"/>
+          <p:cNvPr id="2" name="Slide Image Placeholder 1"/>
           <p:cNvSpPr>
             <a:spLocks noGrp="1" noRot="1" noChangeAspect="1"/>
           </p:cNvSpPr>
@@ -1719,7 +1808,7 @@
       </p:sp>
       <p:sp>
         <p:nvSpPr>
-          <p:cNvPr id="3" name="Notizenplatzhalter 2"/>
+          <p:cNvPr id="3" name="Notes Placeholder 2"/>
           <p:cNvSpPr>
             <a:spLocks noGrp="1"/>
           </p:cNvSpPr>
@@ -1734,15 +1823,26 @@
           <a:p>
             <a:r>
               <a:rPr lang="de-CH" dirty="0" smtClean="0"/>
-              <a:t>Koch</a:t>
-            </a:r>
-            <a:endParaRPr lang="de-CH" dirty="0"/>
-          </a:p>
-        </p:txBody>
-      </p:sp>
-      <p:sp>
-        <p:nvSpPr>
-          <p:cNvPr id="4" name="Foliennummernplatzhalter 3"/>
+              <a:t>Ziel: Schlichtes Design</a:t>
+            </a:r>
+          </a:p>
+          <a:p>
+            <a:endParaRPr lang="de-CH" dirty="0" smtClean="0"/>
+          </a:p>
+          <a:p>
+            <a:r>
+              <a:rPr lang="de-CH" dirty="0" smtClean="0"/>
+              <a:t>Ryser</a:t>
+            </a:r>
+          </a:p>
+          <a:p>
+            <a:endParaRPr lang="en-GB" dirty="0"/>
+          </a:p>
+        </p:txBody>
+      </p:sp>
+      <p:sp>
+        <p:nvSpPr>
+          <p:cNvPr id="4" name="Slide Number Placeholder 3"/>
           <p:cNvSpPr>
             <a:spLocks noGrp="1"/>
           </p:cNvSpPr>
@@ -1766,7 +1866,7 @@
     </p:spTree>
     <p:extLst>
       <p:ext uri="{BB962C8B-B14F-4D97-AF65-F5344CB8AC3E}">
-        <p14:creationId xmlns:p14="http://schemas.microsoft.com/office/powerpoint/2010/main" val="2838136803"/>
+        <p14:creationId xmlns:p14="http://schemas.microsoft.com/office/powerpoint/2010/main" val="1317932398"/>
       </p:ext>
     </p:extLst>
   </p:cSld>
@@ -1854,7 +1954,7 @@
     </p:spTree>
     <p:extLst>
       <p:ext uri="{BB962C8B-B14F-4D97-AF65-F5344CB8AC3E}">
-        <p14:creationId xmlns:p14="http://schemas.microsoft.com/office/powerpoint/2010/main" val="1894567113"/>
+        <p14:creationId xmlns:p14="http://schemas.microsoft.com/office/powerpoint/2010/main" val="2838136803"/>
       </p:ext>
     </p:extLst>
   </p:cSld>
@@ -1942,7 +2042,7 @@
     </p:spTree>
     <p:extLst>
       <p:ext uri="{BB962C8B-B14F-4D97-AF65-F5344CB8AC3E}">
-        <p14:creationId xmlns:p14="http://schemas.microsoft.com/office/powerpoint/2010/main" val="1631512601"/>
+        <p14:creationId xmlns:p14="http://schemas.microsoft.com/office/powerpoint/2010/main" val="1894567113"/>
       </p:ext>
     </p:extLst>
   </p:cSld>
@@ -1998,7 +2098,7 @@
           <a:p>
             <a:r>
               <a:rPr lang="de-CH" dirty="0" smtClean="0"/>
-              <a:t>Ryser</a:t>
+              <a:t>Koch</a:t>
             </a:r>
             <a:endParaRPr lang="de-CH" dirty="0"/>
           </a:p>
@@ -2030,7 +2130,7 @@
     </p:spTree>
     <p:extLst>
       <p:ext uri="{BB962C8B-B14F-4D97-AF65-F5344CB8AC3E}">
-        <p14:creationId xmlns:p14="http://schemas.microsoft.com/office/powerpoint/2010/main" val="3877336550"/>
+        <p14:creationId xmlns:p14="http://schemas.microsoft.com/office/powerpoint/2010/main" val="1631512601"/>
       </p:ext>
     </p:extLst>
   </p:cSld>
@@ -2234,7 +2334,7 @@
           <a:p>
             <a:fld id="{3C171AA7-1DF9-4018-97D4-AC9B5E4873AF}" type="datetimeFigureOut">
               <a:rPr lang="de-CH" smtClean="0"/>
-              <a:t>08.01.2015</a:t>
+              <a:t>09.01.2015</a:t>
             </a:fld>
             <a:endParaRPr lang="de-CH"/>
           </a:p>
@@ -2399,7 +2499,7 @@
           <a:p>
             <a:fld id="{3C171AA7-1DF9-4018-97D4-AC9B5E4873AF}" type="datetimeFigureOut">
               <a:rPr lang="de-CH" smtClean="0"/>
-              <a:t>08.01.2015</a:t>
+              <a:t>09.01.2015</a:t>
             </a:fld>
             <a:endParaRPr lang="de-CH"/>
           </a:p>
@@ -2574,7 +2674,7 @@
           <a:p>
             <a:fld id="{3C171AA7-1DF9-4018-97D4-AC9B5E4873AF}" type="datetimeFigureOut">
               <a:rPr lang="de-CH" smtClean="0"/>
-              <a:t>08.01.2015</a:t>
+              <a:t>09.01.2015</a:t>
             </a:fld>
             <a:endParaRPr lang="de-CH"/>
           </a:p>
@@ -2739,7 +2839,7 @@
           <a:p>
             <a:fld id="{3C171AA7-1DF9-4018-97D4-AC9B5E4873AF}" type="datetimeFigureOut">
               <a:rPr lang="de-CH" smtClean="0"/>
-              <a:t>08.01.2015</a:t>
+              <a:t>09.01.2015</a:t>
             </a:fld>
             <a:endParaRPr lang="de-CH"/>
           </a:p>
@@ -2980,7 +3080,7 @@
           <a:p>
             <a:fld id="{3C171AA7-1DF9-4018-97D4-AC9B5E4873AF}" type="datetimeFigureOut">
               <a:rPr lang="de-CH" smtClean="0"/>
-              <a:t>08.01.2015</a:t>
+              <a:t>09.01.2015</a:t>
             </a:fld>
             <a:endParaRPr lang="de-CH"/>
           </a:p>
@@ -3263,7 +3363,7 @@
           <a:p>
             <a:fld id="{3C171AA7-1DF9-4018-97D4-AC9B5E4873AF}" type="datetimeFigureOut">
               <a:rPr lang="de-CH" smtClean="0"/>
-              <a:t>08.01.2015</a:t>
+              <a:t>09.01.2015</a:t>
             </a:fld>
             <a:endParaRPr lang="de-CH"/>
           </a:p>
@@ -3692,7 +3792,7 @@
           <a:p>
             <a:fld id="{3C171AA7-1DF9-4018-97D4-AC9B5E4873AF}" type="datetimeFigureOut">
               <a:rPr lang="de-CH" smtClean="0"/>
-              <a:t>08.01.2015</a:t>
+              <a:t>09.01.2015</a:t>
             </a:fld>
             <a:endParaRPr lang="de-CH"/>
           </a:p>
@@ -3805,7 +3905,7 @@
           <a:p>
             <a:fld id="{3C171AA7-1DF9-4018-97D4-AC9B5E4873AF}" type="datetimeFigureOut">
               <a:rPr lang="de-CH" smtClean="0"/>
-              <a:t>08.01.2015</a:t>
+              <a:t>09.01.2015</a:t>
             </a:fld>
             <a:endParaRPr lang="de-CH"/>
           </a:p>
@@ -3895,7 +3995,7 @@
           <a:p>
             <a:fld id="{3C171AA7-1DF9-4018-97D4-AC9B5E4873AF}" type="datetimeFigureOut">
               <a:rPr lang="de-CH" smtClean="0"/>
-              <a:t>08.01.2015</a:t>
+              <a:t>09.01.2015</a:t>
             </a:fld>
             <a:endParaRPr lang="de-CH"/>
           </a:p>
@@ -4084,7 +4184,7 @@
           <a:p>
             <a:fld id="{3C171AA7-1DF9-4018-97D4-AC9B5E4873AF}" type="datetimeFigureOut">
               <a:rPr lang="de-CH" smtClean="0"/>
-              <a:t>08.01.2015</a:t>
+              <a:t>09.01.2015</a:t>
             </a:fld>
             <a:endParaRPr lang="de-CH"/>
           </a:p>
@@ -4402,7 +4502,7 @@
           <a:p>
             <a:fld id="{3C171AA7-1DF9-4018-97D4-AC9B5E4873AF}" type="datetimeFigureOut">
               <a:rPr lang="de-CH" smtClean="0"/>
-              <a:t>08.01.2015</a:t>
+              <a:t>09.01.2015</a:t>
             </a:fld>
             <a:endParaRPr lang="de-CH"/>
           </a:p>
@@ -4781,7 +4881,7 @@
           <a:p>
             <a:fld id="{3C171AA7-1DF9-4018-97D4-AC9B5E4873AF}" type="datetimeFigureOut">
               <a:rPr lang="de-CH" smtClean="0"/>
-              <a:t>08.01.2015</a:t>
+              <a:t>09.01.2015</a:t>
             </a:fld>
             <a:endParaRPr lang="de-CH"/>
           </a:p>
@@ -5221,6 +5321,180 @@
       </p:grpSpPr>
       <p:sp>
         <p:nvSpPr>
+          <p:cNvPr id="2" name="Titel 1"/>
+          <p:cNvSpPr>
+            <a:spLocks noGrp="1"/>
+          </p:cNvSpPr>
+          <p:nvPr>
+            <p:ph type="title"/>
+          </p:nvPr>
+        </p:nvSpPr>
+        <p:spPr/>
+        <p:txBody>
+          <a:bodyPr/>
+          <a:lstStyle/>
+          <a:p>
+            <a:r>
+              <a:rPr lang="de-CH" dirty="0"/>
+              <a:t>Task </a:t>
+            </a:r>
+            <a:r>
+              <a:rPr lang="de-CH" dirty="0" smtClean="0"/>
+              <a:t>8: Sessions</a:t>
+            </a:r>
+            <a:endParaRPr lang="de-CH" dirty="0"/>
+          </a:p>
+        </p:txBody>
+      </p:sp>
+      <p:sp>
+        <p:nvSpPr>
+          <p:cNvPr id="3" name="Inhaltsplatzhalter 2"/>
+          <p:cNvSpPr>
+            <a:spLocks noGrp="1"/>
+          </p:cNvSpPr>
+          <p:nvPr>
+            <p:ph idx="1"/>
+          </p:nvPr>
+        </p:nvSpPr>
+        <p:spPr>
+          <a:xfrm>
+            <a:off x="457200" y="1600200"/>
+            <a:ext cx="7620000" cy="1828800"/>
+          </a:xfrm>
+        </p:spPr>
+        <p:txBody>
+          <a:bodyPr>
+            <a:normAutofit fontScale="92500" lnSpcReduction="20000"/>
+          </a:bodyPr>
+          <a:lstStyle/>
+          <a:p>
+            <a:r>
+              <a:rPr lang="de-CH" dirty="0"/>
+              <a:t>Shopping </a:t>
+            </a:r>
+            <a:r>
+              <a:rPr lang="de-CH" dirty="0" err="1"/>
+              <a:t>Cart</a:t>
+            </a:r>
+            <a:endParaRPr lang="de-CH" dirty="0"/>
+          </a:p>
+          <a:p>
+            <a:r>
+              <a:rPr lang="de-CH" dirty="0" smtClean="0"/>
+              <a:t>Eingeloggter User</a:t>
+            </a:r>
+          </a:p>
+          <a:p>
+            <a:endParaRPr lang="de-CH" dirty="0" smtClean="0"/>
+          </a:p>
+          <a:p>
+            <a:r>
+              <a:rPr lang="de-CH" dirty="0" smtClean="0"/>
+              <a:t>Cookies</a:t>
+            </a:r>
+          </a:p>
+          <a:p>
+            <a:pPr lvl="1"/>
+            <a:r>
+              <a:rPr lang="de-CH" dirty="0" smtClean="0"/>
+              <a:t>Speichern der Spracheinstellungen</a:t>
+            </a:r>
+          </a:p>
+          <a:p>
+            <a:pPr lvl="2"/>
+            <a:r>
+              <a:rPr lang="de-CH" dirty="0" smtClean="0"/>
+              <a:t>1 Tag gültig</a:t>
+            </a:r>
+          </a:p>
+        </p:txBody>
+      </p:sp>
+      <p:pic>
+        <p:nvPicPr>
+          <p:cNvPr id="1026" name="Picture 2"/>
+          <p:cNvPicPr>
+            <a:picLocks noChangeAspect="1" noChangeArrowheads="1"/>
+          </p:cNvPicPr>
+          <p:nvPr/>
+        </p:nvPicPr>
+        <p:blipFill>
+          <a:blip r:embed="rId3">
+            <a:extLst>
+              <a:ext uri="{28A0092B-C50C-407E-A947-70E740481C1C}">
+                <a14:useLocalDpi xmlns:a14="http://schemas.microsoft.com/office/drawing/2010/main" val="0"/>
+              </a:ext>
+            </a:extLst>
+          </a:blip>
+          <a:srcRect/>
+          <a:stretch>
+            <a:fillRect/>
+          </a:stretch>
+        </p:blipFill>
+        <p:spPr bwMode="auto">
+          <a:xfrm>
+            <a:off x="539552" y="4221088"/>
+            <a:ext cx="7428661" cy="851322"/>
+          </a:xfrm>
+          <a:prstGeom prst="rect">
+            <a:avLst/>
+          </a:prstGeom>
+          <a:noFill/>
+          <a:ln>
+            <a:noFill/>
+          </a:ln>
+          <a:extLst>
+            <a:ext uri="{909E8E84-426E-40DD-AFC4-6F175D3DCCD1}">
+              <a14:hiddenFill xmlns:a14="http://schemas.microsoft.com/office/drawing/2010/main">
+                <a:solidFill>
+                  <a:schemeClr val="accent1"/>
+                </a:solidFill>
+              </a14:hiddenFill>
+            </a:ext>
+            <a:ext uri="{91240B29-F687-4F45-9708-019B960494DF}">
+              <a14:hiddenLine xmlns:a14="http://schemas.microsoft.com/office/drawing/2010/main" w="9525">
+                <a:solidFill>
+                  <a:schemeClr val="tx1"/>
+                </a:solidFill>
+                <a:miter lim="800000"/>
+                <a:headEnd/>
+                <a:tailEnd/>
+              </a14:hiddenLine>
+            </a:ext>
+          </a:extLst>
+        </p:spPr>
+      </p:pic>
+    </p:spTree>
+    <p:extLst>
+      <p:ext uri="{BB962C8B-B14F-4D97-AF65-F5344CB8AC3E}">
+        <p14:creationId xmlns:p14="http://schemas.microsoft.com/office/powerpoint/2010/main" val="2131794967"/>
+      </p:ext>
+    </p:extLst>
+  </p:cSld>
+  <p:clrMapOvr>
+    <a:masterClrMapping/>
+  </p:clrMapOvr>
+</p:sld>
+</file>
+
+<file path=ppt/slides/slide11.xml><?xml version="1.0" encoding="utf-8"?>
+<p:sld xmlns:a="http://schemas.openxmlformats.org/drawingml/2006/main" xmlns:r="http://schemas.openxmlformats.org/officeDocument/2006/relationships" xmlns:p="http://schemas.openxmlformats.org/presentationml/2006/main">
+  <p:cSld>
+    <p:spTree>
+      <p:nvGrpSpPr>
+        <p:cNvPr id="1" name=""/>
+        <p:cNvGrpSpPr/>
+        <p:nvPr/>
+      </p:nvGrpSpPr>
+      <p:grpSpPr>
+        <a:xfrm>
+          <a:off x="0" y="0"/>
+          <a:ext cx="0" cy="0"/>
+          <a:chOff x="0" y="0"/>
+          <a:chExt cx="0" cy="0"/>
+        </a:xfrm>
+      </p:grpSpPr>
+      <p:sp>
+        <p:nvSpPr>
           <p:cNvPr id="2" name="Title 1"/>
           <p:cNvSpPr>
             <a:spLocks noGrp="1"/>
@@ -5341,7 +5615,7 @@
 </p:sld>
 </file>
 
-<file path=ppt/slides/slide11.xml><?xml version="1.0" encoding="utf-8"?>
+<file path=ppt/slides/slide12.xml><?xml version="1.0" encoding="utf-8"?>
 <p:sld xmlns:a="http://schemas.openxmlformats.org/drawingml/2006/main" xmlns:r="http://schemas.openxmlformats.org/officeDocument/2006/relationships" xmlns:p="http://schemas.openxmlformats.org/presentationml/2006/main">
   <p:cSld>
     <p:spTree>
@@ -5435,107 +5709,6 @@
 </p:sld>
 </file>
 
-<file path=ppt/slides/slide12.xml><?xml version="1.0" encoding="utf-8"?>
-<p:sld xmlns:a="http://schemas.openxmlformats.org/drawingml/2006/main" xmlns:r="http://schemas.openxmlformats.org/officeDocument/2006/relationships" xmlns:p="http://schemas.openxmlformats.org/presentationml/2006/main">
-  <p:cSld>
-    <p:spTree>
-      <p:nvGrpSpPr>
-        <p:cNvPr id="1" name=""/>
-        <p:cNvGrpSpPr/>
-        <p:nvPr/>
-      </p:nvGrpSpPr>
-      <p:grpSpPr>
-        <a:xfrm>
-          <a:off x="0" y="0"/>
-          <a:ext cx="0" cy="0"/>
-          <a:chOff x="0" y="0"/>
-          <a:chExt cx="0" cy="0"/>
-        </a:xfrm>
-      </p:grpSpPr>
-      <p:sp>
-        <p:nvSpPr>
-          <p:cNvPr id="2" name="Title 1"/>
-          <p:cNvSpPr>
-            <a:spLocks noGrp="1"/>
-          </p:cNvSpPr>
-          <p:nvPr>
-            <p:ph type="title"/>
-          </p:nvPr>
-        </p:nvSpPr>
-        <p:spPr/>
-        <p:txBody>
-          <a:bodyPr/>
-          <a:lstStyle/>
-          <a:p>
-            <a:r>
-              <a:rPr lang="de-CH" smtClean="0"/>
-              <a:t>Task 11: Web Service</a:t>
-            </a:r>
-            <a:endParaRPr lang="en-GB"/>
-          </a:p>
-        </p:txBody>
-      </p:sp>
-      <p:sp>
-        <p:nvSpPr>
-          <p:cNvPr id="3" name="Content Placeholder 2"/>
-          <p:cNvSpPr>
-            <a:spLocks noGrp="1"/>
-          </p:cNvSpPr>
-          <p:nvPr>
-            <p:ph idx="1"/>
-          </p:nvPr>
-        </p:nvSpPr>
-        <p:spPr/>
-        <p:txBody>
-          <a:bodyPr/>
-          <a:lstStyle/>
-          <a:p>
-            <a:r>
-              <a:rPr lang="de-CH" dirty="0" smtClean="0"/>
-              <a:t>Yahoo</a:t>
-            </a:r>
-          </a:p>
-          <a:p>
-            <a:pPr lvl="1"/>
-            <a:r>
-              <a:rPr lang="de-CH" dirty="0" smtClean="0"/>
-              <a:t>Wetter</a:t>
-            </a:r>
-            <a:endParaRPr lang="de-CH" dirty="0" smtClean="0"/>
-          </a:p>
-          <a:p>
-            <a:pPr lvl="1"/>
-            <a:r>
-              <a:rPr lang="de-CH" dirty="0" smtClean="0"/>
-              <a:t>cURL </a:t>
-            </a:r>
-            <a:r>
-              <a:rPr lang="de-CH" dirty="0" smtClean="0"/>
-              <a:t>Query</a:t>
-            </a:r>
-          </a:p>
-          <a:p>
-            <a:pPr lvl="1"/>
-            <a:r>
-              <a:rPr lang="de-CH" dirty="0" smtClean="0"/>
-              <a:t>JSON Rückgabe</a:t>
-            </a:r>
-          </a:p>
-        </p:txBody>
-      </p:sp>
-    </p:spTree>
-    <p:extLst>
-      <p:ext uri="{BB962C8B-B14F-4D97-AF65-F5344CB8AC3E}">
-        <p14:creationId xmlns:p14="http://schemas.microsoft.com/office/powerpoint/2010/main" val="4279117317"/>
-      </p:ext>
-    </p:extLst>
-  </p:cSld>
-  <p:clrMapOvr>
-    <a:masterClrMapping/>
-  </p:clrMapOvr>
-</p:sld>
-</file>
-
 <file path=ppt/slides/slide13.xml><?xml version="1.0" encoding="utf-8"?>
 <p:sld xmlns:a="http://schemas.openxmlformats.org/drawingml/2006/main" xmlns:r="http://schemas.openxmlformats.org/officeDocument/2006/relationships" xmlns:p="http://schemas.openxmlformats.org/presentationml/2006/main">
   <p:cSld>
@@ -5555,6 +5728,102 @@
       </p:grpSpPr>
       <p:sp>
         <p:nvSpPr>
+          <p:cNvPr id="2" name="Title 1"/>
+          <p:cNvSpPr>
+            <a:spLocks noGrp="1"/>
+          </p:cNvSpPr>
+          <p:nvPr>
+            <p:ph type="title"/>
+          </p:nvPr>
+        </p:nvSpPr>
+        <p:spPr/>
+        <p:txBody>
+          <a:bodyPr/>
+          <a:lstStyle/>
+          <a:p>
+            <a:r>
+              <a:rPr lang="de-CH" smtClean="0"/>
+              <a:t>Task 11: Web Service</a:t>
+            </a:r>
+            <a:endParaRPr lang="en-GB"/>
+          </a:p>
+        </p:txBody>
+      </p:sp>
+      <p:sp>
+        <p:nvSpPr>
+          <p:cNvPr id="3" name="Content Placeholder 2"/>
+          <p:cNvSpPr>
+            <a:spLocks noGrp="1"/>
+          </p:cNvSpPr>
+          <p:nvPr>
+            <p:ph idx="1"/>
+          </p:nvPr>
+        </p:nvSpPr>
+        <p:spPr/>
+        <p:txBody>
+          <a:bodyPr/>
+          <a:lstStyle/>
+          <a:p>
+            <a:r>
+              <a:rPr lang="de-CH" dirty="0" smtClean="0"/>
+              <a:t>Yahoo</a:t>
+            </a:r>
+          </a:p>
+          <a:p>
+            <a:pPr lvl="1"/>
+            <a:r>
+              <a:rPr lang="de-CH" dirty="0" smtClean="0"/>
+              <a:t>Wetter</a:t>
+            </a:r>
+          </a:p>
+          <a:p>
+            <a:pPr lvl="1"/>
+            <a:r>
+              <a:rPr lang="de-CH" dirty="0" smtClean="0"/>
+              <a:t>cURL Query</a:t>
+            </a:r>
+          </a:p>
+          <a:p>
+            <a:pPr lvl="1"/>
+            <a:r>
+              <a:rPr lang="de-CH" dirty="0" smtClean="0"/>
+              <a:t>JSON Rückgabe</a:t>
+            </a:r>
+          </a:p>
+        </p:txBody>
+      </p:sp>
+    </p:spTree>
+    <p:extLst>
+      <p:ext uri="{BB962C8B-B14F-4D97-AF65-F5344CB8AC3E}">
+        <p14:creationId xmlns:p14="http://schemas.microsoft.com/office/powerpoint/2010/main" val="4279117317"/>
+      </p:ext>
+    </p:extLst>
+  </p:cSld>
+  <p:clrMapOvr>
+    <a:masterClrMapping/>
+  </p:clrMapOvr>
+</p:sld>
+</file>
+
+<file path=ppt/slides/slide14.xml><?xml version="1.0" encoding="utf-8"?>
+<p:sld xmlns:a="http://schemas.openxmlformats.org/drawingml/2006/main" xmlns:r="http://schemas.openxmlformats.org/officeDocument/2006/relationships" xmlns:p="http://schemas.openxmlformats.org/presentationml/2006/main">
+  <p:cSld>
+    <p:spTree>
+      <p:nvGrpSpPr>
+        <p:cNvPr id="1" name=""/>
+        <p:cNvGrpSpPr/>
+        <p:nvPr/>
+      </p:nvGrpSpPr>
+      <p:grpSpPr>
+        <a:xfrm>
+          <a:off x="0" y="0"/>
+          <a:ext cx="0" cy="0"/>
+          <a:chOff x="0" y="0"/>
+          <a:chExt cx="0" cy="0"/>
+        </a:xfrm>
+      </p:grpSpPr>
+      <p:sp>
+        <p:nvSpPr>
           <p:cNvPr id="2" name="Titel 1"/>
           <p:cNvSpPr>
             <a:spLocks noGrp="1"/>
@@ -5791,7 +6060,7 @@
 </p:sld>
 </file>
 
-<file path=ppt/slides/slide14.xml><?xml version="1.0" encoding="utf-8"?>
+<file path=ppt/slides/slide15.xml><?xml version="1.0" encoding="utf-8"?>
 <p:sld xmlns:a="http://schemas.openxmlformats.org/drawingml/2006/main" xmlns:r="http://schemas.openxmlformats.org/officeDocument/2006/relationships" xmlns:p="http://schemas.openxmlformats.org/presentationml/2006/main">
   <p:cSld>
     <p:spTree>
@@ -5932,7 +6201,7 @@
 </p:sld>
 </file>
 
-<file path=ppt/slides/slide15.xml><?xml version="1.0" encoding="utf-8"?>
+<file path=ppt/slides/slide16.xml><?xml version="1.0" encoding="utf-8"?>
 <p:sld xmlns:a="http://schemas.openxmlformats.org/drawingml/2006/main" xmlns:r="http://schemas.openxmlformats.org/officeDocument/2006/relationships" xmlns:p="http://schemas.openxmlformats.org/presentationml/2006/main">
   <p:cSld>
     <p:spTree>
@@ -5989,8 +6258,13 @@
           <a:p>
             <a:r>
               <a:rPr lang="de-CH" dirty="0" smtClean="0"/>
-              <a:t>Keine spezielle Verteilung der Task</a:t>
-            </a:r>
+              <a:t>Keine spezielle Verteilung der </a:t>
+            </a:r>
+            <a:r>
+              <a:rPr lang="de-CH" dirty="0" smtClean="0"/>
+              <a:t>Tasks</a:t>
+            </a:r>
+            <a:endParaRPr lang="de-CH" dirty="0" smtClean="0"/>
           </a:p>
           <a:p>
             <a:r>
@@ -6055,7 +6329,7 @@
 </p:sld>
 </file>
 
-<file path=ppt/slides/slide16.xml><?xml version="1.0" encoding="utf-8"?>
+<file path=ppt/slides/slide17.xml><?xml version="1.0" encoding="utf-8"?>
 <p:sld xmlns:a="http://schemas.openxmlformats.org/drawingml/2006/main" xmlns:r="http://schemas.openxmlformats.org/officeDocument/2006/relationships" xmlns:p="http://schemas.openxmlformats.org/presentationml/2006/main">
   <p:cSld>
     <p:spTree>
@@ -6124,11 +6398,7 @@
           <a:p>
             <a:r>
               <a:rPr lang="de-CH" dirty="0" smtClean="0"/>
-              <a:t>Organisierte </a:t>
-            </a:r>
-            <a:r>
-              <a:rPr lang="de-CH" dirty="0" smtClean="0"/>
-              <a:t>Struktur</a:t>
+              <a:t>Organisierte Struktur</a:t>
             </a:r>
           </a:p>
           <a:p>
@@ -6136,7 +6406,6 @@
               <a:rPr lang="de-CH" dirty="0" smtClean="0"/>
               <a:t>Sinnvolle Verwendung von Klassen</a:t>
             </a:r>
-            <a:endParaRPr lang="de-CH" dirty="0" smtClean="0"/>
           </a:p>
           <a:p>
             <a:endParaRPr lang="de-CH" dirty="0" smtClean="0"/>
@@ -6192,7 +6461,7 @@
 </p:sld>
 </file>
 
-<file path=ppt/slides/slide17.xml><?xml version="1.0" encoding="utf-8"?>
+<file path=ppt/slides/slide18.xml><?xml version="1.0" encoding="utf-8"?>
 <p:sld xmlns:a="http://schemas.openxmlformats.org/drawingml/2006/main" xmlns:r="http://schemas.openxmlformats.org/officeDocument/2006/relationships" xmlns:p="http://schemas.openxmlformats.org/presentationml/2006/main">
   <p:cSld>
     <p:spTree>
@@ -6322,7 +6591,6 @@
               <a:rPr lang="de-CH" dirty="0" smtClean="0"/>
               <a:t>Arbeit im Team</a:t>
             </a:r>
-            <a:endParaRPr lang="de-CH" dirty="0" smtClean="0"/>
           </a:p>
           <a:p>
             <a:r>
@@ -6762,6 +7030,100 @@
           <a:p>
             <a:r>
               <a:rPr lang="en-US" dirty="0"/>
+              <a:t>Task 2: General Design</a:t>
+            </a:r>
+            <a:endParaRPr lang="en-GB" dirty="0"/>
+          </a:p>
+        </p:txBody>
+      </p:sp>
+      <p:pic>
+        <p:nvPicPr>
+          <p:cNvPr id="3" name="Picture 2" descr="C:\Users\Pascal\Desktop\Unbenannt.PNG"/>
+          <p:cNvPicPr>
+            <a:picLocks noChangeAspect="1" noChangeArrowheads="1"/>
+          </p:cNvPicPr>
+          <p:nvPr/>
+        </p:nvPicPr>
+        <p:blipFill>
+          <a:blip r:embed="rId3">
+            <a:extLst>
+              <a:ext uri="{28A0092B-C50C-407E-A947-70E740481C1C}">
+                <a14:useLocalDpi xmlns:a14="http://schemas.microsoft.com/office/drawing/2010/main" val="0"/>
+              </a:ext>
+            </a:extLst>
+          </a:blip>
+          <a:srcRect/>
+          <a:stretch>
+            <a:fillRect/>
+          </a:stretch>
+        </p:blipFill>
+        <p:spPr bwMode="auto">
+          <a:xfrm>
+            <a:off x="395535" y="1340768"/>
+            <a:ext cx="7700809" cy="4536504"/>
+          </a:xfrm>
+          <a:prstGeom prst="rect">
+            <a:avLst/>
+          </a:prstGeom>
+          <a:noFill/>
+          <a:extLst>
+            <a:ext uri="{909E8E84-426E-40DD-AFC4-6F175D3DCCD1}">
+              <a14:hiddenFill xmlns:a14="http://schemas.microsoft.com/office/drawing/2010/main">
+                <a:solidFill>
+                  <a:srgbClr val="FFFFFF"/>
+                </a:solidFill>
+              </a14:hiddenFill>
+            </a:ext>
+          </a:extLst>
+        </p:spPr>
+      </p:pic>
+    </p:spTree>
+    <p:extLst>
+      <p:ext uri="{BB962C8B-B14F-4D97-AF65-F5344CB8AC3E}">
+        <p14:creationId xmlns:p14="http://schemas.microsoft.com/office/powerpoint/2010/main" val="3945543419"/>
+      </p:ext>
+    </p:extLst>
+  </p:cSld>
+  <p:clrMapOvr>
+    <a:masterClrMapping/>
+  </p:clrMapOvr>
+</p:sld>
+</file>
+
+<file path=ppt/slides/slide7.xml><?xml version="1.0" encoding="utf-8"?>
+<p:sld xmlns:a="http://schemas.openxmlformats.org/drawingml/2006/main" xmlns:r="http://schemas.openxmlformats.org/officeDocument/2006/relationships" xmlns:p="http://schemas.openxmlformats.org/presentationml/2006/main">
+  <p:cSld>
+    <p:spTree>
+      <p:nvGrpSpPr>
+        <p:cNvPr id="1" name=""/>
+        <p:cNvGrpSpPr/>
+        <p:nvPr/>
+      </p:nvGrpSpPr>
+      <p:grpSpPr>
+        <a:xfrm>
+          <a:off x="0" y="0"/>
+          <a:ext cx="0" cy="0"/>
+          <a:chOff x="0" y="0"/>
+          <a:chExt cx="0" cy="0"/>
+        </a:xfrm>
+      </p:grpSpPr>
+      <p:sp>
+        <p:nvSpPr>
+          <p:cNvPr id="2" name="Title 1"/>
+          <p:cNvSpPr>
+            <a:spLocks noGrp="1"/>
+          </p:cNvSpPr>
+          <p:nvPr>
+            <p:ph type="title"/>
+          </p:nvPr>
+        </p:nvSpPr>
+        <p:spPr/>
+        <p:txBody>
+          <a:bodyPr/>
+          <a:lstStyle/>
+          <a:p>
+            <a:r>
+              <a:rPr lang="en-US" dirty="0"/>
               <a:t>Task </a:t>
             </a:r>
             <a:r>
@@ -6789,11 +7151,7 @@
           <a:p>
             <a:r>
               <a:rPr lang="de-CH" dirty="0" smtClean="0"/>
-              <a:t>Klassen um </a:t>
-            </a:r>
-            <a:r>
-              <a:rPr lang="de-CH" dirty="0" smtClean="0"/>
-              <a:t>ähnliche Elemente zu gruppieren</a:t>
+              <a:t>Klassen um ähnliche Elemente zu gruppieren</a:t>
             </a:r>
           </a:p>
           <a:p>
@@ -6875,7 +7233,7 @@
 </p:sld>
 </file>
 
-<file path=ppt/slides/slide7.xml><?xml version="1.0" encoding="utf-8"?>
+<file path=ppt/slides/slide8.xml><?xml version="1.0" encoding="utf-8"?>
 <p:sld xmlns:a="http://schemas.openxmlformats.org/drawingml/2006/main" xmlns:r="http://schemas.openxmlformats.org/officeDocument/2006/relationships" xmlns:p="http://schemas.openxmlformats.org/presentationml/2006/main">
   <p:cSld>
     <p:spTree>
@@ -7055,149 +7413,6 @@
 </p:sld>
 </file>
 
-<file path=ppt/slides/slide8.xml><?xml version="1.0" encoding="utf-8"?>
-<p:sld xmlns:a="http://schemas.openxmlformats.org/drawingml/2006/main" xmlns:r="http://schemas.openxmlformats.org/officeDocument/2006/relationships" xmlns:p="http://schemas.openxmlformats.org/presentationml/2006/main">
-  <p:cSld>
-    <p:spTree>
-      <p:nvGrpSpPr>
-        <p:cNvPr id="1" name=""/>
-        <p:cNvGrpSpPr/>
-        <p:nvPr/>
-      </p:nvGrpSpPr>
-      <p:grpSpPr>
-        <a:xfrm>
-          <a:off x="0" y="0"/>
-          <a:ext cx="0" cy="0"/>
-          <a:chOff x="0" y="0"/>
-          <a:chExt cx="0" cy="0"/>
-        </a:xfrm>
-      </p:grpSpPr>
-      <p:sp>
-        <p:nvSpPr>
-          <p:cNvPr id="2" name="Titel 1"/>
-          <p:cNvSpPr>
-            <a:spLocks noGrp="1"/>
-          </p:cNvSpPr>
-          <p:nvPr>
-            <p:ph type="title"/>
-          </p:nvPr>
-        </p:nvSpPr>
-        <p:spPr/>
-        <p:txBody>
-          <a:bodyPr/>
-          <a:lstStyle/>
-          <a:p>
-            <a:r>
-              <a:rPr lang="de-CH" dirty="0"/>
-              <a:t>Task </a:t>
-            </a:r>
-            <a:r>
-              <a:rPr lang="de-CH" dirty="0" smtClean="0"/>
-              <a:t>7: </a:t>
-            </a:r>
-            <a:r>
-              <a:rPr lang="en-GB" dirty="0" smtClean="0"/>
-              <a:t>JavaScript</a:t>
-            </a:r>
-            <a:endParaRPr lang="de-CH" dirty="0"/>
-          </a:p>
-        </p:txBody>
-      </p:sp>
-      <p:sp>
-        <p:nvSpPr>
-          <p:cNvPr id="3" name="Inhaltsplatzhalter 2"/>
-          <p:cNvSpPr>
-            <a:spLocks noGrp="1"/>
-          </p:cNvSpPr>
-          <p:nvPr>
-            <p:ph idx="1"/>
-          </p:nvPr>
-        </p:nvSpPr>
-        <p:spPr/>
-        <p:txBody>
-          <a:bodyPr/>
-          <a:lstStyle/>
-          <a:p>
-            <a:r>
-              <a:rPr lang="de-CH" dirty="0" smtClean="0"/>
-              <a:t>Form Validation</a:t>
-            </a:r>
-          </a:p>
-          <a:p>
-            <a:pPr lvl="1"/>
-            <a:r>
-              <a:rPr lang="de-CH" dirty="0" smtClean="0"/>
-              <a:t>Phone/Mobile </a:t>
-            </a:r>
-            <a:r>
-              <a:rPr lang="de-CH" dirty="0" err="1" smtClean="0"/>
-              <a:t>numbers</a:t>
-            </a:r>
-            <a:endParaRPr lang="de-CH" dirty="0" smtClean="0"/>
-          </a:p>
-          <a:p>
-            <a:pPr lvl="1"/>
-            <a:r>
-              <a:rPr lang="de-CH" dirty="0" smtClean="0"/>
-              <a:t>E-Mail Adressen</a:t>
-            </a:r>
-          </a:p>
-          <a:p>
-            <a:pPr lvl="1"/>
-            <a:r>
-              <a:rPr lang="de-CH" dirty="0" smtClean="0"/>
-              <a:t>Strasse, PLZ, Ort</a:t>
-            </a:r>
-          </a:p>
-          <a:p>
-            <a:pPr lvl="1"/>
-            <a:r>
-              <a:rPr lang="de-CH" dirty="0" smtClean="0"/>
-              <a:t>Passwort</a:t>
-            </a:r>
-          </a:p>
-          <a:p>
-            <a:pPr lvl="1"/>
-            <a:endParaRPr lang="de-CH" dirty="0"/>
-          </a:p>
-          <a:p>
-            <a:pPr lvl="1"/>
-            <a:r>
-              <a:rPr lang="de-CH" dirty="0" smtClean="0"/>
-              <a:t>Validation gemäss Input-Name</a:t>
-            </a:r>
-          </a:p>
-          <a:p>
-            <a:pPr lvl="1"/>
-            <a:endParaRPr lang="de-CH" dirty="0" smtClean="0"/>
-          </a:p>
-          <a:p>
-            <a:r>
-              <a:rPr lang="de-CH" dirty="0" smtClean="0"/>
-              <a:t>Formular wird nur bei korrekten Eingaben übermittelt</a:t>
-            </a:r>
-          </a:p>
-          <a:p>
-            <a:endParaRPr lang="de-CH" dirty="0"/>
-          </a:p>
-          <a:p>
-            <a:endParaRPr lang="de-CH" dirty="0"/>
-          </a:p>
-        </p:txBody>
-      </p:sp>
-    </p:spTree>
-    <p:extLst>
-      <p:ext uri="{BB962C8B-B14F-4D97-AF65-F5344CB8AC3E}">
-        <p14:creationId xmlns:p14="http://schemas.microsoft.com/office/powerpoint/2010/main" val="2405985397"/>
-      </p:ext>
-    </p:extLst>
-  </p:cSld>
-  <p:clrMapOvr>
-    <a:masterClrMapping/>
-  </p:clrMapOvr>
-</p:sld>
-</file>
-
 <file path=ppt/slides/slide9.xml><?xml version="1.0" encoding="utf-8"?>
 <p:sld xmlns:a="http://schemas.openxmlformats.org/drawingml/2006/main" xmlns:r="http://schemas.openxmlformats.org/officeDocument/2006/relationships" xmlns:p="http://schemas.openxmlformats.org/presentationml/2006/main">
   <p:cSld>
@@ -7236,7 +7451,11 @@
             </a:r>
             <a:r>
               <a:rPr lang="de-CH" dirty="0" smtClean="0"/>
-              <a:t>8: Sessions</a:t>
+              <a:t>7: </a:t>
+            </a:r>
+            <a:r>
+              <a:rPr lang="en-GB" dirty="0" smtClean="0"/>
+              <a:t>JavaScript</a:t>
             </a:r>
             <a:endParaRPr lang="de-CH" dirty="0"/>
           </a:p>
@@ -7252,117 +7471,82 @@
             <p:ph idx="1"/>
           </p:nvPr>
         </p:nvSpPr>
-        <p:spPr>
-          <a:xfrm>
-            <a:off x="457200" y="1600200"/>
-            <a:ext cx="7620000" cy="1828800"/>
-          </a:xfrm>
-        </p:spPr>
-        <p:txBody>
-          <a:bodyPr>
-            <a:normAutofit fontScale="92500" lnSpcReduction="20000"/>
-          </a:bodyPr>
-          <a:lstStyle/>
-          <a:p>
-            <a:r>
-              <a:rPr lang="de-CH" dirty="0"/>
-              <a:t>Shopping </a:t>
-            </a:r>
-            <a:r>
-              <a:rPr lang="de-CH" dirty="0" err="1"/>
-              <a:t>Cart</a:t>
-            </a:r>
+        <p:spPr/>
+        <p:txBody>
+          <a:bodyPr/>
+          <a:lstStyle/>
+          <a:p>
+            <a:r>
+              <a:rPr lang="de-CH" dirty="0" smtClean="0"/>
+              <a:t>Form Validation</a:t>
+            </a:r>
+          </a:p>
+          <a:p>
+            <a:pPr lvl="1"/>
+            <a:r>
+              <a:rPr lang="de-CH" dirty="0" smtClean="0"/>
+              <a:t>Phone/Mobile </a:t>
+            </a:r>
+            <a:r>
+              <a:rPr lang="de-CH" dirty="0" err="1" smtClean="0"/>
+              <a:t>numbers</a:t>
+            </a:r>
+            <a:endParaRPr lang="de-CH" dirty="0" smtClean="0"/>
+          </a:p>
+          <a:p>
+            <a:pPr lvl="1"/>
+            <a:r>
+              <a:rPr lang="de-CH" dirty="0" smtClean="0"/>
+              <a:t>E-Mail Adressen</a:t>
+            </a:r>
+          </a:p>
+          <a:p>
+            <a:pPr lvl="1"/>
+            <a:r>
+              <a:rPr lang="de-CH" dirty="0" smtClean="0"/>
+              <a:t>Strasse, PLZ, Ort</a:t>
+            </a:r>
+          </a:p>
+          <a:p>
+            <a:pPr lvl="1"/>
+            <a:r>
+              <a:rPr lang="de-CH" dirty="0" smtClean="0"/>
+              <a:t>Passwort</a:t>
+            </a:r>
+          </a:p>
+          <a:p>
+            <a:pPr lvl="1"/>
             <a:endParaRPr lang="de-CH" dirty="0"/>
           </a:p>
           <a:p>
-            <a:r>
-              <a:rPr lang="de-CH" dirty="0" smtClean="0"/>
-              <a:t>Eingeloggter User</a:t>
-            </a:r>
-          </a:p>
-          <a:p>
+            <a:pPr lvl="1"/>
+            <a:r>
+              <a:rPr lang="de-CH" dirty="0" smtClean="0"/>
+              <a:t>Validation gemäss Input-Name</a:t>
+            </a:r>
+          </a:p>
+          <a:p>
+            <a:pPr lvl="1"/>
             <a:endParaRPr lang="de-CH" dirty="0" smtClean="0"/>
           </a:p>
           <a:p>
             <a:r>
               <a:rPr lang="de-CH" dirty="0" smtClean="0"/>
-              <a:t>Cookies</a:t>
-            </a:r>
-          </a:p>
-          <a:p>
-            <a:pPr lvl="1"/>
-            <a:r>
-              <a:rPr lang="de-CH" dirty="0" smtClean="0"/>
-              <a:t>Speichern der Spracheinstellungen</a:t>
-            </a:r>
-          </a:p>
-          <a:p>
-            <a:pPr lvl="2"/>
-            <a:r>
-              <a:rPr lang="de-CH" dirty="0" smtClean="0"/>
-              <a:t>1 Tag gültig</a:t>
-            </a:r>
-          </a:p>
-        </p:txBody>
-      </p:sp>
-      <p:pic>
-        <p:nvPicPr>
-          <p:cNvPr id="1026" name="Picture 2"/>
-          <p:cNvPicPr>
-            <a:picLocks noChangeAspect="1" noChangeArrowheads="1"/>
-          </p:cNvPicPr>
-          <p:nvPr/>
-        </p:nvPicPr>
-        <p:blipFill>
-          <a:blip r:embed="rId3">
-            <a:extLst>
-              <a:ext uri="{28A0092B-C50C-407E-A947-70E740481C1C}">
-                <a14:useLocalDpi xmlns:a14="http://schemas.microsoft.com/office/drawing/2010/main" val="0"/>
-              </a:ext>
-            </a:extLst>
-          </a:blip>
-          <a:srcRect/>
-          <a:stretch>
-            <a:fillRect/>
-          </a:stretch>
-        </p:blipFill>
-        <p:spPr bwMode="auto">
-          <a:xfrm>
-            <a:off x="539552" y="4221088"/>
-            <a:ext cx="7428661" cy="851322"/>
-          </a:xfrm>
-          <a:prstGeom prst="rect">
-            <a:avLst/>
-          </a:prstGeom>
-          <a:noFill/>
-          <a:ln>
-            <a:noFill/>
-          </a:ln>
-          <a:extLst>
-            <a:ext uri="{909E8E84-426E-40DD-AFC4-6F175D3DCCD1}">
-              <a14:hiddenFill xmlns:a14="http://schemas.microsoft.com/office/drawing/2010/main">
-                <a:solidFill>
-                  <a:schemeClr val="accent1"/>
-                </a:solidFill>
-              </a14:hiddenFill>
-            </a:ext>
-            <a:ext uri="{91240B29-F687-4F45-9708-019B960494DF}">
-              <a14:hiddenLine xmlns:a14="http://schemas.microsoft.com/office/drawing/2010/main" w="9525">
-                <a:solidFill>
-                  <a:schemeClr val="tx1"/>
-                </a:solidFill>
-                <a:miter lim="800000"/>
-                <a:headEnd/>
-                <a:tailEnd/>
-              </a14:hiddenLine>
-            </a:ext>
-          </a:extLst>
-        </p:spPr>
-      </p:pic>
+              <a:t>Formular wird nur bei korrekten Eingaben übermittelt</a:t>
+            </a:r>
+          </a:p>
+          <a:p>
+            <a:endParaRPr lang="de-CH" dirty="0"/>
+          </a:p>
+          <a:p>
+            <a:endParaRPr lang="de-CH" dirty="0"/>
+          </a:p>
+        </p:txBody>
+      </p:sp>
     </p:spTree>
     <p:extLst>
       <p:ext uri="{BB962C8B-B14F-4D97-AF65-F5344CB8AC3E}">
-        <p14:creationId xmlns:p14="http://schemas.microsoft.com/office/powerpoint/2010/main" val="2131794967"/>
+        <p14:creationId xmlns:p14="http://schemas.microsoft.com/office/powerpoint/2010/main" val="2405985397"/>
       </p:ext>
     </p:extLst>
   </p:cSld>
